--- a/Training Images.pptx
+++ b/Training Images.pptx
@@ -15,6 +15,11 @@
     <p:sldId id="264" r:id="rId9"/>
     <p:sldId id="265" r:id="rId10"/>
     <p:sldId id="266" r:id="rId11"/>
+    <p:sldId id="267" r:id="rId12"/>
+    <p:sldId id="268" r:id="rId13"/>
+    <p:sldId id="269" r:id="rId14"/>
+    <p:sldId id="270" r:id="rId15"/>
+    <p:sldId id="271" r:id="rId16"/>
   </p:sldIdLst>
   <p:sldSz cx="12192000" cy="6858000"/>
   <p:notesSz cx="6858000" cy="9144000"/>
@@ -270,7 +275,7 @@
           <a:p>
             <a:fld id="{7C3BABCB-4447-4DF7-9FD2-318320D94EBF}" type="datetimeFigureOut">
               <a:rPr lang="en-IN" smtClean="0"/>
-              <a:t>29-05-2020</a:t>
+              <a:t>01-06-2020</a:t>
             </a:fld>
             <a:endParaRPr lang="en-IN"/>
           </a:p>
@@ -470,7 +475,7 @@
           <a:p>
             <a:fld id="{7C3BABCB-4447-4DF7-9FD2-318320D94EBF}" type="datetimeFigureOut">
               <a:rPr lang="en-IN" smtClean="0"/>
-              <a:t>29-05-2020</a:t>
+              <a:t>01-06-2020</a:t>
             </a:fld>
             <a:endParaRPr lang="en-IN"/>
           </a:p>
@@ -680,7 +685,7 @@
           <a:p>
             <a:fld id="{7C3BABCB-4447-4DF7-9FD2-318320D94EBF}" type="datetimeFigureOut">
               <a:rPr lang="en-IN" smtClean="0"/>
-              <a:t>29-05-2020</a:t>
+              <a:t>01-06-2020</a:t>
             </a:fld>
             <a:endParaRPr lang="en-IN"/>
           </a:p>
@@ -880,7 +885,7 @@
           <a:p>
             <a:fld id="{7C3BABCB-4447-4DF7-9FD2-318320D94EBF}" type="datetimeFigureOut">
               <a:rPr lang="en-IN" smtClean="0"/>
-              <a:t>29-05-2020</a:t>
+              <a:t>01-06-2020</a:t>
             </a:fld>
             <a:endParaRPr lang="en-IN"/>
           </a:p>
@@ -1156,7 +1161,7 @@
           <a:p>
             <a:fld id="{7C3BABCB-4447-4DF7-9FD2-318320D94EBF}" type="datetimeFigureOut">
               <a:rPr lang="en-IN" smtClean="0"/>
-              <a:t>29-05-2020</a:t>
+              <a:t>01-06-2020</a:t>
             </a:fld>
             <a:endParaRPr lang="en-IN"/>
           </a:p>
@@ -1424,7 +1429,7 @@
           <a:p>
             <a:fld id="{7C3BABCB-4447-4DF7-9FD2-318320D94EBF}" type="datetimeFigureOut">
               <a:rPr lang="en-IN" smtClean="0"/>
-              <a:t>29-05-2020</a:t>
+              <a:t>01-06-2020</a:t>
             </a:fld>
             <a:endParaRPr lang="en-IN"/>
           </a:p>
@@ -1839,7 +1844,7 @@
           <a:p>
             <a:fld id="{7C3BABCB-4447-4DF7-9FD2-318320D94EBF}" type="datetimeFigureOut">
               <a:rPr lang="en-IN" smtClean="0"/>
-              <a:t>29-05-2020</a:t>
+              <a:t>01-06-2020</a:t>
             </a:fld>
             <a:endParaRPr lang="en-IN"/>
           </a:p>
@@ -1981,7 +1986,7 @@
           <a:p>
             <a:fld id="{7C3BABCB-4447-4DF7-9FD2-318320D94EBF}" type="datetimeFigureOut">
               <a:rPr lang="en-IN" smtClean="0"/>
-              <a:t>29-05-2020</a:t>
+              <a:t>01-06-2020</a:t>
             </a:fld>
             <a:endParaRPr lang="en-IN"/>
           </a:p>
@@ -2094,7 +2099,7 @@
           <a:p>
             <a:fld id="{7C3BABCB-4447-4DF7-9FD2-318320D94EBF}" type="datetimeFigureOut">
               <a:rPr lang="en-IN" smtClean="0"/>
-              <a:t>29-05-2020</a:t>
+              <a:t>01-06-2020</a:t>
             </a:fld>
             <a:endParaRPr lang="en-IN"/>
           </a:p>
@@ -2407,7 +2412,7 @@
           <a:p>
             <a:fld id="{7C3BABCB-4447-4DF7-9FD2-318320D94EBF}" type="datetimeFigureOut">
               <a:rPr lang="en-IN" smtClean="0"/>
-              <a:t>29-05-2020</a:t>
+              <a:t>01-06-2020</a:t>
             </a:fld>
             <a:endParaRPr lang="en-IN"/>
           </a:p>
@@ -2696,7 +2701,7 @@
           <a:p>
             <a:fld id="{7C3BABCB-4447-4DF7-9FD2-318320D94EBF}" type="datetimeFigureOut">
               <a:rPr lang="en-IN" smtClean="0"/>
-              <a:t>29-05-2020</a:t>
+              <a:t>01-06-2020</a:t>
             </a:fld>
             <a:endParaRPr lang="en-IN"/>
           </a:p>
@@ -2939,7 +2944,7 @@
           <a:p>
             <a:fld id="{7C3BABCB-4447-4DF7-9FD2-318320D94EBF}" type="datetimeFigureOut">
               <a:rPr lang="en-IN" smtClean="0"/>
-              <a:t>29-05-2020</a:t>
+              <a:t>01-06-2020</a:t>
             </a:fld>
             <a:endParaRPr lang="en-IN"/>
           </a:p>
@@ -4642,6 +4647,3755 @@
 </p:sld>
 </file>
 
+<file path=ppt/slides/slide11.xml><?xml version="1.0" encoding="utf-8"?>
+<p:sld xmlns:a="http://schemas.openxmlformats.org/drawingml/2006/main" xmlns:r="http://schemas.openxmlformats.org/officeDocument/2006/relationships" xmlns:p="http://schemas.openxmlformats.org/presentationml/2006/main">
+  <p:cSld>
+    <p:spTree>
+      <p:nvGrpSpPr>
+        <p:cNvPr id="1" name=""/>
+        <p:cNvGrpSpPr/>
+        <p:nvPr/>
+      </p:nvGrpSpPr>
+      <p:grpSpPr>
+        <a:xfrm>
+          <a:off x="0" y="0"/>
+          <a:ext cx="0" cy="0"/>
+          <a:chOff x="0" y="0"/>
+          <a:chExt cx="0" cy="0"/>
+        </a:xfrm>
+      </p:grpSpPr>
+      <p:sp>
+        <p:nvSpPr>
+          <p:cNvPr id="2" name="Title 1">
+            <a:extLst>
+              <a:ext uri="{FF2B5EF4-FFF2-40B4-BE49-F238E27FC236}">
+                <a16:creationId xmlns:a16="http://schemas.microsoft.com/office/drawing/2014/main" id="{D6D26043-1E5B-4680-9836-9AB3E331F420}"/>
+              </a:ext>
+            </a:extLst>
+          </p:cNvPr>
+          <p:cNvSpPr>
+            <a:spLocks noGrp="1"/>
+          </p:cNvSpPr>
+          <p:nvPr>
+            <p:ph type="title"/>
+          </p:nvPr>
+        </p:nvSpPr>
+        <p:spPr>
+          <a:xfrm>
+            <a:off x="838200" y="365125"/>
+            <a:ext cx="10515600" cy="492125"/>
+          </a:xfrm>
+        </p:spPr>
+        <p:txBody>
+          <a:bodyPr>
+            <a:normAutofit fontScale="90000"/>
+          </a:bodyPr>
+          <a:lstStyle/>
+          <a:p>
+            <a:r>
+              <a:rPr lang="en-IN" dirty="0"/>
+              <a:t>Communication strategies- Modern apps</a:t>
+            </a:r>
+          </a:p>
+        </p:txBody>
+      </p:sp>
+      <p:sp>
+        <p:nvSpPr>
+          <p:cNvPr id="4" name="Rectangle: Rounded Corners 3">
+            <a:extLst>
+              <a:ext uri="{FF2B5EF4-FFF2-40B4-BE49-F238E27FC236}">
+                <a16:creationId xmlns:a16="http://schemas.microsoft.com/office/drawing/2014/main" id="{4B4E37DE-A8B8-4291-96FB-9A9BCBF55390}"/>
+              </a:ext>
+            </a:extLst>
+          </p:cNvPr>
+          <p:cNvSpPr/>
+          <p:nvPr/>
+        </p:nvSpPr>
+        <p:spPr>
+          <a:xfrm>
+            <a:off x="8896350" y="1552575"/>
+            <a:ext cx="1704975" cy="676275"/>
+          </a:xfrm>
+          <a:prstGeom prst="roundRect">
+            <a:avLst/>
+          </a:prstGeom>
+        </p:spPr>
+        <p:style>
+          <a:lnRef idx="2">
+            <a:schemeClr val="accent1">
+              <a:shade val="50000"/>
+            </a:schemeClr>
+          </a:lnRef>
+          <a:fillRef idx="1">
+            <a:schemeClr val="accent1"/>
+          </a:fillRef>
+          <a:effectRef idx="0">
+            <a:schemeClr val="accent1"/>
+          </a:effectRef>
+          <a:fontRef idx="minor">
+            <a:schemeClr val="lt1"/>
+          </a:fontRef>
+        </p:style>
+        <p:txBody>
+          <a:bodyPr rtlCol="0" anchor="ctr"/>
+          <a:lstStyle/>
+          <a:p>
+            <a:pPr algn="ctr"/>
+            <a:r>
+              <a:rPr lang="en-IN" dirty="0"/>
+              <a:t>REST Service</a:t>
+            </a:r>
+          </a:p>
+        </p:txBody>
+      </p:sp>
+      <p:sp>
+        <p:nvSpPr>
+          <p:cNvPr id="5" name="Rectangle: Rounded Corners 4">
+            <a:extLst>
+              <a:ext uri="{FF2B5EF4-FFF2-40B4-BE49-F238E27FC236}">
+                <a16:creationId xmlns:a16="http://schemas.microsoft.com/office/drawing/2014/main" id="{946DE291-A890-44C5-A363-03F795C68284}"/>
+              </a:ext>
+            </a:extLst>
+          </p:cNvPr>
+          <p:cNvSpPr/>
+          <p:nvPr/>
+        </p:nvSpPr>
+        <p:spPr>
+          <a:xfrm>
+            <a:off x="1676400" y="1552574"/>
+            <a:ext cx="1704975" cy="676275"/>
+          </a:xfrm>
+          <a:prstGeom prst="roundRect">
+            <a:avLst/>
+          </a:prstGeom>
+        </p:spPr>
+        <p:style>
+          <a:lnRef idx="2">
+            <a:schemeClr val="accent1">
+              <a:shade val="50000"/>
+            </a:schemeClr>
+          </a:lnRef>
+          <a:fillRef idx="1">
+            <a:schemeClr val="accent1"/>
+          </a:fillRef>
+          <a:effectRef idx="0">
+            <a:schemeClr val="accent1"/>
+          </a:effectRef>
+          <a:fontRef idx="minor">
+            <a:schemeClr val="lt1"/>
+          </a:fontRef>
+        </p:style>
+        <p:txBody>
+          <a:bodyPr rtlCol="0" anchor="ctr"/>
+          <a:lstStyle/>
+          <a:p>
+            <a:pPr algn="ctr"/>
+            <a:r>
+              <a:rPr lang="en-IN" dirty="0"/>
+              <a:t>Angular/React</a:t>
+            </a:r>
+          </a:p>
+        </p:txBody>
+      </p:sp>
+      <p:cxnSp>
+        <p:nvCxnSpPr>
+          <p:cNvPr id="7" name="Straight Arrow Connector 6">
+            <a:extLst>
+              <a:ext uri="{FF2B5EF4-FFF2-40B4-BE49-F238E27FC236}">
+                <a16:creationId xmlns:a16="http://schemas.microsoft.com/office/drawing/2014/main" id="{4A535C16-47E9-4BD8-9386-47CB22D96324}"/>
+              </a:ext>
+            </a:extLst>
+          </p:cNvPr>
+          <p:cNvCxnSpPr>
+            <a:stCxn id="5" idx="3"/>
+            <a:endCxn id="4" idx="1"/>
+          </p:cNvCxnSpPr>
+          <p:nvPr/>
+        </p:nvCxnSpPr>
+        <p:spPr>
+          <a:xfrm>
+            <a:off x="3381375" y="1890712"/>
+            <a:ext cx="5514975" cy="1"/>
+          </a:xfrm>
+          <a:prstGeom prst="straightConnector1">
+            <a:avLst/>
+          </a:prstGeom>
+          <a:ln>
+            <a:tailEnd type="triangle"/>
+          </a:ln>
+        </p:spPr>
+        <p:style>
+          <a:lnRef idx="1">
+            <a:schemeClr val="accent1"/>
+          </a:lnRef>
+          <a:fillRef idx="0">
+            <a:schemeClr val="accent1"/>
+          </a:fillRef>
+          <a:effectRef idx="0">
+            <a:schemeClr val="accent1"/>
+          </a:effectRef>
+          <a:fontRef idx="minor">
+            <a:schemeClr val="tx1"/>
+          </a:fontRef>
+        </p:style>
+      </p:cxnSp>
+      <p:sp>
+        <p:nvSpPr>
+          <p:cNvPr id="8" name="TextBox 7">
+            <a:extLst>
+              <a:ext uri="{FF2B5EF4-FFF2-40B4-BE49-F238E27FC236}">
+                <a16:creationId xmlns:a16="http://schemas.microsoft.com/office/drawing/2014/main" id="{6375463C-B897-46EA-BF1E-6312000329C8}"/>
+              </a:ext>
+            </a:extLst>
+          </p:cNvPr>
+          <p:cNvSpPr txBox="1"/>
+          <p:nvPr/>
+        </p:nvSpPr>
+        <p:spPr>
+          <a:xfrm>
+            <a:off x="4872037" y="2096572"/>
+            <a:ext cx="2533650" cy="369332"/>
+          </a:xfrm>
+          <a:prstGeom prst="rect">
+            <a:avLst/>
+          </a:prstGeom>
+          <a:noFill/>
+        </p:spPr>
+        <p:txBody>
+          <a:bodyPr wrap="square" rtlCol="0">
+            <a:spAutoFit/>
+          </a:bodyPr>
+          <a:lstStyle/>
+          <a:p>
+            <a:r>
+              <a:rPr lang="en-IN" dirty="0"/>
+              <a:t>Http Response</a:t>
+            </a:r>
+          </a:p>
+        </p:txBody>
+      </p:sp>
+      <p:sp>
+        <p:nvSpPr>
+          <p:cNvPr id="9" name="TextBox 8">
+            <a:extLst>
+              <a:ext uri="{FF2B5EF4-FFF2-40B4-BE49-F238E27FC236}">
+                <a16:creationId xmlns:a16="http://schemas.microsoft.com/office/drawing/2014/main" id="{8718BD02-C69A-44B5-9D6A-A4C0CD7A78F9}"/>
+              </a:ext>
+            </a:extLst>
+          </p:cNvPr>
+          <p:cNvSpPr txBox="1"/>
+          <p:nvPr/>
+        </p:nvSpPr>
+        <p:spPr>
+          <a:xfrm>
+            <a:off x="4914900" y="1600200"/>
+            <a:ext cx="2533650" cy="369332"/>
+          </a:xfrm>
+          <a:prstGeom prst="rect">
+            <a:avLst/>
+          </a:prstGeom>
+          <a:noFill/>
+        </p:spPr>
+        <p:txBody>
+          <a:bodyPr wrap="square" rtlCol="0">
+            <a:spAutoFit/>
+          </a:bodyPr>
+          <a:lstStyle/>
+          <a:p>
+            <a:r>
+              <a:rPr lang="en-IN" dirty="0"/>
+              <a:t>Http Request</a:t>
+            </a:r>
+          </a:p>
+        </p:txBody>
+      </p:sp>
+      <p:cxnSp>
+        <p:nvCxnSpPr>
+          <p:cNvPr id="11" name="Straight Arrow Connector 10">
+            <a:extLst>
+              <a:ext uri="{FF2B5EF4-FFF2-40B4-BE49-F238E27FC236}">
+                <a16:creationId xmlns:a16="http://schemas.microsoft.com/office/drawing/2014/main" id="{FF88EB00-BA50-48D2-BD75-A34206A33049}"/>
+              </a:ext>
+            </a:extLst>
+          </p:cNvPr>
+          <p:cNvCxnSpPr/>
+          <p:nvPr/>
+        </p:nvCxnSpPr>
+        <p:spPr>
+          <a:xfrm flipH="1">
+            <a:off x="3381375" y="2085975"/>
+            <a:ext cx="5514975" cy="0"/>
+          </a:xfrm>
+          <a:prstGeom prst="straightConnector1">
+            <a:avLst/>
+          </a:prstGeom>
+          <a:ln>
+            <a:tailEnd type="triangle"/>
+          </a:ln>
+        </p:spPr>
+        <p:style>
+          <a:lnRef idx="1">
+            <a:schemeClr val="accent1"/>
+          </a:lnRef>
+          <a:fillRef idx="0">
+            <a:schemeClr val="accent1"/>
+          </a:fillRef>
+          <a:effectRef idx="0">
+            <a:schemeClr val="accent1"/>
+          </a:effectRef>
+          <a:fontRef idx="minor">
+            <a:schemeClr val="tx1"/>
+          </a:fontRef>
+        </p:style>
+      </p:cxnSp>
+      <p:sp>
+        <p:nvSpPr>
+          <p:cNvPr id="12" name="TextBox 11">
+            <a:extLst>
+              <a:ext uri="{FF2B5EF4-FFF2-40B4-BE49-F238E27FC236}">
+                <a16:creationId xmlns:a16="http://schemas.microsoft.com/office/drawing/2014/main" id="{1B406179-E62D-4696-863E-165B37DAB186}"/>
+              </a:ext>
+            </a:extLst>
+          </p:cNvPr>
+          <p:cNvSpPr txBox="1"/>
+          <p:nvPr/>
+        </p:nvSpPr>
+        <p:spPr>
+          <a:xfrm>
+            <a:off x="4171950" y="1035606"/>
+            <a:ext cx="3848100" cy="369332"/>
+          </a:xfrm>
+          <a:prstGeom prst="rect">
+            <a:avLst/>
+          </a:prstGeom>
+          <a:noFill/>
+        </p:spPr>
+        <p:txBody>
+          <a:bodyPr wrap="square" rtlCol="0">
+            <a:spAutoFit/>
+          </a:bodyPr>
+          <a:lstStyle/>
+          <a:p>
+            <a:r>
+              <a:rPr lang="en-IN" dirty="0"/>
+              <a:t>Http Request/Response pattern</a:t>
+            </a:r>
+          </a:p>
+        </p:txBody>
+      </p:sp>
+      <p:sp>
+        <p:nvSpPr>
+          <p:cNvPr id="13" name="Rectangle: Rounded Corners 12">
+            <a:extLst>
+              <a:ext uri="{FF2B5EF4-FFF2-40B4-BE49-F238E27FC236}">
+                <a16:creationId xmlns:a16="http://schemas.microsoft.com/office/drawing/2014/main" id="{C09A413E-F751-4CAC-90CB-27381151A0EF}"/>
+              </a:ext>
+            </a:extLst>
+          </p:cNvPr>
+          <p:cNvSpPr/>
+          <p:nvPr/>
+        </p:nvSpPr>
+        <p:spPr>
+          <a:xfrm>
+            <a:off x="8896349" y="3262312"/>
+            <a:ext cx="1704975" cy="676275"/>
+          </a:xfrm>
+          <a:prstGeom prst="roundRect">
+            <a:avLst/>
+          </a:prstGeom>
+        </p:spPr>
+        <p:style>
+          <a:lnRef idx="2">
+            <a:schemeClr val="accent1">
+              <a:shade val="50000"/>
+            </a:schemeClr>
+          </a:lnRef>
+          <a:fillRef idx="1">
+            <a:schemeClr val="accent1"/>
+          </a:fillRef>
+          <a:effectRef idx="0">
+            <a:schemeClr val="accent1"/>
+          </a:effectRef>
+          <a:fontRef idx="minor">
+            <a:schemeClr val="lt1"/>
+          </a:fontRef>
+        </p:style>
+        <p:txBody>
+          <a:bodyPr rtlCol="0" anchor="ctr"/>
+          <a:lstStyle/>
+          <a:p>
+            <a:pPr algn="ctr"/>
+            <a:r>
+              <a:rPr lang="en-IN" b="1" dirty="0"/>
+              <a:t>Function App</a:t>
+            </a:r>
+          </a:p>
+          <a:p>
+            <a:pPr algn="ctr"/>
+            <a:r>
+              <a:rPr lang="en-IN" b="1" dirty="0"/>
+              <a:t>Subscriber</a:t>
+            </a:r>
+          </a:p>
+        </p:txBody>
+      </p:sp>
+      <p:sp>
+        <p:nvSpPr>
+          <p:cNvPr id="14" name="Rectangle: Rounded Corners 13">
+            <a:extLst>
+              <a:ext uri="{FF2B5EF4-FFF2-40B4-BE49-F238E27FC236}">
+                <a16:creationId xmlns:a16="http://schemas.microsoft.com/office/drawing/2014/main" id="{1E07834D-1F75-43AE-9099-79ECF0692190}"/>
+              </a:ext>
+            </a:extLst>
+          </p:cNvPr>
+          <p:cNvSpPr/>
+          <p:nvPr/>
+        </p:nvSpPr>
+        <p:spPr>
+          <a:xfrm>
+            <a:off x="1157286" y="3078953"/>
+            <a:ext cx="2324101" cy="676275"/>
+          </a:xfrm>
+          <a:prstGeom prst="roundRect">
+            <a:avLst/>
+          </a:prstGeom>
+        </p:spPr>
+        <p:style>
+          <a:lnRef idx="2">
+            <a:schemeClr val="accent1">
+              <a:shade val="50000"/>
+            </a:schemeClr>
+          </a:lnRef>
+          <a:fillRef idx="1">
+            <a:schemeClr val="accent1"/>
+          </a:fillRef>
+          <a:effectRef idx="0">
+            <a:schemeClr val="accent1"/>
+          </a:effectRef>
+          <a:fontRef idx="minor">
+            <a:schemeClr val="lt1"/>
+          </a:fontRef>
+        </p:style>
+        <p:txBody>
+          <a:bodyPr rtlCol="0" anchor="ctr"/>
+          <a:lstStyle/>
+          <a:p>
+            <a:pPr algn="ctr"/>
+            <a:r>
+              <a:rPr lang="en-IN" b="1" dirty="0"/>
+              <a:t>Storage Account</a:t>
+            </a:r>
+          </a:p>
+          <a:p>
+            <a:pPr algn="ctr"/>
+            <a:r>
+              <a:rPr lang="en-IN" b="1" dirty="0"/>
+              <a:t>Publisher</a:t>
+            </a:r>
+          </a:p>
+        </p:txBody>
+      </p:sp>
+      <p:sp>
+        <p:nvSpPr>
+          <p:cNvPr id="15" name="TextBox 14">
+            <a:extLst>
+              <a:ext uri="{FF2B5EF4-FFF2-40B4-BE49-F238E27FC236}">
+                <a16:creationId xmlns:a16="http://schemas.microsoft.com/office/drawing/2014/main" id="{4C560C25-61DD-43BF-857E-48DA8715CA6B}"/>
+              </a:ext>
+            </a:extLst>
+          </p:cNvPr>
+          <p:cNvSpPr txBox="1"/>
+          <p:nvPr/>
+        </p:nvSpPr>
+        <p:spPr>
+          <a:xfrm>
+            <a:off x="4752975" y="3257550"/>
+            <a:ext cx="3848100" cy="369332"/>
+          </a:xfrm>
+          <a:prstGeom prst="rect">
+            <a:avLst/>
+          </a:prstGeom>
+          <a:noFill/>
+        </p:spPr>
+        <p:txBody>
+          <a:bodyPr wrap="square" rtlCol="0">
+            <a:spAutoFit/>
+          </a:bodyPr>
+          <a:lstStyle/>
+          <a:p>
+            <a:r>
+              <a:rPr lang="en-IN" dirty="0"/>
+              <a:t>Event driven pattern</a:t>
+            </a:r>
+          </a:p>
+        </p:txBody>
+      </p:sp>
+      <p:sp>
+        <p:nvSpPr>
+          <p:cNvPr id="16" name="Rectangle: Rounded Corners 15">
+            <a:extLst>
+              <a:ext uri="{FF2B5EF4-FFF2-40B4-BE49-F238E27FC236}">
+                <a16:creationId xmlns:a16="http://schemas.microsoft.com/office/drawing/2014/main" id="{7B692458-1337-45C0-8DCB-F9FCC4F08662}"/>
+              </a:ext>
+            </a:extLst>
+          </p:cNvPr>
+          <p:cNvSpPr/>
+          <p:nvPr/>
+        </p:nvSpPr>
+        <p:spPr>
+          <a:xfrm>
+            <a:off x="8991598" y="4800838"/>
+            <a:ext cx="1704975" cy="676275"/>
+          </a:xfrm>
+          <a:prstGeom prst="roundRect">
+            <a:avLst/>
+          </a:prstGeom>
+        </p:spPr>
+        <p:style>
+          <a:lnRef idx="2">
+            <a:schemeClr val="accent1">
+              <a:shade val="50000"/>
+            </a:schemeClr>
+          </a:lnRef>
+          <a:fillRef idx="1">
+            <a:schemeClr val="accent1"/>
+          </a:fillRef>
+          <a:effectRef idx="0">
+            <a:schemeClr val="accent1"/>
+          </a:effectRef>
+          <a:fontRef idx="minor">
+            <a:schemeClr val="lt1"/>
+          </a:fontRef>
+        </p:style>
+        <p:txBody>
+          <a:bodyPr rtlCol="0" anchor="ctr"/>
+          <a:lstStyle/>
+          <a:p>
+            <a:pPr algn="ctr"/>
+            <a:r>
+              <a:rPr lang="en-IN" b="1" dirty="0"/>
+              <a:t>Custom Web  App</a:t>
+            </a:r>
+          </a:p>
+        </p:txBody>
+      </p:sp>
+      <p:sp>
+        <p:nvSpPr>
+          <p:cNvPr id="17" name="Oval 16">
+            <a:extLst>
+              <a:ext uri="{FF2B5EF4-FFF2-40B4-BE49-F238E27FC236}">
+                <a16:creationId xmlns:a16="http://schemas.microsoft.com/office/drawing/2014/main" id="{A4F70B40-13A9-4365-A26F-54E20F55D651}"/>
+              </a:ext>
+            </a:extLst>
+          </p:cNvPr>
+          <p:cNvSpPr/>
+          <p:nvPr/>
+        </p:nvSpPr>
+        <p:spPr>
+          <a:xfrm>
+            <a:off x="4872037" y="3815000"/>
+            <a:ext cx="1924050" cy="985838"/>
+          </a:xfrm>
+          <a:prstGeom prst="ellipse">
+            <a:avLst/>
+          </a:prstGeom>
+        </p:spPr>
+        <p:style>
+          <a:lnRef idx="2">
+            <a:schemeClr val="accent1">
+              <a:shade val="50000"/>
+            </a:schemeClr>
+          </a:lnRef>
+          <a:fillRef idx="1">
+            <a:schemeClr val="accent1"/>
+          </a:fillRef>
+          <a:effectRef idx="0">
+            <a:schemeClr val="accent1"/>
+          </a:effectRef>
+          <a:fontRef idx="minor">
+            <a:schemeClr val="lt1"/>
+          </a:fontRef>
+        </p:style>
+        <p:txBody>
+          <a:bodyPr rtlCol="0" anchor="ctr"/>
+          <a:lstStyle/>
+          <a:p>
+            <a:pPr algn="ctr"/>
+            <a:r>
+              <a:rPr lang="en-IN" dirty="0"/>
+              <a:t>Event Grid</a:t>
+            </a:r>
+          </a:p>
+        </p:txBody>
+      </p:sp>
+      <p:cxnSp>
+        <p:nvCxnSpPr>
+          <p:cNvPr id="19" name="Straight Arrow Connector 18">
+            <a:extLst>
+              <a:ext uri="{FF2B5EF4-FFF2-40B4-BE49-F238E27FC236}">
+                <a16:creationId xmlns:a16="http://schemas.microsoft.com/office/drawing/2014/main" id="{253ED4CD-0A8A-4B7A-AAAB-FE8704875434}"/>
+              </a:ext>
+            </a:extLst>
+          </p:cNvPr>
+          <p:cNvCxnSpPr>
+            <a:cxnSpLocks/>
+            <a:stCxn id="14" idx="3"/>
+            <a:endCxn id="17" idx="2"/>
+          </p:cNvCxnSpPr>
+          <p:nvPr/>
+        </p:nvCxnSpPr>
+        <p:spPr>
+          <a:xfrm>
+            <a:off x="3481387" y="3417091"/>
+            <a:ext cx="1390650" cy="890828"/>
+          </a:xfrm>
+          <a:prstGeom prst="straightConnector1">
+            <a:avLst/>
+          </a:prstGeom>
+          <a:ln>
+            <a:tailEnd type="triangle"/>
+          </a:ln>
+        </p:spPr>
+        <p:style>
+          <a:lnRef idx="1">
+            <a:schemeClr val="accent1"/>
+          </a:lnRef>
+          <a:fillRef idx="0">
+            <a:schemeClr val="accent1"/>
+          </a:fillRef>
+          <a:effectRef idx="0">
+            <a:schemeClr val="accent1"/>
+          </a:effectRef>
+          <a:fontRef idx="minor">
+            <a:schemeClr val="tx1"/>
+          </a:fontRef>
+        </p:style>
+      </p:cxnSp>
+      <p:cxnSp>
+        <p:nvCxnSpPr>
+          <p:cNvPr id="23" name="Straight Arrow Connector 22">
+            <a:extLst>
+              <a:ext uri="{FF2B5EF4-FFF2-40B4-BE49-F238E27FC236}">
+                <a16:creationId xmlns:a16="http://schemas.microsoft.com/office/drawing/2014/main" id="{39F66585-1451-482A-A417-797C8AD5A30A}"/>
+              </a:ext>
+            </a:extLst>
+          </p:cNvPr>
+          <p:cNvCxnSpPr>
+            <a:cxnSpLocks/>
+            <a:stCxn id="17" idx="6"/>
+            <a:endCxn id="16" idx="1"/>
+          </p:cNvCxnSpPr>
+          <p:nvPr/>
+        </p:nvCxnSpPr>
+        <p:spPr>
+          <a:xfrm>
+            <a:off x="6796087" y="4307919"/>
+            <a:ext cx="2195511" cy="831057"/>
+          </a:xfrm>
+          <a:prstGeom prst="straightConnector1">
+            <a:avLst/>
+          </a:prstGeom>
+          <a:ln>
+            <a:tailEnd type="triangle"/>
+          </a:ln>
+        </p:spPr>
+        <p:style>
+          <a:lnRef idx="1">
+            <a:schemeClr val="accent1"/>
+          </a:lnRef>
+          <a:fillRef idx="0">
+            <a:schemeClr val="accent1"/>
+          </a:fillRef>
+          <a:effectRef idx="0">
+            <a:schemeClr val="accent1"/>
+          </a:effectRef>
+          <a:fontRef idx="minor">
+            <a:schemeClr val="tx1"/>
+          </a:fontRef>
+        </p:style>
+      </p:cxnSp>
+      <p:sp>
+        <p:nvSpPr>
+          <p:cNvPr id="39" name="TextBox 38">
+            <a:extLst>
+              <a:ext uri="{FF2B5EF4-FFF2-40B4-BE49-F238E27FC236}">
+                <a16:creationId xmlns:a16="http://schemas.microsoft.com/office/drawing/2014/main" id="{E0A013A4-D3BE-45DF-942E-2664A3A0D898}"/>
+              </a:ext>
+            </a:extLst>
+          </p:cNvPr>
+          <p:cNvSpPr txBox="1"/>
+          <p:nvPr/>
+        </p:nvSpPr>
+        <p:spPr>
+          <a:xfrm>
+            <a:off x="3443291" y="3669740"/>
+            <a:ext cx="2100262" cy="369332"/>
+          </a:xfrm>
+          <a:prstGeom prst="rect">
+            <a:avLst/>
+          </a:prstGeom>
+          <a:noFill/>
+        </p:spPr>
+        <p:txBody>
+          <a:bodyPr wrap="square" rtlCol="0">
+            <a:spAutoFit/>
+          </a:bodyPr>
+          <a:lstStyle/>
+          <a:p>
+            <a:r>
+              <a:rPr lang="en-IN" dirty="0"/>
+              <a:t>Built-in Topic</a:t>
+            </a:r>
+          </a:p>
+        </p:txBody>
+      </p:sp>
+      <p:sp>
+        <p:nvSpPr>
+          <p:cNvPr id="40" name="TextBox 39">
+            <a:extLst>
+              <a:ext uri="{FF2B5EF4-FFF2-40B4-BE49-F238E27FC236}">
+                <a16:creationId xmlns:a16="http://schemas.microsoft.com/office/drawing/2014/main" id="{C63031A1-D1B4-48F7-8A2F-3A9EF8CF3AF9}"/>
+              </a:ext>
+            </a:extLst>
+          </p:cNvPr>
+          <p:cNvSpPr txBox="1"/>
+          <p:nvPr/>
+        </p:nvSpPr>
+        <p:spPr>
+          <a:xfrm>
+            <a:off x="7334250" y="3618429"/>
+            <a:ext cx="1371600" cy="369332"/>
+          </a:xfrm>
+          <a:prstGeom prst="rect">
+            <a:avLst/>
+          </a:prstGeom>
+          <a:noFill/>
+        </p:spPr>
+        <p:txBody>
+          <a:bodyPr wrap="square" rtlCol="0">
+            <a:spAutoFit/>
+          </a:bodyPr>
+          <a:lstStyle/>
+          <a:p>
+            <a:r>
+              <a:rPr lang="en-IN" dirty="0"/>
+              <a:t>Subscription</a:t>
+            </a:r>
+          </a:p>
+        </p:txBody>
+      </p:sp>
+      <p:sp>
+        <p:nvSpPr>
+          <p:cNvPr id="41" name="TextBox 40">
+            <a:extLst>
+              <a:ext uri="{FF2B5EF4-FFF2-40B4-BE49-F238E27FC236}">
+                <a16:creationId xmlns:a16="http://schemas.microsoft.com/office/drawing/2014/main" id="{119AE876-013B-4B9D-A823-EF1B084202EF}"/>
+              </a:ext>
+            </a:extLst>
+          </p:cNvPr>
+          <p:cNvSpPr txBox="1"/>
+          <p:nvPr/>
+        </p:nvSpPr>
+        <p:spPr>
+          <a:xfrm>
+            <a:off x="7091358" y="4484132"/>
+            <a:ext cx="1371600" cy="369332"/>
+          </a:xfrm>
+          <a:prstGeom prst="rect">
+            <a:avLst/>
+          </a:prstGeom>
+          <a:noFill/>
+        </p:spPr>
+        <p:txBody>
+          <a:bodyPr wrap="square" rtlCol="0">
+            <a:spAutoFit/>
+          </a:bodyPr>
+          <a:lstStyle/>
+          <a:p>
+            <a:r>
+              <a:rPr lang="en-IN" dirty="0"/>
+              <a:t>Subscription</a:t>
+            </a:r>
+          </a:p>
+        </p:txBody>
+      </p:sp>
+      <p:cxnSp>
+        <p:nvCxnSpPr>
+          <p:cNvPr id="43" name="Straight Arrow Connector 42">
+            <a:extLst>
+              <a:ext uri="{FF2B5EF4-FFF2-40B4-BE49-F238E27FC236}">
+                <a16:creationId xmlns:a16="http://schemas.microsoft.com/office/drawing/2014/main" id="{525D9BF8-633A-4FEF-A2EF-7968792B878A}"/>
+              </a:ext>
+            </a:extLst>
+          </p:cNvPr>
+          <p:cNvCxnSpPr>
+            <a:stCxn id="17" idx="6"/>
+            <a:endCxn id="13" idx="1"/>
+          </p:cNvCxnSpPr>
+          <p:nvPr/>
+        </p:nvCxnSpPr>
+        <p:spPr>
+          <a:xfrm flipV="1">
+            <a:off x="6796087" y="3600450"/>
+            <a:ext cx="2100262" cy="707469"/>
+          </a:xfrm>
+          <a:prstGeom prst="straightConnector1">
+            <a:avLst/>
+          </a:prstGeom>
+          <a:ln>
+            <a:tailEnd type="triangle"/>
+          </a:ln>
+        </p:spPr>
+        <p:style>
+          <a:lnRef idx="1">
+            <a:schemeClr val="accent1"/>
+          </a:lnRef>
+          <a:fillRef idx="0">
+            <a:schemeClr val="accent1"/>
+          </a:fillRef>
+          <a:effectRef idx="0">
+            <a:schemeClr val="accent1"/>
+          </a:effectRef>
+          <a:fontRef idx="minor">
+            <a:schemeClr val="tx1"/>
+          </a:fontRef>
+        </p:style>
+      </p:cxnSp>
+      <p:sp>
+        <p:nvSpPr>
+          <p:cNvPr id="45" name="Rectangle: Rounded Corners 44">
+            <a:extLst>
+              <a:ext uri="{FF2B5EF4-FFF2-40B4-BE49-F238E27FC236}">
+                <a16:creationId xmlns:a16="http://schemas.microsoft.com/office/drawing/2014/main" id="{2825462B-D487-487C-83F4-74B1B0A6FE33}"/>
+              </a:ext>
+            </a:extLst>
+          </p:cNvPr>
+          <p:cNvSpPr/>
+          <p:nvPr/>
+        </p:nvSpPr>
+        <p:spPr>
+          <a:xfrm>
+            <a:off x="1095374" y="4853464"/>
+            <a:ext cx="2324101" cy="676275"/>
+          </a:xfrm>
+          <a:prstGeom prst="roundRect">
+            <a:avLst/>
+          </a:prstGeom>
+        </p:spPr>
+        <p:style>
+          <a:lnRef idx="2">
+            <a:schemeClr val="accent1">
+              <a:shade val="50000"/>
+            </a:schemeClr>
+          </a:lnRef>
+          <a:fillRef idx="1">
+            <a:schemeClr val="accent1"/>
+          </a:fillRef>
+          <a:effectRef idx="0">
+            <a:schemeClr val="accent1"/>
+          </a:effectRef>
+          <a:fontRef idx="minor">
+            <a:schemeClr val="lt1"/>
+          </a:fontRef>
+        </p:style>
+        <p:txBody>
+          <a:bodyPr rtlCol="0" anchor="ctr"/>
+          <a:lstStyle/>
+          <a:p>
+            <a:pPr algn="ctr"/>
+            <a:r>
+              <a:rPr lang="en-IN" b="1" dirty="0"/>
+              <a:t>Custom Web App</a:t>
+            </a:r>
+          </a:p>
+          <a:p>
+            <a:pPr algn="ctr"/>
+            <a:r>
+              <a:rPr lang="en-IN" b="1" dirty="0"/>
+              <a:t>Publisher</a:t>
+            </a:r>
+          </a:p>
+        </p:txBody>
+      </p:sp>
+      <p:cxnSp>
+        <p:nvCxnSpPr>
+          <p:cNvPr id="47" name="Straight Arrow Connector 46">
+            <a:extLst>
+              <a:ext uri="{FF2B5EF4-FFF2-40B4-BE49-F238E27FC236}">
+                <a16:creationId xmlns:a16="http://schemas.microsoft.com/office/drawing/2014/main" id="{26BDDDC2-42A1-44EA-B1A8-A566DE7EEAEF}"/>
+              </a:ext>
+            </a:extLst>
+          </p:cNvPr>
+          <p:cNvCxnSpPr>
+            <a:cxnSpLocks/>
+            <a:stCxn id="45" idx="3"/>
+            <a:endCxn id="17" idx="2"/>
+          </p:cNvCxnSpPr>
+          <p:nvPr/>
+        </p:nvCxnSpPr>
+        <p:spPr>
+          <a:xfrm flipV="1">
+            <a:off x="3419475" y="4307919"/>
+            <a:ext cx="1452562" cy="883683"/>
+          </a:xfrm>
+          <a:prstGeom prst="straightConnector1">
+            <a:avLst/>
+          </a:prstGeom>
+          <a:ln>
+            <a:tailEnd type="triangle"/>
+          </a:ln>
+        </p:spPr>
+        <p:style>
+          <a:lnRef idx="1">
+            <a:schemeClr val="accent1"/>
+          </a:lnRef>
+          <a:fillRef idx="0">
+            <a:schemeClr val="accent1"/>
+          </a:fillRef>
+          <a:effectRef idx="0">
+            <a:schemeClr val="accent1"/>
+          </a:effectRef>
+          <a:fontRef idx="minor">
+            <a:schemeClr val="tx1"/>
+          </a:fontRef>
+        </p:style>
+      </p:cxnSp>
+      <p:sp>
+        <p:nvSpPr>
+          <p:cNvPr id="52" name="TextBox 51">
+            <a:extLst>
+              <a:ext uri="{FF2B5EF4-FFF2-40B4-BE49-F238E27FC236}">
+                <a16:creationId xmlns:a16="http://schemas.microsoft.com/office/drawing/2014/main" id="{32BEFDC7-5666-41DA-A0E9-292B4F6FCBAD}"/>
+              </a:ext>
+            </a:extLst>
+          </p:cNvPr>
+          <p:cNvSpPr txBox="1"/>
+          <p:nvPr/>
+        </p:nvSpPr>
+        <p:spPr>
+          <a:xfrm>
+            <a:off x="3469483" y="4687607"/>
+            <a:ext cx="2100262" cy="369332"/>
+          </a:xfrm>
+          <a:prstGeom prst="rect">
+            <a:avLst/>
+          </a:prstGeom>
+          <a:noFill/>
+        </p:spPr>
+        <p:txBody>
+          <a:bodyPr wrap="square" rtlCol="0">
+            <a:spAutoFit/>
+          </a:bodyPr>
+          <a:lstStyle/>
+          <a:p>
+            <a:r>
+              <a:rPr lang="en-IN" dirty="0"/>
+              <a:t>Custom Topic</a:t>
+            </a:r>
+          </a:p>
+        </p:txBody>
+      </p:sp>
+    </p:spTree>
+    <p:extLst>
+      <p:ext uri="{BB962C8B-B14F-4D97-AF65-F5344CB8AC3E}">
+        <p14:creationId xmlns:p14="http://schemas.microsoft.com/office/powerpoint/2010/main" val="2042113289"/>
+      </p:ext>
+    </p:extLst>
+  </p:cSld>
+  <p:clrMapOvr>
+    <a:masterClrMapping/>
+  </p:clrMapOvr>
+</p:sld>
+</file>
+
+<file path=ppt/slides/slide12.xml><?xml version="1.0" encoding="utf-8"?>
+<p:sld xmlns:a="http://schemas.openxmlformats.org/drawingml/2006/main" xmlns:r="http://schemas.openxmlformats.org/officeDocument/2006/relationships" xmlns:p="http://schemas.openxmlformats.org/presentationml/2006/main">
+  <p:cSld>
+    <p:spTree>
+      <p:nvGrpSpPr>
+        <p:cNvPr id="1" name=""/>
+        <p:cNvGrpSpPr/>
+        <p:nvPr/>
+      </p:nvGrpSpPr>
+      <p:grpSpPr>
+        <a:xfrm>
+          <a:off x="0" y="0"/>
+          <a:ext cx="0" cy="0"/>
+          <a:chOff x="0" y="0"/>
+          <a:chExt cx="0" cy="0"/>
+        </a:xfrm>
+      </p:grpSpPr>
+      <p:sp>
+        <p:nvSpPr>
+          <p:cNvPr id="2" name="Title 1">
+            <a:extLst>
+              <a:ext uri="{FF2B5EF4-FFF2-40B4-BE49-F238E27FC236}">
+                <a16:creationId xmlns:a16="http://schemas.microsoft.com/office/drawing/2014/main" id="{45261430-E48D-42BA-AB67-2D3EB13BC0D3}"/>
+              </a:ext>
+            </a:extLst>
+          </p:cNvPr>
+          <p:cNvSpPr>
+            <a:spLocks noGrp="1"/>
+          </p:cNvSpPr>
+          <p:nvPr>
+            <p:ph type="title"/>
+          </p:nvPr>
+        </p:nvSpPr>
+        <p:spPr/>
+        <p:txBody>
+          <a:bodyPr/>
+          <a:lstStyle/>
+          <a:p>
+            <a:r>
+              <a:rPr lang="en-IN" dirty="0"/>
+              <a:t>Message driven communication</a:t>
+            </a:r>
+          </a:p>
+        </p:txBody>
+      </p:sp>
+      <p:sp>
+        <p:nvSpPr>
+          <p:cNvPr id="5" name="Rectangle: Rounded Corners 4">
+            <a:extLst>
+              <a:ext uri="{FF2B5EF4-FFF2-40B4-BE49-F238E27FC236}">
+                <a16:creationId xmlns:a16="http://schemas.microsoft.com/office/drawing/2014/main" id="{5723EC08-05FC-4DD2-82C3-2BC78E7C92D4}"/>
+              </a:ext>
+            </a:extLst>
+          </p:cNvPr>
+          <p:cNvSpPr/>
+          <p:nvPr/>
+        </p:nvSpPr>
+        <p:spPr>
+          <a:xfrm>
+            <a:off x="1323975" y="3918228"/>
+            <a:ext cx="1704975" cy="676275"/>
+          </a:xfrm>
+          <a:prstGeom prst="roundRect">
+            <a:avLst/>
+          </a:prstGeom>
+        </p:spPr>
+        <p:style>
+          <a:lnRef idx="2">
+            <a:schemeClr val="accent1">
+              <a:shade val="50000"/>
+            </a:schemeClr>
+          </a:lnRef>
+          <a:fillRef idx="1">
+            <a:schemeClr val="accent1"/>
+          </a:fillRef>
+          <a:effectRef idx="0">
+            <a:schemeClr val="accent1"/>
+          </a:effectRef>
+          <a:fontRef idx="minor">
+            <a:schemeClr val="lt1"/>
+          </a:fontRef>
+        </p:style>
+        <p:txBody>
+          <a:bodyPr rtlCol="0" anchor="ctr"/>
+          <a:lstStyle/>
+          <a:p>
+            <a:pPr algn="ctr"/>
+            <a:r>
+              <a:rPr lang="en-IN" b="1" dirty="0"/>
+              <a:t>Publisher App</a:t>
+            </a:r>
+          </a:p>
+        </p:txBody>
+      </p:sp>
+      <p:sp>
+        <p:nvSpPr>
+          <p:cNvPr id="7" name="Oval 6">
+            <a:extLst>
+              <a:ext uri="{FF2B5EF4-FFF2-40B4-BE49-F238E27FC236}">
+                <a16:creationId xmlns:a16="http://schemas.microsoft.com/office/drawing/2014/main" id="{99663E91-5109-4848-B268-28841F5928F4}"/>
+              </a:ext>
+            </a:extLst>
+          </p:cNvPr>
+          <p:cNvSpPr/>
+          <p:nvPr/>
+        </p:nvSpPr>
+        <p:spPr>
+          <a:xfrm>
+            <a:off x="4605336" y="3794641"/>
+            <a:ext cx="1924050" cy="985838"/>
+          </a:xfrm>
+          <a:prstGeom prst="ellipse">
+            <a:avLst/>
+          </a:prstGeom>
+        </p:spPr>
+        <p:style>
+          <a:lnRef idx="2">
+            <a:schemeClr val="accent1">
+              <a:shade val="50000"/>
+            </a:schemeClr>
+          </a:lnRef>
+          <a:fillRef idx="1">
+            <a:schemeClr val="accent1"/>
+          </a:fillRef>
+          <a:effectRef idx="0">
+            <a:schemeClr val="accent1"/>
+          </a:effectRef>
+          <a:fontRef idx="minor">
+            <a:schemeClr val="lt1"/>
+          </a:fontRef>
+        </p:style>
+        <p:txBody>
+          <a:bodyPr rtlCol="0" anchor="ctr"/>
+          <a:lstStyle/>
+          <a:p>
+            <a:pPr algn="ctr"/>
+            <a:r>
+              <a:rPr lang="en-IN" dirty="0"/>
+              <a:t>Queue</a:t>
+            </a:r>
+          </a:p>
+        </p:txBody>
+      </p:sp>
+      <p:cxnSp>
+        <p:nvCxnSpPr>
+          <p:cNvPr id="8" name="Straight Arrow Connector 7">
+            <a:extLst>
+              <a:ext uri="{FF2B5EF4-FFF2-40B4-BE49-F238E27FC236}">
+                <a16:creationId xmlns:a16="http://schemas.microsoft.com/office/drawing/2014/main" id="{68E7F224-A1AE-49F1-BF18-ABD910A26AAE}"/>
+              </a:ext>
+            </a:extLst>
+          </p:cNvPr>
+          <p:cNvCxnSpPr>
+            <a:cxnSpLocks/>
+            <a:stCxn id="5" idx="3"/>
+            <a:endCxn id="7" idx="2"/>
+          </p:cNvCxnSpPr>
+          <p:nvPr/>
+        </p:nvCxnSpPr>
+        <p:spPr>
+          <a:xfrm>
+            <a:off x="3028950" y="4256366"/>
+            <a:ext cx="1576386" cy="31194"/>
+          </a:xfrm>
+          <a:prstGeom prst="straightConnector1">
+            <a:avLst/>
+          </a:prstGeom>
+          <a:ln>
+            <a:tailEnd type="triangle"/>
+          </a:ln>
+        </p:spPr>
+        <p:style>
+          <a:lnRef idx="1">
+            <a:schemeClr val="accent1"/>
+          </a:lnRef>
+          <a:fillRef idx="0">
+            <a:schemeClr val="accent1"/>
+          </a:fillRef>
+          <a:effectRef idx="0">
+            <a:schemeClr val="accent1"/>
+          </a:effectRef>
+          <a:fontRef idx="minor">
+            <a:schemeClr val="tx1"/>
+          </a:fontRef>
+        </p:style>
+      </p:cxnSp>
+      <p:cxnSp>
+        <p:nvCxnSpPr>
+          <p:cNvPr id="10" name="Straight Arrow Connector 9">
+            <a:extLst>
+              <a:ext uri="{FF2B5EF4-FFF2-40B4-BE49-F238E27FC236}">
+                <a16:creationId xmlns:a16="http://schemas.microsoft.com/office/drawing/2014/main" id="{671C550B-DAE0-4E91-A9D0-DAF14BE898E4}"/>
+              </a:ext>
+            </a:extLst>
+          </p:cNvPr>
+          <p:cNvCxnSpPr>
+            <a:cxnSpLocks/>
+            <a:stCxn id="7" idx="6"/>
+          </p:cNvCxnSpPr>
+          <p:nvPr/>
+        </p:nvCxnSpPr>
+        <p:spPr>
+          <a:xfrm>
+            <a:off x="6529386" y="4287560"/>
+            <a:ext cx="2100261" cy="422316"/>
+          </a:xfrm>
+          <a:prstGeom prst="straightConnector1">
+            <a:avLst/>
+          </a:prstGeom>
+          <a:ln>
+            <a:tailEnd type="triangle"/>
+          </a:ln>
+        </p:spPr>
+        <p:style>
+          <a:lnRef idx="1">
+            <a:schemeClr val="accent1"/>
+          </a:lnRef>
+          <a:fillRef idx="0">
+            <a:schemeClr val="accent1"/>
+          </a:fillRef>
+          <a:effectRef idx="0">
+            <a:schemeClr val="accent1"/>
+          </a:effectRef>
+          <a:fontRef idx="minor">
+            <a:schemeClr val="tx1"/>
+          </a:fontRef>
+        </p:style>
+      </p:cxnSp>
+      <p:sp>
+        <p:nvSpPr>
+          <p:cNvPr id="11" name="Rectangle: Rounded Corners 10">
+            <a:extLst>
+              <a:ext uri="{FF2B5EF4-FFF2-40B4-BE49-F238E27FC236}">
+                <a16:creationId xmlns:a16="http://schemas.microsoft.com/office/drawing/2014/main" id="{9498AC65-5180-4463-AD0E-D97151F2FD75}"/>
+              </a:ext>
+            </a:extLst>
+          </p:cNvPr>
+          <p:cNvSpPr/>
+          <p:nvPr/>
+        </p:nvSpPr>
+        <p:spPr>
+          <a:xfrm>
+            <a:off x="8629647" y="4371738"/>
+            <a:ext cx="1704975" cy="676275"/>
+          </a:xfrm>
+          <a:prstGeom prst="roundRect">
+            <a:avLst/>
+          </a:prstGeom>
+        </p:spPr>
+        <p:style>
+          <a:lnRef idx="2">
+            <a:schemeClr val="accent1">
+              <a:shade val="50000"/>
+            </a:schemeClr>
+          </a:lnRef>
+          <a:fillRef idx="1">
+            <a:schemeClr val="accent1"/>
+          </a:fillRef>
+          <a:effectRef idx="0">
+            <a:schemeClr val="accent1"/>
+          </a:effectRef>
+          <a:fontRef idx="minor">
+            <a:schemeClr val="lt1"/>
+          </a:fontRef>
+        </p:style>
+        <p:txBody>
+          <a:bodyPr rtlCol="0" anchor="ctr"/>
+          <a:lstStyle/>
+          <a:p>
+            <a:pPr algn="ctr"/>
+            <a:r>
+              <a:rPr lang="en-IN" b="1" dirty="0"/>
+              <a:t>Subscriber App</a:t>
+            </a:r>
+          </a:p>
+        </p:txBody>
+      </p:sp>
+      <p:sp>
+        <p:nvSpPr>
+          <p:cNvPr id="12" name="Rectangle: Rounded Corners 11">
+            <a:extLst>
+              <a:ext uri="{FF2B5EF4-FFF2-40B4-BE49-F238E27FC236}">
+                <a16:creationId xmlns:a16="http://schemas.microsoft.com/office/drawing/2014/main" id="{09F98497-A151-4C27-AED7-433A8835ED5B}"/>
+              </a:ext>
+            </a:extLst>
+          </p:cNvPr>
+          <p:cNvSpPr/>
+          <p:nvPr/>
+        </p:nvSpPr>
+        <p:spPr>
+          <a:xfrm>
+            <a:off x="8629647" y="2752725"/>
+            <a:ext cx="1704975" cy="676275"/>
+          </a:xfrm>
+          <a:prstGeom prst="roundRect">
+            <a:avLst/>
+          </a:prstGeom>
+        </p:spPr>
+        <p:style>
+          <a:lnRef idx="2">
+            <a:schemeClr val="accent1">
+              <a:shade val="50000"/>
+            </a:schemeClr>
+          </a:lnRef>
+          <a:fillRef idx="1">
+            <a:schemeClr val="accent1"/>
+          </a:fillRef>
+          <a:effectRef idx="0">
+            <a:schemeClr val="accent1"/>
+          </a:effectRef>
+          <a:fontRef idx="minor">
+            <a:schemeClr val="lt1"/>
+          </a:fontRef>
+        </p:style>
+        <p:txBody>
+          <a:bodyPr rtlCol="0" anchor="ctr"/>
+          <a:lstStyle/>
+          <a:p>
+            <a:pPr algn="ctr"/>
+            <a:r>
+              <a:rPr lang="en-IN" b="1" dirty="0"/>
+              <a:t>Subscriber App</a:t>
+            </a:r>
+          </a:p>
+        </p:txBody>
+      </p:sp>
+      <p:cxnSp>
+        <p:nvCxnSpPr>
+          <p:cNvPr id="14" name="Straight Arrow Connector 13">
+            <a:extLst>
+              <a:ext uri="{FF2B5EF4-FFF2-40B4-BE49-F238E27FC236}">
+                <a16:creationId xmlns:a16="http://schemas.microsoft.com/office/drawing/2014/main" id="{550CA084-F3F2-478E-B7B6-C17EDB8A6909}"/>
+              </a:ext>
+            </a:extLst>
+          </p:cNvPr>
+          <p:cNvCxnSpPr>
+            <a:stCxn id="7" idx="6"/>
+            <a:endCxn id="12" idx="1"/>
+          </p:cNvCxnSpPr>
+          <p:nvPr/>
+        </p:nvCxnSpPr>
+        <p:spPr>
+          <a:xfrm flipV="1">
+            <a:off x="6529386" y="3090863"/>
+            <a:ext cx="2100261" cy="1196697"/>
+          </a:xfrm>
+          <a:prstGeom prst="straightConnector1">
+            <a:avLst/>
+          </a:prstGeom>
+          <a:ln>
+            <a:tailEnd type="triangle"/>
+          </a:ln>
+        </p:spPr>
+        <p:style>
+          <a:lnRef idx="1">
+            <a:schemeClr val="accent1"/>
+          </a:lnRef>
+          <a:fillRef idx="0">
+            <a:schemeClr val="accent1"/>
+          </a:fillRef>
+          <a:effectRef idx="0">
+            <a:schemeClr val="accent1"/>
+          </a:effectRef>
+          <a:fontRef idx="minor">
+            <a:schemeClr val="tx1"/>
+          </a:fontRef>
+        </p:style>
+      </p:cxnSp>
+    </p:spTree>
+    <p:extLst>
+      <p:ext uri="{BB962C8B-B14F-4D97-AF65-F5344CB8AC3E}">
+        <p14:creationId xmlns:p14="http://schemas.microsoft.com/office/powerpoint/2010/main" val="934626138"/>
+      </p:ext>
+    </p:extLst>
+  </p:cSld>
+  <p:clrMapOvr>
+    <a:masterClrMapping/>
+  </p:clrMapOvr>
+</p:sld>
+</file>
+
+<file path=ppt/slides/slide13.xml><?xml version="1.0" encoding="utf-8"?>
+<p:sld xmlns:a="http://schemas.openxmlformats.org/drawingml/2006/main" xmlns:r="http://schemas.openxmlformats.org/officeDocument/2006/relationships" xmlns:p="http://schemas.openxmlformats.org/presentationml/2006/main">
+  <p:cSld>
+    <p:spTree>
+      <p:nvGrpSpPr>
+        <p:cNvPr id="1" name=""/>
+        <p:cNvGrpSpPr/>
+        <p:nvPr/>
+      </p:nvGrpSpPr>
+      <p:grpSpPr>
+        <a:xfrm>
+          <a:off x="0" y="0"/>
+          <a:ext cx="0" cy="0"/>
+          <a:chOff x="0" y="0"/>
+          <a:chExt cx="0" cy="0"/>
+        </a:xfrm>
+      </p:grpSpPr>
+      <p:sp>
+        <p:nvSpPr>
+          <p:cNvPr id="4" name="Rectangle: Rounded Corners 3">
+            <a:extLst>
+              <a:ext uri="{FF2B5EF4-FFF2-40B4-BE49-F238E27FC236}">
+                <a16:creationId xmlns:a16="http://schemas.microsoft.com/office/drawing/2014/main" id="{18F16190-D1A3-43D4-8D7C-549677267F82}"/>
+              </a:ext>
+            </a:extLst>
+          </p:cNvPr>
+          <p:cNvSpPr/>
+          <p:nvPr/>
+        </p:nvSpPr>
+        <p:spPr>
+          <a:xfrm>
+            <a:off x="8896349" y="3262312"/>
+            <a:ext cx="1704975" cy="676275"/>
+          </a:xfrm>
+          <a:prstGeom prst="roundRect">
+            <a:avLst/>
+          </a:prstGeom>
+        </p:spPr>
+        <p:style>
+          <a:lnRef idx="2">
+            <a:schemeClr val="accent1">
+              <a:shade val="50000"/>
+            </a:schemeClr>
+          </a:lnRef>
+          <a:fillRef idx="1">
+            <a:schemeClr val="accent1"/>
+          </a:fillRef>
+          <a:effectRef idx="0">
+            <a:schemeClr val="accent1"/>
+          </a:effectRef>
+          <a:fontRef idx="minor">
+            <a:schemeClr val="lt1"/>
+          </a:fontRef>
+        </p:style>
+        <p:txBody>
+          <a:bodyPr rtlCol="0" anchor="ctr"/>
+          <a:lstStyle/>
+          <a:p>
+            <a:pPr algn="ctr"/>
+            <a:r>
+              <a:rPr lang="en-IN" b="1" dirty="0"/>
+              <a:t>Big Data App</a:t>
+            </a:r>
+          </a:p>
+        </p:txBody>
+      </p:sp>
+      <p:sp>
+        <p:nvSpPr>
+          <p:cNvPr id="5" name="Rectangle: Rounded Corners 4">
+            <a:extLst>
+              <a:ext uri="{FF2B5EF4-FFF2-40B4-BE49-F238E27FC236}">
+                <a16:creationId xmlns:a16="http://schemas.microsoft.com/office/drawing/2014/main" id="{897464D8-65E0-48FF-8AAE-90EE5AFDD15B}"/>
+              </a:ext>
+            </a:extLst>
+          </p:cNvPr>
+          <p:cNvSpPr/>
+          <p:nvPr/>
+        </p:nvSpPr>
+        <p:spPr>
+          <a:xfrm>
+            <a:off x="1157286" y="3078953"/>
+            <a:ext cx="2324101" cy="676275"/>
+          </a:xfrm>
+          <a:prstGeom prst="roundRect">
+            <a:avLst/>
+          </a:prstGeom>
+        </p:spPr>
+        <p:style>
+          <a:lnRef idx="2">
+            <a:schemeClr val="accent1">
+              <a:shade val="50000"/>
+            </a:schemeClr>
+          </a:lnRef>
+          <a:fillRef idx="1">
+            <a:schemeClr val="accent1"/>
+          </a:fillRef>
+          <a:effectRef idx="0">
+            <a:schemeClr val="accent1"/>
+          </a:effectRef>
+          <a:fontRef idx="minor">
+            <a:schemeClr val="lt1"/>
+          </a:fontRef>
+        </p:style>
+        <p:txBody>
+          <a:bodyPr rtlCol="0" anchor="ctr"/>
+          <a:lstStyle/>
+          <a:p>
+            <a:pPr algn="ctr"/>
+            <a:r>
+              <a:rPr lang="en-IN" b="1" dirty="0"/>
+              <a:t>IoT Sensor 1</a:t>
+            </a:r>
+          </a:p>
+        </p:txBody>
+      </p:sp>
+      <p:sp>
+        <p:nvSpPr>
+          <p:cNvPr id="7" name="Rectangle: Rounded Corners 6">
+            <a:extLst>
+              <a:ext uri="{FF2B5EF4-FFF2-40B4-BE49-F238E27FC236}">
+                <a16:creationId xmlns:a16="http://schemas.microsoft.com/office/drawing/2014/main" id="{2928371A-CABE-47D2-A54C-069AAB031FAF}"/>
+              </a:ext>
+            </a:extLst>
+          </p:cNvPr>
+          <p:cNvSpPr/>
+          <p:nvPr/>
+        </p:nvSpPr>
+        <p:spPr>
+          <a:xfrm>
+            <a:off x="8991598" y="4800838"/>
+            <a:ext cx="1704975" cy="676275"/>
+          </a:xfrm>
+          <a:prstGeom prst="roundRect">
+            <a:avLst/>
+          </a:prstGeom>
+        </p:spPr>
+        <p:style>
+          <a:lnRef idx="2">
+            <a:schemeClr val="accent1">
+              <a:shade val="50000"/>
+            </a:schemeClr>
+          </a:lnRef>
+          <a:fillRef idx="1">
+            <a:schemeClr val="accent1"/>
+          </a:fillRef>
+          <a:effectRef idx="0">
+            <a:schemeClr val="accent1"/>
+          </a:effectRef>
+          <a:fontRef idx="minor">
+            <a:schemeClr val="lt1"/>
+          </a:fontRef>
+        </p:style>
+        <p:txBody>
+          <a:bodyPr rtlCol="0" anchor="ctr"/>
+          <a:lstStyle/>
+          <a:p>
+            <a:pPr algn="ctr"/>
+            <a:r>
+              <a:rPr lang="en-IN" b="1" dirty="0"/>
+              <a:t>HDInsight</a:t>
+            </a:r>
+          </a:p>
+        </p:txBody>
+      </p:sp>
+      <p:cxnSp>
+        <p:nvCxnSpPr>
+          <p:cNvPr id="9" name="Straight Arrow Connector 8">
+            <a:extLst>
+              <a:ext uri="{FF2B5EF4-FFF2-40B4-BE49-F238E27FC236}">
+                <a16:creationId xmlns:a16="http://schemas.microsoft.com/office/drawing/2014/main" id="{FE24FAF6-6DEB-44E3-97B4-44BE2D1F38EF}"/>
+              </a:ext>
+            </a:extLst>
+          </p:cNvPr>
+          <p:cNvCxnSpPr>
+            <a:cxnSpLocks/>
+            <a:stCxn id="5" idx="3"/>
+          </p:cNvCxnSpPr>
+          <p:nvPr/>
+        </p:nvCxnSpPr>
+        <p:spPr>
+          <a:xfrm>
+            <a:off x="3481387" y="3417091"/>
+            <a:ext cx="1390650" cy="890828"/>
+          </a:xfrm>
+          <a:prstGeom prst="straightConnector1">
+            <a:avLst/>
+          </a:prstGeom>
+          <a:ln>
+            <a:tailEnd type="triangle"/>
+          </a:ln>
+        </p:spPr>
+        <p:style>
+          <a:lnRef idx="1">
+            <a:schemeClr val="accent1"/>
+          </a:lnRef>
+          <a:fillRef idx="0">
+            <a:schemeClr val="accent1"/>
+          </a:fillRef>
+          <a:effectRef idx="0">
+            <a:schemeClr val="accent1"/>
+          </a:effectRef>
+          <a:fontRef idx="minor">
+            <a:schemeClr val="tx1"/>
+          </a:fontRef>
+        </p:style>
+      </p:cxnSp>
+      <p:cxnSp>
+        <p:nvCxnSpPr>
+          <p:cNvPr id="10" name="Straight Arrow Connector 9">
+            <a:extLst>
+              <a:ext uri="{FF2B5EF4-FFF2-40B4-BE49-F238E27FC236}">
+                <a16:creationId xmlns:a16="http://schemas.microsoft.com/office/drawing/2014/main" id="{A4BCD925-8AE0-42FF-890D-249814CB46C2}"/>
+              </a:ext>
+            </a:extLst>
+          </p:cNvPr>
+          <p:cNvCxnSpPr>
+            <a:cxnSpLocks/>
+            <a:stCxn id="18" idx="3"/>
+            <a:endCxn id="7" idx="1"/>
+          </p:cNvCxnSpPr>
+          <p:nvPr/>
+        </p:nvCxnSpPr>
+        <p:spPr>
+          <a:xfrm>
+            <a:off x="6796087" y="4136231"/>
+            <a:ext cx="2195511" cy="1002745"/>
+          </a:xfrm>
+          <a:prstGeom prst="straightConnector1">
+            <a:avLst/>
+          </a:prstGeom>
+          <a:ln>
+            <a:tailEnd type="triangle"/>
+          </a:ln>
+        </p:spPr>
+        <p:style>
+          <a:lnRef idx="1">
+            <a:schemeClr val="accent1"/>
+          </a:lnRef>
+          <a:fillRef idx="0">
+            <a:schemeClr val="accent1"/>
+          </a:fillRef>
+          <a:effectRef idx="0">
+            <a:schemeClr val="accent1"/>
+          </a:effectRef>
+          <a:fontRef idx="minor">
+            <a:schemeClr val="tx1"/>
+          </a:fontRef>
+        </p:style>
+      </p:cxnSp>
+      <p:cxnSp>
+        <p:nvCxnSpPr>
+          <p:cNvPr id="14" name="Straight Arrow Connector 13">
+            <a:extLst>
+              <a:ext uri="{FF2B5EF4-FFF2-40B4-BE49-F238E27FC236}">
+                <a16:creationId xmlns:a16="http://schemas.microsoft.com/office/drawing/2014/main" id="{A4F72412-DEEC-4ADE-BCFE-07D681FCDD69}"/>
+              </a:ext>
+            </a:extLst>
+          </p:cNvPr>
+          <p:cNvCxnSpPr>
+            <a:cxnSpLocks/>
+            <a:stCxn id="18" idx="3"/>
+            <a:endCxn id="4" idx="1"/>
+          </p:cNvCxnSpPr>
+          <p:nvPr/>
+        </p:nvCxnSpPr>
+        <p:spPr>
+          <a:xfrm flipV="1">
+            <a:off x="6796087" y="3600450"/>
+            <a:ext cx="2100262" cy="535781"/>
+          </a:xfrm>
+          <a:prstGeom prst="straightConnector1">
+            <a:avLst/>
+          </a:prstGeom>
+          <a:ln>
+            <a:tailEnd type="triangle"/>
+          </a:ln>
+        </p:spPr>
+        <p:style>
+          <a:lnRef idx="1">
+            <a:schemeClr val="accent1"/>
+          </a:lnRef>
+          <a:fillRef idx="0">
+            <a:schemeClr val="accent1"/>
+          </a:fillRef>
+          <a:effectRef idx="0">
+            <a:schemeClr val="accent1"/>
+          </a:effectRef>
+          <a:fontRef idx="minor">
+            <a:schemeClr val="tx1"/>
+          </a:fontRef>
+        </p:style>
+      </p:cxnSp>
+      <p:sp>
+        <p:nvSpPr>
+          <p:cNvPr id="15" name="Rectangle: Rounded Corners 14">
+            <a:extLst>
+              <a:ext uri="{FF2B5EF4-FFF2-40B4-BE49-F238E27FC236}">
+                <a16:creationId xmlns:a16="http://schemas.microsoft.com/office/drawing/2014/main" id="{6D3C432A-1E1D-4A07-88B2-86C143B9C6BD}"/>
+              </a:ext>
+            </a:extLst>
+          </p:cNvPr>
+          <p:cNvSpPr/>
+          <p:nvPr/>
+        </p:nvSpPr>
+        <p:spPr>
+          <a:xfrm>
+            <a:off x="1095374" y="4853464"/>
+            <a:ext cx="2324101" cy="676275"/>
+          </a:xfrm>
+          <a:prstGeom prst="roundRect">
+            <a:avLst/>
+          </a:prstGeom>
+        </p:spPr>
+        <p:style>
+          <a:lnRef idx="2">
+            <a:schemeClr val="accent1">
+              <a:shade val="50000"/>
+            </a:schemeClr>
+          </a:lnRef>
+          <a:fillRef idx="1">
+            <a:schemeClr val="accent1"/>
+          </a:fillRef>
+          <a:effectRef idx="0">
+            <a:schemeClr val="accent1"/>
+          </a:effectRef>
+          <a:fontRef idx="minor">
+            <a:schemeClr val="lt1"/>
+          </a:fontRef>
+        </p:style>
+        <p:txBody>
+          <a:bodyPr rtlCol="0" anchor="ctr"/>
+          <a:lstStyle/>
+          <a:p>
+            <a:pPr algn="ctr"/>
+            <a:r>
+              <a:rPr lang="en-IN" b="1" dirty="0"/>
+              <a:t>IoT Sensor 2</a:t>
+            </a:r>
+          </a:p>
+        </p:txBody>
+      </p:sp>
+      <p:cxnSp>
+        <p:nvCxnSpPr>
+          <p:cNvPr id="16" name="Straight Arrow Connector 15">
+            <a:extLst>
+              <a:ext uri="{FF2B5EF4-FFF2-40B4-BE49-F238E27FC236}">
+                <a16:creationId xmlns:a16="http://schemas.microsoft.com/office/drawing/2014/main" id="{07081018-47EA-471C-AB25-5D7C7297C3C0}"/>
+              </a:ext>
+            </a:extLst>
+          </p:cNvPr>
+          <p:cNvCxnSpPr>
+            <a:cxnSpLocks/>
+            <a:stCxn id="15" idx="3"/>
+          </p:cNvCxnSpPr>
+          <p:nvPr/>
+        </p:nvCxnSpPr>
+        <p:spPr>
+          <a:xfrm flipV="1">
+            <a:off x="3419475" y="4307919"/>
+            <a:ext cx="1452562" cy="883683"/>
+          </a:xfrm>
+          <a:prstGeom prst="straightConnector1">
+            <a:avLst/>
+          </a:prstGeom>
+          <a:ln>
+            <a:tailEnd type="triangle"/>
+          </a:ln>
+        </p:spPr>
+        <p:style>
+          <a:lnRef idx="1">
+            <a:schemeClr val="accent1"/>
+          </a:lnRef>
+          <a:fillRef idx="0">
+            <a:schemeClr val="accent1"/>
+          </a:fillRef>
+          <a:effectRef idx="0">
+            <a:schemeClr val="accent1"/>
+          </a:effectRef>
+          <a:fontRef idx="minor">
+            <a:schemeClr val="tx1"/>
+          </a:fontRef>
+        </p:style>
+      </p:cxnSp>
+      <p:sp>
+        <p:nvSpPr>
+          <p:cNvPr id="18" name="Rectangle 17">
+            <a:extLst>
+              <a:ext uri="{FF2B5EF4-FFF2-40B4-BE49-F238E27FC236}">
+                <a16:creationId xmlns:a16="http://schemas.microsoft.com/office/drawing/2014/main" id="{192509BF-6921-400A-A8C3-450C21C4CD97}"/>
+              </a:ext>
+            </a:extLst>
+          </p:cNvPr>
+          <p:cNvSpPr/>
+          <p:nvPr/>
+        </p:nvSpPr>
+        <p:spPr>
+          <a:xfrm>
+            <a:off x="4872037" y="3262312"/>
+            <a:ext cx="1924050" cy="1747838"/>
+          </a:xfrm>
+          <a:prstGeom prst="rect">
+            <a:avLst/>
+          </a:prstGeom>
+          <a:solidFill>
+            <a:srgbClr val="92D050"/>
+          </a:solidFill>
+        </p:spPr>
+        <p:style>
+          <a:lnRef idx="2">
+            <a:schemeClr val="accent1">
+              <a:shade val="50000"/>
+            </a:schemeClr>
+          </a:lnRef>
+          <a:fillRef idx="1">
+            <a:schemeClr val="accent1"/>
+          </a:fillRef>
+          <a:effectRef idx="0">
+            <a:schemeClr val="accent1"/>
+          </a:effectRef>
+          <a:fontRef idx="minor">
+            <a:schemeClr val="lt1"/>
+          </a:fontRef>
+        </p:style>
+        <p:txBody>
+          <a:bodyPr rtlCol="0" anchor="ctr"/>
+          <a:lstStyle/>
+          <a:p>
+            <a:pPr algn="ctr"/>
+            <a:r>
+              <a:rPr lang="en-IN" dirty="0"/>
+              <a:t>Event Hub</a:t>
+            </a:r>
+          </a:p>
+        </p:txBody>
+      </p:sp>
+      <p:sp>
+        <p:nvSpPr>
+          <p:cNvPr id="19" name="Rectangle: Rounded Corners 18">
+            <a:extLst>
+              <a:ext uri="{FF2B5EF4-FFF2-40B4-BE49-F238E27FC236}">
+                <a16:creationId xmlns:a16="http://schemas.microsoft.com/office/drawing/2014/main" id="{6F77240B-F469-459C-A027-B695397D19FF}"/>
+              </a:ext>
+            </a:extLst>
+          </p:cNvPr>
+          <p:cNvSpPr/>
+          <p:nvPr/>
+        </p:nvSpPr>
+        <p:spPr>
+          <a:xfrm>
+            <a:off x="5091112" y="3429000"/>
+            <a:ext cx="1609726" cy="326228"/>
+          </a:xfrm>
+          <a:prstGeom prst="roundRect">
+            <a:avLst/>
+          </a:prstGeom>
+        </p:spPr>
+        <p:style>
+          <a:lnRef idx="2">
+            <a:schemeClr val="accent1">
+              <a:shade val="50000"/>
+            </a:schemeClr>
+          </a:lnRef>
+          <a:fillRef idx="1">
+            <a:schemeClr val="accent1"/>
+          </a:fillRef>
+          <a:effectRef idx="0">
+            <a:schemeClr val="accent1"/>
+          </a:effectRef>
+          <a:fontRef idx="minor">
+            <a:schemeClr val="lt1"/>
+          </a:fontRef>
+        </p:style>
+        <p:txBody>
+          <a:bodyPr rtlCol="0" anchor="ctr"/>
+          <a:lstStyle/>
+          <a:p>
+            <a:pPr algn="ctr"/>
+            <a:r>
+              <a:rPr lang="en-IN" dirty="0"/>
+              <a:t>P1</a:t>
+            </a:r>
+          </a:p>
+        </p:txBody>
+      </p:sp>
+      <p:sp>
+        <p:nvSpPr>
+          <p:cNvPr id="20" name="Rectangle: Rounded Corners 19">
+            <a:extLst>
+              <a:ext uri="{FF2B5EF4-FFF2-40B4-BE49-F238E27FC236}">
+                <a16:creationId xmlns:a16="http://schemas.microsoft.com/office/drawing/2014/main" id="{C482D42B-1EDA-48D7-8113-169E7A12D250}"/>
+              </a:ext>
+            </a:extLst>
+          </p:cNvPr>
+          <p:cNvSpPr/>
+          <p:nvPr/>
+        </p:nvSpPr>
+        <p:spPr>
+          <a:xfrm>
+            <a:off x="5091112" y="3947037"/>
+            <a:ext cx="1609726" cy="326228"/>
+          </a:xfrm>
+          <a:prstGeom prst="roundRect">
+            <a:avLst/>
+          </a:prstGeom>
+        </p:spPr>
+        <p:style>
+          <a:lnRef idx="2">
+            <a:schemeClr val="accent1">
+              <a:shade val="50000"/>
+            </a:schemeClr>
+          </a:lnRef>
+          <a:fillRef idx="1">
+            <a:schemeClr val="accent1"/>
+          </a:fillRef>
+          <a:effectRef idx="0">
+            <a:schemeClr val="accent1"/>
+          </a:effectRef>
+          <a:fontRef idx="minor">
+            <a:schemeClr val="lt1"/>
+          </a:fontRef>
+        </p:style>
+        <p:txBody>
+          <a:bodyPr rtlCol="0" anchor="ctr"/>
+          <a:lstStyle/>
+          <a:p>
+            <a:pPr algn="ctr"/>
+            <a:r>
+              <a:rPr lang="en-IN" dirty="0"/>
+              <a:t>P2</a:t>
+            </a:r>
+          </a:p>
+        </p:txBody>
+      </p:sp>
+      <p:sp>
+        <p:nvSpPr>
+          <p:cNvPr id="21" name="Rectangle: Rounded Corners 20">
+            <a:extLst>
+              <a:ext uri="{FF2B5EF4-FFF2-40B4-BE49-F238E27FC236}">
+                <a16:creationId xmlns:a16="http://schemas.microsoft.com/office/drawing/2014/main" id="{8FDCFD53-22D8-490B-B537-E95B20C6146B}"/>
+              </a:ext>
+            </a:extLst>
+          </p:cNvPr>
+          <p:cNvSpPr/>
+          <p:nvPr/>
+        </p:nvSpPr>
+        <p:spPr>
+          <a:xfrm>
+            <a:off x="5117305" y="4465074"/>
+            <a:ext cx="1609726" cy="326228"/>
+          </a:xfrm>
+          <a:prstGeom prst="roundRect">
+            <a:avLst/>
+          </a:prstGeom>
+        </p:spPr>
+        <p:style>
+          <a:lnRef idx="2">
+            <a:schemeClr val="accent1">
+              <a:shade val="50000"/>
+            </a:schemeClr>
+          </a:lnRef>
+          <a:fillRef idx="1">
+            <a:schemeClr val="accent1"/>
+          </a:fillRef>
+          <a:effectRef idx="0">
+            <a:schemeClr val="accent1"/>
+          </a:effectRef>
+          <a:fontRef idx="minor">
+            <a:schemeClr val="lt1"/>
+          </a:fontRef>
+        </p:style>
+        <p:txBody>
+          <a:bodyPr rtlCol="0" anchor="ctr"/>
+          <a:lstStyle/>
+          <a:p>
+            <a:pPr algn="ctr"/>
+            <a:r>
+              <a:rPr lang="en-IN" dirty="0"/>
+              <a:t>P3</a:t>
+            </a:r>
+          </a:p>
+        </p:txBody>
+      </p:sp>
+      <p:sp>
+        <p:nvSpPr>
+          <p:cNvPr id="22" name="Rectangle: Rounded Corners 21">
+            <a:extLst>
+              <a:ext uri="{FF2B5EF4-FFF2-40B4-BE49-F238E27FC236}">
+                <a16:creationId xmlns:a16="http://schemas.microsoft.com/office/drawing/2014/main" id="{97118968-B626-4726-B625-CF8EDAE2FD74}"/>
+              </a:ext>
+            </a:extLst>
+          </p:cNvPr>
+          <p:cNvSpPr/>
+          <p:nvPr/>
+        </p:nvSpPr>
+        <p:spPr>
+          <a:xfrm>
+            <a:off x="8991598" y="1885950"/>
+            <a:ext cx="1704975" cy="581025"/>
+          </a:xfrm>
+          <a:prstGeom prst="roundRect">
+            <a:avLst/>
+          </a:prstGeom>
+        </p:spPr>
+        <p:style>
+          <a:lnRef idx="2">
+            <a:schemeClr val="accent1">
+              <a:shade val="50000"/>
+            </a:schemeClr>
+          </a:lnRef>
+          <a:fillRef idx="1">
+            <a:schemeClr val="accent1"/>
+          </a:fillRef>
+          <a:effectRef idx="0">
+            <a:schemeClr val="accent1"/>
+          </a:effectRef>
+          <a:fontRef idx="minor">
+            <a:schemeClr val="lt1"/>
+          </a:fontRef>
+        </p:style>
+        <p:txBody>
+          <a:bodyPr rtlCol="0" anchor="ctr"/>
+          <a:lstStyle/>
+          <a:p>
+            <a:pPr algn="ctr"/>
+            <a:r>
+              <a:rPr lang="en-IN" dirty="0"/>
+              <a:t>Storage </a:t>
+            </a:r>
+            <a:r>
+              <a:rPr lang="en-IN" dirty="0" err="1"/>
+              <a:t>Acc</a:t>
+            </a:r>
+            <a:endParaRPr lang="en-IN" dirty="0"/>
+          </a:p>
+        </p:txBody>
+      </p:sp>
+      <p:cxnSp>
+        <p:nvCxnSpPr>
+          <p:cNvPr id="24" name="Straight Arrow Connector 23">
+            <a:extLst>
+              <a:ext uri="{FF2B5EF4-FFF2-40B4-BE49-F238E27FC236}">
+                <a16:creationId xmlns:a16="http://schemas.microsoft.com/office/drawing/2014/main" id="{F20A3277-0E85-4565-A38A-FC8F16B2F3BA}"/>
+              </a:ext>
+            </a:extLst>
+          </p:cNvPr>
+          <p:cNvCxnSpPr>
+            <a:stCxn id="18" idx="3"/>
+            <a:endCxn id="22" idx="1"/>
+          </p:cNvCxnSpPr>
+          <p:nvPr/>
+        </p:nvCxnSpPr>
+        <p:spPr>
+          <a:xfrm flipV="1">
+            <a:off x="6796087" y="2176463"/>
+            <a:ext cx="2195511" cy="1959768"/>
+          </a:xfrm>
+          <a:prstGeom prst="straightConnector1">
+            <a:avLst/>
+          </a:prstGeom>
+          <a:ln>
+            <a:tailEnd type="triangle"/>
+          </a:ln>
+        </p:spPr>
+        <p:style>
+          <a:lnRef idx="1">
+            <a:schemeClr val="accent1"/>
+          </a:lnRef>
+          <a:fillRef idx="0">
+            <a:schemeClr val="accent1"/>
+          </a:fillRef>
+          <a:effectRef idx="0">
+            <a:schemeClr val="accent1"/>
+          </a:effectRef>
+          <a:fontRef idx="minor">
+            <a:schemeClr val="tx1"/>
+          </a:fontRef>
+        </p:style>
+      </p:cxnSp>
+      <p:sp>
+        <p:nvSpPr>
+          <p:cNvPr id="25" name="Rectangle: Rounded Corners 24">
+            <a:extLst>
+              <a:ext uri="{FF2B5EF4-FFF2-40B4-BE49-F238E27FC236}">
+                <a16:creationId xmlns:a16="http://schemas.microsoft.com/office/drawing/2014/main" id="{625B0D9D-B227-4160-A3A8-4A1CE49DAA27}"/>
+              </a:ext>
+            </a:extLst>
+          </p:cNvPr>
+          <p:cNvSpPr/>
+          <p:nvPr/>
+        </p:nvSpPr>
+        <p:spPr>
+          <a:xfrm>
+            <a:off x="11525250" y="1995011"/>
+            <a:ext cx="781048" cy="471964"/>
+          </a:xfrm>
+          <a:prstGeom prst="roundRect">
+            <a:avLst/>
+          </a:prstGeom>
+        </p:spPr>
+        <p:style>
+          <a:lnRef idx="2">
+            <a:schemeClr val="accent1">
+              <a:shade val="50000"/>
+            </a:schemeClr>
+          </a:lnRef>
+          <a:fillRef idx="1">
+            <a:schemeClr val="accent1"/>
+          </a:fillRef>
+          <a:effectRef idx="0">
+            <a:schemeClr val="accent1"/>
+          </a:effectRef>
+          <a:fontRef idx="minor">
+            <a:schemeClr val="lt1"/>
+          </a:fontRef>
+        </p:style>
+        <p:txBody>
+          <a:bodyPr rtlCol="0" anchor="ctr"/>
+          <a:lstStyle/>
+          <a:p>
+            <a:pPr algn="ctr"/>
+            <a:r>
+              <a:rPr lang="en-IN" dirty="0"/>
+              <a:t>App</a:t>
+            </a:r>
+          </a:p>
+        </p:txBody>
+      </p:sp>
+      <p:cxnSp>
+        <p:nvCxnSpPr>
+          <p:cNvPr id="27" name="Straight Arrow Connector 26">
+            <a:extLst>
+              <a:ext uri="{FF2B5EF4-FFF2-40B4-BE49-F238E27FC236}">
+                <a16:creationId xmlns:a16="http://schemas.microsoft.com/office/drawing/2014/main" id="{967F7F15-3993-47F8-A103-7E40E73983CD}"/>
+              </a:ext>
+            </a:extLst>
+          </p:cNvPr>
+          <p:cNvCxnSpPr>
+            <a:stCxn id="22" idx="3"/>
+            <a:endCxn id="25" idx="1"/>
+          </p:cNvCxnSpPr>
+          <p:nvPr/>
+        </p:nvCxnSpPr>
+        <p:spPr>
+          <a:xfrm>
+            <a:off x="10696573" y="2176463"/>
+            <a:ext cx="828677" cy="54530"/>
+          </a:xfrm>
+          <a:prstGeom prst="straightConnector1">
+            <a:avLst/>
+          </a:prstGeom>
+          <a:ln>
+            <a:tailEnd type="triangle"/>
+          </a:ln>
+        </p:spPr>
+        <p:style>
+          <a:lnRef idx="1">
+            <a:schemeClr val="accent1"/>
+          </a:lnRef>
+          <a:fillRef idx="0">
+            <a:schemeClr val="accent1"/>
+          </a:fillRef>
+          <a:effectRef idx="0">
+            <a:schemeClr val="accent1"/>
+          </a:effectRef>
+          <a:fontRef idx="minor">
+            <a:schemeClr val="tx1"/>
+          </a:fontRef>
+        </p:style>
+      </p:cxnSp>
+    </p:spTree>
+    <p:extLst>
+      <p:ext uri="{BB962C8B-B14F-4D97-AF65-F5344CB8AC3E}">
+        <p14:creationId xmlns:p14="http://schemas.microsoft.com/office/powerpoint/2010/main" val="1592220960"/>
+      </p:ext>
+    </p:extLst>
+  </p:cSld>
+  <p:clrMapOvr>
+    <a:masterClrMapping/>
+  </p:clrMapOvr>
+</p:sld>
+</file>
+
+<file path=ppt/slides/slide14.xml><?xml version="1.0" encoding="utf-8"?>
+<p:sld xmlns:a="http://schemas.openxmlformats.org/drawingml/2006/main" xmlns:r="http://schemas.openxmlformats.org/officeDocument/2006/relationships" xmlns:p="http://schemas.openxmlformats.org/presentationml/2006/main">
+  <p:cSld>
+    <p:spTree>
+      <p:nvGrpSpPr>
+        <p:cNvPr id="1" name=""/>
+        <p:cNvGrpSpPr/>
+        <p:nvPr/>
+      </p:nvGrpSpPr>
+      <p:grpSpPr>
+        <a:xfrm>
+          <a:off x="0" y="0"/>
+          <a:ext cx="0" cy="0"/>
+          <a:chOff x="0" y="0"/>
+          <a:chExt cx="0" cy="0"/>
+        </a:xfrm>
+      </p:grpSpPr>
+      <p:sp>
+        <p:nvSpPr>
+          <p:cNvPr id="2" name="Title 1">
+            <a:extLst>
+              <a:ext uri="{FF2B5EF4-FFF2-40B4-BE49-F238E27FC236}">
+                <a16:creationId xmlns:a16="http://schemas.microsoft.com/office/drawing/2014/main" id="{DBD46237-7395-40C3-BA9C-FD7A336F509A}"/>
+              </a:ext>
+            </a:extLst>
+          </p:cNvPr>
+          <p:cNvSpPr>
+            <a:spLocks noGrp="1"/>
+          </p:cNvSpPr>
+          <p:nvPr>
+            <p:ph type="title"/>
+          </p:nvPr>
+        </p:nvSpPr>
+        <p:spPr>
+          <a:xfrm>
+            <a:off x="838200" y="365126"/>
+            <a:ext cx="10515600" cy="596900"/>
+          </a:xfrm>
+        </p:spPr>
+        <p:txBody>
+          <a:bodyPr>
+            <a:normAutofit fontScale="90000"/>
+          </a:bodyPr>
+          <a:lstStyle/>
+          <a:p>
+            <a:r>
+              <a:rPr lang="en-IN" dirty="0"/>
+              <a:t>Cache for Apps</a:t>
+            </a:r>
+          </a:p>
+        </p:txBody>
+      </p:sp>
+      <p:sp>
+        <p:nvSpPr>
+          <p:cNvPr id="4" name="Rectangle 3">
+            <a:extLst>
+              <a:ext uri="{FF2B5EF4-FFF2-40B4-BE49-F238E27FC236}">
+                <a16:creationId xmlns:a16="http://schemas.microsoft.com/office/drawing/2014/main" id="{73676A7F-74D2-44E7-A394-FD9B6651B014}"/>
+              </a:ext>
+            </a:extLst>
+          </p:cNvPr>
+          <p:cNvSpPr/>
+          <p:nvPr/>
+        </p:nvSpPr>
+        <p:spPr>
+          <a:xfrm>
+            <a:off x="423863" y="3656012"/>
+            <a:ext cx="1514475" cy="596900"/>
+          </a:xfrm>
+          <a:prstGeom prst="rect">
+            <a:avLst/>
+          </a:prstGeom>
+        </p:spPr>
+        <p:style>
+          <a:lnRef idx="2">
+            <a:schemeClr val="accent1">
+              <a:shade val="50000"/>
+            </a:schemeClr>
+          </a:lnRef>
+          <a:fillRef idx="1">
+            <a:schemeClr val="accent1"/>
+          </a:fillRef>
+          <a:effectRef idx="0">
+            <a:schemeClr val="accent1"/>
+          </a:effectRef>
+          <a:fontRef idx="minor">
+            <a:schemeClr val="lt1"/>
+          </a:fontRef>
+        </p:style>
+        <p:txBody>
+          <a:bodyPr rtlCol="0" anchor="ctr"/>
+          <a:lstStyle/>
+          <a:p>
+            <a:pPr algn="ctr"/>
+            <a:r>
+              <a:rPr lang="en-IN" dirty="0"/>
+              <a:t>Client</a:t>
+            </a:r>
+          </a:p>
+        </p:txBody>
+      </p:sp>
+      <p:sp>
+        <p:nvSpPr>
+          <p:cNvPr id="5" name="Rectangle: Rounded Corners 4">
+            <a:extLst>
+              <a:ext uri="{FF2B5EF4-FFF2-40B4-BE49-F238E27FC236}">
+                <a16:creationId xmlns:a16="http://schemas.microsoft.com/office/drawing/2014/main" id="{86FC6FD9-17E9-4D96-A4DF-31322FE5BD8E}"/>
+              </a:ext>
+            </a:extLst>
+          </p:cNvPr>
+          <p:cNvSpPr/>
+          <p:nvPr/>
+        </p:nvSpPr>
+        <p:spPr>
+          <a:xfrm>
+            <a:off x="5305425" y="3165474"/>
+            <a:ext cx="1762125" cy="1323975"/>
+          </a:xfrm>
+          <a:prstGeom prst="roundRect">
+            <a:avLst/>
+          </a:prstGeom>
+          <a:solidFill>
+            <a:srgbClr val="92D050"/>
+          </a:solidFill>
+        </p:spPr>
+        <p:style>
+          <a:lnRef idx="2">
+            <a:schemeClr val="accent1">
+              <a:shade val="50000"/>
+            </a:schemeClr>
+          </a:lnRef>
+          <a:fillRef idx="1">
+            <a:schemeClr val="accent1"/>
+          </a:fillRef>
+          <a:effectRef idx="0">
+            <a:schemeClr val="accent1"/>
+          </a:effectRef>
+          <a:fontRef idx="minor">
+            <a:schemeClr val="lt1"/>
+          </a:fontRef>
+        </p:style>
+        <p:txBody>
+          <a:bodyPr rtlCol="0" anchor="ctr"/>
+          <a:lstStyle/>
+          <a:p>
+            <a:pPr algn="ctr"/>
+            <a:r>
+              <a:rPr lang="en-IN" dirty="0"/>
+              <a:t>Standard S1</a:t>
+            </a:r>
+          </a:p>
+          <a:p>
+            <a:pPr algn="ctr"/>
+            <a:endParaRPr lang="en-IN" dirty="0"/>
+          </a:p>
+          <a:p>
+            <a:pPr algn="ctr"/>
+            <a:endParaRPr lang="en-IN" dirty="0"/>
+          </a:p>
+          <a:p>
+            <a:pPr algn="ctr"/>
+            <a:endParaRPr lang="en-IN" dirty="0"/>
+          </a:p>
+        </p:txBody>
+      </p:sp>
+      <p:sp>
+        <p:nvSpPr>
+          <p:cNvPr id="6" name="Rectangle 5">
+            <a:extLst>
+              <a:ext uri="{FF2B5EF4-FFF2-40B4-BE49-F238E27FC236}">
+                <a16:creationId xmlns:a16="http://schemas.microsoft.com/office/drawing/2014/main" id="{BF3B255B-8AD0-4D36-B34D-F837AECA3B81}"/>
+              </a:ext>
+            </a:extLst>
+          </p:cNvPr>
+          <p:cNvSpPr/>
+          <p:nvPr/>
+        </p:nvSpPr>
+        <p:spPr>
+          <a:xfrm>
+            <a:off x="7981950" y="3205956"/>
+            <a:ext cx="1657350" cy="1471612"/>
+          </a:xfrm>
+          <a:prstGeom prst="rect">
+            <a:avLst/>
+          </a:prstGeom>
+        </p:spPr>
+        <p:style>
+          <a:lnRef idx="2">
+            <a:schemeClr val="accent1">
+              <a:shade val="50000"/>
+            </a:schemeClr>
+          </a:lnRef>
+          <a:fillRef idx="1">
+            <a:schemeClr val="accent1"/>
+          </a:fillRef>
+          <a:effectRef idx="0">
+            <a:schemeClr val="accent1"/>
+          </a:effectRef>
+          <a:fontRef idx="minor">
+            <a:schemeClr val="lt1"/>
+          </a:fontRef>
+        </p:style>
+        <p:txBody>
+          <a:bodyPr rtlCol="0" anchor="ctr"/>
+          <a:lstStyle/>
+          <a:p>
+            <a:pPr algn="ctr"/>
+            <a:r>
+              <a:rPr lang="en-IN" dirty="0"/>
+              <a:t>Azure Redis Distributed Cache </a:t>
+            </a:r>
+          </a:p>
+        </p:txBody>
+      </p:sp>
+      <p:sp>
+        <p:nvSpPr>
+          <p:cNvPr id="7" name="Oval 6">
+            <a:extLst>
+              <a:ext uri="{FF2B5EF4-FFF2-40B4-BE49-F238E27FC236}">
+                <a16:creationId xmlns:a16="http://schemas.microsoft.com/office/drawing/2014/main" id="{893C5EFC-733D-490D-B3AB-7FE9F5DCCAA2}"/>
+              </a:ext>
+            </a:extLst>
+          </p:cNvPr>
+          <p:cNvSpPr/>
+          <p:nvPr/>
+        </p:nvSpPr>
+        <p:spPr>
+          <a:xfrm>
+            <a:off x="5534025" y="3589337"/>
+            <a:ext cx="1123950" cy="663575"/>
+          </a:xfrm>
+          <a:prstGeom prst="ellipse">
+            <a:avLst/>
+          </a:prstGeom>
+        </p:spPr>
+        <p:style>
+          <a:lnRef idx="2">
+            <a:schemeClr val="accent1">
+              <a:shade val="50000"/>
+            </a:schemeClr>
+          </a:lnRef>
+          <a:fillRef idx="1">
+            <a:schemeClr val="accent1"/>
+          </a:fillRef>
+          <a:effectRef idx="0">
+            <a:schemeClr val="accent1"/>
+          </a:effectRef>
+          <a:fontRef idx="minor">
+            <a:schemeClr val="lt1"/>
+          </a:fontRef>
+        </p:style>
+        <p:txBody>
+          <a:bodyPr rtlCol="0" anchor="ctr"/>
+          <a:lstStyle/>
+          <a:p>
+            <a:pPr algn="ctr"/>
+            <a:r>
+              <a:rPr lang="en-IN" dirty="0"/>
+              <a:t>App</a:t>
+            </a:r>
+          </a:p>
+        </p:txBody>
+      </p:sp>
+      <p:cxnSp>
+        <p:nvCxnSpPr>
+          <p:cNvPr id="9" name="Straight Arrow Connector 8">
+            <a:extLst>
+              <a:ext uri="{FF2B5EF4-FFF2-40B4-BE49-F238E27FC236}">
+                <a16:creationId xmlns:a16="http://schemas.microsoft.com/office/drawing/2014/main" id="{344CCBA3-4CE6-4FFA-977D-18D26B0ABF73}"/>
+              </a:ext>
+            </a:extLst>
+          </p:cNvPr>
+          <p:cNvCxnSpPr>
+            <a:cxnSpLocks/>
+            <a:stCxn id="7" idx="6"/>
+            <a:endCxn id="6" idx="1"/>
+          </p:cNvCxnSpPr>
+          <p:nvPr/>
+        </p:nvCxnSpPr>
+        <p:spPr>
+          <a:xfrm>
+            <a:off x="6657975" y="3921125"/>
+            <a:ext cx="1323975" cy="20637"/>
+          </a:xfrm>
+          <a:prstGeom prst="straightConnector1">
+            <a:avLst/>
+          </a:prstGeom>
+          <a:ln>
+            <a:tailEnd type="triangle"/>
+          </a:ln>
+        </p:spPr>
+        <p:style>
+          <a:lnRef idx="1">
+            <a:schemeClr val="accent1"/>
+          </a:lnRef>
+          <a:fillRef idx="0">
+            <a:schemeClr val="accent1"/>
+          </a:fillRef>
+          <a:effectRef idx="0">
+            <a:schemeClr val="accent1"/>
+          </a:effectRef>
+          <a:fontRef idx="minor">
+            <a:schemeClr val="tx1"/>
+          </a:fontRef>
+        </p:style>
+      </p:cxnSp>
+      <p:cxnSp>
+        <p:nvCxnSpPr>
+          <p:cNvPr id="11" name="Straight Arrow Connector 10">
+            <a:extLst>
+              <a:ext uri="{FF2B5EF4-FFF2-40B4-BE49-F238E27FC236}">
+                <a16:creationId xmlns:a16="http://schemas.microsoft.com/office/drawing/2014/main" id="{71D1E559-2071-4698-8423-890C997104E6}"/>
+              </a:ext>
+            </a:extLst>
+          </p:cNvPr>
+          <p:cNvCxnSpPr>
+            <a:cxnSpLocks/>
+            <a:stCxn id="4" idx="3"/>
+            <a:endCxn id="22" idx="1"/>
+          </p:cNvCxnSpPr>
+          <p:nvPr/>
+        </p:nvCxnSpPr>
+        <p:spPr>
+          <a:xfrm flipV="1">
+            <a:off x="1938338" y="3941762"/>
+            <a:ext cx="1214437" cy="12700"/>
+          </a:xfrm>
+          <a:prstGeom prst="straightConnector1">
+            <a:avLst/>
+          </a:prstGeom>
+          <a:ln>
+            <a:tailEnd type="triangle"/>
+          </a:ln>
+        </p:spPr>
+        <p:style>
+          <a:lnRef idx="1">
+            <a:schemeClr val="accent1"/>
+          </a:lnRef>
+          <a:fillRef idx="0">
+            <a:schemeClr val="accent1"/>
+          </a:fillRef>
+          <a:effectRef idx="0">
+            <a:schemeClr val="accent1"/>
+          </a:effectRef>
+          <a:fontRef idx="minor">
+            <a:schemeClr val="tx1"/>
+          </a:fontRef>
+        </p:style>
+      </p:cxnSp>
+      <p:sp>
+        <p:nvSpPr>
+          <p:cNvPr id="14" name="Rectangle: Rounded Corners 13">
+            <a:extLst>
+              <a:ext uri="{FF2B5EF4-FFF2-40B4-BE49-F238E27FC236}">
+                <a16:creationId xmlns:a16="http://schemas.microsoft.com/office/drawing/2014/main" id="{86F1906D-D470-4776-B3F1-910885A6A71D}"/>
+              </a:ext>
+            </a:extLst>
+          </p:cNvPr>
+          <p:cNvSpPr/>
+          <p:nvPr/>
+        </p:nvSpPr>
+        <p:spPr>
+          <a:xfrm>
+            <a:off x="5305425" y="1255712"/>
+            <a:ext cx="1752600" cy="1323975"/>
+          </a:xfrm>
+          <a:prstGeom prst="roundRect">
+            <a:avLst/>
+          </a:prstGeom>
+          <a:solidFill>
+            <a:srgbClr val="92D050"/>
+          </a:solidFill>
+        </p:spPr>
+        <p:style>
+          <a:lnRef idx="2">
+            <a:schemeClr val="accent1">
+              <a:shade val="50000"/>
+            </a:schemeClr>
+          </a:lnRef>
+          <a:fillRef idx="1">
+            <a:schemeClr val="accent1"/>
+          </a:fillRef>
+          <a:effectRef idx="0">
+            <a:schemeClr val="accent1"/>
+          </a:effectRef>
+          <a:fontRef idx="minor">
+            <a:schemeClr val="lt1"/>
+          </a:fontRef>
+        </p:style>
+        <p:txBody>
+          <a:bodyPr rtlCol="0" anchor="ctr"/>
+          <a:lstStyle/>
+          <a:p>
+            <a:pPr algn="ctr"/>
+            <a:r>
+              <a:rPr lang="en-IN" dirty="0"/>
+              <a:t>Standard S1</a:t>
+            </a:r>
+          </a:p>
+          <a:p>
+            <a:pPr algn="ctr"/>
+            <a:endParaRPr lang="en-IN" dirty="0"/>
+          </a:p>
+          <a:p>
+            <a:pPr algn="ctr"/>
+            <a:endParaRPr lang="en-IN" dirty="0"/>
+          </a:p>
+          <a:p>
+            <a:pPr algn="ctr"/>
+            <a:endParaRPr lang="en-IN" dirty="0"/>
+          </a:p>
+        </p:txBody>
+      </p:sp>
+      <p:sp>
+        <p:nvSpPr>
+          <p:cNvPr id="16" name="Oval 15">
+            <a:extLst>
+              <a:ext uri="{FF2B5EF4-FFF2-40B4-BE49-F238E27FC236}">
+                <a16:creationId xmlns:a16="http://schemas.microsoft.com/office/drawing/2014/main" id="{DF9E0BDA-3E0C-4181-9014-63FEF0B53226}"/>
+              </a:ext>
+            </a:extLst>
+          </p:cNvPr>
+          <p:cNvSpPr/>
+          <p:nvPr/>
+        </p:nvSpPr>
+        <p:spPr>
+          <a:xfrm>
+            <a:off x="5534025" y="1679575"/>
+            <a:ext cx="1123950" cy="663575"/>
+          </a:xfrm>
+          <a:prstGeom prst="ellipse">
+            <a:avLst/>
+          </a:prstGeom>
+        </p:spPr>
+        <p:style>
+          <a:lnRef idx="2">
+            <a:schemeClr val="accent1">
+              <a:shade val="50000"/>
+            </a:schemeClr>
+          </a:lnRef>
+          <a:fillRef idx="1">
+            <a:schemeClr val="accent1"/>
+          </a:fillRef>
+          <a:effectRef idx="0">
+            <a:schemeClr val="accent1"/>
+          </a:effectRef>
+          <a:fontRef idx="minor">
+            <a:schemeClr val="lt1"/>
+          </a:fontRef>
+        </p:style>
+        <p:txBody>
+          <a:bodyPr rtlCol="0" anchor="ctr"/>
+          <a:lstStyle/>
+          <a:p>
+            <a:pPr algn="ctr"/>
+            <a:r>
+              <a:rPr lang="en-IN" dirty="0"/>
+              <a:t>App</a:t>
+            </a:r>
+          </a:p>
+        </p:txBody>
+      </p:sp>
+      <p:cxnSp>
+        <p:nvCxnSpPr>
+          <p:cNvPr id="17" name="Straight Arrow Connector 16">
+            <a:extLst>
+              <a:ext uri="{FF2B5EF4-FFF2-40B4-BE49-F238E27FC236}">
+                <a16:creationId xmlns:a16="http://schemas.microsoft.com/office/drawing/2014/main" id="{389C42E7-676D-4A01-9E06-2780BD6E2C76}"/>
+              </a:ext>
+            </a:extLst>
+          </p:cNvPr>
+          <p:cNvCxnSpPr>
+            <a:cxnSpLocks/>
+            <a:stCxn id="16" idx="6"/>
+            <a:endCxn id="6" idx="1"/>
+          </p:cNvCxnSpPr>
+          <p:nvPr/>
+        </p:nvCxnSpPr>
+        <p:spPr>
+          <a:xfrm>
+            <a:off x="6657975" y="2011363"/>
+            <a:ext cx="1323975" cy="1930399"/>
+          </a:xfrm>
+          <a:prstGeom prst="straightConnector1">
+            <a:avLst/>
+          </a:prstGeom>
+          <a:ln>
+            <a:tailEnd type="triangle"/>
+          </a:ln>
+        </p:spPr>
+        <p:style>
+          <a:lnRef idx="1">
+            <a:schemeClr val="accent1"/>
+          </a:lnRef>
+          <a:fillRef idx="0">
+            <a:schemeClr val="accent1"/>
+          </a:fillRef>
+          <a:effectRef idx="0">
+            <a:schemeClr val="accent1"/>
+          </a:effectRef>
+          <a:fontRef idx="minor">
+            <a:schemeClr val="tx1"/>
+          </a:fontRef>
+        </p:style>
+      </p:cxnSp>
+      <p:sp>
+        <p:nvSpPr>
+          <p:cNvPr id="18" name="Rectangle: Rounded Corners 17">
+            <a:extLst>
+              <a:ext uri="{FF2B5EF4-FFF2-40B4-BE49-F238E27FC236}">
+                <a16:creationId xmlns:a16="http://schemas.microsoft.com/office/drawing/2014/main" id="{2A74C71A-0DFA-4E1B-A854-36FB8D291A3C}"/>
+              </a:ext>
+            </a:extLst>
+          </p:cNvPr>
+          <p:cNvSpPr/>
+          <p:nvPr/>
+        </p:nvSpPr>
+        <p:spPr>
+          <a:xfrm>
+            <a:off x="5334000" y="5168899"/>
+            <a:ext cx="1714500" cy="1323975"/>
+          </a:xfrm>
+          <a:prstGeom prst="roundRect">
+            <a:avLst/>
+          </a:prstGeom>
+          <a:solidFill>
+            <a:srgbClr val="92D050"/>
+          </a:solidFill>
+        </p:spPr>
+        <p:style>
+          <a:lnRef idx="2">
+            <a:schemeClr val="accent1">
+              <a:shade val="50000"/>
+            </a:schemeClr>
+          </a:lnRef>
+          <a:fillRef idx="1">
+            <a:schemeClr val="accent1"/>
+          </a:fillRef>
+          <a:effectRef idx="0">
+            <a:schemeClr val="accent1"/>
+          </a:effectRef>
+          <a:fontRef idx="minor">
+            <a:schemeClr val="lt1"/>
+          </a:fontRef>
+        </p:style>
+        <p:txBody>
+          <a:bodyPr rtlCol="0" anchor="ctr"/>
+          <a:lstStyle/>
+          <a:p>
+            <a:pPr algn="ctr"/>
+            <a:r>
+              <a:rPr lang="en-IN" dirty="0"/>
+              <a:t>Standard S1</a:t>
+            </a:r>
+          </a:p>
+          <a:p>
+            <a:pPr algn="ctr"/>
+            <a:endParaRPr lang="en-IN" dirty="0"/>
+          </a:p>
+          <a:p>
+            <a:pPr algn="ctr"/>
+            <a:endParaRPr lang="en-IN" dirty="0"/>
+          </a:p>
+          <a:p>
+            <a:pPr algn="ctr"/>
+            <a:endParaRPr lang="en-IN" dirty="0"/>
+          </a:p>
+        </p:txBody>
+      </p:sp>
+      <p:sp>
+        <p:nvSpPr>
+          <p:cNvPr id="20" name="Oval 19">
+            <a:extLst>
+              <a:ext uri="{FF2B5EF4-FFF2-40B4-BE49-F238E27FC236}">
+                <a16:creationId xmlns:a16="http://schemas.microsoft.com/office/drawing/2014/main" id="{868CCE09-2074-4CF3-AE8E-A80082E56B59}"/>
+              </a:ext>
+            </a:extLst>
+          </p:cNvPr>
+          <p:cNvSpPr/>
+          <p:nvPr/>
+        </p:nvSpPr>
+        <p:spPr>
+          <a:xfrm>
+            <a:off x="5562600" y="5592762"/>
+            <a:ext cx="1123950" cy="663575"/>
+          </a:xfrm>
+          <a:prstGeom prst="ellipse">
+            <a:avLst/>
+          </a:prstGeom>
+        </p:spPr>
+        <p:style>
+          <a:lnRef idx="2">
+            <a:schemeClr val="accent1">
+              <a:shade val="50000"/>
+            </a:schemeClr>
+          </a:lnRef>
+          <a:fillRef idx="1">
+            <a:schemeClr val="accent1"/>
+          </a:fillRef>
+          <a:effectRef idx="0">
+            <a:schemeClr val="accent1"/>
+          </a:effectRef>
+          <a:fontRef idx="minor">
+            <a:schemeClr val="lt1"/>
+          </a:fontRef>
+        </p:style>
+        <p:txBody>
+          <a:bodyPr rtlCol="0" anchor="ctr"/>
+          <a:lstStyle/>
+          <a:p>
+            <a:pPr algn="ctr"/>
+            <a:r>
+              <a:rPr lang="en-IN" dirty="0"/>
+              <a:t>App</a:t>
+            </a:r>
+          </a:p>
+        </p:txBody>
+      </p:sp>
+      <p:cxnSp>
+        <p:nvCxnSpPr>
+          <p:cNvPr id="21" name="Straight Arrow Connector 20">
+            <a:extLst>
+              <a:ext uri="{FF2B5EF4-FFF2-40B4-BE49-F238E27FC236}">
+                <a16:creationId xmlns:a16="http://schemas.microsoft.com/office/drawing/2014/main" id="{33D29CF4-016C-4975-B935-1208953AF00F}"/>
+              </a:ext>
+            </a:extLst>
+          </p:cNvPr>
+          <p:cNvCxnSpPr>
+            <a:cxnSpLocks/>
+            <a:stCxn id="20" idx="6"/>
+            <a:endCxn id="6" idx="1"/>
+          </p:cNvCxnSpPr>
+          <p:nvPr/>
+        </p:nvCxnSpPr>
+        <p:spPr>
+          <a:xfrm flipV="1">
+            <a:off x="6686550" y="3941762"/>
+            <a:ext cx="1295400" cy="1982788"/>
+          </a:xfrm>
+          <a:prstGeom prst="straightConnector1">
+            <a:avLst/>
+          </a:prstGeom>
+          <a:ln>
+            <a:tailEnd type="triangle"/>
+          </a:ln>
+        </p:spPr>
+        <p:style>
+          <a:lnRef idx="1">
+            <a:schemeClr val="accent1"/>
+          </a:lnRef>
+          <a:fillRef idx="0">
+            <a:schemeClr val="accent1"/>
+          </a:fillRef>
+          <a:effectRef idx="0">
+            <a:schemeClr val="accent1"/>
+          </a:effectRef>
+          <a:fontRef idx="minor">
+            <a:schemeClr val="tx1"/>
+          </a:fontRef>
+        </p:style>
+      </p:cxnSp>
+      <p:sp>
+        <p:nvSpPr>
+          <p:cNvPr id="22" name="Diamond 21">
+            <a:extLst>
+              <a:ext uri="{FF2B5EF4-FFF2-40B4-BE49-F238E27FC236}">
+                <a16:creationId xmlns:a16="http://schemas.microsoft.com/office/drawing/2014/main" id="{9F247062-1E0E-44F5-8E6F-335EBA4BF230}"/>
+              </a:ext>
+            </a:extLst>
+          </p:cNvPr>
+          <p:cNvSpPr/>
+          <p:nvPr/>
+        </p:nvSpPr>
+        <p:spPr>
+          <a:xfrm>
+            <a:off x="3152775" y="3503612"/>
+            <a:ext cx="981075" cy="876300"/>
+          </a:xfrm>
+          <a:prstGeom prst="diamond">
+            <a:avLst/>
+          </a:prstGeom>
+        </p:spPr>
+        <p:style>
+          <a:lnRef idx="2">
+            <a:schemeClr val="accent1">
+              <a:shade val="50000"/>
+            </a:schemeClr>
+          </a:lnRef>
+          <a:fillRef idx="1">
+            <a:schemeClr val="accent1"/>
+          </a:fillRef>
+          <a:effectRef idx="0">
+            <a:schemeClr val="accent1"/>
+          </a:effectRef>
+          <a:fontRef idx="minor">
+            <a:schemeClr val="lt1"/>
+          </a:fontRef>
+        </p:style>
+        <p:txBody>
+          <a:bodyPr rtlCol="0" anchor="ctr"/>
+          <a:lstStyle/>
+          <a:p>
+            <a:pPr algn="ctr"/>
+            <a:r>
+              <a:rPr lang="en-IN" dirty="0"/>
+              <a:t>LB</a:t>
+            </a:r>
+          </a:p>
+        </p:txBody>
+      </p:sp>
+      <p:cxnSp>
+        <p:nvCxnSpPr>
+          <p:cNvPr id="25" name="Straight Arrow Connector 24">
+            <a:extLst>
+              <a:ext uri="{FF2B5EF4-FFF2-40B4-BE49-F238E27FC236}">
+                <a16:creationId xmlns:a16="http://schemas.microsoft.com/office/drawing/2014/main" id="{CC3BB9E1-B36E-4000-A770-668DB60A90D2}"/>
+              </a:ext>
+            </a:extLst>
+          </p:cNvPr>
+          <p:cNvCxnSpPr>
+            <a:cxnSpLocks/>
+            <a:stCxn id="22" idx="3"/>
+            <a:endCxn id="16" idx="2"/>
+          </p:cNvCxnSpPr>
+          <p:nvPr/>
+        </p:nvCxnSpPr>
+        <p:spPr>
+          <a:xfrm flipV="1">
+            <a:off x="4133850" y="2011363"/>
+            <a:ext cx="1400175" cy="1930399"/>
+          </a:xfrm>
+          <a:prstGeom prst="straightConnector1">
+            <a:avLst/>
+          </a:prstGeom>
+          <a:ln>
+            <a:tailEnd type="triangle"/>
+          </a:ln>
+        </p:spPr>
+        <p:style>
+          <a:lnRef idx="1">
+            <a:schemeClr val="accent1"/>
+          </a:lnRef>
+          <a:fillRef idx="0">
+            <a:schemeClr val="accent1"/>
+          </a:fillRef>
+          <a:effectRef idx="0">
+            <a:schemeClr val="accent1"/>
+          </a:effectRef>
+          <a:fontRef idx="minor">
+            <a:schemeClr val="tx1"/>
+          </a:fontRef>
+        </p:style>
+      </p:cxnSp>
+      <p:cxnSp>
+        <p:nvCxnSpPr>
+          <p:cNvPr id="27" name="Straight Arrow Connector 26">
+            <a:extLst>
+              <a:ext uri="{FF2B5EF4-FFF2-40B4-BE49-F238E27FC236}">
+                <a16:creationId xmlns:a16="http://schemas.microsoft.com/office/drawing/2014/main" id="{EFA19B81-FA8E-423F-B0F5-AA237DC92752}"/>
+              </a:ext>
+            </a:extLst>
+          </p:cNvPr>
+          <p:cNvCxnSpPr>
+            <a:stCxn id="22" idx="3"/>
+            <a:endCxn id="7" idx="2"/>
+          </p:cNvCxnSpPr>
+          <p:nvPr/>
+        </p:nvCxnSpPr>
+        <p:spPr>
+          <a:xfrm flipV="1">
+            <a:off x="4133850" y="3921125"/>
+            <a:ext cx="1400175" cy="20637"/>
+          </a:xfrm>
+          <a:prstGeom prst="straightConnector1">
+            <a:avLst/>
+          </a:prstGeom>
+          <a:ln>
+            <a:tailEnd type="triangle"/>
+          </a:ln>
+        </p:spPr>
+        <p:style>
+          <a:lnRef idx="1">
+            <a:schemeClr val="accent1"/>
+          </a:lnRef>
+          <a:fillRef idx="0">
+            <a:schemeClr val="accent1"/>
+          </a:fillRef>
+          <a:effectRef idx="0">
+            <a:schemeClr val="accent1"/>
+          </a:effectRef>
+          <a:fontRef idx="minor">
+            <a:schemeClr val="tx1"/>
+          </a:fontRef>
+        </p:style>
+      </p:cxnSp>
+      <p:cxnSp>
+        <p:nvCxnSpPr>
+          <p:cNvPr id="29" name="Straight Arrow Connector 28">
+            <a:extLst>
+              <a:ext uri="{FF2B5EF4-FFF2-40B4-BE49-F238E27FC236}">
+                <a16:creationId xmlns:a16="http://schemas.microsoft.com/office/drawing/2014/main" id="{2EE82EB5-5C74-45AA-8905-AAEC2741C79E}"/>
+              </a:ext>
+            </a:extLst>
+          </p:cNvPr>
+          <p:cNvCxnSpPr>
+            <a:stCxn id="22" idx="3"/>
+            <a:endCxn id="20" idx="2"/>
+          </p:cNvCxnSpPr>
+          <p:nvPr/>
+        </p:nvCxnSpPr>
+        <p:spPr>
+          <a:xfrm>
+            <a:off x="4133850" y="3941762"/>
+            <a:ext cx="1428750" cy="1982788"/>
+          </a:xfrm>
+          <a:prstGeom prst="straightConnector1">
+            <a:avLst/>
+          </a:prstGeom>
+          <a:ln>
+            <a:tailEnd type="triangle"/>
+          </a:ln>
+        </p:spPr>
+        <p:style>
+          <a:lnRef idx="1">
+            <a:schemeClr val="accent1"/>
+          </a:lnRef>
+          <a:fillRef idx="0">
+            <a:schemeClr val="accent1"/>
+          </a:fillRef>
+          <a:effectRef idx="0">
+            <a:schemeClr val="accent1"/>
+          </a:effectRef>
+          <a:fontRef idx="minor">
+            <a:schemeClr val="tx1"/>
+          </a:fontRef>
+        </p:style>
+      </p:cxnSp>
+      <p:sp>
+        <p:nvSpPr>
+          <p:cNvPr id="43" name="Rectangle 42">
+            <a:extLst>
+              <a:ext uri="{FF2B5EF4-FFF2-40B4-BE49-F238E27FC236}">
+                <a16:creationId xmlns:a16="http://schemas.microsoft.com/office/drawing/2014/main" id="{5AE5B0F8-B8BE-4191-B38A-982BD041769D}"/>
+              </a:ext>
+            </a:extLst>
+          </p:cNvPr>
+          <p:cNvSpPr/>
+          <p:nvPr/>
+        </p:nvSpPr>
+        <p:spPr>
+          <a:xfrm>
+            <a:off x="10220325" y="2117725"/>
+            <a:ext cx="1657350" cy="1471612"/>
+          </a:xfrm>
+          <a:prstGeom prst="rect">
+            <a:avLst/>
+          </a:prstGeom>
+        </p:spPr>
+        <p:style>
+          <a:lnRef idx="2">
+            <a:schemeClr val="accent1">
+              <a:shade val="50000"/>
+            </a:schemeClr>
+          </a:lnRef>
+          <a:fillRef idx="1">
+            <a:schemeClr val="accent1"/>
+          </a:fillRef>
+          <a:effectRef idx="0">
+            <a:schemeClr val="accent1"/>
+          </a:effectRef>
+          <a:fontRef idx="minor">
+            <a:schemeClr val="lt1"/>
+          </a:fontRef>
+        </p:style>
+        <p:txBody>
+          <a:bodyPr rtlCol="0" anchor="ctr"/>
+          <a:lstStyle/>
+          <a:p>
+            <a:pPr algn="ctr"/>
+            <a:r>
+              <a:rPr lang="en-IN" dirty="0"/>
+              <a:t>Azure Distributed Cache</a:t>
+            </a:r>
+          </a:p>
+        </p:txBody>
+      </p:sp>
+      <p:sp>
+        <p:nvSpPr>
+          <p:cNvPr id="44" name="Rectangle 43">
+            <a:extLst>
+              <a:ext uri="{FF2B5EF4-FFF2-40B4-BE49-F238E27FC236}">
+                <a16:creationId xmlns:a16="http://schemas.microsoft.com/office/drawing/2014/main" id="{B623C7E7-2731-4463-A529-CE2545930202}"/>
+              </a:ext>
+            </a:extLst>
+          </p:cNvPr>
+          <p:cNvSpPr/>
+          <p:nvPr/>
+        </p:nvSpPr>
+        <p:spPr>
+          <a:xfrm>
+            <a:off x="10220325" y="4577556"/>
+            <a:ext cx="1657350" cy="1471612"/>
+          </a:xfrm>
+          <a:prstGeom prst="rect">
+            <a:avLst/>
+          </a:prstGeom>
+        </p:spPr>
+        <p:style>
+          <a:lnRef idx="2">
+            <a:schemeClr val="accent1">
+              <a:shade val="50000"/>
+            </a:schemeClr>
+          </a:lnRef>
+          <a:fillRef idx="1">
+            <a:schemeClr val="accent1"/>
+          </a:fillRef>
+          <a:effectRef idx="0">
+            <a:schemeClr val="accent1"/>
+          </a:effectRef>
+          <a:fontRef idx="minor">
+            <a:schemeClr val="lt1"/>
+          </a:fontRef>
+        </p:style>
+        <p:txBody>
+          <a:bodyPr rtlCol="0" anchor="ctr"/>
+          <a:lstStyle/>
+          <a:p>
+            <a:pPr algn="ctr"/>
+            <a:r>
+              <a:rPr lang="en-IN" dirty="0"/>
+              <a:t>Azure Distributed Cache</a:t>
+            </a:r>
+          </a:p>
+        </p:txBody>
+      </p:sp>
+      <p:cxnSp>
+        <p:nvCxnSpPr>
+          <p:cNvPr id="46" name="Straight Arrow Connector 45">
+            <a:extLst>
+              <a:ext uri="{FF2B5EF4-FFF2-40B4-BE49-F238E27FC236}">
+                <a16:creationId xmlns:a16="http://schemas.microsoft.com/office/drawing/2014/main" id="{7BBB5C9A-22BF-4DB5-9521-117901AB8E6D}"/>
+              </a:ext>
+            </a:extLst>
+          </p:cNvPr>
+          <p:cNvCxnSpPr>
+            <a:stCxn id="6" idx="3"/>
+            <a:endCxn id="43" idx="1"/>
+          </p:cNvCxnSpPr>
+          <p:nvPr/>
+        </p:nvCxnSpPr>
+        <p:spPr>
+          <a:xfrm flipV="1">
+            <a:off x="9639300" y="2853531"/>
+            <a:ext cx="581025" cy="1088231"/>
+          </a:xfrm>
+          <a:prstGeom prst="straightConnector1">
+            <a:avLst/>
+          </a:prstGeom>
+          <a:ln>
+            <a:tailEnd type="triangle"/>
+          </a:ln>
+        </p:spPr>
+        <p:style>
+          <a:lnRef idx="1">
+            <a:schemeClr val="accent1"/>
+          </a:lnRef>
+          <a:fillRef idx="0">
+            <a:schemeClr val="accent1"/>
+          </a:fillRef>
+          <a:effectRef idx="0">
+            <a:schemeClr val="accent1"/>
+          </a:effectRef>
+          <a:fontRef idx="minor">
+            <a:schemeClr val="tx1"/>
+          </a:fontRef>
+        </p:style>
+      </p:cxnSp>
+      <p:cxnSp>
+        <p:nvCxnSpPr>
+          <p:cNvPr id="48" name="Straight Arrow Connector 47">
+            <a:extLst>
+              <a:ext uri="{FF2B5EF4-FFF2-40B4-BE49-F238E27FC236}">
+                <a16:creationId xmlns:a16="http://schemas.microsoft.com/office/drawing/2014/main" id="{5D899801-1D1F-47BF-A12B-E71B6965156D}"/>
+              </a:ext>
+            </a:extLst>
+          </p:cNvPr>
+          <p:cNvCxnSpPr>
+            <a:stCxn id="6" idx="3"/>
+          </p:cNvCxnSpPr>
+          <p:nvPr/>
+        </p:nvCxnSpPr>
+        <p:spPr>
+          <a:xfrm>
+            <a:off x="9639300" y="3941762"/>
+            <a:ext cx="614362" cy="1468438"/>
+          </a:xfrm>
+          <a:prstGeom prst="straightConnector1">
+            <a:avLst/>
+          </a:prstGeom>
+          <a:ln>
+            <a:tailEnd type="triangle"/>
+          </a:ln>
+        </p:spPr>
+        <p:style>
+          <a:lnRef idx="1">
+            <a:schemeClr val="accent1"/>
+          </a:lnRef>
+          <a:fillRef idx="0">
+            <a:schemeClr val="accent1"/>
+          </a:fillRef>
+          <a:effectRef idx="0">
+            <a:schemeClr val="accent1"/>
+          </a:effectRef>
+          <a:fontRef idx="minor">
+            <a:schemeClr val="tx1"/>
+          </a:fontRef>
+        </p:style>
+      </p:cxnSp>
+    </p:spTree>
+    <p:extLst>
+      <p:ext uri="{BB962C8B-B14F-4D97-AF65-F5344CB8AC3E}">
+        <p14:creationId xmlns:p14="http://schemas.microsoft.com/office/powerpoint/2010/main" val="2223640903"/>
+      </p:ext>
+    </p:extLst>
+  </p:cSld>
+  <p:clrMapOvr>
+    <a:masterClrMapping/>
+  </p:clrMapOvr>
+</p:sld>
+</file>
+
+<file path=ppt/slides/slide15.xml><?xml version="1.0" encoding="utf-8"?>
+<p:sld xmlns:a="http://schemas.openxmlformats.org/drawingml/2006/main" xmlns:r="http://schemas.openxmlformats.org/officeDocument/2006/relationships" xmlns:p="http://schemas.openxmlformats.org/presentationml/2006/main">
+  <p:cSld>
+    <p:spTree>
+      <p:nvGrpSpPr>
+        <p:cNvPr id="1" name=""/>
+        <p:cNvGrpSpPr/>
+        <p:nvPr/>
+      </p:nvGrpSpPr>
+      <p:grpSpPr>
+        <a:xfrm>
+          <a:off x="0" y="0"/>
+          <a:ext cx="0" cy="0"/>
+          <a:chOff x="0" y="0"/>
+          <a:chExt cx="0" cy="0"/>
+        </a:xfrm>
+      </p:grpSpPr>
+      <p:sp>
+        <p:nvSpPr>
+          <p:cNvPr id="2" name="Title 1">
+            <a:extLst>
+              <a:ext uri="{FF2B5EF4-FFF2-40B4-BE49-F238E27FC236}">
+                <a16:creationId xmlns:a16="http://schemas.microsoft.com/office/drawing/2014/main" id="{58150BC7-C05E-4DC9-921F-127A6D4C8A93}"/>
+              </a:ext>
+            </a:extLst>
+          </p:cNvPr>
+          <p:cNvSpPr>
+            <a:spLocks noGrp="1"/>
+          </p:cNvSpPr>
+          <p:nvPr>
+            <p:ph type="title"/>
+          </p:nvPr>
+        </p:nvSpPr>
+        <p:spPr>
+          <a:xfrm>
+            <a:off x="838200" y="365125"/>
+            <a:ext cx="10515600" cy="682625"/>
+          </a:xfrm>
+        </p:spPr>
+        <p:txBody>
+          <a:bodyPr>
+            <a:normAutofit fontScale="90000"/>
+          </a:bodyPr>
+          <a:lstStyle/>
+          <a:p>
+            <a:r>
+              <a:rPr lang="en-IN" dirty="0"/>
+              <a:t>OAuth flow</a:t>
+            </a:r>
+          </a:p>
+        </p:txBody>
+      </p:sp>
+      <p:sp>
+        <p:nvSpPr>
+          <p:cNvPr id="4" name="Rectangle 3">
+            <a:extLst>
+              <a:ext uri="{FF2B5EF4-FFF2-40B4-BE49-F238E27FC236}">
+                <a16:creationId xmlns:a16="http://schemas.microsoft.com/office/drawing/2014/main" id="{3F020E02-8ECC-4EF1-890D-F74A0F86AA15}"/>
+              </a:ext>
+            </a:extLst>
+          </p:cNvPr>
+          <p:cNvSpPr/>
+          <p:nvPr/>
+        </p:nvSpPr>
+        <p:spPr>
+          <a:xfrm>
+            <a:off x="1104900" y="3429000"/>
+            <a:ext cx="1724025" cy="685800"/>
+          </a:xfrm>
+          <a:prstGeom prst="rect">
+            <a:avLst/>
+          </a:prstGeom>
+        </p:spPr>
+        <p:style>
+          <a:lnRef idx="2">
+            <a:schemeClr val="accent1">
+              <a:shade val="50000"/>
+            </a:schemeClr>
+          </a:lnRef>
+          <a:fillRef idx="1">
+            <a:schemeClr val="accent1"/>
+          </a:fillRef>
+          <a:effectRef idx="0">
+            <a:schemeClr val="accent1"/>
+          </a:effectRef>
+          <a:fontRef idx="minor">
+            <a:schemeClr val="lt1"/>
+          </a:fontRef>
+        </p:style>
+        <p:txBody>
+          <a:bodyPr rtlCol="0" anchor="ctr"/>
+          <a:lstStyle/>
+          <a:p>
+            <a:pPr algn="ctr"/>
+            <a:r>
+              <a:rPr lang="en-IN" dirty="0"/>
+              <a:t>.NET Core </a:t>
+            </a:r>
+          </a:p>
+          <a:p>
+            <a:pPr algn="ctr"/>
+            <a:r>
+              <a:rPr lang="en-IN" dirty="0"/>
+              <a:t>Console Client</a:t>
+            </a:r>
+          </a:p>
+        </p:txBody>
+      </p:sp>
+      <p:sp>
+        <p:nvSpPr>
+          <p:cNvPr id="5" name="Rectangle 4">
+            <a:extLst>
+              <a:ext uri="{FF2B5EF4-FFF2-40B4-BE49-F238E27FC236}">
+                <a16:creationId xmlns:a16="http://schemas.microsoft.com/office/drawing/2014/main" id="{89A6C5BF-F222-45D5-93AF-7988950378F8}"/>
+              </a:ext>
+            </a:extLst>
+          </p:cNvPr>
+          <p:cNvSpPr/>
+          <p:nvPr/>
+        </p:nvSpPr>
+        <p:spPr>
+          <a:xfrm>
+            <a:off x="7943850" y="4733925"/>
+            <a:ext cx="2209800" cy="762000"/>
+          </a:xfrm>
+          <a:prstGeom prst="rect">
+            <a:avLst/>
+          </a:prstGeom>
+        </p:spPr>
+        <p:style>
+          <a:lnRef idx="2">
+            <a:schemeClr val="accent1">
+              <a:shade val="50000"/>
+            </a:schemeClr>
+          </a:lnRef>
+          <a:fillRef idx="1">
+            <a:schemeClr val="accent1"/>
+          </a:fillRef>
+          <a:effectRef idx="0">
+            <a:schemeClr val="accent1"/>
+          </a:effectRef>
+          <a:fontRef idx="minor">
+            <a:schemeClr val="lt1"/>
+          </a:fontRef>
+        </p:style>
+        <p:txBody>
+          <a:bodyPr rtlCol="0" anchor="ctr"/>
+          <a:lstStyle/>
+          <a:p>
+            <a:pPr algn="ctr"/>
+            <a:r>
+              <a:rPr lang="en-IN" dirty="0"/>
+              <a:t>Secured Resource</a:t>
+            </a:r>
+          </a:p>
+          <a:p>
+            <a:pPr algn="ctr"/>
+            <a:r>
+              <a:rPr lang="en-IN" dirty="0"/>
+              <a:t>Microsoft Graph API</a:t>
+            </a:r>
+          </a:p>
+        </p:txBody>
+      </p:sp>
+      <p:sp>
+        <p:nvSpPr>
+          <p:cNvPr id="6" name="Rectangle 5">
+            <a:extLst>
+              <a:ext uri="{FF2B5EF4-FFF2-40B4-BE49-F238E27FC236}">
+                <a16:creationId xmlns:a16="http://schemas.microsoft.com/office/drawing/2014/main" id="{60EF6AF9-0AB8-4AEB-ABBF-F44DB6BD9C86}"/>
+              </a:ext>
+            </a:extLst>
+          </p:cNvPr>
+          <p:cNvSpPr/>
+          <p:nvPr/>
+        </p:nvSpPr>
+        <p:spPr>
+          <a:xfrm>
+            <a:off x="7839075" y="1047750"/>
+            <a:ext cx="2400300" cy="885825"/>
+          </a:xfrm>
+          <a:prstGeom prst="rect">
+            <a:avLst/>
+          </a:prstGeom>
+        </p:spPr>
+        <p:style>
+          <a:lnRef idx="2">
+            <a:schemeClr val="accent1">
+              <a:shade val="50000"/>
+            </a:schemeClr>
+          </a:lnRef>
+          <a:fillRef idx="1">
+            <a:schemeClr val="accent1"/>
+          </a:fillRef>
+          <a:effectRef idx="0">
+            <a:schemeClr val="accent1"/>
+          </a:effectRef>
+          <a:fontRef idx="minor">
+            <a:schemeClr val="lt1"/>
+          </a:fontRef>
+        </p:style>
+        <p:txBody>
+          <a:bodyPr rtlCol="0" anchor="ctr"/>
+          <a:lstStyle/>
+          <a:p>
+            <a:pPr algn="ctr"/>
+            <a:r>
+              <a:rPr lang="en-IN" dirty="0"/>
+              <a:t>Identity Provider</a:t>
+            </a:r>
+          </a:p>
+          <a:p>
+            <a:pPr algn="ctr"/>
+            <a:r>
+              <a:rPr lang="en-IN" dirty="0"/>
+              <a:t>AAD</a:t>
+            </a:r>
+          </a:p>
+        </p:txBody>
+      </p:sp>
+      <p:cxnSp>
+        <p:nvCxnSpPr>
+          <p:cNvPr id="8" name="Straight Arrow Connector 7">
+            <a:extLst>
+              <a:ext uri="{FF2B5EF4-FFF2-40B4-BE49-F238E27FC236}">
+                <a16:creationId xmlns:a16="http://schemas.microsoft.com/office/drawing/2014/main" id="{821FF52D-6FCD-4AD2-876A-2F8E892DE49A}"/>
+              </a:ext>
+            </a:extLst>
+          </p:cNvPr>
+          <p:cNvCxnSpPr>
+            <a:stCxn id="4" idx="3"/>
+            <a:endCxn id="6" idx="1"/>
+          </p:cNvCxnSpPr>
+          <p:nvPr/>
+        </p:nvCxnSpPr>
+        <p:spPr>
+          <a:xfrm flipV="1">
+            <a:off x="2828925" y="1490663"/>
+            <a:ext cx="5010150" cy="2281237"/>
+          </a:xfrm>
+          <a:prstGeom prst="straightConnector1">
+            <a:avLst/>
+          </a:prstGeom>
+          <a:ln>
+            <a:tailEnd type="triangle"/>
+          </a:ln>
+        </p:spPr>
+        <p:style>
+          <a:lnRef idx="1">
+            <a:schemeClr val="accent1"/>
+          </a:lnRef>
+          <a:fillRef idx="0">
+            <a:schemeClr val="accent1"/>
+          </a:fillRef>
+          <a:effectRef idx="0">
+            <a:schemeClr val="accent1"/>
+          </a:effectRef>
+          <a:fontRef idx="minor">
+            <a:schemeClr val="tx1"/>
+          </a:fontRef>
+        </p:style>
+      </p:cxnSp>
+      <p:cxnSp>
+        <p:nvCxnSpPr>
+          <p:cNvPr id="10" name="Straight Arrow Connector 9">
+            <a:extLst>
+              <a:ext uri="{FF2B5EF4-FFF2-40B4-BE49-F238E27FC236}">
+                <a16:creationId xmlns:a16="http://schemas.microsoft.com/office/drawing/2014/main" id="{6559A31C-FC8C-4E89-AD07-8C89B919DAB6}"/>
+              </a:ext>
+            </a:extLst>
+          </p:cNvPr>
+          <p:cNvCxnSpPr/>
+          <p:nvPr/>
+        </p:nvCxnSpPr>
+        <p:spPr>
+          <a:xfrm flipH="1">
+            <a:off x="2828925" y="1866900"/>
+            <a:ext cx="5010150" cy="2005012"/>
+          </a:xfrm>
+          <a:prstGeom prst="straightConnector1">
+            <a:avLst/>
+          </a:prstGeom>
+          <a:ln>
+            <a:tailEnd type="triangle"/>
+          </a:ln>
+        </p:spPr>
+        <p:style>
+          <a:lnRef idx="1">
+            <a:schemeClr val="accent1"/>
+          </a:lnRef>
+          <a:fillRef idx="0">
+            <a:schemeClr val="accent1"/>
+          </a:fillRef>
+          <a:effectRef idx="0">
+            <a:schemeClr val="accent1"/>
+          </a:effectRef>
+          <a:fontRef idx="minor">
+            <a:schemeClr val="tx1"/>
+          </a:fontRef>
+        </p:style>
+      </p:cxnSp>
+      <p:sp>
+        <p:nvSpPr>
+          <p:cNvPr id="11" name="TextBox 10">
+            <a:extLst>
+              <a:ext uri="{FF2B5EF4-FFF2-40B4-BE49-F238E27FC236}">
+                <a16:creationId xmlns:a16="http://schemas.microsoft.com/office/drawing/2014/main" id="{087F6F7C-601A-41D9-9384-E936B62A8887}"/>
+              </a:ext>
+            </a:extLst>
+          </p:cNvPr>
+          <p:cNvSpPr txBox="1"/>
+          <p:nvPr/>
+        </p:nvSpPr>
+        <p:spPr>
+          <a:xfrm rot="20020285">
+            <a:off x="3819525" y="2324100"/>
+            <a:ext cx="2828925" cy="369332"/>
+          </a:xfrm>
+          <a:prstGeom prst="rect">
+            <a:avLst/>
+          </a:prstGeom>
+          <a:noFill/>
+        </p:spPr>
+        <p:txBody>
+          <a:bodyPr wrap="square" rtlCol="0">
+            <a:spAutoFit/>
+          </a:bodyPr>
+          <a:lstStyle/>
+          <a:p>
+            <a:r>
+              <a:rPr lang="en-IN" dirty="0"/>
+              <a:t>Username + password</a:t>
+            </a:r>
+          </a:p>
+        </p:txBody>
+      </p:sp>
+      <p:sp>
+        <p:nvSpPr>
+          <p:cNvPr id="12" name="TextBox 11">
+            <a:extLst>
+              <a:ext uri="{FF2B5EF4-FFF2-40B4-BE49-F238E27FC236}">
+                <a16:creationId xmlns:a16="http://schemas.microsoft.com/office/drawing/2014/main" id="{5FCD7E51-9046-4135-B852-129B04EC1F8A}"/>
+              </a:ext>
+            </a:extLst>
+          </p:cNvPr>
+          <p:cNvSpPr txBox="1"/>
+          <p:nvPr/>
+        </p:nvSpPr>
+        <p:spPr>
+          <a:xfrm rot="20020285">
+            <a:off x="4124326" y="2844389"/>
+            <a:ext cx="2828925" cy="369332"/>
+          </a:xfrm>
+          <a:prstGeom prst="rect">
+            <a:avLst/>
+          </a:prstGeom>
+          <a:noFill/>
+        </p:spPr>
+        <p:txBody>
+          <a:bodyPr wrap="square" rtlCol="0">
+            <a:spAutoFit/>
+          </a:bodyPr>
+          <a:lstStyle/>
+          <a:p>
+            <a:r>
+              <a:rPr lang="en-IN" dirty="0"/>
+              <a:t>Auth </a:t>
+            </a:r>
+            <a:r>
+              <a:rPr lang="en-IN" dirty="0" err="1"/>
+              <a:t>resp</a:t>
+            </a:r>
+            <a:r>
+              <a:rPr lang="en-IN" dirty="0"/>
+              <a:t>: Access Token</a:t>
+            </a:r>
+          </a:p>
+        </p:txBody>
+      </p:sp>
+      <p:cxnSp>
+        <p:nvCxnSpPr>
+          <p:cNvPr id="14" name="Straight Arrow Connector 13">
+            <a:extLst>
+              <a:ext uri="{FF2B5EF4-FFF2-40B4-BE49-F238E27FC236}">
+                <a16:creationId xmlns:a16="http://schemas.microsoft.com/office/drawing/2014/main" id="{31506C38-1525-44AE-87E2-E302DA9E0F32}"/>
+              </a:ext>
+            </a:extLst>
+          </p:cNvPr>
+          <p:cNvCxnSpPr>
+            <a:stCxn id="4" idx="3"/>
+            <a:endCxn id="5" idx="1"/>
+          </p:cNvCxnSpPr>
+          <p:nvPr/>
+        </p:nvCxnSpPr>
+        <p:spPr>
+          <a:xfrm>
+            <a:off x="2828925" y="3771900"/>
+            <a:ext cx="5114925" cy="1343025"/>
+          </a:xfrm>
+          <a:prstGeom prst="straightConnector1">
+            <a:avLst/>
+          </a:prstGeom>
+          <a:ln>
+            <a:tailEnd type="triangle"/>
+          </a:ln>
+        </p:spPr>
+        <p:style>
+          <a:lnRef idx="1">
+            <a:schemeClr val="accent1"/>
+          </a:lnRef>
+          <a:fillRef idx="0">
+            <a:schemeClr val="accent1"/>
+          </a:fillRef>
+          <a:effectRef idx="0">
+            <a:schemeClr val="accent1"/>
+          </a:effectRef>
+          <a:fontRef idx="minor">
+            <a:schemeClr val="tx1"/>
+          </a:fontRef>
+        </p:style>
+      </p:cxnSp>
+      <p:sp>
+        <p:nvSpPr>
+          <p:cNvPr id="15" name="TextBox 14">
+            <a:extLst>
+              <a:ext uri="{FF2B5EF4-FFF2-40B4-BE49-F238E27FC236}">
+                <a16:creationId xmlns:a16="http://schemas.microsoft.com/office/drawing/2014/main" id="{2675E952-D58E-4F1B-B097-2125E64C2568}"/>
+              </a:ext>
+            </a:extLst>
+          </p:cNvPr>
+          <p:cNvSpPr txBox="1"/>
+          <p:nvPr/>
+        </p:nvSpPr>
+        <p:spPr>
+          <a:xfrm rot="804377">
+            <a:off x="4011241" y="4100855"/>
+            <a:ext cx="3438870" cy="369332"/>
+          </a:xfrm>
+          <a:prstGeom prst="rect">
+            <a:avLst/>
+          </a:prstGeom>
+          <a:noFill/>
+        </p:spPr>
+        <p:txBody>
+          <a:bodyPr wrap="square" rtlCol="0">
+            <a:spAutoFit/>
+          </a:bodyPr>
+          <a:lstStyle/>
+          <a:p>
+            <a:r>
+              <a:rPr lang="en-IN" dirty="0"/>
+              <a:t>API </a:t>
+            </a:r>
+            <a:r>
+              <a:rPr lang="en-IN" dirty="0" err="1"/>
+              <a:t>req</a:t>
+            </a:r>
+            <a:r>
+              <a:rPr lang="en-IN" dirty="0"/>
+              <a:t>: Authorization : token</a:t>
+            </a:r>
+          </a:p>
+        </p:txBody>
+      </p:sp>
+      <p:cxnSp>
+        <p:nvCxnSpPr>
+          <p:cNvPr id="17" name="Straight Arrow Connector 16">
+            <a:extLst>
+              <a:ext uri="{FF2B5EF4-FFF2-40B4-BE49-F238E27FC236}">
+                <a16:creationId xmlns:a16="http://schemas.microsoft.com/office/drawing/2014/main" id="{82D91B74-7EF3-4BFA-9875-1EF3055B0C06}"/>
+              </a:ext>
+            </a:extLst>
+          </p:cNvPr>
+          <p:cNvCxnSpPr/>
+          <p:nvPr/>
+        </p:nvCxnSpPr>
+        <p:spPr>
+          <a:xfrm flipH="1" flipV="1">
+            <a:off x="2828925" y="4010025"/>
+            <a:ext cx="5114925" cy="1357312"/>
+          </a:xfrm>
+          <a:prstGeom prst="straightConnector1">
+            <a:avLst/>
+          </a:prstGeom>
+          <a:ln>
+            <a:tailEnd type="triangle"/>
+          </a:ln>
+        </p:spPr>
+        <p:style>
+          <a:lnRef idx="1">
+            <a:schemeClr val="accent1"/>
+          </a:lnRef>
+          <a:fillRef idx="0">
+            <a:schemeClr val="accent1"/>
+          </a:fillRef>
+          <a:effectRef idx="0">
+            <a:schemeClr val="accent1"/>
+          </a:effectRef>
+          <a:fontRef idx="minor">
+            <a:schemeClr val="tx1"/>
+          </a:fontRef>
+        </p:style>
+      </p:cxnSp>
+      <p:cxnSp>
+        <p:nvCxnSpPr>
+          <p:cNvPr id="19" name="Straight Arrow Connector 18">
+            <a:extLst>
+              <a:ext uri="{FF2B5EF4-FFF2-40B4-BE49-F238E27FC236}">
+                <a16:creationId xmlns:a16="http://schemas.microsoft.com/office/drawing/2014/main" id="{8B0E6D1B-810C-4895-9D98-6D9CCE5820CA}"/>
+              </a:ext>
+            </a:extLst>
+          </p:cNvPr>
+          <p:cNvCxnSpPr/>
+          <p:nvPr/>
+        </p:nvCxnSpPr>
+        <p:spPr>
+          <a:xfrm flipV="1">
+            <a:off x="8724900" y="1981200"/>
+            <a:ext cx="0" cy="2752725"/>
+          </a:xfrm>
+          <a:prstGeom prst="straightConnector1">
+            <a:avLst/>
+          </a:prstGeom>
+          <a:ln>
+            <a:tailEnd type="triangle"/>
+          </a:ln>
+        </p:spPr>
+        <p:style>
+          <a:lnRef idx="1">
+            <a:schemeClr val="accent1"/>
+          </a:lnRef>
+          <a:fillRef idx="0">
+            <a:schemeClr val="accent1"/>
+          </a:fillRef>
+          <a:effectRef idx="0">
+            <a:schemeClr val="accent1"/>
+          </a:effectRef>
+          <a:fontRef idx="minor">
+            <a:schemeClr val="tx1"/>
+          </a:fontRef>
+        </p:style>
+      </p:cxnSp>
+      <p:cxnSp>
+        <p:nvCxnSpPr>
+          <p:cNvPr id="21" name="Straight Arrow Connector 20">
+            <a:extLst>
+              <a:ext uri="{FF2B5EF4-FFF2-40B4-BE49-F238E27FC236}">
+                <a16:creationId xmlns:a16="http://schemas.microsoft.com/office/drawing/2014/main" id="{C7AFB4D3-886B-4AF9-8A9A-CCE9C68803DD}"/>
+              </a:ext>
+            </a:extLst>
+          </p:cNvPr>
+          <p:cNvCxnSpPr/>
+          <p:nvPr/>
+        </p:nvCxnSpPr>
+        <p:spPr>
+          <a:xfrm>
+            <a:off x="9372600" y="1933575"/>
+            <a:ext cx="0" cy="2800350"/>
+          </a:xfrm>
+          <a:prstGeom prst="straightConnector1">
+            <a:avLst/>
+          </a:prstGeom>
+          <a:ln>
+            <a:tailEnd type="triangle"/>
+          </a:ln>
+        </p:spPr>
+        <p:style>
+          <a:lnRef idx="1">
+            <a:schemeClr val="accent1"/>
+          </a:lnRef>
+          <a:fillRef idx="0">
+            <a:schemeClr val="accent1"/>
+          </a:fillRef>
+          <a:effectRef idx="0">
+            <a:schemeClr val="accent1"/>
+          </a:effectRef>
+          <a:fontRef idx="minor">
+            <a:schemeClr val="tx1"/>
+          </a:fontRef>
+        </p:style>
+      </p:cxnSp>
+    </p:spTree>
+    <p:extLst>
+      <p:ext uri="{BB962C8B-B14F-4D97-AF65-F5344CB8AC3E}">
+        <p14:creationId xmlns:p14="http://schemas.microsoft.com/office/powerpoint/2010/main" val="3150457123"/>
+      </p:ext>
+    </p:extLst>
+  </p:cSld>
+  <p:clrMapOvr>
+    <a:masterClrMapping/>
+  </p:clrMapOvr>
+</p:sld>
+</file>
+
 <file path=ppt/slides/slide2.xml><?xml version="1.0" encoding="utf-8"?>
 <p:sld xmlns:a="http://schemas.openxmlformats.org/drawingml/2006/main" xmlns:r="http://schemas.openxmlformats.org/officeDocument/2006/relationships" xmlns:p="http://schemas.openxmlformats.org/presentationml/2006/main">
   <p:cSld>

--- a/Training Images.pptx
+++ b/Training Images.pptx
@@ -14,12 +14,16 @@
     <p:sldId id="263" r:id="rId8"/>
     <p:sldId id="264" r:id="rId9"/>
     <p:sldId id="265" r:id="rId10"/>
-    <p:sldId id="266" r:id="rId11"/>
-    <p:sldId id="267" r:id="rId12"/>
-    <p:sldId id="268" r:id="rId13"/>
-    <p:sldId id="269" r:id="rId14"/>
-    <p:sldId id="270" r:id="rId15"/>
-    <p:sldId id="271" r:id="rId16"/>
+    <p:sldId id="272" r:id="rId11"/>
+    <p:sldId id="273" r:id="rId12"/>
+    <p:sldId id="274" r:id="rId13"/>
+    <p:sldId id="275" r:id="rId14"/>
+    <p:sldId id="266" r:id="rId15"/>
+    <p:sldId id="267" r:id="rId16"/>
+    <p:sldId id="268" r:id="rId17"/>
+    <p:sldId id="269" r:id="rId18"/>
+    <p:sldId id="270" r:id="rId19"/>
+    <p:sldId id="271" r:id="rId20"/>
   </p:sldIdLst>
   <p:sldSz cx="12192000" cy="6858000"/>
   <p:notesSz cx="6858000" cy="9144000"/>
@@ -275,7 +279,7 @@
           <a:p>
             <a:fld id="{7C3BABCB-4447-4DF7-9FD2-318320D94EBF}" type="datetimeFigureOut">
               <a:rPr lang="en-IN" smtClean="0"/>
-              <a:t>01-06-2020</a:t>
+              <a:t>11-06-2020</a:t>
             </a:fld>
             <a:endParaRPr lang="en-IN"/>
           </a:p>
@@ -475,7 +479,7 @@
           <a:p>
             <a:fld id="{7C3BABCB-4447-4DF7-9FD2-318320D94EBF}" type="datetimeFigureOut">
               <a:rPr lang="en-IN" smtClean="0"/>
-              <a:t>01-06-2020</a:t>
+              <a:t>11-06-2020</a:t>
             </a:fld>
             <a:endParaRPr lang="en-IN"/>
           </a:p>
@@ -685,7 +689,7 @@
           <a:p>
             <a:fld id="{7C3BABCB-4447-4DF7-9FD2-318320D94EBF}" type="datetimeFigureOut">
               <a:rPr lang="en-IN" smtClean="0"/>
-              <a:t>01-06-2020</a:t>
+              <a:t>11-06-2020</a:t>
             </a:fld>
             <a:endParaRPr lang="en-IN"/>
           </a:p>
@@ -885,7 +889,7 @@
           <a:p>
             <a:fld id="{7C3BABCB-4447-4DF7-9FD2-318320D94EBF}" type="datetimeFigureOut">
               <a:rPr lang="en-IN" smtClean="0"/>
-              <a:t>01-06-2020</a:t>
+              <a:t>11-06-2020</a:t>
             </a:fld>
             <a:endParaRPr lang="en-IN"/>
           </a:p>
@@ -1161,7 +1165,7 @@
           <a:p>
             <a:fld id="{7C3BABCB-4447-4DF7-9FD2-318320D94EBF}" type="datetimeFigureOut">
               <a:rPr lang="en-IN" smtClean="0"/>
-              <a:t>01-06-2020</a:t>
+              <a:t>11-06-2020</a:t>
             </a:fld>
             <a:endParaRPr lang="en-IN"/>
           </a:p>
@@ -1429,7 +1433,7 @@
           <a:p>
             <a:fld id="{7C3BABCB-4447-4DF7-9FD2-318320D94EBF}" type="datetimeFigureOut">
               <a:rPr lang="en-IN" smtClean="0"/>
-              <a:t>01-06-2020</a:t>
+              <a:t>11-06-2020</a:t>
             </a:fld>
             <a:endParaRPr lang="en-IN"/>
           </a:p>
@@ -1844,7 +1848,7 @@
           <a:p>
             <a:fld id="{7C3BABCB-4447-4DF7-9FD2-318320D94EBF}" type="datetimeFigureOut">
               <a:rPr lang="en-IN" smtClean="0"/>
-              <a:t>01-06-2020</a:t>
+              <a:t>11-06-2020</a:t>
             </a:fld>
             <a:endParaRPr lang="en-IN"/>
           </a:p>
@@ -1986,7 +1990,7 @@
           <a:p>
             <a:fld id="{7C3BABCB-4447-4DF7-9FD2-318320D94EBF}" type="datetimeFigureOut">
               <a:rPr lang="en-IN" smtClean="0"/>
-              <a:t>01-06-2020</a:t>
+              <a:t>11-06-2020</a:t>
             </a:fld>
             <a:endParaRPr lang="en-IN"/>
           </a:p>
@@ -2099,7 +2103,7 @@
           <a:p>
             <a:fld id="{7C3BABCB-4447-4DF7-9FD2-318320D94EBF}" type="datetimeFigureOut">
               <a:rPr lang="en-IN" smtClean="0"/>
-              <a:t>01-06-2020</a:t>
+              <a:t>11-06-2020</a:t>
             </a:fld>
             <a:endParaRPr lang="en-IN"/>
           </a:p>
@@ -2412,7 +2416,7 @@
           <a:p>
             <a:fld id="{7C3BABCB-4447-4DF7-9FD2-318320D94EBF}" type="datetimeFigureOut">
               <a:rPr lang="en-IN" smtClean="0"/>
-              <a:t>01-06-2020</a:t>
+              <a:t>11-06-2020</a:t>
             </a:fld>
             <a:endParaRPr lang="en-IN"/>
           </a:p>
@@ -2701,7 +2705,7 @@
           <a:p>
             <a:fld id="{7C3BABCB-4447-4DF7-9FD2-318320D94EBF}" type="datetimeFigureOut">
               <a:rPr lang="en-IN" smtClean="0"/>
-              <a:t>01-06-2020</a:t>
+              <a:t>11-06-2020</a:t>
             </a:fld>
             <a:endParaRPr lang="en-IN"/>
           </a:p>
@@ -2944,7 +2948,7 @@
           <a:p>
             <a:fld id="{7C3BABCB-4447-4DF7-9FD2-318320D94EBF}" type="datetimeFigureOut">
               <a:rPr lang="en-IN" smtClean="0"/>
-              <a:t>01-06-2020</a:t>
+              <a:t>11-06-2020</a:t>
             </a:fld>
             <a:endParaRPr lang="en-IN"/>
           </a:p>
@@ -3443,7 +3447,7 @@
           <a:p>
             <a:r>
               <a:rPr lang="en-IN" dirty="0"/>
-              <a:t>SEA</a:t>
+              <a:t>South East Asia</a:t>
             </a:r>
           </a:p>
         </p:txBody>
@@ -3836,7 +3840,7 @@
           <p:cNvPr id="2" name="Title 1">
             <a:extLst>
               <a:ext uri="{FF2B5EF4-FFF2-40B4-BE49-F238E27FC236}">
-                <a16:creationId xmlns:a16="http://schemas.microsoft.com/office/drawing/2014/main" id="{96D34847-CD0F-45DE-8A34-12B6B9C2C21F}"/>
+                <a16:creationId xmlns:a16="http://schemas.microsoft.com/office/drawing/2014/main" id="{B29526F8-6CF7-4FF5-91F2-D7F1918F6BF4}"/>
               </a:ext>
             </a:extLst>
           </p:cNvPr>
@@ -3847,21 +3851,14 @@
             <p:ph type="title"/>
           </p:nvPr>
         </p:nvSpPr>
-        <p:spPr>
-          <a:xfrm>
-            <a:off x="838200" y="365126"/>
-            <a:ext cx="10515600" cy="501650"/>
-          </a:xfrm>
-        </p:spPr>
-        <p:txBody>
-          <a:bodyPr>
-            <a:normAutofit fontScale="90000"/>
-          </a:bodyPr>
-          <a:lstStyle/>
-          <a:p>
-            <a:r>
-              <a:rPr lang="en-IN" dirty="0"/>
-              <a:t>API Gateway</a:t>
+        <p:spPr/>
+        <p:txBody>
+          <a:bodyPr/>
+          <a:lstStyle/>
+          <a:p>
+            <a:r>
+              <a:rPr lang="en-IN" dirty="0"/>
+              <a:t>VMS</a:t>
             </a:r>
           </a:p>
         </p:txBody>
@@ -3871,7 +3868,7 @@
           <p:cNvPr id="4" name="Rectangle 3">
             <a:extLst>
               <a:ext uri="{FF2B5EF4-FFF2-40B4-BE49-F238E27FC236}">
-                <a16:creationId xmlns:a16="http://schemas.microsoft.com/office/drawing/2014/main" id="{93CA683F-94FF-4952-984F-2B67800D467E}"/>
+                <a16:creationId xmlns:a16="http://schemas.microsoft.com/office/drawing/2014/main" id="{75F3017C-9684-449C-A606-8B48B8D04300}"/>
               </a:ext>
             </a:extLst>
           </p:cNvPr>
@@ -3880,8 +3877,8 @@
         </p:nvSpPr>
         <p:spPr>
           <a:xfrm>
-            <a:off x="9479757" y="3409949"/>
-            <a:ext cx="1924050" cy="752475"/>
+            <a:off x="1581150" y="5200650"/>
+            <a:ext cx="8181975" cy="609600"/>
           </a:xfrm>
           <a:prstGeom prst="rect">
             <a:avLst/>
@@ -3909,29 +3906,482 @@
           <a:p>
             <a:pPr algn="ctr"/>
             <a:r>
-              <a:rPr lang="en-IN" dirty="0" err="1"/>
-              <a:t>Todo</a:t>
-            </a:r>
-            <a:r>
-              <a:rPr lang="en-IN" dirty="0"/>
-              <a:t> API</a:t>
-            </a:r>
-          </a:p>
-          <a:p>
-            <a:pPr algn="ctr"/>
-            <a:r>
-              <a:rPr lang="en-IN" dirty="0"/>
-              <a:t>REST- AppService</a:t>
-            </a:r>
-          </a:p>
-        </p:txBody>
-      </p:sp>
-      <p:sp>
-        <p:nvSpPr>
-          <p:cNvPr id="9" name="TextBox 8">
-            <a:extLst>
-              <a:ext uri="{FF2B5EF4-FFF2-40B4-BE49-F238E27FC236}">
-                <a16:creationId xmlns:a16="http://schemas.microsoft.com/office/drawing/2014/main" id="{FDFAEF74-A188-46B0-82E1-116E08658ED1}"/>
+              <a:rPr lang="en-IN" dirty="0"/>
+              <a:t>Windows Server 8Core/16GB </a:t>
+            </a:r>
+          </a:p>
+        </p:txBody>
+      </p:sp>
+      <p:sp>
+        <p:nvSpPr>
+          <p:cNvPr id="5" name="Rectangle 4">
+            <a:extLst>
+              <a:ext uri="{FF2B5EF4-FFF2-40B4-BE49-F238E27FC236}">
+                <a16:creationId xmlns:a16="http://schemas.microsoft.com/office/drawing/2014/main" id="{903A2B5A-969A-4E38-83DE-D6DA2AD166AE}"/>
+              </a:ext>
+            </a:extLst>
+          </p:cNvPr>
+          <p:cNvSpPr/>
+          <p:nvPr/>
+        </p:nvSpPr>
+        <p:spPr>
+          <a:xfrm>
+            <a:off x="1581150" y="4600575"/>
+            <a:ext cx="8181975" cy="600075"/>
+          </a:xfrm>
+          <a:prstGeom prst="rect">
+            <a:avLst/>
+          </a:prstGeom>
+          <a:solidFill>
+            <a:srgbClr val="FFC000"/>
+          </a:solidFill>
+        </p:spPr>
+        <p:style>
+          <a:lnRef idx="2">
+            <a:schemeClr val="accent1">
+              <a:shade val="50000"/>
+            </a:schemeClr>
+          </a:lnRef>
+          <a:fillRef idx="1">
+            <a:schemeClr val="accent1"/>
+          </a:fillRef>
+          <a:effectRef idx="0">
+            <a:schemeClr val="accent1"/>
+          </a:effectRef>
+          <a:fontRef idx="minor">
+            <a:schemeClr val="lt1"/>
+          </a:fontRef>
+        </p:style>
+        <p:txBody>
+          <a:bodyPr rtlCol="0" anchor="ctr"/>
+          <a:lstStyle/>
+          <a:p>
+            <a:pPr algn="ctr"/>
+            <a:r>
+              <a:rPr lang="en-IN" dirty="0"/>
+              <a:t>VMWare/Hyper-V/VirtualBox (Hypervisors)</a:t>
+            </a:r>
+          </a:p>
+        </p:txBody>
+      </p:sp>
+      <p:sp>
+        <p:nvSpPr>
+          <p:cNvPr id="6" name="Rectangle 5">
+            <a:extLst>
+              <a:ext uri="{FF2B5EF4-FFF2-40B4-BE49-F238E27FC236}">
+                <a16:creationId xmlns:a16="http://schemas.microsoft.com/office/drawing/2014/main" id="{2035507A-9956-42E8-BA7A-538277DBFE43}"/>
+              </a:ext>
+            </a:extLst>
+          </p:cNvPr>
+          <p:cNvSpPr/>
+          <p:nvPr/>
+        </p:nvSpPr>
+        <p:spPr>
+          <a:xfrm>
+            <a:off x="1971675" y="2466975"/>
+            <a:ext cx="2390775" cy="2038350"/>
+          </a:xfrm>
+          <a:prstGeom prst="rect">
+            <a:avLst/>
+          </a:prstGeom>
+        </p:spPr>
+        <p:style>
+          <a:lnRef idx="2">
+            <a:schemeClr val="accent1">
+              <a:shade val="50000"/>
+            </a:schemeClr>
+          </a:lnRef>
+          <a:fillRef idx="1">
+            <a:schemeClr val="accent1"/>
+          </a:fillRef>
+          <a:effectRef idx="0">
+            <a:schemeClr val="accent1"/>
+          </a:effectRef>
+          <a:fontRef idx="minor">
+            <a:schemeClr val="lt1"/>
+          </a:fontRef>
+        </p:style>
+        <p:txBody>
+          <a:bodyPr rtlCol="0" anchor="ctr"/>
+          <a:lstStyle/>
+          <a:p>
+            <a:pPr algn="ctr"/>
+            <a:endParaRPr lang="en-IN"/>
+          </a:p>
+        </p:txBody>
+      </p:sp>
+      <p:sp>
+        <p:nvSpPr>
+          <p:cNvPr id="7" name="Rectangle 6">
+            <a:extLst>
+              <a:ext uri="{FF2B5EF4-FFF2-40B4-BE49-F238E27FC236}">
+                <a16:creationId xmlns:a16="http://schemas.microsoft.com/office/drawing/2014/main" id="{10407904-1F85-4647-BBCE-D162D089FB83}"/>
+              </a:ext>
+            </a:extLst>
+          </p:cNvPr>
+          <p:cNvSpPr/>
+          <p:nvPr/>
+        </p:nvSpPr>
+        <p:spPr>
+          <a:xfrm>
+            <a:off x="1971675" y="3990975"/>
+            <a:ext cx="2390775" cy="514350"/>
+          </a:xfrm>
+          <a:prstGeom prst="rect">
+            <a:avLst/>
+          </a:prstGeom>
+          <a:solidFill>
+            <a:srgbClr val="00B050"/>
+          </a:solidFill>
+        </p:spPr>
+        <p:style>
+          <a:lnRef idx="2">
+            <a:schemeClr val="accent1">
+              <a:shade val="50000"/>
+            </a:schemeClr>
+          </a:lnRef>
+          <a:fillRef idx="1">
+            <a:schemeClr val="accent1"/>
+          </a:fillRef>
+          <a:effectRef idx="0">
+            <a:schemeClr val="accent1"/>
+          </a:effectRef>
+          <a:fontRef idx="minor">
+            <a:schemeClr val="lt1"/>
+          </a:fontRef>
+        </p:style>
+        <p:txBody>
+          <a:bodyPr rtlCol="0" anchor="ctr"/>
+          <a:lstStyle/>
+          <a:p>
+            <a:pPr algn="ctr"/>
+            <a:r>
+              <a:rPr lang="en-IN" dirty="0"/>
+              <a:t>Windows Server 2016</a:t>
+            </a:r>
+          </a:p>
+        </p:txBody>
+      </p:sp>
+      <p:sp>
+        <p:nvSpPr>
+          <p:cNvPr id="8" name="Rectangle 7">
+            <a:extLst>
+              <a:ext uri="{FF2B5EF4-FFF2-40B4-BE49-F238E27FC236}">
+                <a16:creationId xmlns:a16="http://schemas.microsoft.com/office/drawing/2014/main" id="{527B07A4-2DE5-4097-A40C-CCFF874188F7}"/>
+              </a:ext>
+            </a:extLst>
+          </p:cNvPr>
+          <p:cNvSpPr/>
+          <p:nvPr/>
+        </p:nvSpPr>
+        <p:spPr>
+          <a:xfrm>
+            <a:off x="1971675" y="3228975"/>
+            <a:ext cx="2390775" cy="762000"/>
+          </a:xfrm>
+          <a:prstGeom prst="rect">
+            <a:avLst/>
+          </a:prstGeom>
+          <a:solidFill>
+            <a:schemeClr val="accent6">
+              <a:lumMod val="50000"/>
+            </a:schemeClr>
+          </a:solidFill>
+        </p:spPr>
+        <p:style>
+          <a:lnRef idx="2">
+            <a:schemeClr val="accent1">
+              <a:shade val="50000"/>
+            </a:schemeClr>
+          </a:lnRef>
+          <a:fillRef idx="1">
+            <a:schemeClr val="accent1"/>
+          </a:fillRef>
+          <a:effectRef idx="0">
+            <a:schemeClr val="accent1"/>
+          </a:effectRef>
+          <a:fontRef idx="minor">
+            <a:schemeClr val="lt1"/>
+          </a:fontRef>
+        </p:style>
+        <p:txBody>
+          <a:bodyPr rtlCol="0" anchor="ctr"/>
+          <a:lstStyle/>
+          <a:p>
+            <a:pPr algn="ctr"/>
+            <a:r>
+              <a:rPr lang="en-IN" dirty="0"/>
+              <a:t>Framework A</a:t>
+            </a:r>
+          </a:p>
+        </p:txBody>
+      </p:sp>
+      <p:sp>
+        <p:nvSpPr>
+          <p:cNvPr id="9" name="Rectangle 8">
+            <a:extLst>
+              <a:ext uri="{FF2B5EF4-FFF2-40B4-BE49-F238E27FC236}">
+                <a16:creationId xmlns:a16="http://schemas.microsoft.com/office/drawing/2014/main" id="{168767D1-B16F-4923-93C5-3D762FBE3FD8}"/>
+              </a:ext>
+            </a:extLst>
+          </p:cNvPr>
+          <p:cNvSpPr/>
+          <p:nvPr/>
+        </p:nvSpPr>
+        <p:spPr>
+          <a:xfrm>
+            <a:off x="1971675" y="2466975"/>
+            <a:ext cx="2390775" cy="762000"/>
+          </a:xfrm>
+          <a:prstGeom prst="rect">
+            <a:avLst/>
+          </a:prstGeom>
+          <a:solidFill>
+            <a:schemeClr val="accent2">
+              <a:lumMod val="75000"/>
+            </a:schemeClr>
+          </a:solidFill>
+        </p:spPr>
+        <p:style>
+          <a:lnRef idx="2">
+            <a:schemeClr val="accent1">
+              <a:shade val="50000"/>
+            </a:schemeClr>
+          </a:lnRef>
+          <a:fillRef idx="1">
+            <a:schemeClr val="accent1"/>
+          </a:fillRef>
+          <a:effectRef idx="0">
+            <a:schemeClr val="accent1"/>
+          </a:effectRef>
+          <a:fontRef idx="minor">
+            <a:schemeClr val="lt1"/>
+          </a:fontRef>
+        </p:style>
+        <p:txBody>
+          <a:bodyPr rtlCol="0" anchor="ctr"/>
+          <a:lstStyle/>
+          <a:p>
+            <a:pPr algn="ctr"/>
+            <a:r>
+              <a:rPr lang="en-IN" dirty="0"/>
+              <a:t>App X</a:t>
+            </a:r>
+          </a:p>
+        </p:txBody>
+      </p:sp>
+      <p:sp>
+        <p:nvSpPr>
+          <p:cNvPr id="10" name="Rectangle 9">
+            <a:extLst>
+              <a:ext uri="{FF2B5EF4-FFF2-40B4-BE49-F238E27FC236}">
+                <a16:creationId xmlns:a16="http://schemas.microsoft.com/office/drawing/2014/main" id="{98CE0051-763F-4357-A828-49FE6B4B66D7}"/>
+              </a:ext>
+            </a:extLst>
+          </p:cNvPr>
+          <p:cNvSpPr/>
+          <p:nvPr/>
+        </p:nvSpPr>
+        <p:spPr>
+          <a:xfrm>
+            <a:off x="4762500" y="2466975"/>
+            <a:ext cx="2390775" cy="2038350"/>
+          </a:xfrm>
+          <a:prstGeom prst="rect">
+            <a:avLst/>
+          </a:prstGeom>
+        </p:spPr>
+        <p:style>
+          <a:lnRef idx="2">
+            <a:schemeClr val="accent1">
+              <a:shade val="50000"/>
+            </a:schemeClr>
+          </a:lnRef>
+          <a:fillRef idx="1">
+            <a:schemeClr val="accent1"/>
+          </a:fillRef>
+          <a:effectRef idx="0">
+            <a:schemeClr val="accent1"/>
+          </a:effectRef>
+          <a:fontRef idx="minor">
+            <a:schemeClr val="lt1"/>
+          </a:fontRef>
+        </p:style>
+        <p:txBody>
+          <a:bodyPr rtlCol="0" anchor="ctr"/>
+          <a:lstStyle/>
+          <a:p>
+            <a:pPr algn="ctr"/>
+            <a:endParaRPr lang="en-IN"/>
+          </a:p>
+        </p:txBody>
+      </p:sp>
+      <p:sp>
+        <p:nvSpPr>
+          <p:cNvPr id="11" name="Rectangle 10">
+            <a:extLst>
+              <a:ext uri="{FF2B5EF4-FFF2-40B4-BE49-F238E27FC236}">
+                <a16:creationId xmlns:a16="http://schemas.microsoft.com/office/drawing/2014/main" id="{F75B4D0D-CBB6-48CD-BBBC-88A6C32D5A20}"/>
+              </a:ext>
+            </a:extLst>
+          </p:cNvPr>
+          <p:cNvSpPr/>
+          <p:nvPr/>
+        </p:nvSpPr>
+        <p:spPr>
+          <a:xfrm>
+            <a:off x="4762500" y="3990975"/>
+            <a:ext cx="2390775" cy="514350"/>
+          </a:xfrm>
+          <a:prstGeom prst="rect">
+            <a:avLst/>
+          </a:prstGeom>
+          <a:solidFill>
+            <a:srgbClr val="00B050"/>
+          </a:solidFill>
+        </p:spPr>
+        <p:style>
+          <a:lnRef idx="2">
+            <a:schemeClr val="accent1">
+              <a:shade val="50000"/>
+            </a:schemeClr>
+          </a:lnRef>
+          <a:fillRef idx="1">
+            <a:schemeClr val="accent1"/>
+          </a:fillRef>
+          <a:effectRef idx="0">
+            <a:schemeClr val="accent1"/>
+          </a:effectRef>
+          <a:fontRef idx="minor">
+            <a:schemeClr val="lt1"/>
+          </a:fontRef>
+        </p:style>
+        <p:txBody>
+          <a:bodyPr rtlCol="0" anchor="ctr"/>
+          <a:lstStyle/>
+          <a:p>
+            <a:pPr algn="ctr"/>
+            <a:r>
+              <a:rPr lang="en-IN" dirty="0"/>
+              <a:t>Linux </a:t>
+            </a:r>
+          </a:p>
+        </p:txBody>
+      </p:sp>
+      <p:sp>
+        <p:nvSpPr>
+          <p:cNvPr id="12" name="Rectangle 11">
+            <a:extLst>
+              <a:ext uri="{FF2B5EF4-FFF2-40B4-BE49-F238E27FC236}">
+                <a16:creationId xmlns:a16="http://schemas.microsoft.com/office/drawing/2014/main" id="{E2FF81AE-0B72-4D4F-9E2E-AAAFFF628DAC}"/>
+              </a:ext>
+            </a:extLst>
+          </p:cNvPr>
+          <p:cNvSpPr/>
+          <p:nvPr/>
+        </p:nvSpPr>
+        <p:spPr>
+          <a:xfrm>
+            <a:off x="4762500" y="3228975"/>
+            <a:ext cx="2390775" cy="762000"/>
+          </a:xfrm>
+          <a:prstGeom prst="rect">
+            <a:avLst/>
+          </a:prstGeom>
+          <a:solidFill>
+            <a:schemeClr val="accent6">
+              <a:lumMod val="50000"/>
+            </a:schemeClr>
+          </a:solidFill>
+        </p:spPr>
+        <p:style>
+          <a:lnRef idx="2">
+            <a:schemeClr val="accent1">
+              <a:shade val="50000"/>
+            </a:schemeClr>
+          </a:lnRef>
+          <a:fillRef idx="1">
+            <a:schemeClr val="accent1"/>
+          </a:fillRef>
+          <a:effectRef idx="0">
+            <a:schemeClr val="accent1"/>
+          </a:effectRef>
+          <a:fontRef idx="minor">
+            <a:schemeClr val="lt1"/>
+          </a:fontRef>
+        </p:style>
+        <p:txBody>
+          <a:bodyPr rtlCol="0" anchor="ctr"/>
+          <a:lstStyle/>
+          <a:p>
+            <a:pPr algn="ctr"/>
+            <a:r>
+              <a:rPr lang="en-IN" dirty="0"/>
+              <a:t>Framework B</a:t>
+            </a:r>
+          </a:p>
+        </p:txBody>
+      </p:sp>
+      <p:sp>
+        <p:nvSpPr>
+          <p:cNvPr id="13" name="Rectangle 12">
+            <a:extLst>
+              <a:ext uri="{FF2B5EF4-FFF2-40B4-BE49-F238E27FC236}">
+                <a16:creationId xmlns:a16="http://schemas.microsoft.com/office/drawing/2014/main" id="{25221E5A-6BC6-4777-A873-77DB35D0080A}"/>
+              </a:ext>
+            </a:extLst>
+          </p:cNvPr>
+          <p:cNvSpPr/>
+          <p:nvPr/>
+        </p:nvSpPr>
+        <p:spPr>
+          <a:xfrm>
+            <a:off x="4762500" y="2466975"/>
+            <a:ext cx="2390775" cy="762000"/>
+          </a:xfrm>
+          <a:prstGeom prst="rect">
+            <a:avLst/>
+          </a:prstGeom>
+          <a:solidFill>
+            <a:schemeClr val="accent2">
+              <a:lumMod val="75000"/>
+            </a:schemeClr>
+          </a:solidFill>
+        </p:spPr>
+        <p:style>
+          <a:lnRef idx="2">
+            <a:schemeClr val="accent1">
+              <a:shade val="50000"/>
+            </a:schemeClr>
+          </a:lnRef>
+          <a:fillRef idx="1">
+            <a:schemeClr val="accent1"/>
+          </a:fillRef>
+          <a:effectRef idx="0">
+            <a:schemeClr val="accent1"/>
+          </a:effectRef>
+          <a:fontRef idx="minor">
+            <a:schemeClr val="lt1"/>
+          </a:fontRef>
+        </p:style>
+        <p:txBody>
+          <a:bodyPr rtlCol="0" anchor="ctr"/>
+          <a:lstStyle/>
+          <a:p>
+            <a:pPr algn="ctr"/>
+            <a:r>
+              <a:rPr lang="en-IN" dirty="0"/>
+              <a:t>App Y</a:t>
+            </a:r>
+          </a:p>
+        </p:txBody>
+      </p:sp>
+      <p:sp>
+        <p:nvSpPr>
+          <p:cNvPr id="14" name="TextBox 13">
+            <a:extLst>
+              <a:ext uri="{FF2B5EF4-FFF2-40B4-BE49-F238E27FC236}">
+                <a16:creationId xmlns:a16="http://schemas.microsoft.com/office/drawing/2014/main" id="{465249F0-4B6D-4248-8F76-3162FA277013}"/>
               </a:ext>
             </a:extLst>
           </p:cNvPr>
@@ -3940,8 +4390,8 @@
         </p:nvSpPr>
         <p:spPr>
           <a:xfrm>
-            <a:off x="8058151" y="2965728"/>
-            <a:ext cx="4348162" cy="369332"/>
+            <a:off x="552450" y="3629026"/>
+            <a:ext cx="1419225" cy="646331"/>
           </a:xfrm>
           <a:prstGeom prst="rect">
             <a:avLst/>
@@ -3956,207 +4406,23 @@
           <a:p>
             <a:r>
               <a:rPr lang="en-IN" dirty="0"/>
-              <a:t>http://sonu-todo.azurewebsites.net</a:t>
-            </a:r>
-          </a:p>
-        </p:txBody>
-      </p:sp>
-      <p:sp>
-        <p:nvSpPr>
-          <p:cNvPr id="12" name="Rectangle: Rounded Corners 11">
-            <a:extLst>
-              <a:ext uri="{FF2B5EF4-FFF2-40B4-BE49-F238E27FC236}">
-                <a16:creationId xmlns:a16="http://schemas.microsoft.com/office/drawing/2014/main" id="{9DDB18C9-BA9C-4064-AF72-1E677C1BB959}"/>
-              </a:ext>
-            </a:extLst>
-          </p:cNvPr>
-          <p:cNvSpPr/>
-          <p:nvPr/>
-        </p:nvSpPr>
-        <p:spPr>
-          <a:xfrm>
-            <a:off x="123825" y="3260287"/>
-            <a:ext cx="1828800" cy="1133475"/>
-          </a:xfrm>
-          <a:prstGeom prst="roundRect">
-            <a:avLst/>
-          </a:prstGeom>
-        </p:spPr>
-        <p:style>
-          <a:lnRef idx="2">
-            <a:schemeClr val="accent1">
-              <a:shade val="50000"/>
-            </a:schemeClr>
-          </a:lnRef>
-          <a:fillRef idx="1">
-            <a:schemeClr val="accent1"/>
-          </a:fillRef>
-          <a:effectRef idx="0">
-            <a:schemeClr val="accent1"/>
-          </a:effectRef>
-          <a:fontRef idx="minor">
-            <a:schemeClr val="lt1"/>
-          </a:fontRef>
-        </p:style>
-        <p:txBody>
-          <a:bodyPr rtlCol="0" anchor="ctr"/>
-          <a:lstStyle/>
-          <a:p>
-            <a:pPr algn="ctr"/>
-            <a:r>
-              <a:rPr lang="en-IN" dirty="0"/>
-              <a:t>Client App</a:t>
-            </a:r>
-          </a:p>
-          <a:p>
-            <a:pPr algn="ctr"/>
-            <a:r>
-              <a:rPr lang="en-IN" dirty="0"/>
-              <a:t>ESHOP</a:t>
-            </a:r>
-          </a:p>
-        </p:txBody>
-      </p:sp>
-      <p:cxnSp>
-        <p:nvCxnSpPr>
-          <p:cNvPr id="18" name="Straight Arrow Connector 17">
-            <a:extLst>
-              <a:ext uri="{FF2B5EF4-FFF2-40B4-BE49-F238E27FC236}">
-                <a16:creationId xmlns:a16="http://schemas.microsoft.com/office/drawing/2014/main" id="{2ECF075E-6F05-4E1A-965E-588810021298}"/>
-              </a:ext>
-            </a:extLst>
-          </p:cNvPr>
-          <p:cNvCxnSpPr>
-            <a:cxnSpLocks/>
-            <a:stCxn id="21" idx="3"/>
-            <a:endCxn id="4" idx="1"/>
-          </p:cNvCxnSpPr>
-          <p:nvPr/>
-        </p:nvCxnSpPr>
-        <p:spPr>
-          <a:xfrm flipV="1">
-            <a:off x="6257925" y="3786187"/>
-            <a:ext cx="3221832" cy="1"/>
-          </a:xfrm>
-          <a:prstGeom prst="straightConnector1">
-            <a:avLst/>
-          </a:prstGeom>
-          <a:ln>
-            <a:tailEnd type="triangle"/>
-          </a:ln>
-        </p:spPr>
-        <p:style>
-          <a:lnRef idx="1">
-            <a:schemeClr val="accent1"/>
-          </a:lnRef>
-          <a:fillRef idx="0">
-            <a:schemeClr val="accent1"/>
-          </a:fillRef>
-          <a:effectRef idx="0">
-            <a:schemeClr val="accent1"/>
-          </a:effectRef>
-          <a:fontRef idx="minor">
-            <a:schemeClr val="tx1"/>
-          </a:fontRef>
-        </p:style>
-      </p:cxnSp>
-      <p:sp>
-        <p:nvSpPr>
-          <p:cNvPr id="21" name="Rectangle: Rounded Corners 20">
-            <a:extLst>
-              <a:ext uri="{FF2B5EF4-FFF2-40B4-BE49-F238E27FC236}">
-                <a16:creationId xmlns:a16="http://schemas.microsoft.com/office/drawing/2014/main" id="{617C2D8D-3BD3-4673-A892-F685F75374C0}"/>
-              </a:ext>
-            </a:extLst>
-          </p:cNvPr>
-          <p:cNvSpPr/>
-          <p:nvPr/>
-        </p:nvSpPr>
-        <p:spPr>
-          <a:xfrm>
-            <a:off x="4210050" y="2514600"/>
-            <a:ext cx="2047875" cy="2543175"/>
-          </a:xfrm>
-          <a:prstGeom prst="roundRect">
-            <a:avLst/>
-          </a:prstGeom>
-        </p:spPr>
-        <p:style>
-          <a:lnRef idx="2">
-            <a:schemeClr val="accent1">
-              <a:shade val="50000"/>
-            </a:schemeClr>
-          </a:lnRef>
-          <a:fillRef idx="1">
-            <a:schemeClr val="accent1"/>
-          </a:fillRef>
-          <a:effectRef idx="0">
-            <a:schemeClr val="accent1"/>
-          </a:effectRef>
-          <a:fontRef idx="minor">
-            <a:schemeClr val="lt1"/>
-          </a:fontRef>
-        </p:style>
-        <p:txBody>
-          <a:bodyPr rtlCol="0" anchor="ctr"/>
-          <a:lstStyle/>
-          <a:p>
-            <a:pPr algn="ctr"/>
-            <a:r>
-              <a:rPr lang="en-IN" dirty="0"/>
-              <a:t>API Gateway</a:t>
-            </a:r>
-          </a:p>
-        </p:txBody>
-      </p:sp>
-      <p:cxnSp>
-        <p:nvCxnSpPr>
-          <p:cNvPr id="27" name="Straight Arrow Connector 26">
-            <a:extLst>
-              <a:ext uri="{FF2B5EF4-FFF2-40B4-BE49-F238E27FC236}">
-                <a16:creationId xmlns:a16="http://schemas.microsoft.com/office/drawing/2014/main" id="{220E02F9-CE85-4F40-9AA5-F56BFE136C9C}"/>
-              </a:ext>
-            </a:extLst>
-          </p:cNvPr>
-          <p:cNvCxnSpPr>
-            <a:stCxn id="12" idx="3"/>
-            <a:endCxn id="21" idx="1"/>
-          </p:cNvCxnSpPr>
-          <p:nvPr/>
-        </p:nvCxnSpPr>
-        <p:spPr>
-          <a:xfrm flipV="1">
-            <a:off x="1952625" y="3786188"/>
-            <a:ext cx="2257425" cy="40837"/>
-          </a:xfrm>
-          <a:prstGeom prst="straightConnector1">
-            <a:avLst/>
-          </a:prstGeom>
-          <a:ln>
-            <a:tailEnd type="triangle"/>
-          </a:ln>
-        </p:spPr>
-        <p:style>
-          <a:lnRef idx="1">
-            <a:schemeClr val="accent1"/>
-          </a:lnRef>
-          <a:fillRef idx="0">
-            <a:schemeClr val="accent1"/>
-          </a:fillRef>
-          <a:effectRef idx="0">
-            <a:schemeClr val="accent1"/>
-          </a:effectRef>
-          <a:fontRef idx="minor">
-            <a:schemeClr val="tx1"/>
-          </a:fontRef>
-        </p:style>
-      </p:cxnSp>
-      <p:sp>
-        <p:nvSpPr>
-          <p:cNvPr id="28" name="TextBox 27">
-            <a:extLst>
-              <a:ext uri="{FF2B5EF4-FFF2-40B4-BE49-F238E27FC236}">
-                <a16:creationId xmlns:a16="http://schemas.microsoft.com/office/drawing/2014/main" id="{FDE437A9-2492-4BE6-8E7E-C19ECC19C03F}"/>
+              <a:t>2 CPU</a:t>
+            </a:r>
+          </a:p>
+          <a:p>
+            <a:r>
+              <a:rPr lang="en-IN" dirty="0"/>
+              <a:t>4GB RAM</a:t>
+            </a:r>
+          </a:p>
+        </p:txBody>
+      </p:sp>
+      <p:sp>
+        <p:nvSpPr>
+          <p:cNvPr id="15" name="TextBox 14">
+            <a:extLst>
+              <a:ext uri="{FF2B5EF4-FFF2-40B4-BE49-F238E27FC236}">
+                <a16:creationId xmlns:a16="http://schemas.microsoft.com/office/drawing/2014/main" id="{E4007EDC-47EF-4683-BEB0-7557BCE6C078}"/>
               </a:ext>
             </a:extLst>
           </p:cNvPr>
@@ -4165,8 +4431,8 @@
         </p:nvSpPr>
         <p:spPr>
           <a:xfrm>
-            <a:off x="1524000" y="4537116"/>
-            <a:ext cx="3895725" cy="369332"/>
+            <a:off x="7153275" y="3858994"/>
+            <a:ext cx="1419225" cy="646331"/>
           </a:xfrm>
           <a:prstGeom prst="rect">
             <a:avLst/>
@@ -4181,463 +4447,21 @@
           <a:p>
             <a:r>
               <a:rPr lang="en-IN" dirty="0"/>
-              <a:t>http://sonugateway.azure-api.net/</a:t>
-            </a:r>
-          </a:p>
-        </p:txBody>
-      </p:sp>
-      <p:sp>
-        <p:nvSpPr>
-          <p:cNvPr id="31" name="Oval 30">
-            <a:extLst>
-              <a:ext uri="{FF2B5EF4-FFF2-40B4-BE49-F238E27FC236}">
-                <a16:creationId xmlns:a16="http://schemas.microsoft.com/office/drawing/2014/main" id="{09192CBC-9C46-4883-8314-5198962B541A}"/>
-              </a:ext>
-            </a:extLst>
-          </p:cNvPr>
-          <p:cNvSpPr/>
-          <p:nvPr/>
-        </p:nvSpPr>
-        <p:spPr>
-          <a:xfrm>
-            <a:off x="542925" y="5838825"/>
-            <a:ext cx="1085850" cy="476250"/>
-          </a:xfrm>
-          <a:prstGeom prst="ellipse">
-            <a:avLst/>
-          </a:prstGeom>
-        </p:spPr>
-        <p:style>
-          <a:lnRef idx="2">
-            <a:schemeClr val="accent1">
-              <a:shade val="50000"/>
-            </a:schemeClr>
-          </a:lnRef>
-          <a:fillRef idx="1">
-            <a:schemeClr val="accent1"/>
-          </a:fillRef>
-          <a:effectRef idx="0">
-            <a:schemeClr val="accent1"/>
-          </a:effectRef>
-          <a:fontRef idx="minor">
-            <a:schemeClr val="lt1"/>
-          </a:fontRef>
-        </p:style>
-        <p:txBody>
-          <a:bodyPr rtlCol="0" anchor="ctr"/>
-          <a:lstStyle/>
-          <a:p>
-            <a:pPr algn="ctr"/>
-            <a:r>
-              <a:rPr lang="en-IN" dirty="0"/>
-              <a:t>Dev</a:t>
-            </a:r>
-          </a:p>
-        </p:txBody>
-      </p:sp>
-      <p:sp>
-        <p:nvSpPr>
-          <p:cNvPr id="32" name="Rectangle 31">
-            <a:extLst>
-              <a:ext uri="{FF2B5EF4-FFF2-40B4-BE49-F238E27FC236}">
-                <a16:creationId xmlns:a16="http://schemas.microsoft.com/office/drawing/2014/main" id="{4812BA96-ACF4-47B3-96C3-4D9E82A8FE9F}"/>
-              </a:ext>
-            </a:extLst>
-          </p:cNvPr>
-          <p:cNvSpPr/>
-          <p:nvPr/>
-        </p:nvSpPr>
-        <p:spPr>
-          <a:xfrm>
-            <a:off x="3938588" y="5619750"/>
-            <a:ext cx="2590800" cy="914400"/>
-          </a:xfrm>
-          <a:prstGeom prst="rect">
-            <a:avLst/>
-          </a:prstGeom>
-        </p:spPr>
-        <p:style>
-          <a:lnRef idx="2">
-            <a:schemeClr val="accent1">
-              <a:shade val="50000"/>
-            </a:schemeClr>
-          </a:lnRef>
-          <a:fillRef idx="1">
-            <a:schemeClr val="accent1"/>
-          </a:fillRef>
-          <a:effectRef idx="0">
-            <a:schemeClr val="accent1"/>
-          </a:effectRef>
-          <a:fontRef idx="minor">
-            <a:schemeClr val="lt1"/>
-          </a:fontRef>
-        </p:style>
-        <p:txBody>
-          <a:bodyPr rtlCol="0" anchor="ctr"/>
-          <a:lstStyle/>
-          <a:p>
-            <a:pPr algn="ctr"/>
-            <a:r>
-              <a:rPr lang="en-IN" dirty="0"/>
-              <a:t>Dev Portal</a:t>
-            </a:r>
-          </a:p>
-        </p:txBody>
-      </p:sp>
-      <p:cxnSp>
-        <p:nvCxnSpPr>
-          <p:cNvPr id="34" name="Straight Arrow Connector 33">
-            <a:extLst>
-              <a:ext uri="{FF2B5EF4-FFF2-40B4-BE49-F238E27FC236}">
-                <a16:creationId xmlns:a16="http://schemas.microsoft.com/office/drawing/2014/main" id="{02DA697C-F9E1-4546-9C44-9B3B13E3A59C}"/>
-              </a:ext>
-            </a:extLst>
-          </p:cNvPr>
-          <p:cNvCxnSpPr>
-            <a:stCxn id="32" idx="0"/>
-            <a:endCxn id="21" idx="2"/>
-          </p:cNvCxnSpPr>
-          <p:nvPr/>
-        </p:nvCxnSpPr>
-        <p:spPr>
-          <a:xfrm flipV="1">
-            <a:off x="5233988" y="5057775"/>
-            <a:ext cx="0" cy="561975"/>
-          </a:xfrm>
-          <a:prstGeom prst="straightConnector1">
-            <a:avLst/>
-          </a:prstGeom>
-          <a:ln>
-            <a:tailEnd type="triangle"/>
-          </a:ln>
-        </p:spPr>
-        <p:style>
-          <a:lnRef idx="1">
-            <a:schemeClr val="accent1"/>
-          </a:lnRef>
-          <a:fillRef idx="0">
-            <a:schemeClr val="accent1"/>
-          </a:fillRef>
-          <a:effectRef idx="0">
-            <a:schemeClr val="accent1"/>
-          </a:effectRef>
-          <a:fontRef idx="minor">
-            <a:schemeClr val="tx1"/>
-          </a:fontRef>
-        </p:style>
-      </p:cxnSp>
-      <p:cxnSp>
-        <p:nvCxnSpPr>
-          <p:cNvPr id="36" name="Straight Arrow Connector 35">
-            <a:extLst>
-              <a:ext uri="{FF2B5EF4-FFF2-40B4-BE49-F238E27FC236}">
-                <a16:creationId xmlns:a16="http://schemas.microsoft.com/office/drawing/2014/main" id="{5354B2A0-E11A-4EE0-8CCE-1F0B0C0FCFC8}"/>
-              </a:ext>
-            </a:extLst>
-          </p:cNvPr>
-          <p:cNvCxnSpPr>
-            <a:stCxn id="31" idx="6"/>
-            <a:endCxn id="32" idx="1"/>
-          </p:cNvCxnSpPr>
-          <p:nvPr/>
-        </p:nvCxnSpPr>
-        <p:spPr>
-          <a:xfrm>
-            <a:off x="1628775" y="6076950"/>
-            <a:ext cx="2309813" cy="0"/>
-          </a:xfrm>
-          <a:prstGeom prst="straightConnector1">
-            <a:avLst/>
-          </a:prstGeom>
-          <a:ln>
-            <a:tailEnd type="triangle"/>
-          </a:ln>
-        </p:spPr>
-        <p:style>
-          <a:lnRef idx="1">
-            <a:schemeClr val="accent1"/>
-          </a:lnRef>
-          <a:fillRef idx="0">
-            <a:schemeClr val="accent1"/>
-          </a:fillRef>
-          <a:effectRef idx="0">
-            <a:schemeClr val="accent1"/>
-          </a:effectRef>
-          <a:fontRef idx="minor">
-            <a:schemeClr val="tx1"/>
-          </a:fontRef>
-        </p:style>
-      </p:cxnSp>
-      <p:cxnSp>
-        <p:nvCxnSpPr>
-          <p:cNvPr id="40" name="Straight Arrow Connector 39">
-            <a:extLst>
-              <a:ext uri="{FF2B5EF4-FFF2-40B4-BE49-F238E27FC236}">
-                <a16:creationId xmlns:a16="http://schemas.microsoft.com/office/drawing/2014/main" id="{53616F9B-BD2D-4E76-BBAA-E5DDE5CF261F}"/>
-              </a:ext>
-            </a:extLst>
-          </p:cNvPr>
-          <p:cNvCxnSpPr>
-            <a:stCxn id="31" idx="0"/>
-            <a:endCxn id="12" idx="2"/>
-          </p:cNvCxnSpPr>
-          <p:nvPr/>
-        </p:nvCxnSpPr>
-        <p:spPr>
-          <a:xfrm flipH="1" flipV="1">
-            <a:off x="1038225" y="4393762"/>
-            <a:ext cx="47625" cy="1445063"/>
-          </a:xfrm>
-          <a:prstGeom prst="straightConnector1">
-            <a:avLst/>
-          </a:prstGeom>
-          <a:ln>
-            <a:tailEnd type="triangle"/>
-          </a:ln>
-        </p:spPr>
-        <p:style>
-          <a:lnRef idx="1">
-            <a:schemeClr val="accent1"/>
-          </a:lnRef>
-          <a:fillRef idx="0">
-            <a:schemeClr val="accent1"/>
-          </a:fillRef>
-          <a:effectRef idx="0">
-            <a:schemeClr val="accent1"/>
-          </a:effectRef>
-          <a:fontRef idx="minor">
-            <a:schemeClr val="tx1"/>
-          </a:fontRef>
-        </p:style>
-      </p:cxnSp>
-      <p:sp>
-        <p:nvSpPr>
-          <p:cNvPr id="41" name="Oval 40">
-            <a:extLst>
-              <a:ext uri="{FF2B5EF4-FFF2-40B4-BE49-F238E27FC236}">
-                <a16:creationId xmlns:a16="http://schemas.microsoft.com/office/drawing/2014/main" id="{656E635E-EC76-484C-AFE9-A36DD7F3129E}"/>
-              </a:ext>
-            </a:extLst>
-          </p:cNvPr>
-          <p:cNvSpPr/>
-          <p:nvPr/>
-        </p:nvSpPr>
-        <p:spPr>
-          <a:xfrm>
-            <a:off x="9830993" y="740054"/>
-            <a:ext cx="1216818" cy="701952"/>
-          </a:xfrm>
-          <a:prstGeom prst="ellipse">
-            <a:avLst/>
-          </a:prstGeom>
-        </p:spPr>
-        <p:style>
-          <a:lnRef idx="2">
-            <a:schemeClr val="accent1">
-              <a:shade val="50000"/>
-            </a:schemeClr>
-          </a:lnRef>
-          <a:fillRef idx="1">
-            <a:schemeClr val="accent1"/>
-          </a:fillRef>
-          <a:effectRef idx="0">
-            <a:schemeClr val="accent1"/>
-          </a:effectRef>
-          <a:fontRef idx="minor">
-            <a:schemeClr val="lt1"/>
-          </a:fontRef>
-        </p:style>
-        <p:txBody>
-          <a:bodyPr rtlCol="0" anchor="ctr"/>
-          <a:lstStyle/>
-          <a:p>
-            <a:pPr algn="ctr"/>
-            <a:r>
-              <a:rPr lang="en-IN" dirty="0"/>
-              <a:t>Pub</a:t>
-            </a:r>
-          </a:p>
-        </p:txBody>
-      </p:sp>
-      <p:cxnSp>
-        <p:nvCxnSpPr>
-          <p:cNvPr id="43" name="Straight Arrow Connector 42">
-            <a:extLst>
-              <a:ext uri="{FF2B5EF4-FFF2-40B4-BE49-F238E27FC236}">
-                <a16:creationId xmlns:a16="http://schemas.microsoft.com/office/drawing/2014/main" id="{A75E3148-FAC0-4797-A03B-58766723F3EB}"/>
-              </a:ext>
-            </a:extLst>
-          </p:cNvPr>
-          <p:cNvCxnSpPr>
-            <a:stCxn id="41" idx="4"/>
-            <a:endCxn id="4" idx="0"/>
-          </p:cNvCxnSpPr>
-          <p:nvPr/>
-        </p:nvCxnSpPr>
-        <p:spPr>
-          <a:xfrm>
-            <a:off x="10439402" y="1442006"/>
-            <a:ext cx="2380" cy="1967943"/>
-          </a:xfrm>
-          <a:prstGeom prst="straightConnector1">
-            <a:avLst/>
-          </a:prstGeom>
-          <a:ln>
-            <a:tailEnd type="triangle"/>
-          </a:ln>
-        </p:spPr>
-        <p:style>
-          <a:lnRef idx="1">
-            <a:schemeClr val="accent1"/>
-          </a:lnRef>
-          <a:fillRef idx="0">
-            <a:schemeClr val="accent1"/>
-          </a:fillRef>
-          <a:effectRef idx="0">
-            <a:schemeClr val="accent1"/>
-          </a:effectRef>
-          <a:fontRef idx="minor">
-            <a:schemeClr val="tx1"/>
-          </a:fontRef>
-        </p:style>
-      </p:cxnSp>
-      <p:sp>
-        <p:nvSpPr>
-          <p:cNvPr id="45" name="Rectangle 44">
-            <a:extLst>
-              <a:ext uri="{FF2B5EF4-FFF2-40B4-BE49-F238E27FC236}">
-                <a16:creationId xmlns:a16="http://schemas.microsoft.com/office/drawing/2014/main" id="{71C60988-AFC1-466C-9D9D-59BD00005B65}"/>
-              </a:ext>
-            </a:extLst>
-          </p:cNvPr>
-          <p:cNvSpPr/>
-          <p:nvPr/>
-        </p:nvSpPr>
-        <p:spPr>
-          <a:xfrm>
-            <a:off x="4105275" y="741364"/>
-            <a:ext cx="2257425" cy="722744"/>
-          </a:xfrm>
-          <a:prstGeom prst="rect">
-            <a:avLst/>
-          </a:prstGeom>
-        </p:spPr>
-        <p:style>
-          <a:lnRef idx="2">
-            <a:schemeClr val="accent1">
-              <a:shade val="50000"/>
-            </a:schemeClr>
-          </a:lnRef>
-          <a:fillRef idx="1">
-            <a:schemeClr val="accent1"/>
-          </a:fillRef>
-          <a:effectRef idx="0">
-            <a:schemeClr val="accent1"/>
-          </a:effectRef>
-          <a:fontRef idx="minor">
-            <a:schemeClr val="lt1"/>
-          </a:fontRef>
-        </p:style>
-        <p:txBody>
-          <a:bodyPr rtlCol="0" anchor="ctr"/>
-          <a:lstStyle/>
-          <a:p>
-            <a:pPr algn="ctr"/>
-            <a:r>
-              <a:rPr lang="en-IN" dirty="0"/>
-              <a:t>Publisher Portal</a:t>
-            </a:r>
-          </a:p>
-        </p:txBody>
-      </p:sp>
-      <p:cxnSp>
-        <p:nvCxnSpPr>
-          <p:cNvPr id="47" name="Straight Arrow Connector 46">
-            <a:extLst>
-              <a:ext uri="{FF2B5EF4-FFF2-40B4-BE49-F238E27FC236}">
-                <a16:creationId xmlns:a16="http://schemas.microsoft.com/office/drawing/2014/main" id="{FCCF37C1-1B37-48D1-9D80-DF2A049AD87E}"/>
-              </a:ext>
-            </a:extLst>
-          </p:cNvPr>
-          <p:cNvCxnSpPr>
-            <a:stCxn id="41" idx="2"/>
-            <a:endCxn id="45" idx="3"/>
-          </p:cNvCxnSpPr>
-          <p:nvPr/>
-        </p:nvCxnSpPr>
-        <p:spPr>
-          <a:xfrm flipH="1">
-            <a:off x="6362700" y="1091030"/>
-            <a:ext cx="3468293" cy="11706"/>
-          </a:xfrm>
-          <a:prstGeom prst="straightConnector1">
-            <a:avLst/>
-          </a:prstGeom>
-          <a:ln>
-            <a:tailEnd type="triangle"/>
-          </a:ln>
-        </p:spPr>
-        <p:style>
-          <a:lnRef idx="1">
-            <a:schemeClr val="accent1"/>
-          </a:lnRef>
-          <a:fillRef idx="0">
-            <a:schemeClr val="accent1"/>
-          </a:fillRef>
-          <a:effectRef idx="0">
-            <a:schemeClr val="accent1"/>
-          </a:effectRef>
-          <a:fontRef idx="minor">
-            <a:schemeClr val="tx1"/>
-          </a:fontRef>
-        </p:style>
-      </p:cxnSp>
-      <p:cxnSp>
-        <p:nvCxnSpPr>
-          <p:cNvPr id="49" name="Straight Arrow Connector 48">
-            <a:extLst>
-              <a:ext uri="{FF2B5EF4-FFF2-40B4-BE49-F238E27FC236}">
-                <a16:creationId xmlns:a16="http://schemas.microsoft.com/office/drawing/2014/main" id="{764936DB-EA38-4860-AAF5-AB365A7A7E92}"/>
-              </a:ext>
-            </a:extLst>
-          </p:cNvPr>
-          <p:cNvCxnSpPr>
-            <a:stCxn id="45" idx="2"/>
-            <a:endCxn id="21" idx="0"/>
-          </p:cNvCxnSpPr>
-          <p:nvPr/>
-        </p:nvCxnSpPr>
-        <p:spPr>
-          <a:xfrm>
-            <a:off x="5233988" y="1464108"/>
-            <a:ext cx="0" cy="1050492"/>
-          </a:xfrm>
-          <a:prstGeom prst="straightConnector1">
-            <a:avLst/>
-          </a:prstGeom>
-          <a:ln>
-            <a:tailEnd type="triangle"/>
-          </a:ln>
-        </p:spPr>
-        <p:style>
-          <a:lnRef idx="1">
-            <a:schemeClr val="accent1"/>
-          </a:lnRef>
-          <a:fillRef idx="0">
-            <a:schemeClr val="accent1"/>
-          </a:fillRef>
-          <a:effectRef idx="0">
-            <a:schemeClr val="accent1"/>
-          </a:effectRef>
-          <a:fontRef idx="minor">
-            <a:schemeClr val="tx1"/>
-          </a:fontRef>
-        </p:style>
-      </p:cxnSp>
+              <a:t>2 CPU</a:t>
+            </a:r>
+          </a:p>
+          <a:p>
+            <a:r>
+              <a:rPr lang="en-IN" dirty="0"/>
+              <a:t>4GB RAM</a:t>
+            </a:r>
+          </a:p>
+        </p:txBody>
+      </p:sp>
     </p:spTree>
     <p:extLst>
       <p:ext uri="{BB962C8B-B14F-4D97-AF65-F5344CB8AC3E}">
-        <p14:creationId xmlns:p14="http://schemas.microsoft.com/office/powerpoint/2010/main" val="1080982762"/>
+        <p14:creationId xmlns:p14="http://schemas.microsoft.com/office/powerpoint/2010/main" val="2446103327"/>
       </p:ext>
     </p:extLst>
   </p:cSld>
@@ -4669,7 +4493,7 @@
           <p:cNvPr id="2" name="Title 1">
             <a:extLst>
               <a:ext uri="{FF2B5EF4-FFF2-40B4-BE49-F238E27FC236}">
-                <a16:creationId xmlns:a16="http://schemas.microsoft.com/office/drawing/2014/main" id="{D6D26043-1E5B-4680-9836-9AB3E331F420}"/>
+                <a16:creationId xmlns:a16="http://schemas.microsoft.com/office/drawing/2014/main" id="{2F37250A-455B-442C-A7A8-84D998448A1F}"/>
               </a:ext>
             </a:extLst>
           </p:cNvPr>
@@ -4680,31 +4504,24 @@
             <p:ph type="title"/>
           </p:nvPr>
         </p:nvSpPr>
-        <p:spPr>
-          <a:xfrm>
-            <a:off x="838200" y="365125"/>
-            <a:ext cx="10515600" cy="492125"/>
-          </a:xfrm>
-        </p:spPr>
-        <p:txBody>
-          <a:bodyPr>
-            <a:normAutofit fontScale="90000"/>
-          </a:bodyPr>
-          <a:lstStyle/>
-          <a:p>
-            <a:r>
-              <a:rPr lang="en-IN" dirty="0"/>
-              <a:t>Communication strategies- Modern apps</a:t>
-            </a:r>
-          </a:p>
-        </p:txBody>
-      </p:sp>
-      <p:sp>
-        <p:nvSpPr>
-          <p:cNvPr id="4" name="Rectangle: Rounded Corners 3">
-            <a:extLst>
-              <a:ext uri="{FF2B5EF4-FFF2-40B4-BE49-F238E27FC236}">
-                <a16:creationId xmlns:a16="http://schemas.microsoft.com/office/drawing/2014/main" id="{4B4E37DE-A8B8-4291-96FB-9A9BCBF55390}"/>
+        <p:spPr/>
+        <p:txBody>
+          <a:bodyPr/>
+          <a:lstStyle/>
+          <a:p>
+            <a:r>
+              <a:rPr lang="en-IN" dirty="0"/>
+              <a:t>Containers</a:t>
+            </a:r>
+          </a:p>
+        </p:txBody>
+      </p:sp>
+      <p:sp>
+        <p:nvSpPr>
+          <p:cNvPr id="4" name="Rectangle 3">
+            <a:extLst>
+              <a:ext uri="{FF2B5EF4-FFF2-40B4-BE49-F238E27FC236}">
+                <a16:creationId xmlns:a16="http://schemas.microsoft.com/office/drawing/2014/main" id="{C1461034-3A79-48E3-ACF7-CB33715DF364}"/>
               </a:ext>
             </a:extLst>
           </p:cNvPr>
@@ -4713,10 +4530,10 @@
         </p:nvSpPr>
         <p:spPr>
           <a:xfrm>
-            <a:off x="8896350" y="1552575"/>
-            <a:ext cx="1704975" cy="676275"/>
-          </a:xfrm>
-          <a:prstGeom prst="roundRect">
+            <a:off x="1581150" y="5200650"/>
+            <a:ext cx="8181975" cy="609600"/>
+          </a:xfrm>
+          <a:prstGeom prst="rect">
             <a:avLst/>
           </a:prstGeom>
         </p:spPr>
@@ -4743,17 +4560,17 @@
             <a:pPr algn="ctr"/>
             <a:r>
               <a:rPr lang="en-IN" dirty="0"/>
-              <a:t>REST Service</a:t>
-            </a:r>
-          </a:p>
-        </p:txBody>
-      </p:sp>
-      <p:sp>
-        <p:nvSpPr>
-          <p:cNvPr id="5" name="Rectangle: Rounded Corners 4">
-            <a:extLst>
-              <a:ext uri="{FF2B5EF4-FFF2-40B4-BE49-F238E27FC236}">
-                <a16:creationId xmlns:a16="http://schemas.microsoft.com/office/drawing/2014/main" id="{946DE291-A890-44C5-A363-03F795C68284}"/>
+              <a:t>Linux 8Core/16GB </a:t>
+            </a:r>
+          </a:p>
+        </p:txBody>
+      </p:sp>
+      <p:sp>
+        <p:nvSpPr>
+          <p:cNvPr id="5" name="Rectangle 4">
+            <a:extLst>
+              <a:ext uri="{FF2B5EF4-FFF2-40B4-BE49-F238E27FC236}">
+                <a16:creationId xmlns:a16="http://schemas.microsoft.com/office/drawing/2014/main" id="{F2796759-FCB8-425D-8F83-3F6D2469DAD5}"/>
               </a:ext>
             </a:extLst>
           </p:cNvPr>
@@ -4762,12 +4579,15 @@
         </p:nvSpPr>
         <p:spPr>
           <a:xfrm>
-            <a:off x="1676400" y="1552574"/>
-            <a:ext cx="1704975" cy="676275"/>
-          </a:xfrm>
-          <a:prstGeom prst="roundRect">
-            <a:avLst/>
-          </a:prstGeom>
+            <a:off x="1581150" y="4600575"/>
+            <a:ext cx="8181975" cy="600075"/>
+          </a:xfrm>
+          <a:prstGeom prst="rect">
+            <a:avLst/>
+          </a:prstGeom>
+          <a:solidFill>
+            <a:srgbClr val="FFC000"/>
+          </a:solidFill>
         </p:spPr>
         <p:style>
           <a:lnRef idx="2">
@@ -4792,215 +4612,37 @@
             <a:pPr algn="ctr"/>
             <a:r>
               <a:rPr lang="en-IN" dirty="0"/>
-              <a:t>Angular/React</a:t>
-            </a:r>
-          </a:p>
-        </p:txBody>
-      </p:sp>
-      <p:cxnSp>
-        <p:nvCxnSpPr>
-          <p:cNvPr id="7" name="Straight Arrow Connector 6">
-            <a:extLst>
-              <a:ext uri="{FF2B5EF4-FFF2-40B4-BE49-F238E27FC236}">
-                <a16:creationId xmlns:a16="http://schemas.microsoft.com/office/drawing/2014/main" id="{4A535C16-47E9-4BD8-9386-47CB22D96324}"/>
-              </a:ext>
-            </a:extLst>
-          </p:cNvPr>
-          <p:cNvCxnSpPr>
-            <a:stCxn id="5" idx="3"/>
-            <a:endCxn id="4" idx="1"/>
-          </p:cNvCxnSpPr>
-          <p:nvPr/>
-        </p:nvCxnSpPr>
-        <p:spPr>
-          <a:xfrm>
-            <a:off x="3381375" y="1890712"/>
-            <a:ext cx="5514975" cy="1"/>
-          </a:xfrm>
-          <a:prstGeom prst="straightConnector1">
-            <a:avLst/>
-          </a:prstGeom>
-          <a:ln>
-            <a:tailEnd type="triangle"/>
-          </a:ln>
-        </p:spPr>
-        <p:style>
-          <a:lnRef idx="1">
-            <a:schemeClr val="accent1"/>
-          </a:lnRef>
-          <a:fillRef idx="0">
-            <a:schemeClr val="accent1"/>
-          </a:fillRef>
-          <a:effectRef idx="0">
-            <a:schemeClr val="accent1"/>
-          </a:effectRef>
-          <a:fontRef idx="minor">
-            <a:schemeClr val="tx1"/>
-          </a:fontRef>
-        </p:style>
-      </p:cxnSp>
-      <p:sp>
-        <p:nvSpPr>
-          <p:cNvPr id="8" name="TextBox 7">
-            <a:extLst>
-              <a:ext uri="{FF2B5EF4-FFF2-40B4-BE49-F238E27FC236}">
-                <a16:creationId xmlns:a16="http://schemas.microsoft.com/office/drawing/2014/main" id="{6375463C-B897-46EA-BF1E-6312000329C8}"/>
-              </a:ext>
-            </a:extLst>
-          </p:cNvPr>
-          <p:cNvSpPr txBox="1"/>
-          <p:nvPr/>
-        </p:nvSpPr>
-        <p:spPr>
-          <a:xfrm>
-            <a:off x="4872037" y="2096572"/>
-            <a:ext cx="2533650" cy="369332"/>
+              <a:t>Container Engine (Docker, </a:t>
+            </a:r>
+            <a:r>
+              <a:rPr lang="en-IN" dirty="0" err="1"/>
+              <a:t>Rkt</a:t>
+            </a:r>
+            <a:r>
+              <a:rPr lang="en-IN" dirty="0"/>
+              <a:t>, LXD, LXC)</a:t>
+            </a:r>
+          </a:p>
+        </p:txBody>
+      </p:sp>
+      <p:sp>
+        <p:nvSpPr>
+          <p:cNvPr id="6" name="Rectangle 5">
+            <a:extLst>
+              <a:ext uri="{FF2B5EF4-FFF2-40B4-BE49-F238E27FC236}">
+                <a16:creationId xmlns:a16="http://schemas.microsoft.com/office/drawing/2014/main" id="{8D4EBEA7-D59D-4EDB-B902-D0B1468CC495}"/>
+              </a:ext>
+            </a:extLst>
+          </p:cNvPr>
+          <p:cNvSpPr/>
+          <p:nvPr/>
+        </p:nvSpPr>
+        <p:spPr>
+          <a:xfrm>
+            <a:off x="1971675" y="2466975"/>
+            <a:ext cx="2390775" cy="2038350"/>
           </a:xfrm>
           <a:prstGeom prst="rect">
-            <a:avLst/>
-          </a:prstGeom>
-          <a:noFill/>
-        </p:spPr>
-        <p:txBody>
-          <a:bodyPr wrap="square" rtlCol="0">
-            <a:spAutoFit/>
-          </a:bodyPr>
-          <a:lstStyle/>
-          <a:p>
-            <a:r>
-              <a:rPr lang="en-IN" dirty="0"/>
-              <a:t>Http Response</a:t>
-            </a:r>
-          </a:p>
-        </p:txBody>
-      </p:sp>
-      <p:sp>
-        <p:nvSpPr>
-          <p:cNvPr id="9" name="TextBox 8">
-            <a:extLst>
-              <a:ext uri="{FF2B5EF4-FFF2-40B4-BE49-F238E27FC236}">
-                <a16:creationId xmlns:a16="http://schemas.microsoft.com/office/drawing/2014/main" id="{8718BD02-C69A-44B5-9D6A-A4C0CD7A78F9}"/>
-              </a:ext>
-            </a:extLst>
-          </p:cNvPr>
-          <p:cNvSpPr txBox="1"/>
-          <p:nvPr/>
-        </p:nvSpPr>
-        <p:spPr>
-          <a:xfrm>
-            <a:off x="4914900" y="1600200"/>
-            <a:ext cx="2533650" cy="369332"/>
-          </a:xfrm>
-          <a:prstGeom prst="rect">
-            <a:avLst/>
-          </a:prstGeom>
-          <a:noFill/>
-        </p:spPr>
-        <p:txBody>
-          <a:bodyPr wrap="square" rtlCol="0">
-            <a:spAutoFit/>
-          </a:bodyPr>
-          <a:lstStyle/>
-          <a:p>
-            <a:r>
-              <a:rPr lang="en-IN" dirty="0"/>
-              <a:t>Http Request</a:t>
-            </a:r>
-          </a:p>
-        </p:txBody>
-      </p:sp>
-      <p:cxnSp>
-        <p:nvCxnSpPr>
-          <p:cNvPr id="11" name="Straight Arrow Connector 10">
-            <a:extLst>
-              <a:ext uri="{FF2B5EF4-FFF2-40B4-BE49-F238E27FC236}">
-                <a16:creationId xmlns:a16="http://schemas.microsoft.com/office/drawing/2014/main" id="{FF88EB00-BA50-48D2-BD75-A34206A33049}"/>
-              </a:ext>
-            </a:extLst>
-          </p:cNvPr>
-          <p:cNvCxnSpPr/>
-          <p:nvPr/>
-        </p:nvCxnSpPr>
-        <p:spPr>
-          <a:xfrm flipH="1">
-            <a:off x="3381375" y="2085975"/>
-            <a:ext cx="5514975" cy="0"/>
-          </a:xfrm>
-          <a:prstGeom prst="straightConnector1">
-            <a:avLst/>
-          </a:prstGeom>
-          <a:ln>
-            <a:tailEnd type="triangle"/>
-          </a:ln>
-        </p:spPr>
-        <p:style>
-          <a:lnRef idx="1">
-            <a:schemeClr val="accent1"/>
-          </a:lnRef>
-          <a:fillRef idx="0">
-            <a:schemeClr val="accent1"/>
-          </a:fillRef>
-          <a:effectRef idx="0">
-            <a:schemeClr val="accent1"/>
-          </a:effectRef>
-          <a:fontRef idx="minor">
-            <a:schemeClr val="tx1"/>
-          </a:fontRef>
-        </p:style>
-      </p:cxnSp>
-      <p:sp>
-        <p:nvSpPr>
-          <p:cNvPr id="12" name="TextBox 11">
-            <a:extLst>
-              <a:ext uri="{FF2B5EF4-FFF2-40B4-BE49-F238E27FC236}">
-                <a16:creationId xmlns:a16="http://schemas.microsoft.com/office/drawing/2014/main" id="{1B406179-E62D-4696-863E-165B37DAB186}"/>
-              </a:ext>
-            </a:extLst>
-          </p:cNvPr>
-          <p:cNvSpPr txBox="1"/>
-          <p:nvPr/>
-        </p:nvSpPr>
-        <p:spPr>
-          <a:xfrm>
-            <a:off x="4171950" y="1035606"/>
-            <a:ext cx="3848100" cy="369332"/>
-          </a:xfrm>
-          <a:prstGeom prst="rect">
-            <a:avLst/>
-          </a:prstGeom>
-          <a:noFill/>
-        </p:spPr>
-        <p:txBody>
-          <a:bodyPr wrap="square" rtlCol="0">
-            <a:spAutoFit/>
-          </a:bodyPr>
-          <a:lstStyle/>
-          <a:p>
-            <a:r>
-              <a:rPr lang="en-IN" dirty="0"/>
-              <a:t>Http Request/Response pattern</a:t>
-            </a:r>
-          </a:p>
-        </p:txBody>
-      </p:sp>
-      <p:sp>
-        <p:nvSpPr>
-          <p:cNvPr id="13" name="Rectangle: Rounded Corners 12">
-            <a:extLst>
-              <a:ext uri="{FF2B5EF4-FFF2-40B4-BE49-F238E27FC236}">
-                <a16:creationId xmlns:a16="http://schemas.microsoft.com/office/drawing/2014/main" id="{C09A413E-F751-4CAC-90CB-27381151A0EF}"/>
-              </a:ext>
-            </a:extLst>
-          </p:cNvPr>
-          <p:cNvSpPr/>
-          <p:nvPr/>
-        </p:nvSpPr>
-        <p:spPr>
-          <a:xfrm>
-            <a:off x="8896349" y="3262312"/>
-            <a:ext cx="1704975" cy="676275"/>
-          </a:xfrm>
-          <a:prstGeom prst="roundRect">
             <a:avLst/>
           </a:prstGeom>
         </p:spPr>
@@ -5025,26 +4667,16 @@
           <a:lstStyle/>
           <a:p>
             <a:pPr algn="ctr"/>
-            <a:r>
-              <a:rPr lang="en-IN" b="1" dirty="0"/>
-              <a:t>Function App</a:t>
-            </a:r>
-          </a:p>
-          <a:p>
-            <a:pPr algn="ctr"/>
-            <a:r>
-              <a:rPr lang="en-IN" b="1" dirty="0"/>
-              <a:t>Subscriber</a:t>
-            </a:r>
-          </a:p>
-        </p:txBody>
-      </p:sp>
-      <p:sp>
-        <p:nvSpPr>
-          <p:cNvPr id="14" name="Rectangle: Rounded Corners 13">
-            <a:extLst>
-              <a:ext uri="{FF2B5EF4-FFF2-40B4-BE49-F238E27FC236}">
-                <a16:creationId xmlns:a16="http://schemas.microsoft.com/office/drawing/2014/main" id="{1E07834D-1F75-43AE-9099-79ECF0692190}"/>
+            <a:endParaRPr lang="en-IN"/>
+          </a:p>
+        </p:txBody>
+      </p:sp>
+      <p:sp>
+        <p:nvSpPr>
+          <p:cNvPr id="7" name="Rectangle 6">
+            <a:extLst>
+              <a:ext uri="{FF2B5EF4-FFF2-40B4-BE49-F238E27FC236}">
+                <a16:creationId xmlns:a16="http://schemas.microsoft.com/office/drawing/2014/main" id="{40917437-141B-45EC-9343-8064ED00AD2F}"/>
               </a:ext>
             </a:extLst>
           </p:cNvPr>
@@ -5053,12 +4685,15 @@
         </p:nvSpPr>
         <p:spPr>
           <a:xfrm>
-            <a:off x="1157286" y="3078953"/>
-            <a:ext cx="2324101" cy="676275"/>
-          </a:xfrm>
-          <a:prstGeom prst="roundRect">
-            <a:avLst/>
-          </a:prstGeom>
+            <a:off x="1971675" y="3990975"/>
+            <a:ext cx="2390775" cy="514350"/>
+          </a:xfrm>
+          <a:prstGeom prst="rect">
+            <a:avLst/>
+          </a:prstGeom>
+          <a:solidFill>
+            <a:srgbClr val="00B050"/>
+          </a:solidFill>
         </p:spPr>
         <p:style>
           <a:lnRef idx="2">
@@ -5082,74 +4717,37 @@
           <a:p>
             <a:pPr algn="ctr"/>
             <a:r>
-              <a:rPr lang="en-IN" b="1" dirty="0"/>
-              <a:t>Storage Account</a:t>
-            </a:r>
-          </a:p>
-          <a:p>
-            <a:pPr algn="ctr"/>
-            <a:r>
-              <a:rPr lang="en-IN" b="1" dirty="0"/>
-              <a:t>Publisher</a:t>
-            </a:r>
-          </a:p>
-        </p:txBody>
-      </p:sp>
-      <p:sp>
-        <p:nvSpPr>
-          <p:cNvPr id="15" name="TextBox 14">
-            <a:extLst>
-              <a:ext uri="{FF2B5EF4-FFF2-40B4-BE49-F238E27FC236}">
-                <a16:creationId xmlns:a16="http://schemas.microsoft.com/office/drawing/2014/main" id="{4C560C25-61DD-43BF-857E-48DA8715CA6B}"/>
-              </a:ext>
-            </a:extLst>
-          </p:cNvPr>
-          <p:cNvSpPr txBox="1"/>
-          <p:nvPr/>
-        </p:nvSpPr>
-        <p:spPr>
-          <a:xfrm>
-            <a:off x="4752975" y="3257550"/>
-            <a:ext cx="3848100" cy="369332"/>
+              <a:rPr lang="en-IN" dirty="0"/>
+              <a:t>OS Agent</a:t>
+            </a:r>
+          </a:p>
+        </p:txBody>
+      </p:sp>
+      <p:sp>
+        <p:nvSpPr>
+          <p:cNvPr id="8" name="Rectangle 7">
+            <a:extLst>
+              <a:ext uri="{FF2B5EF4-FFF2-40B4-BE49-F238E27FC236}">
+                <a16:creationId xmlns:a16="http://schemas.microsoft.com/office/drawing/2014/main" id="{1DA7CE6A-F45F-4E2B-A6C8-C3721199F8E2}"/>
+              </a:ext>
+            </a:extLst>
+          </p:cNvPr>
+          <p:cNvSpPr/>
+          <p:nvPr/>
+        </p:nvSpPr>
+        <p:spPr>
+          <a:xfrm>
+            <a:off x="1971675" y="3228975"/>
+            <a:ext cx="2390775" cy="762000"/>
           </a:xfrm>
           <a:prstGeom prst="rect">
             <a:avLst/>
           </a:prstGeom>
-          <a:noFill/>
-        </p:spPr>
-        <p:txBody>
-          <a:bodyPr wrap="square" rtlCol="0">
-            <a:spAutoFit/>
-          </a:bodyPr>
-          <a:lstStyle/>
-          <a:p>
-            <a:r>
-              <a:rPr lang="en-IN" dirty="0"/>
-              <a:t>Event driven pattern</a:t>
-            </a:r>
-          </a:p>
-        </p:txBody>
-      </p:sp>
-      <p:sp>
-        <p:nvSpPr>
-          <p:cNvPr id="16" name="Rectangle: Rounded Corners 15">
-            <a:extLst>
-              <a:ext uri="{FF2B5EF4-FFF2-40B4-BE49-F238E27FC236}">
-                <a16:creationId xmlns:a16="http://schemas.microsoft.com/office/drawing/2014/main" id="{7B692458-1337-45C0-8DCB-F9FCC4F08662}"/>
-              </a:ext>
-            </a:extLst>
-          </p:cNvPr>
-          <p:cNvSpPr/>
-          <p:nvPr/>
-        </p:nvSpPr>
-        <p:spPr>
-          <a:xfrm>
-            <a:off x="8991598" y="4800838"/>
-            <a:ext cx="1704975" cy="676275"/>
-          </a:xfrm>
-          <a:prstGeom prst="roundRect">
-            <a:avLst/>
-          </a:prstGeom>
+          <a:solidFill>
+            <a:schemeClr val="accent6">
+              <a:lumMod val="50000"/>
+            </a:schemeClr>
+          </a:solidFill>
         </p:spPr>
         <p:style>
           <a:lnRef idx="2">
@@ -5173,18 +4771,18 @@
           <a:p>
             <a:pPr algn="ctr"/>
             <a:r>
-              <a:rPr lang="en-IN" b="1" dirty="0"/>
-              <a:t>Custom Web  App</a:t>
-            </a:r>
-          </a:p>
-        </p:txBody>
-      </p:sp>
-      <p:sp>
-        <p:nvSpPr>
-          <p:cNvPr id="17" name="Oval 16">
-            <a:extLst>
-              <a:ext uri="{FF2B5EF4-FFF2-40B4-BE49-F238E27FC236}">
-                <a16:creationId xmlns:a16="http://schemas.microsoft.com/office/drawing/2014/main" id="{A4F70B40-13A9-4365-A26F-54E20F55D651}"/>
+              <a:rPr lang="en-IN" dirty="0"/>
+              <a:t>ASP.NET Core Runtime</a:t>
+            </a:r>
+          </a:p>
+        </p:txBody>
+      </p:sp>
+      <p:sp>
+        <p:nvSpPr>
+          <p:cNvPr id="9" name="Rectangle 8">
+            <a:extLst>
+              <a:ext uri="{FF2B5EF4-FFF2-40B4-BE49-F238E27FC236}">
+                <a16:creationId xmlns:a16="http://schemas.microsoft.com/office/drawing/2014/main" id="{A3722982-A5EB-4E9C-963D-B2ABE08595C3}"/>
               </a:ext>
             </a:extLst>
           </p:cNvPr>
@@ -5193,12 +4791,17 @@
         </p:nvSpPr>
         <p:spPr>
           <a:xfrm>
-            <a:off x="4872037" y="3815000"/>
-            <a:ext cx="1924050" cy="985838"/>
-          </a:xfrm>
-          <a:prstGeom prst="ellipse">
-            <a:avLst/>
-          </a:prstGeom>
+            <a:off x="1971675" y="2466975"/>
+            <a:ext cx="2390775" cy="419100"/>
+          </a:xfrm>
+          <a:prstGeom prst="rect">
+            <a:avLst/>
+          </a:prstGeom>
+          <a:solidFill>
+            <a:schemeClr val="accent2">
+              <a:lumMod val="75000"/>
+            </a:schemeClr>
+          </a:solidFill>
         </p:spPr>
         <p:style>
           <a:lnRef idx="2">
@@ -5223,262 +4826,29 @@
             <a:pPr algn="ctr"/>
             <a:r>
               <a:rPr lang="en-IN" dirty="0"/>
-              <a:t>Event Grid</a:t>
-            </a:r>
-          </a:p>
-        </p:txBody>
-      </p:sp>
-      <p:cxnSp>
-        <p:nvCxnSpPr>
-          <p:cNvPr id="19" name="Straight Arrow Connector 18">
-            <a:extLst>
-              <a:ext uri="{FF2B5EF4-FFF2-40B4-BE49-F238E27FC236}">
-                <a16:creationId xmlns:a16="http://schemas.microsoft.com/office/drawing/2014/main" id="{253ED4CD-0A8A-4B7A-AAAB-FE8704875434}"/>
-              </a:ext>
-            </a:extLst>
-          </p:cNvPr>
-          <p:cNvCxnSpPr>
-            <a:cxnSpLocks/>
-            <a:stCxn id="14" idx="3"/>
-            <a:endCxn id="17" idx="2"/>
-          </p:cNvCxnSpPr>
-          <p:nvPr/>
-        </p:nvCxnSpPr>
-        <p:spPr>
-          <a:xfrm>
-            <a:off x="3481387" y="3417091"/>
-            <a:ext cx="1390650" cy="890828"/>
-          </a:xfrm>
-          <a:prstGeom prst="straightConnector1">
-            <a:avLst/>
-          </a:prstGeom>
-          <a:ln>
-            <a:tailEnd type="triangle"/>
-          </a:ln>
-        </p:spPr>
-        <p:style>
-          <a:lnRef idx="1">
-            <a:schemeClr val="accent1"/>
-          </a:lnRef>
-          <a:fillRef idx="0">
-            <a:schemeClr val="accent1"/>
-          </a:fillRef>
-          <a:effectRef idx="0">
-            <a:schemeClr val="accent1"/>
-          </a:effectRef>
-          <a:fontRef idx="minor">
-            <a:schemeClr val="tx1"/>
-          </a:fontRef>
-        </p:style>
-      </p:cxnSp>
-      <p:cxnSp>
-        <p:nvCxnSpPr>
-          <p:cNvPr id="23" name="Straight Arrow Connector 22">
-            <a:extLst>
-              <a:ext uri="{FF2B5EF4-FFF2-40B4-BE49-F238E27FC236}">
-                <a16:creationId xmlns:a16="http://schemas.microsoft.com/office/drawing/2014/main" id="{39F66585-1451-482A-A417-797C8AD5A30A}"/>
-              </a:ext>
-            </a:extLst>
-          </p:cNvPr>
-          <p:cNvCxnSpPr>
-            <a:cxnSpLocks/>
-            <a:stCxn id="17" idx="6"/>
-            <a:endCxn id="16" idx="1"/>
-          </p:cNvCxnSpPr>
-          <p:nvPr/>
-        </p:nvCxnSpPr>
-        <p:spPr>
-          <a:xfrm>
-            <a:off x="6796087" y="4307919"/>
-            <a:ext cx="2195511" cy="831057"/>
-          </a:xfrm>
-          <a:prstGeom prst="straightConnector1">
-            <a:avLst/>
-          </a:prstGeom>
-          <a:ln>
-            <a:tailEnd type="triangle"/>
-          </a:ln>
-        </p:spPr>
-        <p:style>
-          <a:lnRef idx="1">
-            <a:schemeClr val="accent1"/>
-          </a:lnRef>
-          <a:fillRef idx="0">
-            <a:schemeClr val="accent1"/>
-          </a:fillRef>
-          <a:effectRef idx="0">
-            <a:schemeClr val="accent1"/>
-          </a:effectRef>
-          <a:fontRef idx="minor">
-            <a:schemeClr val="tx1"/>
-          </a:fontRef>
-        </p:style>
-      </p:cxnSp>
-      <p:sp>
-        <p:nvSpPr>
-          <p:cNvPr id="39" name="TextBox 38">
-            <a:extLst>
-              <a:ext uri="{FF2B5EF4-FFF2-40B4-BE49-F238E27FC236}">
-                <a16:creationId xmlns:a16="http://schemas.microsoft.com/office/drawing/2014/main" id="{E0A013A4-D3BE-45DF-942E-2664A3A0D898}"/>
-              </a:ext>
-            </a:extLst>
-          </p:cNvPr>
-          <p:cNvSpPr txBox="1"/>
-          <p:nvPr/>
-        </p:nvSpPr>
-        <p:spPr>
-          <a:xfrm>
-            <a:off x="3443291" y="3669740"/>
-            <a:ext cx="2100262" cy="369332"/>
+              <a:t>MVC web app</a:t>
+            </a:r>
+          </a:p>
+        </p:txBody>
+      </p:sp>
+      <p:sp>
+        <p:nvSpPr>
+          <p:cNvPr id="10" name="Rectangle 9">
+            <a:extLst>
+              <a:ext uri="{FF2B5EF4-FFF2-40B4-BE49-F238E27FC236}">
+                <a16:creationId xmlns:a16="http://schemas.microsoft.com/office/drawing/2014/main" id="{3EADF46A-0708-4AAC-BE3D-00E41159C1A3}"/>
+              </a:ext>
+            </a:extLst>
+          </p:cNvPr>
+          <p:cNvSpPr/>
+          <p:nvPr/>
+        </p:nvSpPr>
+        <p:spPr>
+          <a:xfrm>
+            <a:off x="4762500" y="2466975"/>
+            <a:ext cx="2390775" cy="2038350"/>
           </a:xfrm>
           <a:prstGeom prst="rect">
-            <a:avLst/>
-          </a:prstGeom>
-          <a:noFill/>
-        </p:spPr>
-        <p:txBody>
-          <a:bodyPr wrap="square" rtlCol="0">
-            <a:spAutoFit/>
-          </a:bodyPr>
-          <a:lstStyle/>
-          <a:p>
-            <a:r>
-              <a:rPr lang="en-IN" dirty="0"/>
-              <a:t>Built-in Topic</a:t>
-            </a:r>
-          </a:p>
-        </p:txBody>
-      </p:sp>
-      <p:sp>
-        <p:nvSpPr>
-          <p:cNvPr id="40" name="TextBox 39">
-            <a:extLst>
-              <a:ext uri="{FF2B5EF4-FFF2-40B4-BE49-F238E27FC236}">
-                <a16:creationId xmlns:a16="http://schemas.microsoft.com/office/drawing/2014/main" id="{C63031A1-D1B4-48F7-8A2F-3A9EF8CF3AF9}"/>
-              </a:ext>
-            </a:extLst>
-          </p:cNvPr>
-          <p:cNvSpPr txBox="1"/>
-          <p:nvPr/>
-        </p:nvSpPr>
-        <p:spPr>
-          <a:xfrm>
-            <a:off x="7334250" y="3618429"/>
-            <a:ext cx="1371600" cy="369332"/>
-          </a:xfrm>
-          <a:prstGeom prst="rect">
-            <a:avLst/>
-          </a:prstGeom>
-          <a:noFill/>
-        </p:spPr>
-        <p:txBody>
-          <a:bodyPr wrap="square" rtlCol="0">
-            <a:spAutoFit/>
-          </a:bodyPr>
-          <a:lstStyle/>
-          <a:p>
-            <a:r>
-              <a:rPr lang="en-IN" dirty="0"/>
-              <a:t>Subscription</a:t>
-            </a:r>
-          </a:p>
-        </p:txBody>
-      </p:sp>
-      <p:sp>
-        <p:nvSpPr>
-          <p:cNvPr id="41" name="TextBox 40">
-            <a:extLst>
-              <a:ext uri="{FF2B5EF4-FFF2-40B4-BE49-F238E27FC236}">
-                <a16:creationId xmlns:a16="http://schemas.microsoft.com/office/drawing/2014/main" id="{119AE876-013B-4B9D-A823-EF1B084202EF}"/>
-              </a:ext>
-            </a:extLst>
-          </p:cNvPr>
-          <p:cNvSpPr txBox="1"/>
-          <p:nvPr/>
-        </p:nvSpPr>
-        <p:spPr>
-          <a:xfrm>
-            <a:off x="7091358" y="4484132"/>
-            <a:ext cx="1371600" cy="369332"/>
-          </a:xfrm>
-          <a:prstGeom prst="rect">
-            <a:avLst/>
-          </a:prstGeom>
-          <a:noFill/>
-        </p:spPr>
-        <p:txBody>
-          <a:bodyPr wrap="square" rtlCol="0">
-            <a:spAutoFit/>
-          </a:bodyPr>
-          <a:lstStyle/>
-          <a:p>
-            <a:r>
-              <a:rPr lang="en-IN" dirty="0"/>
-              <a:t>Subscription</a:t>
-            </a:r>
-          </a:p>
-        </p:txBody>
-      </p:sp>
-      <p:cxnSp>
-        <p:nvCxnSpPr>
-          <p:cNvPr id="43" name="Straight Arrow Connector 42">
-            <a:extLst>
-              <a:ext uri="{FF2B5EF4-FFF2-40B4-BE49-F238E27FC236}">
-                <a16:creationId xmlns:a16="http://schemas.microsoft.com/office/drawing/2014/main" id="{525D9BF8-633A-4FEF-A2EF-7968792B878A}"/>
-              </a:ext>
-            </a:extLst>
-          </p:cNvPr>
-          <p:cNvCxnSpPr>
-            <a:stCxn id="17" idx="6"/>
-            <a:endCxn id="13" idx="1"/>
-          </p:cNvCxnSpPr>
-          <p:nvPr/>
-        </p:nvCxnSpPr>
-        <p:spPr>
-          <a:xfrm flipV="1">
-            <a:off x="6796087" y="3600450"/>
-            <a:ext cx="2100262" cy="707469"/>
-          </a:xfrm>
-          <a:prstGeom prst="straightConnector1">
-            <a:avLst/>
-          </a:prstGeom>
-          <a:ln>
-            <a:tailEnd type="triangle"/>
-          </a:ln>
-        </p:spPr>
-        <p:style>
-          <a:lnRef idx="1">
-            <a:schemeClr val="accent1"/>
-          </a:lnRef>
-          <a:fillRef idx="0">
-            <a:schemeClr val="accent1"/>
-          </a:fillRef>
-          <a:effectRef idx="0">
-            <a:schemeClr val="accent1"/>
-          </a:effectRef>
-          <a:fontRef idx="minor">
-            <a:schemeClr val="tx1"/>
-          </a:fontRef>
-        </p:style>
-      </p:cxnSp>
-      <p:sp>
-        <p:nvSpPr>
-          <p:cNvPr id="45" name="Rectangle: Rounded Corners 44">
-            <a:extLst>
-              <a:ext uri="{FF2B5EF4-FFF2-40B4-BE49-F238E27FC236}">
-                <a16:creationId xmlns:a16="http://schemas.microsoft.com/office/drawing/2014/main" id="{2825462B-D487-487C-83F4-74B1B0A6FE33}"/>
-              </a:ext>
-            </a:extLst>
-          </p:cNvPr>
-          <p:cNvSpPr/>
-          <p:nvPr/>
-        </p:nvSpPr>
-        <p:spPr>
-          <a:xfrm>
-            <a:off x="1095374" y="4853464"/>
-            <a:ext cx="2324101" cy="676275"/>
-          </a:xfrm>
-          <a:prstGeom prst="roundRect">
             <a:avLst/>
           </a:prstGeom>
         </p:spPr>
@@ -5503,94 +4873,646 @@
           <a:lstStyle/>
           <a:p>
             <a:pPr algn="ctr"/>
-            <a:r>
-              <a:rPr lang="en-IN" b="1" dirty="0"/>
-              <a:t>Custom Web App</a:t>
-            </a:r>
-          </a:p>
-          <a:p>
-            <a:pPr algn="ctr"/>
-            <a:r>
-              <a:rPr lang="en-IN" b="1" dirty="0"/>
-              <a:t>Publisher</a:t>
-            </a:r>
-          </a:p>
-        </p:txBody>
-      </p:sp>
-      <p:cxnSp>
-        <p:nvCxnSpPr>
-          <p:cNvPr id="47" name="Straight Arrow Connector 46">
-            <a:extLst>
-              <a:ext uri="{FF2B5EF4-FFF2-40B4-BE49-F238E27FC236}">
-                <a16:creationId xmlns:a16="http://schemas.microsoft.com/office/drawing/2014/main" id="{26BDDDC2-42A1-44EA-B1A8-A566DE7EEAEF}"/>
-              </a:ext>
-            </a:extLst>
-          </p:cNvPr>
-          <p:cNvCxnSpPr>
-            <a:cxnSpLocks/>
-            <a:stCxn id="45" idx="3"/>
-            <a:endCxn id="17" idx="2"/>
-          </p:cNvCxnSpPr>
-          <p:nvPr/>
-        </p:nvCxnSpPr>
-        <p:spPr>
-          <a:xfrm flipV="1">
-            <a:off x="3419475" y="4307919"/>
-            <a:ext cx="1452562" cy="883683"/>
-          </a:xfrm>
-          <a:prstGeom prst="straightConnector1">
-            <a:avLst/>
-          </a:prstGeom>
-          <a:ln>
-            <a:tailEnd type="triangle"/>
-          </a:ln>
-        </p:spPr>
-        <p:style>
-          <a:lnRef idx="1">
-            <a:schemeClr val="accent1"/>
-          </a:lnRef>
-          <a:fillRef idx="0">
-            <a:schemeClr val="accent1"/>
-          </a:fillRef>
-          <a:effectRef idx="0">
-            <a:schemeClr val="accent1"/>
-          </a:effectRef>
-          <a:fontRef idx="minor">
-            <a:schemeClr val="tx1"/>
-          </a:fontRef>
-        </p:style>
-      </p:cxnSp>
-      <p:sp>
-        <p:nvSpPr>
-          <p:cNvPr id="52" name="TextBox 51">
-            <a:extLst>
-              <a:ext uri="{FF2B5EF4-FFF2-40B4-BE49-F238E27FC236}">
-                <a16:creationId xmlns:a16="http://schemas.microsoft.com/office/drawing/2014/main" id="{32BEFDC7-5666-41DA-A0E9-292B4F6FCBAD}"/>
-              </a:ext>
-            </a:extLst>
-          </p:cNvPr>
-          <p:cNvSpPr txBox="1"/>
-          <p:nvPr/>
-        </p:nvSpPr>
-        <p:spPr>
-          <a:xfrm>
-            <a:off x="3469483" y="4687607"/>
-            <a:ext cx="2100262" cy="369332"/>
+            <a:endParaRPr lang="en-IN"/>
+          </a:p>
+        </p:txBody>
+      </p:sp>
+      <p:sp>
+        <p:nvSpPr>
+          <p:cNvPr id="11" name="Rectangle 10">
+            <a:extLst>
+              <a:ext uri="{FF2B5EF4-FFF2-40B4-BE49-F238E27FC236}">
+                <a16:creationId xmlns:a16="http://schemas.microsoft.com/office/drawing/2014/main" id="{952F2B11-15CA-44C9-9DAD-639FBB1236EA}"/>
+              </a:ext>
+            </a:extLst>
+          </p:cNvPr>
+          <p:cNvSpPr/>
+          <p:nvPr/>
+        </p:nvSpPr>
+        <p:spPr>
+          <a:xfrm>
+            <a:off x="4762500" y="3990975"/>
+            <a:ext cx="2390775" cy="514350"/>
           </a:xfrm>
           <a:prstGeom prst="rect">
             <a:avLst/>
           </a:prstGeom>
-          <a:noFill/>
-        </p:spPr>
-        <p:txBody>
-          <a:bodyPr wrap="square" rtlCol="0">
-            <a:spAutoFit/>
-          </a:bodyPr>
-          <a:lstStyle/>
-          <a:p>
-            <a:r>
-              <a:rPr lang="en-IN" dirty="0"/>
-              <a:t>Custom Topic</a:t>
+          <a:solidFill>
+            <a:srgbClr val="00B050"/>
+          </a:solidFill>
+        </p:spPr>
+        <p:style>
+          <a:lnRef idx="2">
+            <a:schemeClr val="accent1">
+              <a:shade val="50000"/>
+            </a:schemeClr>
+          </a:lnRef>
+          <a:fillRef idx="1">
+            <a:schemeClr val="accent1"/>
+          </a:fillRef>
+          <a:effectRef idx="0">
+            <a:schemeClr val="accent1"/>
+          </a:effectRef>
+          <a:fontRef idx="minor">
+            <a:schemeClr val="lt1"/>
+          </a:fontRef>
+        </p:style>
+        <p:txBody>
+          <a:bodyPr rtlCol="0" anchor="ctr"/>
+          <a:lstStyle/>
+          <a:p>
+            <a:pPr algn="ctr"/>
+            <a:r>
+              <a:rPr lang="en-IN" dirty="0"/>
+              <a:t>OS Agent </a:t>
+            </a:r>
+          </a:p>
+        </p:txBody>
+      </p:sp>
+      <p:sp>
+        <p:nvSpPr>
+          <p:cNvPr id="12" name="Rectangle 11">
+            <a:extLst>
+              <a:ext uri="{FF2B5EF4-FFF2-40B4-BE49-F238E27FC236}">
+                <a16:creationId xmlns:a16="http://schemas.microsoft.com/office/drawing/2014/main" id="{CA1C4F30-46B2-4F08-8DCC-9C466B0CEA42}"/>
+              </a:ext>
+            </a:extLst>
+          </p:cNvPr>
+          <p:cNvSpPr/>
+          <p:nvPr/>
+        </p:nvSpPr>
+        <p:spPr>
+          <a:xfrm>
+            <a:off x="4762500" y="3662361"/>
+            <a:ext cx="2390775" cy="328613"/>
+          </a:xfrm>
+          <a:prstGeom prst="rect">
+            <a:avLst/>
+          </a:prstGeom>
+          <a:solidFill>
+            <a:schemeClr val="accent6">
+              <a:lumMod val="50000"/>
+            </a:schemeClr>
+          </a:solidFill>
+        </p:spPr>
+        <p:style>
+          <a:lnRef idx="2">
+            <a:schemeClr val="accent1">
+              <a:shade val="50000"/>
+            </a:schemeClr>
+          </a:lnRef>
+          <a:fillRef idx="1">
+            <a:schemeClr val="accent1"/>
+          </a:fillRef>
+          <a:effectRef idx="0">
+            <a:schemeClr val="accent1"/>
+          </a:effectRef>
+          <a:fontRef idx="minor">
+            <a:schemeClr val="lt1"/>
+          </a:fontRef>
+        </p:style>
+        <p:txBody>
+          <a:bodyPr rtlCol="0" anchor="ctr"/>
+          <a:lstStyle/>
+          <a:p>
+            <a:pPr algn="ctr"/>
+            <a:r>
+              <a:rPr lang="en-IN" dirty="0"/>
+              <a:t>JVM</a:t>
+            </a:r>
+          </a:p>
+        </p:txBody>
+      </p:sp>
+      <p:sp>
+        <p:nvSpPr>
+          <p:cNvPr id="13" name="Rectangle 12">
+            <a:extLst>
+              <a:ext uri="{FF2B5EF4-FFF2-40B4-BE49-F238E27FC236}">
+                <a16:creationId xmlns:a16="http://schemas.microsoft.com/office/drawing/2014/main" id="{9980099A-DC36-4325-847E-856C683B093A}"/>
+              </a:ext>
+            </a:extLst>
+          </p:cNvPr>
+          <p:cNvSpPr/>
+          <p:nvPr/>
+        </p:nvSpPr>
+        <p:spPr>
+          <a:xfrm>
+            <a:off x="4762500" y="2466975"/>
+            <a:ext cx="2390775" cy="419100"/>
+          </a:xfrm>
+          <a:prstGeom prst="rect">
+            <a:avLst/>
+          </a:prstGeom>
+          <a:solidFill>
+            <a:schemeClr val="accent2">
+              <a:lumMod val="75000"/>
+            </a:schemeClr>
+          </a:solidFill>
+        </p:spPr>
+        <p:style>
+          <a:lnRef idx="2">
+            <a:schemeClr val="accent1">
+              <a:shade val="50000"/>
+            </a:schemeClr>
+          </a:lnRef>
+          <a:fillRef idx="1">
+            <a:schemeClr val="accent1"/>
+          </a:fillRef>
+          <a:effectRef idx="0">
+            <a:schemeClr val="accent1"/>
+          </a:effectRef>
+          <a:fontRef idx="minor">
+            <a:schemeClr val="lt1"/>
+          </a:fontRef>
+        </p:style>
+        <p:txBody>
+          <a:bodyPr rtlCol="0" anchor="ctr"/>
+          <a:lstStyle/>
+          <a:p>
+            <a:pPr algn="ctr"/>
+            <a:r>
+              <a:rPr lang="en-IN" dirty="0"/>
+              <a:t>JSP/Servlet App</a:t>
+            </a:r>
+          </a:p>
+        </p:txBody>
+      </p:sp>
+      <p:sp>
+        <p:nvSpPr>
+          <p:cNvPr id="16" name="Rectangle 15">
+            <a:extLst>
+              <a:ext uri="{FF2B5EF4-FFF2-40B4-BE49-F238E27FC236}">
+                <a16:creationId xmlns:a16="http://schemas.microsoft.com/office/drawing/2014/main" id="{0458B2BC-A5CA-45AB-ACF2-B6151D326B50}"/>
+              </a:ext>
+            </a:extLst>
+          </p:cNvPr>
+          <p:cNvSpPr/>
+          <p:nvPr/>
+        </p:nvSpPr>
+        <p:spPr>
+          <a:xfrm>
+            <a:off x="1971674" y="2867025"/>
+            <a:ext cx="2390775" cy="419100"/>
+          </a:xfrm>
+          <a:prstGeom prst="rect">
+            <a:avLst/>
+          </a:prstGeom>
+          <a:solidFill>
+            <a:schemeClr val="accent2">
+              <a:lumMod val="75000"/>
+            </a:schemeClr>
+          </a:solidFill>
+        </p:spPr>
+        <p:style>
+          <a:lnRef idx="2">
+            <a:schemeClr val="accent1">
+              <a:shade val="50000"/>
+            </a:schemeClr>
+          </a:lnRef>
+          <a:fillRef idx="1">
+            <a:schemeClr val="accent1"/>
+          </a:fillRef>
+          <a:effectRef idx="0">
+            <a:schemeClr val="accent1"/>
+          </a:effectRef>
+          <a:fontRef idx="minor">
+            <a:schemeClr val="lt1"/>
+          </a:fontRef>
+        </p:style>
+        <p:txBody>
+          <a:bodyPr rtlCol="0" anchor="ctr"/>
+          <a:lstStyle/>
+          <a:p>
+            <a:pPr algn="ctr"/>
+            <a:r>
+              <a:rPr lang="en-IN" dirty="0" err="1"/>
+              <a:t>Nuget</a:t>
+            </a:r>
+            <a:r>
+              <a:rPr lang="en-IN" dirty="0"/>
+              <a:t> Libraries</a:t>
+            </a:r>
+          </a:p>
+        </p:txBody>
+      </p:sp>
+      <p:sp>
+        <p:nvSpPr>
+          <p:cNvPr id="17" name="Rectangle 16">
+            <a:extLst>
+              <a:ext uri="{FF2B5EF4-FFF2-40B4-BE49-F238E27FC236}">
+                <a16:creationId xmlns:a16="http://schemas.microsoft.com/office/drawing/2014/main" id="{AC2C10A9-4B81-4DE5-8BF8-A7FCE7A91F73}"/>
+              </a:ext>
+            </a:extLst>
+          </p:cNvPr>
+          <p:cNvSpPr/>
+          <p:nvPr/>
+        </p:nvSpPr>
+        <p:spPr>
+          <a:xfrm>
+            <a:off x="4762500" y="3243261"/>
+            <a:ext cx="2390775" cy="419100"/>
+          </a:xfrm>
+          <a:prstGeom prst="rect">
+            <a:avLst/>
+          </a:prstGeom>
+          <a:solidFill>
+            <a:schemeClr val="accent2">
+              <a:lumMod val="75000"/>
+            </a:schemeClr>
+          </a:solidFill>
+        </p:spPr>
+        <p:style>
+          <a:lnRef idx="2">
+            <a:schemeClr val="accent1">
+              <a:shade val="50000"/>
+            </a:schemeClr>
+          </a:lnRef>
+          <a:fillRef idx="1">
+            <a:schemeClr val="accent1"/>
+          </a:fillRef>
+          <a:effectRef idx="0">
+            <a:schemeClr val="accent1"/>
+          </a:effectRef>
+          <a:fontRef idx="minor">
+            <a:schemeClr val="lt1"/>
+          </a:fontRef>
+        </p:style>
+        <p:txBody>
+          <a:bodyPr rtlCol="0" anchor="ctr"/>
+          <a:lstStyle/>
+          <a:p>
+            <a:pPr algn="ctr"/>
+            <a:r>
+              <a:rPr lang="en-IN" dirty="0"/>
+              <a:t>Tomcat</a:t>
+            </a:r>
+          </a:p>
+        </p:txBody>
+      </p:sp>
+      <p:sp>
+        <p:nvSpPr>
+          <p:cNvPr id="18" name="Rectangle 17">
+            <a:extLst>
+              <a:ext uri="{FF2B5EF4-FFF2-40B4-BE49-F238E27FC236}">
+                <a16:creationId xmlns:a16="http://schemas.microsoft.com/office/drawing/2014/main" id="{FC076A65-55DA-4354-AD57-1727C99C8CFC}"/>
+              </a:ext>
+            </a:extLst>
+          </p:cNvPr>
+          <p:cNvSpPr/>
+          <p:nvPr/>
+        </p:nvSpPr>
+        <p:spPr>
+          <a:xfrm>
+            <a:off x="4762500" y="2843211"/>
+            <a:ext cx="2390775" cy="419100"/>
+          </a:xfrm>
+          <a:prstGeom prst="rect">
+            <a:avLst/>
+          </a:prstGeom>
+          <a:solidFill>
+            <a:schemeClr val="accent2">
+              <a:lumMod val="75000"/>
+            </a:schemeClr>
+          </a:solidFill>
+        </p:spPr>
+        <p:style>
+          <a:lnRef idx="2">
+            <a:schemeClr val="accent1">
+              <a:shade val="50000"/>
+            </a:schemeClr>
+          </a:lnRef>
+          <a:fillRef idx="1">
+            <a:schemeClr val="accent1"/>
+          </a:fillRef>
+          <a:effectRef idx="0">
+            <a:schemeClr val="accent1"/>
+          </a:effectRef>
+          <a:fontRef idx="minor">
+            <a:schemeClr val="lt1"/>
+          </a:fontRef>
+        </p:style>
+        <p:txBody>
+          <a:bodyPr rtlCol="0" anchor="ctr"/>
+          <a:lstStyle/>
+          <a:p>
+            <a:pPr algn="ctr"/>
+            <a:r>
+              <a:rPr lang="en-IN" dirty="0"/>
+              <a:t>Jar files</a:t>
+            </a:r>
+          </a:p>
+        </p:txBody>
+      </p:sp>
+      <p:sp>
+        <p:nvSpPr>
+          <p:cNvPr id="19" name="Rectangle 18">
+            <a:extLst>
+              <a:ext uri="{FF2B5EF4-FFF2-40B4-BE49-F238E27FC236}">
+                <a16:creationId xmlns:a16="http://schemas.microsoft.com/office/drawing/2014/main" id="{43B0BF03-F143-4E80-98F2-2D337A53418F}"/>
+              </a:ext>
+            </a:extLst>
+          </p:cNvPr>
+          <p:cNvSpPr/>
+          <p:nvPr/>
+        </p:nvSpPr>
+        <p:spPr>
+          <a:xfrm>
+            <a:off x="7372350" y="2486025"/>
+            <a:ext cx="2390775" cy="2038350"/>
+          </a:xfrm>
+          <a:prstGeom prst="rect">
+            <a:avLst/>
+          </a:prstGeom>
+        </p:spPr>
+        <p:style>
+          <a:lnRef idx="2">
+            <a:schemeClr val="accent1">
+              <a:shade val="50000"/>
+            </a:schemeClr>
+          </a:lnRef>
+          <a:fillRef idx="1">
+            <a:schemeClr val="accent1"/>
+          </a:fillRef>
+          <a:effectRef idx="0">
+            <a:schemeClr val="accent1"/>
+          </a:effectRef>
+          <a:fontRef idx="minor">
+            <a:schemeClr val="lt1"/>
+          </a:fontRef>
+        </p:style>
+        <p:txBody>
+          <a:bodyPr rtlCol="0" anchor="ctr"/>
+          <a:lstStyle/>
+          <a:p>
+            <a:pPr algn="ctr"/>
+            <a:endParaRPr lang="en-IN"/>
+          </a:p>
+        </p:txBody>
+      </p:sp>
+      <p:sp>
+        <p:nvSpPr>
+          <p:cNvPr id="20" name="Rectangle 19">
+            <a:extLst>
+              <a:ext uri="{FF2B5EF4-FFF2-40B4-BE49-F238E27FC236}">
+                <a16:creationId xmlns:a16="http://schemas.microsoft.com/office/drawing/2014/main" id="{1D8CD2BC-A500-4221-91D7-045B3F68C71C}"/>
+              </a:ext>
+            </a:extLst>
+          </p:cNvPr>
+          <p:cNvSpPr/>
+          <p:nvPr/>
+        </p:nvSpPr>
+        <p:spPr>
+          <a:xfrm>
+            <a:off x="7372350" y="4010025"/>
+            <a:ext cx="2390775" cy="514350"/>
+          </a:xfrm>
+          <a:prstGeom prst="rect">
+            <a:avLst/>
+          </a:prstGeom>
+          <a:solidFill>
+            <a:srgbClr val="00B050"/>
+          </a:solidFill>
+        </p:spPr>
+        <p:style>
+          <a:lnRef idx="2">
+            <a:schemeClr val="accent1">
+              <a:shade val="50000"/>
+            </a:schemeClr>
+          </a:lnRef>
+          <a:fillRef idx="1">
+            <a:schemeClr val="accent1"/>
+          </a:fillRef>
+          <a:effectRef idx="0">
+            <a:schemeClr val="accent1"/>
+          </a:effectRef>
+          <a:fontRef idx="minor">
+            <a:schemeClr val="lt1"/>
+          </a:fontRef>
+        </p:style>
+        <p:txBody>
+          <a:bodyPr rtlCol="0" anchor="ctr"/>
+          <a:lstStyle/>
+          <a:p>
+            <a:pPr algn="ctr"/>
+            <a:r>
+              <a:rPr lang="en-IN" dirty="0"/>
+              <a:t>OS Agent </a:t>
+            </a:r>
+          </a:p>
+        </p:txBody>
+      </p:sp>
+      <p:sp>
+        <p:nvSpPr>
+          <p:cNvPr id="21" name="Rectangle 20">
+            <a:extLst>
+              <a:ext uri="{FF2B5EF4-FFF2-40B4-BE49-F238E27FC236}">
+                <a16:creationId xmlns:a16="http://schemas.microsoft.com/office/drawing/2014/main" id="{0CE09730-FBC4-42BC-B85A-C425EED4785C}"/>
+              </a:ext>
+            </a:extLst>
+          </p:cNvPr>
+          <p:cNvSpPr/>
+          <p:nvPr/>
+        </p:nvSpPr>
+        <p:spPr>
+          <a:xfrm>
+            <a:off x="7372350" y="3681411"/>
+            <a:ext cx="2390775" cy="328613"/>
+          </a:xfrm>
+          <a:prstGeom prst="rect">
+            <a:avLst/>
+          </a:prstGeom>
+          <a:solidFill>
+            <a:schemeClr val="accent6">
+              <a:lumMod val="50000"/>
+            </a:schemeClr>
+          </a:solidFill>
+        </p:spPr>
+        <p:style>
+          <a:lnRef idx="2">
+            <a:schemeClr val="accent1">
+              <a:shade val="50000"/>
+            </a:schemeClr>
+          </a:lnRef>
+          <a:fillRef idx="1">
+            <a:schemeClr val="accent1"/>
+          </a:fillRef>
+          <a:effectRef idx="0">
+            <a:schemeClr val="accent1"/>
+          </a:effectRef>
+          <a:fontRef idx="minor">
+            <a:schemeClr val="lt1"/>
+          </a:fontRef>
+        </p:style>
+        <p:txBody>
+          <a:bodyPr rtlCol="0" anchor="ctr"/>
+          <a:lstStyle/>
+          <a:p>
+            <a:pPr algn="ctr"/>
+            <a:r>
+              <a:rPr lang="en-IN" dirty="0"/>
+              <a:t>JVM</a:t>
+            </a:r>
+          </a:p>
+        </p:txBody>
+      </p:sp>
+      <p:sp>
+        <p:nvSpPr>
+          <p:cNvPr id="22" name="Rectangle 21">
+            <a:extLst>
+              <a:ext uri="{FF2B5EF4-FFF2-40B4-BE49-F238E27FC236}">
+                <a16:creationId xmlns:a16="http://schemas.microsoft.com/office/drawing/2014/main" id="{806AA923-C210-4C68-8F89-330A1E3EAC87}"/>
+              </a:ext>
+            </a:extLst>
+          </p:cNvPr>
+          <p:cNvSpPr/>
+          <p:nvPr/>
+        </p:nvSpPr>
+        <p:spPr>
+          <a:xfrm>
+            <a:off x="7372350" y="2486025"/>
+            <a:ext cx="2390775" cy="419100"/>
+          </a:xfrm>
+          <a:prstGeom prst="rect">
+            <a:avLst/>
+          </a:prstGeom>
+          <a:solidFill>
+            <a:schemeClr val="accent2">
+              <a:lumMod val="75000"/>
+            </a:schemeClr>
+          </a:solidFill>
+        </p:spPr>
+        <p:style>
+          <a:lnRef idx="2">
+            <a:schemeClr val="accent1">
+              <a:shade val="50000"/>
+            </a:schemeClr>
+          </a:lnRef>
+          <a:fillRef idx="1">
+            <a:schemeClr val="accent1"/>
+          </a:fillRef>
+          <a:effectRef idx="0">
+            <a:schemeClr val="accent1"/>
+          </a:effectRef>
+          <a:fontRef idx="minor">
+            <a:schemeClr val="lt1"/>
+          </a:fontRef>
+        </p:style>
+        <p:txBody>
+          <a:bodyPr rtlCol="0" anchor="ctr"/>
+          <a:lstStyle/>
+          <a:p>
+            <a:pPr algn="ctr"/>
+            <a:r>
+              <a:rPr lang="en-IN" dirty="0"/>
+              <a:t>JSP/Servlet App</a:t>
+            </a:r>
+          </a:p>
+        </p:txBody>
+      </p:sp>
+      <p:sp>
+        <p:nvSpPr>
+          <p:cNvPr id="23" name="Rectangle 22">
+            <a:extLst>
+              <a:ext uri="{FF2B5EF4-FFF2-40B4-BE49-F238E27FC236}">
+                <a16:creationId xmlns:a16="http://schemas.microsoft.com/office/drawing/2014/main" id="{38880A9D-E0A5-445C-9C44-C9775DC07DE8}"/>
+              </a:ext>
+            </a:extLst>
+          </p:cNvPr>
+          <p:cNvSpPr/>
+          <p:nvPr/>
+        </p:nvSpPr>
+        <p:spPr>
+          <a:xfrm>
+            <a:off x="7372350" y="3262311"/>
+            <a:ext cx="2390775" cy="419100"/>
+          </a:xfrm>
+          <a:prstGeom prst="rect">
+            <a:avLst/>
+          </a:prstGeom>
+          <a:solidFill>
+            <a:schemeClr val="accent2">
+              <a:lumMod val="75000"/>
+            </a:schemeClr>
+          </a:solidFill>
+        </p:spPr>
+        <p:style>
+          <a:lnRef idx="2">
+            <a:schemeClr val="accent1">
+              <a:shade val="50000"/>
+            </a:schemeClr>
+          </a:lnRef>
+          <a:fillRef idx="1">
+            <a:schemeClr val="accent1"/>
+          </a:fillRef>
+          <a:effectRef idx="0">
+            <a:schemeClr val="accent1"/>
+          </a:effectRef>
+          <a:fontRef idx="minor">
+            <a:schemeClr val="lt1"/>
+          </a:fontRef>
+        </p:style>
+        <p:txBody>
+          <a:bodyPr rtlCol="0" anchor="ctr"/>
+          <a:lstStyle/>
+          <a:p>
+            <a:pPr algn="ctr"/>
+            <a:r>
+              <a:rPr lang="en-IN" dirty="0"/>
+              <a:t>Tomcat</a:t>
+            </a:r>
+          </a:p>
+        </p:txBody>
+      </p:sp>
+      <p:sp>
+        <p:nvSpPr>
+          <p:cNvPr id="24" name="Rectangle 23">
+            <a:extLst>
+              <a:ext uri="{FF2B5EF4-FFF2-40B4-BE49-F238E27FC236}">
+                <a16:creationId xmlns:a16="http://schemas.microsoft.com/office/drawing/2014/main" id="{767D88C6-79F5-4095-83F6-77BAD1604559}"/>
+              </a:ext>
+            </a:extLst>
+          </p:cNvPr>
+          <p:cNvSpPr/>
+          <p:nvPr/>
+        </p:nvSpPr>
+        <p:spPr>
+          <a:xfrm>
+            <a:off x="7372350" y="2862261"/>
+            <a:ext cx="2390775" cy="419100"/>
+          </a:xfrm>
+          <a:prstGeom prst="rect">
+            <a:avLst/>
+          </a:prstGeom>
+          <a:solidFill>
+            <a:schemeClr val="accent2">
+              <a:lumMod val="75000"/>
+            </a:schemeClr>
+          </a:solidFill>
+        </p:spPr>
+        <p:style>
+          <a:lnRef idx="2">
+            <a:schemeClr val="accent1">
+              <a:shade val="50000"/>
+            </a:schemeClr>
+          </a:lnRef>
+          <a:fillRef idx="1">
+            <a:schemeClr val="accent1"/>
+          </a:fillRef>
+          <a:effectRef idx="0">
+            <a:schemeClr val="accent1"/>
+          </a:effectRef>
+          <a:fontRef idx="minor">
+            <a:schemeClr val="lt1"/>
+          </a:fontRef>
+        </p:style>
+        <p:txBody>
+          <a:bodyPr rtlCol="0" anchor="ctr"/>
+          <a:lstStyle/>
+          <a:p>
+            <a:pPr algn="ctr"/>
+            <a:r>
+              <a:rPr lang="en-IN" dirty="0"/>
+              <a:t>Jar files</a:t>
             </a:r>
           </a:p>
         </p:txBody>
@@ -5598,7 +5520,7 @@
     </p:spTree>
     <p:extLst>
       <p:ext uri="{BB962C8B-B14F-4D97-AF65-F5344CB8AC3E}">
-        <p14:creationId xmlns:p14="http://schemas.microsoft.com/office/powerpoint/2010/main" val="2042113289"/>
+        <p14:creationId xmlns:p14="http://schemas.microsoft.com/office/powerpoint/2010/main" val="3426452196"/>
       </p:ext>
     </p:extLst>
   </p:cSld>
@@ -5627,10 +5549,10 @@
       </p:grpSpPr>
       <p:sp>
         <p:nvSpPr>
-          <p:cNvPr id="2" name="Title 1">
-            <a:extLst>
-              <a:ext uri="{FF2B5EF4-FFF2-40B4-BE49-F238E27FC236}">
-                <a16:creationId xmlns:a16="http://schemas.microsoft.com/office/drawing/2014/main" id="{45261430-E48D-42BA-AB67-2D3EB13BC0D3}"/>
+          <p:cNvPr id="4" name="Title 1">
+            <a:extLst>
+              <a:ext uri="{FF2B5EF4-FFF2-40B4-BE49-F238E27FC236}">
+                <a16:creationId xmlns:a16="http://schemas.microsoft.com/office/drawing/2014/main" id="{B052A4EB-C0E4-4EE7-A55E-23E34E31855A}"/>
               </a:ext>
             </a:extLst>
           </p:cNvPr>
@@ -5641,24 +5563,29 @@
             <p:ph type="title"/>
           </p:nvPr>
         </p:nvSpPr>
-        <p:spPr/>
+        <p:spPr>
+          <a:xfrm>
+            <a:off x="838200" y="365125"/>
+            <a:ext cx="10515600" cy="1325563"/>
+          </a:xfrm>
+        </p:spPr>
         <p:txBody>
           <a:bodyPr/>
           <a:lstStyle/>
           <a:p>
             <a:r>
               <a:rPr lang="en-IN" dirty="0"/>
-              <a:t>Message driven communication</a:t>
-            </a:r>
-          </a:p>
-        </p:txBody>
-      </p:sp>
-      <p:sp>
-        <p:nvSpPr>
-          <p:cNvPr id="5" name="Rectangle: Rounded Corners 4">
-            <a:extLst>
-              <a:ext uri="{FF2B5EF4-FFF2-40B4-BE49-F238E27FC236}">
-                <a16:creationId xmlns:a16="http://schemas.microsoft.com/office/drawing/2014/main" id="{5723EC08-05FC-4DD2-82C3-2BC78E7C92D4}"/>
+              <a:t>Windows Vs Linux Containers</a:t>
+            </a:r>
+          </a:p>
+        </p:txBody>
+      </p:sp>
+      <p:sp>
+        <p:nvSpPr>
+          <p:cNvPr id="5" name="Rectangle 4">
+            <a:extLst>
+              <a:ext uri="{FF2B5EF4-FFF2-40B4-BE49-F238E27FC236}">
+                <a16:creationId xmlns:a16="http://schemas.microsoft.com/office/drawing/2014/main" id="{25AC15D3-E8BF-4B3A-A5C4-206CD3029A5D}"/>
               </a:ext>
             </a:extLst>
           </p:cNvPr>
@@ -5667,10 +5594,10 @@
         </p:nvSpPr>
         <p:spPr>
           <a:xfrm>
-            <a:off x="1323975" y="3918228"/>
-            <a:ext cx="1704975" cy="676275"/>
-          </a:xfrm>
-          <a:prstGeom prst="roundRect">
+            <a:off x="2819400" y="5962650"/>
+            <a:ext cx="8181975" cy="609600"/>
+          </a:xfrm>
+          <a:prstGeom prst="rect">
             <a:avLst/>
           </a:prstGeom>
         </p:spPr>
@@ -5696,18 +5623,18 @@
           <a:p>
             <a:pPr algn="ctr"/>
             <a:r>
-              <a:rPr lang="en-IN" b="1" dirty="0"/>
-              <a:t>Publisher App</a:t>
-            </a:r>
-          </a:p>
-        </p:txBody>
-      </p:sp>
-      <p:sp>
-        <p:nvSpPr>
-          <p:cNvPr id="7" name="Oval 6">
-            <a:extLst>
-              <a:ext uri="{FF2B5EF4-FFF2-40B4-BE49-F238E27FC236}">
-                <a16:creationId xmlns:a16="http://schemas.microsoft.com/office/drawing/2014/main" id="{99663E91-5109-4848-B268-28841F5928F4}"/>
+              <a:rPr lang="en-IN" dirty="0"/>
+              <a:t>Windows 8 Core/16GB </a:t>
+            </a:r>
+          </a:p>
+        </p:txBody>
+      </p:sp>
+      <p:sp>
+        <p:nvSpPr>
+          <p:cNvPr id="6" name="Rectangle 5">
+            <a:extLst>
+              <a:ext uri="{FF2B5EF4-FFF2-40B4-BE49-F238E27FC236}">
+                <a16:creationId xmlns:a16="http://schemas.microsoft.com/office/drawing/2014/main" id="{3CC5A5CD-C1C7-4FC2-9E71-437688287B36}"/>
               </a:ext>
             </a:extLst>
           </p:cNvPr>
@@ -5716,12 +5643,15 @@
         </p:nvSpPr>
         <p:spPr>
           <a:xfrm>
-            <a:off x="4605336" y="3794641"/>
-            <a:ext cx="1924050" cy="985838"/>
-          </a:xfrm>
-          <a:prstGeom prst="ellipse">
-            <a:avLst/>
-          </a:prstGeom>
+            <a:off x="2819400" y="5362575"/>
+            <a:ext cx="8181975" cy="600075"/>
+          </a:xfrm>
+          <a:prstGeom prst="rect">
+            <a:avLst/>
+          </a:prstGeom>
+          <a:solidFill>
+            <a:srgbClr val="FFC000"/>
+          </a:solidFill>
         </p:spPr>
         <p:style>
           <a:lnRef idx="2">
@@ -5746,102 +5676,17 @@
             <a:pPr algn="ctr"/>
             <a:r>
               <a:rPr lang="en-IN" dirty="0"/>
-              <a:t>Queue</a:t>
-            </a:r>
-          </a:p>
-        </p:txBody>
-      </p:sp>
-      <p:cxnSp>
-        <p:nvCxnSpPr>
-          <p:cNvPr id="8" name="Straight Arrow Connector 7">
-            <a:extLst>
-              <a:ext uri="{FF2B5EF4-FFF2-40B4-BE49-F238E27FC236}">
-                <a16:creationId xmlns:a16="http://schemas.microsoft.com/office/drawing/2014/main" id="{68E7F224-A1AE-49F1-BF18-ABD910A26AAE}"/>
-              </a:ext>
-            </a:extLst>
-          </p:cNvPr>
-          <p:cNvCxnSpPr>
-            <a:cxnSpLocks/>
-            <a:stCxn id="5" idx="3"/>
-            <a:endCxn id="7" idx="2"/>
-          </p:cNvCxnSpPr>
-          <p:nvPr/>
-        </p:nvCxnSpPr>
-        <p:spPr>
-          <a:xfrm>
-            <a:off x="3028950" y="4256366"/>
-            <a:ext cx="1576386" cy="31194"/>
-          </a:xfrm>
-          <a:prstGeom prst="straightConnector1">
-            <a:avLst/>
-          </a:prstGeom>
-          <a:ln>
-            <a:tailEnd type="triangle"/>
-          </a:ln>
-        </p:spPr>
-        <p:style>
-          <a:lnRef idx="1">
-            <a:schemeClr val="accent1"/>
-          </a:lnRef>
-          <a:fillRef idx="0">
-            <a:schemeClr val="accent1"/>
-          </a:fillRef>
-          <a:effectRef idx="0">
-            <a:schemeClr val="accent1"/>
-          </a:effectRef>
-          <a:fontRef idx="minor">
-            <a:schemeClr val="tx1"/>
-          </a:fontRef>
-        </p:style>
-      </p:cxnSp>
-      <p:cxnSp>
-        <p:nvCxnSpPr>
-          <p:cNvPr id="10" name="Straight Arrow Connector 9">
-            <a:extLst>
-              <a:ext uri="{FF2B5EF4-FFF2-40B4-BE49-F238E27FC236}">
-                <a16:creationId xmlns:a16="http://schemas.microsoft.com/office/drawing/2014/main" id="{671C550B-DAE0-4E91-A9D0-DAF14BE898E4}"/>
-              </a:ext>
-            </a:extLst>
-          </p:cNvPr>
-          <p:cNvCxnSpPr>
-            <a:cxnSpLocks/>
-            <a:stCxn id="7" idx="6"/>
-          </p:cNvCxnSpPr>
-          <p:nvPr/>
-        </p:nvCxnSpPr>
-        <p:spPr>
-          <a:xfrm>
-            <a:off x="6529386" y="4287560"/>
-            <a:ext cx="2100261" cy="422316"/>
-          </a:xfrm>
-          <a:prstGeom prst="straightConnector1">
-            <a:avLst/>
-          </a:prstGeom>
-          <a:ln>
-            <a:tailEnd type="triangle"/>
-          </a:ln>
-        </p:spPr>
-        <p:style>
-          <a:lnRef idx="1">
-            <a:schemeClr val="accent1"/>
-          </a:lnRef>
-          <a:fillRef idx="0">
-            <a:schemeClr val="accent1"/>
-          </a:fillRef>
-          <a:effectRef idx="0">
-            <a:schemeClr val="accent1"/>
-          </a:effectRef>
-          <a:fontRef idx="minor">
-            <a:schemeClr val="tx1"/>
-          </a:fontRef>
-        </p:style>
-      </p:cxnSp>
-      <p:sp>
-        <p:nvSpPr>
-          <p:cNvPr id="11" name="Rectangle: Rounded Corners 10">
-            <a:extLst>
-              <a:ext uri="{FF2B5EF4-FFF2-40B4-BE49-F238E27FC236}">
-                <a16:creationId xmlns:a16="http://schemas.microsoft.com/office/drawing/2014/main" id="{9498AC65-5180-4463-AD0E-D97151F2FD75}"/>
+              <a:t>Docker Engine</a:t>
+            </a:r>
+          </a:p>
+        </p:txBody>
+      </p:sp>
+      <p:sp>
+        <p:nvSpPr>
+          <p:cNvPr id="7" name="Rectangle 6">
+            <a:extLst>
+              <a:ext uri="{FF2B5EF4-FFF2-40B4-BE49-F238E27FC236}">
+                <a16:creationId xmlns:a16="http://schemas.microsoft.com/office/drawing/2014/main" id="{AA674861-DDAF-4926-BC4E-E47852782F28}"/>
               </a:ext>
             </a:extLst>
           </p:cNvPr>
@@ -5850,10 +5695,10 @@
         </p:nvSpPr>
         <p:spPr>
           <a:xfrm>
-            <a:off x="8629647" y="4371738"/>
-            <a:ext cx="1704975" cy="676275"/>
-          </a:xfrm>
-          <a:prstGeom prst="roundRect">
+            <a:off x="3209925" y="3228975"/>
+            <a:ext cx="2390775" cy="2038350"/>
+          </a:xfrm>
+          <a:prstGeom prst="rect">
             <a:avLst/>
           </a:prstGeom>
         </p:spPr>
@@ -5878,19 +5723,16 @@
           <a:lstStyle/>
           <a:p>
             <a:pPr algn="ctr"/>
-            <a:r>
-              <a:rPr lang="en-IN" b="1" dirty="0"/>
-              <a:t>Subscriber App</a:t>
-            </a:r>
-          </a:p>
-        </p:txBody>
-      </p:sp>
-      <p:sp>
-        <p:nvSpPr>
-          <p:cNvPr id="12" name="Rectangle: Rounded Corners 11">
-            <a:extLst>
-              <a:ext uri="{FF2B5EF4-FFF2-40B4-BE49-F238E27FC236}">
-                <a16:creationId xmlns:a16="http://schemas.microsoft.com/office/drawing/2014/main" id="{09F98497-A151-4C27-AED7-433A8835ED5B}"/>
+            <a:endParaRPr lang="en-IN"/>
+          </a:p>
+        </p:txBody>
+      </p:sp>
+      <p:sp>
+        <p:nvSpPr>
+          <p:cNvPr id="8" name="Rectangle 7">
+            <a:extLst>
+              <a:ext uri="{FF2B5EF4-FFF2-40B4-BE49-F238E27FC236}">
+                <a16:creationId xmlns:a16="http://schemas.microsoft.com/office/drawing/2014/main" id="{AA119C8C-F80D-4FE0-B362-E9EFEF364ECE}"/>
               </a:ext>
             </a:extLst>
           </p:cNvPr>
@@ -5899,12 +5741,15 @@
         </p:nvSpPr>
         <p:spPr>
           <a:xfrm>
-            <a:off x="8629647" y="2752725"/>
-            <a:ext cx="1704975" cy="676275"/>
-          </a:xfrm>
-          <a:prstGeom prst="roundRect">
-            <a:avLst/>
-          </a:prstGeom>
+            <a:off x="3209925" y="4752975"/>
+            <a:ext cx="2390775" cy="514350"/>
+          </a:xfrm>
+          <a:prstGeom prst="rect">
+            <a:avLst/>
+          </a:prstGeom>
+          <a:solidFill>
+            <a:srgbClr val="00B050"/>
+          </a:solidFill>
         </p:spPr>
         <p:style>
           <a:lnRef idx="2">
@@ -5928,58 +5773,543 @@
           <a:p>
             <a:pPr algn="ctr"/>
             <a:r>
-              <a:rPr lang="en-IN" b="1" dirty="0"/>
-              <a:t>Subscriber App</a:t>
-            </a:r>
-          </a:p>
-        </p:txBody>
-      </p:sp>
-      <p:cxnSp>
-        <p:nvCxnSpPr>
-          <p:cNvPr id="14" name="Straight Arrow Connector 13">
-            <a:extLst>
-              <a:ext uri="{FF2B5EF4-FFF2-40B4-BE49-F238E27FC236}">
-                <a16:creationId xmlns:a16="http://schemas.microsoft.com/office/drawing/2014/main" id="{550CA084-F3F2-478E-B7B6-C17EDB8A6909}"/>
-              </a:ext>
-            </a:extLst>
-          </p:cNvPr>
-          <p:cNvCxnSpPr>
-            <a:stCxn id="7" idx="6"/>
-            <a:endCxn id="12" idx="1"/>
-          </p:cNvCxnSpPr>
-          <p:nvPr/>
-        </p:nvCxnSpPr>
-        <p:spPr>
-          <a:xfrm flipV="1">
-            <a:off x="6529386" y="3090863"/>
-            <a:ext cx="2100261" cy="1196697"/>
-          </a:xfrm>
-          <a:prstGeom prst="straightConnector1">
-            <a:avLst/>
-          </a:prstGeom>
-          <a:ln>
-            <a:tailEnd type="triangle"/>
-          </a:ln>
-        </p:spPr>
-        <p:style>
-          <a:lnRef idx="1">
-            <a:schemeClr val="accent1"/>
-          </a:lnRef>
-          <a:fillRef idx="0">
-            <a:schemeClr val="accent1"/>
-          </a:fillRef>
-          <a:effectRef idx="0">
-            <a:schemeClr val="accent1"/>
-          </a:effectRef>
-          <a:fontRef idx="minor">
-            <a:schemeClr val="tx1"/>
-          </a:fontRef>
-        </p:style>
-      </p:cxnSp>
+              <a:rPr lang="en-IN" dirty="0"/>
+              <a:t>OS Agent -Windows</a:t>
+            </a:r>
+          </a:p>
+        </p:txBody>
+      </p:sp>
+      <p:sp>
+        <p:nvSpPr>
+          <p:cNvPr id="9" name="Rectangle 8">
+            <a:extLst>
+              <a:ext uri="{FF2B5EF4-FFF2-40B4-BE49-F238E27FC236}">
+                <a16:creationId xmlns:a16="http://schemas.microsoft.com/office/drawing/2014/main" id="{0A37DA3D-8C67-4B28-A332-3313708454D5}"/>
+              </a:ext>
+            </a:extLst>
+          </p:cNvPr>
+          <p:cNvSpPr/>
+          <p:nvPr/>
+        </p:nvSpPr>
+        <p:spPr>
+          <a:xfrm>
+            <a:off x="3209925" y="3990975"/>
+            <a:ext cx="2390775" cy="762000"/>
+          </a:xfrm>
+          <a:prstGeom prst="rect">
+            <a:avLst/>
+          </a:prstGeom>
+          <a:solidFill>
+            <a:schemeClr val="accent6">
+              <a:lumMod val="50000"/>
+            </a:schemeClr>
+          </a:solidFill>
+        </p:spPr>
+        <p:style>
+          <a:lnRef idx="2">
+            <a:schemeClr val="accent1">
+              <a:shade val="50000"/>
+            </a:schemeClr>
+          </a:lnRef>
+          <a:fillRef idx="1">
+            <a:schemeClr val="accent1"/>
+          </a:fillRef>
+          <a:effectRef idx="0">
+            <a:schemeClr val="accent1"/>
+          </a:effectRef>
+          <a:fontRef idx="minor">
+            <a:schemeClr val="lt1"/>
+          </a:fontRef>
+        </p:style>
+        <p:txBody>
+          <a:bodyPr rtlCol="0" anchor="ctr"/>
+          <a:lstStyle/>
+          <a:p>
+            <a:pPr algn="ctr"/>
+            <a:r>
+              <a:rPr lang="en-IN" dirty="0"/>
+              <a:t>ASP.NET Core Runtime</a:t>
+            </a:r>
+          </a:p>
+        </p:txBody>
+      </p:sp>
+      <p:sp>
+        <p:nvSpPr>
+          <p:cNvPr id="10" name="Rectangle 9">
+            <a:extLst>
+              <a:ext uri="{FF2B5EF4-FFF2-40B4-BE49-F238E27FC236}">
+                <a16:creationId xmlns:a16="http://schemas.microsoft.com/office/drawing/2014/main" id="{AFACDEB0-90F6-46C5-9D0D-A121BE0BDAB8}"/>
+              </a:ext>
+            </a:extLst>
+          </p:cNvPr>
+          <p:cNvSpPr/>
+          <p:nvPr/>
+        </p:nvSpPr>
+        <p:spPr>
+          <a:xfrm>
+            <a:off x="3209925" y="3228975"/>
+            <a:ext cx="2390775" cy="419100"/>
+          </a:xfrm>
+          <a:prstGeom prst="rect">
+            <a:avLst/>
+          </a:prstGeom>
+          <a:solidFill>
+            <a:schemeClr val="accent2">
+              <a:lumMod val="75000"/>
+            </a:schemeClr>
+          </a:solidFill>
+        </p:spPr>
+        <p:style>
+          <a:lnRef idx="2">
+            <a:schemeClr val="accent1">
+              <a:shade val="50000"/>
+            </a:schemeClr>
+          </a:lnRef>
+          <a:fillRef idx="1">
+            <a:schemeClr val="accent1"/>
+          </a:fillRef>
+          <a:effectRef idx="0">
+            <a:schemeClr val="accent1"/>
+          </a:effectRef>
+          <a:fontRef idx="minor">
+            <a:schemeClr val="lt1"/>
+          </a:fontRef>
+        </p:style>
+        <p:txBody>
+          <a:bodyPr rtlCol="0" anchor="ctr"/>
+          <a:lstStyle/>
+          <a:p>
+            <a:pPr algn="ctr"/>
+            <a:r>
+              <a:rPr lang="en-IN" dirty="0"/>
+              <a:t>MVC web app</a:t>
+            </a:r>
+          </a:p>
+        </p:txBody>
+      </p:sp>
+      <p:sp>
+        <p:nvSpPr>
+          <p:cNvPr id="15" name="Rectangle 14">
+            <a:extLst>
+              <a:ext uri="{FF2B5EF4-FFF2-40B4-BE49-F238E27FC236}">
+                <a16:creationId xmlns:a16="http://schemas.microsoft.com/office/drawing/2014/main" id="{F7E9FBF5-4F3A-4CAC-8ACF-2A15281BF3F2}"/>
+              </a:ext>
+            </a:extLst>
+          </p:cNvPr>
+          <p:cNvSpPr/>
+          <p:nvPr/>
+        </p:nvSpPr>
+        <p:spPr>
+          <a:xfrm>
+            <a:off x="3209924" y="3629025"/>
+            <a:ext cx="2390775" cy="419100"/>
+          </a:xfrm>
+          <a:prstGeom prst="rect">
+            <a:avLst/>
+          </a:prstGeom>
+          <a:solidFill>
+            <a:schemeClr val="accent2">
+              <a:lumMod val="75000"/>
+            </a:schemeClr>
+          </a:solidFill>
+        </p:spPr>
+        <p:style>
+          <a:lnRef idx="2">
+            <a:schemeClr val="accent1">
+              <a:shade val="50000"/>
+            </a:schemeClr>
+          </a:lnRef>
+          <a:fillRef idx="1">
+            <a:schemeClr val="accent1"/>
+          </a:fillRef>
+          <a:effectRef idx="0">
+            <a:schemeClr val="accent1"/>
+          </a:effectRef>
+          <a:fontRef idx="minor">
+            <a:schemeClr val="lt1"/>
+          </a:fontRef>
+        </p:style>
+        <p:txBody>
+          <a:bodyPr rtlCol="0" anchor="ctr"/>
+          <a:lstStyle/>
+          <a:p>
+            <a:pPr algn="ctr"/>
+            <a:r>
+              <a:rPr lang="en-IN" dirty="0" err="1"/>
+              <a:t>Nuget</a:t>
+            </a:r>
+            <a:r>
+              <a:rPr lang="en-IN" dirty="0"/>
+              <a:t> Libraries</a:t>
+            </a:r>
+          </a:p>
+        </p:txBody>
+      </p:sp>
+      <p:sp>
+        <p:nvSpPr>
+          <p:cNvPr id="24" name="Rectangle 23">
+            <a:extLst>
+              <a:ext uri="{FF2B5EF4-FFF2-40B4-BE49-F238E27FC236}">
+                <a16:creationId xmlns:a16="http://schemas.microsoft.com/office/drawing/2014/main" id="{87377E15-5B1E-4E45-8E7D-F410A0766EEF}"/>
+              </a:ext>
+            </a:extLst>
+          </p:cNvPr>
+          <p:cNvSpPr/>
+          <p:nvPr/>
+        </p:nvSpPr>
+        <p:spPr>
+          <a:xfrm>
+            <a:off x="6010275" y="4752975"/>
+            <a:ext cx="4991100" cy="514350"/>
+          </a:xfrm>
+          <a:prstGeom prst="rect">
+            <a:avLst/>
+          </a:prstGeom>
+        </p:spPr>
+        <p:style>
+          <a:lnRef idx="2">
+            <a:schemeClr val="accent1">
+              <a:shade val="50000"/>
+            </a:schemeClr>
+          </a:lnRef>
+          <a:fillRef idx="1">
+            <a:schemeClr val="accent1"/>
+          </a:fillRef>
+          <a:effectRef idx="0">
+            <a:schemeClr val="accent1"/>
+          </a:effectRef>
+          <a:fontRef idx="minor">
+            <a:schemeClr val="lt1"/>
+          </a:fontRef>
+        </p:style>
+        <p:txBody>
+          <a:bodyPr rtlCol="0" anchor="ctr"/>
+          <a:lstStyle/>
+          <a:p>
+            <a:pPr algn="ctr"/>
+            <a:r>
+              <a:rPr lang="en-IN" dirty="0"/>
+              <a:t>Hyper-V</a:t>
+            </a:r>
+          </a:p>
+        </p:txBody>
+      </p:sp>
+      <p:sp>
+        <p:nvSpPr>
+          <p:cNvPr id="25" name="Rectangle 24">
+            <a:extLst>
+              <a:ext uri="{FF2B5EF4-FFF2-40B4-BE49-F238E27FC236}">
+                <a16:creationId xmlns:a16="http://schemas.microsoft.com/office/drawing/2014/main" id="{17898745-7AF7-4B94-852F-00EBD611DB9E}"/>
+              </a:ext>
+            </a:extLst>
+          </p:cNvPr>
+          <p:cNvSpPr/>
+          <p:nvPr/>
+        </p:nvSpPr>
+        <p:spPr>
+          <a:xfrm>
+            <a:off x="6400800" y="3538538"/>
+            <a:ext cx="3505200" cy="1123950"/>
+          </a:xfrm>
+          <a:prstGeom prst="rect">
+            <a:avLst/>
+          </a:prstGeom>
+        </p:spPr>
+        <p:style>
+          <a:lnRef idx="2">
+            <a:schemeClr val="accent1">
+              <a:shade val="50000"/>
+            </a:schemeClr>
+          </a:lnRef>
+          <a:fillRef idx="1">
+            <a:schemeClr val="accent1"/>
+          </a:fillRef>
+          <a:effectRef idx="0">
+            <a:schemeClr val="accent1"/>
+          </a:effectRef>
+          <a:fontRef idx="minor">
+            <a:schemeClr val="lt1"/>
+          </a:fontRef>
+        </p:style>
+        <p:txBody>
+          <a:bodyPr rtlCol="0" anchor="ctr"/>
+          <a:lstStyle/>
+          <a:p>
+            <a:pPr algn="ctr"/>
+            <a:endParaRPr lang="en-IN"/>
+          </a:p>
+        </p:txBody>
+      </p:sp>
+      <p:sp>
+        <p:nvSpPr>
+          <p:cNvPr id="26" name="Rectangle 25">
+            <a:extLst>
+              <a:ext uri="{FF2B5EF4-FFF2-40B4-BE49-F238E27FC236}">
+                <a16:creationId xmlns:a16="http://schemas.microsoft.com/office/drawing/2014/main" id="{818A9368-3C63-41B4-A443-5F75B9B9F5B5}"/>
+              </a:ext>
+            </a:extLst>
+          </p:cNvPr>
+          <p:cNvSpPr/>
+          <p:nvPr/>
+        </p:nvSpPr>
+        <p:spPr>
+          <a:xfrm>
+            <a:off x="6400800" y="4148138"/>
+            <a:ext cx="3505200" cy="514350"/>
+          </a:xfrm>
+          <a:prstGeom prst="rect">
+            <a:avLst/>
+          </a:prstGeom>
+          <a:solidFill>
+            <a:srgbClr val="00B050"/>
+          </a:solidFill>
+        </p:spPr>
+        <p:style>
+          <a:lnRef idx="2">
+            <a:schemeClr val="accent1">
+              <a:shade val="50000"/>
+            </a:schemeClr>
+          </a:lnRef>
+          <a:fillRef idx="1">
+            <a:schemeClr val="accent1"/>
+          </a:fillRef>
+          <a:effectRef idx="0">
+            <a:schemeClr val="accent1"/>
+          </a:effectRef>
+          <a:fontRef idx="minor">
+            <a:schemeClr val="lt1"/>
+          </a:fontRef>
+        </p:style>
+        <p:txBody>
+          <a:bodyPr rtlCol="0" anchor="ctr"/>
+          <a:lstStyle/>
+          <a:p>
+            <a:pPr algn="ctr"/>
+            <a:r>
+              <a:rPr lang="en-IN" dirty="0"/>
+              <a:t>Linux  OS</a:t>
+            </a:r>
+          </a:p>
+        </p:txBody>
+      </p:sp>
+      <p:sp>
+        <p:nvSpPr>
+          <p:cNvPr id="29" name="Rectangle 28">
+            <a:extLst>
+              <a:ext uri="{FF2B5EF4-FFF2-40B4-BE49-F238E27FC236}">
+                <a16:creationId xmlns:a16="http://schemas.microsoft.com/office/drawing/2014/main" id="{0517B67D-67FE-4AE8-AF93-03E61EE79C1D}"/>
+              </a:ext>
+            </a:extLst>
+          </p:cNvPr>
+          <p:cNvSpPr/>
+          <p:nvPr/>
+        </p:nvSpPr>
+        <p:spPr>
+          <a:xfrm>
+            <a:off x="6400799" y="3555207"/>
+            <a:ext cx="3505200" cy="611981"/>
+          </a:xfrm>
+          <a:prstGeom prst="rect">
+            <a:avLst/>
+          </a:prstGeom>
+          <a:solidFill>
+            <a:schemeClr val="accent6">
+              <a:lumMod val="50000"/>
+            </a:schemeClr>
+          </a:solidFill>
+        </p:spPr>
+        <p:style>
+          <a:lnRef idx="2">
+            <a:schemeClr val="accent1">
+              <a:shade val="50000"/>
+            </a:schemeClr>
+          </a:lnRef>
+          <a:fillRef idx="1">
+            <a:schemeClr val="accent1"/>
+          </a:fillRef>
+          <a:effectRef idx="0">
+            <a:schemeClr val="accent1"/>
+          </a:effectRef>
+          <a:fontRef idx="minor">
+            <a:schemeClr val="lt1"/>
+          </a:fontRef>
+        </p:style>
+        <p:txBody>
+          <a:bodyPr rtlCol="0" anchor="ctr"/>
+          <a:lstStyle/>
+          <a:p>
+            <a:pPr algn="ctr"/>
+            <a:r>
+              <a:rPr lang="en-IN" dirty="0"/>
+              <a:t>Docker Agent</a:t>
+            </a:r>
+          </a:p>
+        </p:txBody>
+      </p:sp>
+      <p:sp>
+        <p:nvSpPr>
+          <p:cNvPr id="31" name="Rectangle 30">
+            <a:extLst>
+              <a:ext uri="{FF2B5EF4-FFF2-40B4-BE49-F238E27FC236}">
+                <a16:creationId xmlns:a16="http://schemas.microsoft.com/office/drawing/2014/main" id="{07E3BBB3-E992-4848-AE09-9C42F8192DF9}"/>
+              </a:ext>
+            </a:extLst>
+          </p:cNvPr>
+          <p:cNvSpPr/>
+          <p:nvPr/>
+        </p:nvSpPr>
+        <p:spPr>
+          <a:xfrm>
+            <a:off x="6934200" y="2914650"/>
+            <a:ext cx="2390775" cy="514350"/>
+          </a:xfrm>
+          <a:prstGeom prst="rect">
+            <a:avLst/>
+          </a:prstGeom>
+          <a:solidFill>
+            <a:srgbClr val="00B050"/>
+          </a:solidFill>
+        </p:spPr>
+        <p:style>
+          <a:lnRef idx="2">
+            <a:schemeClr val="accent1">
+              <a:shade val="50000"/>
+            </a:schemeClr>
+          </a:lnRef>
+          <a:fillRef idx="1">
+            <a:schemeClr val="accent1"/>
+          </a:fillRef>
+          <a:effectRef idx="0">
+            <a:schemeClr val="accent1"/>
+          </a:effectRef>
+          <a:fontRef idx="minor">
+            <a:schemeClr val="lt1"/>
+          </a:fontRef>
+        </p:style>
+        <p:txBody>
+          <a:bodyPr rtlCol="0" anchor="ctr"/>
+          <a:lstStyle/>
+          <a:p>
+            <a:pPr algn="ctr"/>
+            <a:r>
+              <a:rPr lang="en-IN" dirty="0"/>
+              <a:t>OS Agent -Linux</a:t>
+            </a:r>
+          </a:p>
+        </p:txBody>
+      </p:sp>
+      <p:sp>
+        <p:nvSpPr>
+          <p:cNvPr id="32" name="Rectangle 31">
+            <a:extLst>
+              <a:ext uri="{FF2B5EF4-FFF2-40B4-BE49-F238E27FC236}">
+                <a16:creationId xmlns:a16="http://schemas.microsoft.com/office/drawing/2014/main" id="{EFE3725A-53E8-4775-B53D-CE722E87FDB7}"/>
+              </a:ext>
+            </a:extLst>
+          </p:cNvPr>
+          <p:cNvSpPr/>
+          <p:nvPr/>
+        </p:nvSpPr>
+        <p:spPr>
+          <a:xfrm>
+            <a:off x="6934200" y="2152650"/>
+            <a:ext cx="2390775" cy="762000"/>
+          </a:xfrm>
+          <a:prstGeom prst="rect">
+            <a:avLst/>
+          </a:prstGeom>
+          <a:solidFill>
+            <a:schemeClr val="accent6">
+              <a:lumMod val="50000"/>
+            </a:schemeClr>
+          </a:solidFill>
+        </p:spPr>
+        <p:style>
+          <a:lnRef idx="2">
+            <a:schemeClr val="accent1">
+              <a:shade val="50000"/>
+            </a:schemeClr>
+          </a:lnRef>
+          <a:fillRef idx="1">
+            <a:schemeClr val="accent1"/>
+          </a:fillRef>
+          <a:effectRef idx="0">
+            <a:schemeClr val="accent1"/>
+          </a:effectRef>
+          <a:fontRef idx="minor">
+            <a:schemeClr val="lt1"/>
+          </a:fontRef>
+        </p:style>
+        <p:txBody>
+          <a:bodyPr rtlCol="0" anchor="ctr"/>
+          <a:lstStyle/>
+          <a:p>
+            <a:pPr algn="ctr"/>
+            <a:r>
+              <a:rPr lang="en-IN" dirty="0"/>
+              <a:t>NGINX – Base Image</a:t>
+            </a:r>
+          </a:p>
+        </p:txBody>
+      </p:sp>
+      <p:sp>
+        <p:nvSpPr>
+          <p:cNvPr id="35" name="Rectangle 34">
+            <a:extLst>
+              <a:ext uri="{FF2B5EF4-FFF2-40B4-BE49-F238E27FC236}">
+                <a16:creationId xmlns:a16="http://schemas.microsoft.com/office/drawing/2014/main" id="{117A2890-1F19-4000-B893-86DC77CBC951}"/>
+              </a:ext>
+            </a:extLst>
+          </p:cNvPr>
+          <p:cNvSpPr/>
+          <p:nvPr/>
+        </p:nvSpPr>
+        <p:spPr>
+          <a:xfrm>
+            <a:off x="6934199" y="1790700"/>
+            <a:ext cx="2390775" cy="419100"/>
+          </a:xfrm>
+          <a:prstGeom prst="rect">
+            <a:avLst/>
+          </a:prstGeom>
+          <a:solidFill>
+            <a:schemeClr val="accent2">
+              <a:lumMod val="75000"/>
+            </a:schemeClr>
+          </a:solidFill>
+        </p:spPr>
+        <p:style>
+          <a:lnRef idx="2">
+            <a:schemeClr val="accent1">
+              <a:shade val="50000"/>
+            </a:schemeClr>
+          </a:lnRef>
+          <a:fillRef idx="1">
+            <a:schemeClr val="accent1"/>
+          </a:fillRef>
+          <a:effectRef idx="0">
+            <a:schemeClr val="accent1"/>
+          </a:effectRef>
+          <a:fontRef idx="minor">
+            <a:schemeClr val="lt1"/>
+          </a:fontRef>
+        </p:style>
+        <p:txBody>
+          <a:bodyPr rtlCol="0" anchor="ctr"/>
+          <a:lstStyle/>
+          <a:p>
+            <a:pPr algn="ctr"/>
+            <a:r>
+              <a:rPr lang="en-IN" dirty="0"/>
+              <a:t>Static Files</a:t>
+            </a:r>
+          </a:p>
+        </p:txBody>
+      </p:sp>
     </p:spTree>
     <p:extLst>
       <p:ext uri="{BB962C8B-B14F-4D97-AF65-F5344CB8AC3E}">
-        <p14:creationId xmlns:p14="http://schemas.microsoft.com/office/powerpoint/2010/main" val="934626138"/>
+        <p14:creationId xmlns:p14="http://schemas.microsoft.com/office/powerpoint/2010/main" val="2055794286"/>
       </p:ext>
     </p:extLst>
   </p:cSld>
@@ -6008,10 +6338,45 @@
       </p:grpSpPr>
       <p:sp>
         <p:nvSpPr>
-          <p:cNvPr id="4" name="Rectangle: Rounded Corners 3">
-            <a:extLst>
-              <a:ext uri="{FF2B5EF4-FFF2-40B4-BE49-F238E27FC236}">
-                <a16:creationId xmlns:a16="http://schemas.microsoft.com/office/drawing/2014/main" id="{18F16190-D1A3-43D4-8D7C-549677267F82}"/>
+          <p:cNvPr id="2" name="Title 1">
+            <a:extLst>
+              <a:ext uri="{FF2B5EF4-FFF2-40B4-BE49-F238E27FC236}">
+                <a16:creationId xmlns:a16="http://schemas.microsoft.com/office/drawing/2014/main" id="{96D34847-CD0F-45DE-8A34-12B6B9C2C21F}"/>
+              </a:ext>
+            </a:extLst>
+          </p:cNvPr>
+          <p:cNvSpPr>
+            <a:spLocks noGrp="1"/>
+          </p:cNvSpPr>
+          <p:nvPr>
+            <p:ph type="title"/>
+          </p:nvPr>
+        </p:nvSpPr>
+        <p:spPr>
+          <a:xfrm>
+            <a:off x="838200" y="365126"/>
+            <a:ext cx="10515600" cy="501650"/>
+          </a:xfrm>
+        </p:spPr>
+        <p:txBody>
+          <a:bodyPr>
+            <a:normAutofit fontScale="90000"/>
+          </a:bodyPr>
+          <a:lstStyle/>
+          <a:p>
+            <a:r>
+              <a:rPr lang="en-IN" dirty="0"/>
+              <a:t>API Gateway</a:t>
+            </a:r>
+          </a:p>
+        </p:txBody>
+      </p:sp>
+      <p:sp>
+        <p:nvSpPr>
+          <p:cNvPr id="4" name="Rectangle 3">
+            <a:extLst>
+              <a:ext uri="{FF2B5EF4-FFF2-40B4-BE49-F238E27FC236}">
+                <a16:creationId xmlns:a16="http://schemas.microsoft.com/office/drawing/2014/main" id="{93CA683F-94FF-4952-984F-2B67800D467E}"/>
               </a:ext>
             </a:extLst>
           </p:cNvPr>
@@ -6020,10 +6385,10 @@
         </p:nvSpPr>
         <p:spPr>
           <a:xfrm>
-            <a:off x="8896349" y="3262312"/>
-            <a:ext cx="1704975" cy="676275"/>
-          </a:xfrm>
-          <a:prstGeom prst="roundRect">
+            <a:off x="9479757" y="3409949"/>
+            <a:ext cx="1924050" cy="752475"/>
+          </a:xfrm>
+          <a:prstGeom prst="rect">
             <a:avLst/>
           </a:prstGeom>
         </p:spPr>
@@ -6049,18 +6414,64 @@
           <a:p>
             <a:pPr algn="ctr"/>
             <a:r>
-              <a:rPr lang="en-IN" b="1" dirty="0"/>
-              <a:t>Big Data App</a:t>
-            </a:r>
-          </a:p>
-        </p:txBody>
-      </p:sp>
-      <p:sp>
-        <p:nvSpPr>
-          <p:cNvPr id="5" name="Rectangle: Rounded Corners 4">
-            <a:extLst>
-              <a:ext uri="{FF2B5EF4-FFF2-40B4-BE49-F238E27FC236}">
-                <a16:creationId xmlns:a16="http://schemas.microsoft.com/office/drawing/2014/main" id="{897464D8-65E0-48FF-8AAE-90EE5AFDD15B}"/>
+              <a:rPr lang="en-IN" dirty="0" err="1"/>
+              <a:t>Todo</a:t>
+            </a:r>
+            <a:r>
+              <a:rPr lang="en-IN" dirty="0"/>
+              <a:t> API</a:t>
+            </a:r>
+          </a:p>
+          <a:p>
+            <a:pPr algn="ctr"/>
+            <a:r>
+              <a:rPr lang="en-IN" dirty="0"/>
+              <a:t>REST- AppService</a:t>
+            </a:r>
+          </a:p>
+        </p:txBody>
+      </p:sp>
+      <p:sp>
+        <p:nvSpPr>
+          <p:cNvPr id="9" name="TextBox 8">
+            <a:extLst>
+              <a:ext uri="{FF2B5EF4-FFF2-40B4-BE49-F238E27FC236}">
+                <a16:creationId xmlns:a16="http://schemas.microsoft.com/office/drawing/2014/main" id="{FDFAEF74-A188-46B0-82E1-116E08658ED1}"/>
+              </a:ext>
+            </a:extLst>
+          </p:cNvPr>
+          <p:cNvSpPr txBox="1"/>
+          <p:nvPr/>
+        </p:nvSpPr>
+        <p:spPr>
+          <a:xfrm>
+            <a:off x="8267701" y="4244219"/>
+            <a:ext cx="4348162" cy="369332"/>
+          </a:xfrm>
+          <a:prstGeom prst="rect">
+            <a:avLst/>
+          </a:prstGeom>
+          <a:noFill/>
+        </p:spPr>
+        <p:txBody>
+          <a:bodyPr wrap="square" rtlCol="0">
+            <a:spAutoFit/>
+          </a:bodyPr>
+          <a:lstStyle/>
+          <a:p>
+            <a:r>
+              <a:rPr lang="en-IN" dirty="0"/>
+              <a:t>http://sonu-todo.azurewebsites.net</a:t>
+            </a:r>
+          </a:p>
+        </p:txBody>
+      </p:sp>
+      <p:sp>
+        <p:nvSpPr>
+          <p:cNvPr id="12" name="Rectangle: Rounded Corners 11">
+            <a:extLst>
+              <a:ext uri="{FF2B5EF4-FFF2-40B4-BE49-F238E27FC236}">
+                <a16:creationId xmlns:a16="http://schemas.microsoft.com/office/drawing/2014/main" id="{9DDB18C9-BA9C-4064-AF72-1E677C1BB959}"/>
               </a:ext>
             </a:extLst>
           </p:cNvPr>
@@ -6069,8 +6480,8 @@
         </p:nvSpPr>
         <p:spPr>
           <a:xfrm>
-            <a:off x="1157286" y="3078953"/>
-            <a:ext cx="2324101" cy="676275"/>
+            <a:off x="123825" y="3260287"/>
+            <a:ext cx="1828800" cy="1133475"/>
           </a:xfrm>
           <a:prstGeom prst="roundRect">
             <a:avLst/>
@@ -6098,18 +6509,61 @@
           <a:p>
             <a:pPr algn="ctr"/>
             <a:r>
-              <a:rPr lang="en-IN" b="1" dirty="0"/>
-              <a:t>IoT Sensor 1</a:t>
-            </a:r>
-          </a:p>
-        </p:txBody>
-      </p:sp>
-      <p:sp>
-        <p:nvSpPr>
-          <p:cNvPr id="7" name="Rectangle: Rounded Corners 6">
-            <a:extLst>
-              <a:ext uri="{FF2B5EF4-FFF2-40B4-BE49-F238E27FC236}">
-                <a16:creationId xmlns:a16="http://schemas.microsoft.com/office/drawing/2014/main" id="{2928371A-CABE-47D2-A54C-069AAB031FAF}"/>
+              <a:rPr lang="en-IN" dirty="0"/>
+              <a:t>Client App</a:t>
+            </a:r>
+          </a:p>
+        </p:txBody>
+      </p:sp>
+      <p:cxnSp>
+        <p:nvCxnSpPr>
+          <p:cNvPr id="18" name="Straight Arrow Connector 17">
+            <a:extLst>
+              <a:ext uri="{FF2B5EF4-FFF2-40B4-BE49-F238E27FC236}">
+                <a16:creationId xmlns:a16="http://schemas.microsoft.com/office/drawing/2014/main" id="{2ECF075E-6F05-4E1A-965E-588810021298}"/>
+              </a:ext>
+            </a:extLst>
+          </p:cNvPr>
+          <p:cNvCxnSpPr>
+            <a:cxnSpLocks/>
+            <a:stCxn id="21" idx="3"/>
+            <a:endCxn id="4" idx="1"/>
+          </p:cNvCxnSpPr>
+          <p:nvPr/>
+        </p:nvCxnSpPr>
+        <p:spPr>
+          <a:xfrm flipV="1">
+            <a:off x="6257925" y="3786187"/>
+            <a:ext cx="3221832" cy="1"/>
+          </a:xfrm>
+          <a:prstGeom prst="straightConnector1">
+            <a:avLst/>
+          </a:prstGeom>
+          <a:ln>
+            <a:tailEnd type="triangle"/>
+          </a:ln>
+        </p:spPr>
+        <p:style>
+          <a:lnRef idx="1">
+            <a:schemeClr val="accent1"/>
+          </a:lnRef>
+          <a:fillRef idx="0">
+            <a:schemeClr val="accent1"/>
+          </a:fillRef>
+          <a:effectRef idx="0">
+            <a:schemeClr val="accent1"/>
+          </a:effectRef>
+          <a:fontRef idx="minor">
+            <a:schemeClr val="tx1"/>
+          </a:fontRef>
+        </p:style>
+      </p:cxnSp>
+      <p:sp>
+        <p:nvSpPr>
+          <p:cNvPr id="21" name="Rectangle: Rounded Corners 20">
+            <a:extLst>
+              <a:ext uri="{FF2B5EF4-FFF2-40B4-BE49-F238E27FC236}">
+                <a16:creationId xmlns:a16="http://schemas.microsoft.com/office/drawing/2014/main" id="{617C2D8D-3BD3-4673-A892-F685F75374C0}"/>
               </a:ext>
             </a:extLst>
           </p:cNvPr>
@@ -6118,8 +6572,8 @@
         </p:nvSpPr>
         <p:spPr>
           <a:xfrm>
-            <a:off x="8991598" y="4800838"/>
-            <a:ext cx="1704975" cy="676275"/>
+            <a:off x="4210050" y="2514600"/>
+            <a:ext cx="2047875" cy="2543175"/>
           </a:xfrm>
           <a:prstGeom prst="roundRect">
             <a:avLst/>
@@ -6147,31 +6601,39 @@
           <a:p>
             <a:pPr algn="ctr"/>
             <a:r>
-              <a:rPr lang="en-IN" b="1" dirty="0"/>
-              <a:t>HDInsight</a:t>
+              <a:rPr lang="en-IN" dirty="0"/>
+              <a:t>API Gateway</a:t>
+            </a:r>
+          </a:p>
+          <a:p>
+            <a:pPr algn="ctr"/>
+            <a:r>
+              <a:rPr lang="en-IN" dirty="0"/>
+              <a:t>(Azure API Management-APIM)</a:t>
             </a:r>
           </a:p>
         </p:txBody>
       </p:sp>
       <p:cxnSp>
         <p:nvCxnSpPr>
-          <p:cNvPr id="9" name="Straight Arrow Connector 8">
-            <a:extLst>
-              <a:ext uri="{FF2B5EF4-FFF2-40B4-BE49-F238E27FC236}">
-                <a16:creationId xmlns:a16="http://schemas.microsoft.com/office/drawing/2014/main" id="{FE24FAF6-6DEB-44E3-97B4-44BE2D1F38EF}"/>
+          <p:cNvPr id="27" name="Straight Arrow Connector 26">
+            <a:extLst>
+              <a:ext uri="{FF2B5EF4-FFF2-40B4-BE49-F238E27FC236}">
+                <a16:creationId xmlns:a16="http://schemas.microsoft.com/office/drawing/2014/main" id="{220E02F9-CE85-4F40-9AA5-F56BFE136C9C}"/>
               </a:ext>
             </a:extLst>
           </p:cNvPr>
           <p:cNvCxnSpPr>
             <a:cxnSpLocks/>
-            <a:stCxn id="5" idx="3"/>
+            <a:stCxn id="12" idx="3"/>
+            <a:endCxn id="21" idx="1"/>
           </p:cNvCxnSpPr>
           <p:nvPr/>
         </p:nvCxnSpPr>
         <p:spPr>
-          <a:xfrm>
-            <a:off x="3481387" y="3417091"/>
-            <a:ext cx="1390650" cy="890828"/>
+          <a:xfrm flipV="1">
+            <a:off x="1952625" y="3786188"/>
+            <a:ext cx="2257425" cy="40837"/>
           </a:xfrm>
           <a:prstGeom prst="straightConnector1">
             <a:avLst/>
@@ -6195,26 +6657,357 @@
           </a:fontRef>
         </p:style>
       </p:cxnSp>
+      <p:sp>
+        <p:nvSpPr>
+          <p:cNvPr id="28" name="TextBox 27">
+            <a:extLst>
+              <a:ext uri="{FF2B5EF4-FFF2-40B4-BE49-F238E27FC236}">
+                <a16:creationId xmlns:a16="http://schemas.microsoft.com/office/drawing/2014/main" id="{FDE437A9-2492-4BE6-8E7E-C19ECC19C03F}"/>
+              </a:ext>
+            </a:extLst>
+          </p:cNvPr>
+          <p:cNvSpPr txBox="1"/>
+          <p:nvPr/>
+        </p:nvSpPr>
+        <p:spPr>
+          <a:xfrm>
+            <a:off x="1314451" y="4393762"/>
+            <a:ext cx="5438774" cy="369332"/>
+          </a:xfrm>
+          <a:prstGeom prst="rect">
+            <a:avLst/>
+          </a:prstGeom>
+          <a:noFill/>
+        </p:spPr>
+        <p:txBody>
+          <a:bodyPr wrap="square" rtlCol="0">
+            <a:spAutoFit/>
+          </a:bodyPr>
+          <a:lstStyle/>
+          <a:p>
+            <a:r>
+              <a:rPr lang="en-IN" dirty="0"/>
+              <a:t>http://sonugateway.azure-api.net</a:t>
+            </a:r>
+          </a:p>
+        </p:txBody>
+      </p:sp>
+      <p:sp>
+        <p:nvSpPr>
+          <p:cNvPr id="20" name="Rectangle 19">
+            <a:extLst>
+              <a:ext uri="{FF2B5EF4-FFF2-40B4-BE49-F238E27FC236}">
+                <a16:creationId xmlns:a16="http://schemas.microsoft.com/office/drawing/2014/main" id="{F0E03A69-3C52-4CD5-B951-54709C4EE805}"/>
+              </a:ext>
+            </a:extLst>
+          </p:cNvPr>
+          <p:cNvSpPr/>
+          <p:nvPr/>
+        </p:nvSpPr>
+        <p:spPr>
+          <a:xfrm>
+            <a:off x="9429750" y="2021680"/>
+            <a:ext cx="1924050" cy="752475"/>
+          </a:xfrm>
+          <a:prstGeom prst="rect">
+            <a:avLst/>
+          </a:prstGeom>
+        </p:spPr>
+        <p:style>
+          <a:lnRef idx="2">
+            <a:schemeClr val="accent1">
+              <a:shade val="50000"/>
+            </a:schemeClr>
+          </a:lnRef>
+          <a:fillRef idx="1">
+            <a:schemeClr val="accent1"/>
+          </a:fillRef>
+          <a:effectRef idx="0">
+            <a:schemeClr val="accent1"/>
+          </a:effectRef>
+          <a:fontRef idx="minor">
+            <a:schemeClr val="lt1"/>
+          </a:fontRef>
+        </p:style>
+        <p:txBody>
+          <a:bodyPr rtlCol="0" anchor="ctr"/>
+          <a:lstStyle/>
+          <a:p>
+            <a:pPr algn="ctr"/>
+            <a:r>
+              <a:rPr lang="en-IN" dirty="0"/>
+              <a:t>API in VM</a:t>
+            </a:r>
+          </a:p>
+        </p:txBody>
+      </p:sp>
+      <p:sp>
+        <p:nvSpPr>
+          <p:cNvPr id="22" name="Rectangle 21">
+            <a:extLst>
+              <a:ext uri="{FF2B5EF4-FFF2-40B4-BE49-F238E27FC236}">
+                <a16:creationId xmlns:a16="http://schemas.microsoft.com/office/drawing/2014/main" id="{2F4A6C94-06E5-40F3-A2CF-8EFB98B2F6E2}"/>
+              </a:ext>
+            </a:extLst>
+          </p:cNvPr>
+          <p:cNvSpPr/>
+          <p:nvPr/>
+        </p:nvSpPr>
+        <p:spPr>
+          <a:xfrm>
+            <a:off x="9429750" y="808436"/>
+            <a:ext cx="1924050" cy="752475"/>
+          </a:xfrm>
+          <a:prstGeom prst="rect">
+            <a:avLst/>
+          </a:prstGeom>
+        </p:spPr>
+        <p:style>
+          <a:lnRef idx="2">
+            <a:schemeClr val="accent1">
+              <a:shade val="50000"/>
+            </a:schemeClr>
+          </a:lnRef>
+          <a:fillRef idx="1">
+            <a:schemeClr val="accent1"/>
+          </a:fillRef>
+          <a:effectRef idx="0">
+            <a:schemeClr val="accent1"/>
+          </a:effectRef>
+          <a:fontRef idx="minor">
+            <a:schemeClr val="lt1"/>
+          </a:fontRef>
+        </p:style>
+        <p:txBody>
+          <a:bodyPr rtlCol="0" anchor="ctr"/>
+          <a:lstStyle/>
+          <a:p>
+            <a:pPr algn="ctr"/>
+            <a:r>
+              <a:rPr lang="en-IN" dirty="0"/>
+              <a:t>Http Azure Functions</a:t>
+            </a:r>
+          </a:p>
+        </p:txBody>
+      </p:sp>
       <p:cxnSp>
         <p:nvCxnSpPr>
-          <p:cNvPr id="10" name="Straight Arrow Connector 9">
-            <a:extLst>
-              <a:ext uri="{FF2B5EF4-FFF2-40B4-BE49-F238E27FC236}">
-                <a16:creationId xmlns:a16="http://schemas.microsoft.com/office/drawing/2014/main" id="{A4BCD925-8AE0-42FF-890D-249814CB46C2}"/>
+          <p:cNvPr id="5" name="Straight Arrow Connector 4">
+            <a:extLst>
+              <a:ext uri="{FF2B5EF4-FFF2-40B4-BE49-F238E27FC236}">
+                <a16:creationId xmlns:a16="http://schemas.microsoft.com/office/drawing/2014/main" id="{525EA03D-E1BB-4E7E-8288-3083AFBF7DF0}"/>
               </a:ext>
             </a:extLst>
           </p:cNvPr>
           <p:cNvCxnSpPr>
             <a:cxnSpLocks/>
-            <a:stCxn id="18" idx="3"/>
-            <a:endCxn id="7" idx="1"/>
+            <a:stCxn id="21" idx="3"/>
+            <a:endCxn id="22" idx="1"/>
           </p:cNvCxnSpPr>
           <p:nvPr/>
         </p:nvCxnSpPr>
         <p:spPr>
-          <a:xfrm>
-            <a:off x="6796087" y="4136231"/>
-            <a:ext cx="2195511" cy="1002745"/>
+          <a:xfrm flipV="1">
+            <a:off x="6257925" y="1184674"/>
+            <a:ext cx="3171825" cy="2601514"/>
+          </a:xfrm>
+          <a:prstGeom prst="straightConnector1">
+            <a:avLst/>
+          </a:prstGeom>
+          <a:ln>
+            <a:tailEnd type="triangle"/>
+          </a:ln>
+        </p:spPr>
+        <p:style>
+          <a:lnRef idx="1">
+            <a:schemeClr val="accent1"/>
+          </a:lnRef>
+          <a:fillRef idx="0">
+            <a:schemeClr val="accent1"/>
+          </a:fillRef>
+          <a:effectRef idx="0">
+            <a:schemeClr val="accent1"/>
+          </a:effectRef>
+          <a:fontRef idx="minor">
+            <a:schemeClr val="tx1"/>
+          </a:fontRef>
+        </p:style>
+      </p:cxnSp>
+      <p:cxnSp>
+        <p:nvCxnSpPr>
+          <p:cNvPr id="7" name="Straight Arrow Connector 6">
+            <a:extLst>
+              <a:ext uri="{FF2B5EF4-FFF2-40B4-BE49-F238E27FC236}">
+                <a16:creationId xmlns:a16="http://schemas.microsoft.com/office/drawing/2014/main" id="{74D3E1EC-743D-458B-8B59-92DC7572AD0A}"/>
+              </a:ext>
+            </a:extLst>
+          </p:cNvPr>
+          <p:cNvCxnSpPr>
+            <a:cxnSpLocks/>
+            <a:stCxn id="21" idx="3"/>
+            <a:endCxn id="20" idx="1"/>
+          </p:cNvCxnSpPr>
+          <p:nvPr/>
+        </p:nvCxnSpPr>
+        <p:spPr>
+          <a:xfrm flipV="1">
+            <a:off x="6257925" y="2397918"/>
+            <a:ext cx="3171825" cy="1388270"/>
+          </a:xfrm>
+          <a:prstGeom prst="straightConnector1">
+            <a:avLst/>
+          </a:prstGeom>
+          <a:ln>
+            <a:tailEnd type="triangle"/>
+          </a:ln>
+        </p:spPr>
+        <p:style>
+          <a:lnRef idx="1">
+            <a:schemeClr val="accent1"/>
+          </a:lnRef>
+          <a:fillRef idx="0">
+            <a:schemeClr val="accent1"/>
+          </a:fillRef>
+          <a:effectRef idx="0">
+            <a:schemeClr val="accent1"/>
+          </a:effectRef>
+          <a:fontRef idx="minor">
+            <a:schemeClr val="tx1"/>
+          </a:fontRef>
+        </p:style>
+      </p:cxnSp>
+      <p:sp>
+        <p:nvSpPr>
+          <p:cNvPr id="29" name="Rectangle 28">
+            <a:extLst>
+              <a:ext uri="{FF2B5EF4-FFF2-40B4-BE49-F238E27FC236}">
+                <a16:creationId xmlns:a16="http://schemas.microsoft.com/office/drawing/2014/main" id="{7A1A62A0-77F8-4F62-A2DD-17C37130462C}"/>
+              </a:ext>
+            </a:extLst>
+          </p:cNvPr>
+          <p:cNvSpPr/>
+          <p:nvPr/>
+        </p:nvSpPr>
+        <p:spPr>
+          <a:xfrm>
+            <a:off x="9479757" y="4798218"/>
+            <a:ext cx="1924050" cy="752475"/>
+          </a:xfrm>
+          <a:prstGeom prst="rect">
+            <a:avLst/>
+          </a:prstGeom>
+        </p:spPr>
+        <p:style>
+          <a:lnRef idx="2">
+            <a:schemeClr val="accent1">
+              <a:shade val="50000"/>
+            </a:schemeClr>
+          </a:lnRef>
+          <a:fillRef idx="1">
+            <a:schemeClr val="accent1"/>
+          </a:fillRef>
+          <a:effectRef idx="0">
+            <a:schemeClr val="accent1"/>
+          </a:effectRef>
+          <a:fontRef idx="minor">
+            <a:schemeClr val="lt1"/>
+          </a:fontRef>
+        </p:style>
+        <p:txBody>
+          <a:bodyPr rtlCol="0" anchor="ctr"/>
+          <a:lstStyle/>
+          <a:p>
+            <a:pPr algn="ctr"/>
+            <a:r>
+              <a:rPr lang="en-IN" dirty="0"/>
+              <a:t>API in Kubernetes</a:t>
+            </a:r>
+          </a:p>
+          <a:p>
+            <a:pPr algn="ctr"/>
+            <a:r>
+              <a:rPr lang="en-IN" dirty="0"/>
+              <a:t>(AKS)</a:t>
+            </a:r>
+          </a:p>
+        </p:txBody>
+      </p:sp>
+      <p:sp>
+        <p:nvSpPr>
+          <p:cNvPr id="30" name="Rectangle 29">
+            <a:extLst>
+              <a:ext uri="{FF2B5EF4-FFF2-40B4-BE49-F238E27FC236}">
+                <a16:creationId xmlns:a16="http://schemas.microsoft.com/office/drawing/2014/main" id="{62B24AFF-DE26-40D3-8AC3-66DA730874A0}"/>
+              </a:ext>
+            </a:extLst>
+          </p:cNvPr>
+          <p:cNvSpPr/>
+          <p:nvPr/>
+        </p:nvSpPr>
+        <p:spPr>
+          <a:xfrm>
+            <a:off x="9479757" y="5953122"/>
+            <a:ext cx="1924050" cy="752475"/>
+          </a:xfrm>
+          <a:prstGeom prst="rect">
+            <a:avLst/>
+          </a:prstGeom>
+        </p:spPr>
+        <p:style>
+          <a:lnRef idx="2">
+            <a:schemeClr val="accent1">
+              <a:shade val="50000"/>
+            </a:schemeClr>
+          </a:lnRef>
+          <a:fillRef idx="1">
+            <a:schemeClr val="accent1"/>
+          </a:fillRef>
+          <a:effectRef idx="0">
+            <a:schemeClr val="accent1"/>
+          </a:effectRef>
+          <a:fontRef idx="minor">
+            <a:schemeClr val="lt1"/>
+          </a:fontRef>
+        </p:style>
+        <p:txBody>
+          <a:bodyPr rtlCol="0" anchor="ctr"/>
+          <a:lstStyle/>
+          <a:p>
+            <a:pPr algn="ctr"/>
+            <a:r>
+              <a:rPr lang="en-IN" dirty="0"/>
+              <a:t>API in On-Prem</a:t>
+            </a:r>
+          </a:p>
+          <a:p>
+            <a:pPr algn="ctr"/>
+            <a:r>
+              <a:rPr lang="en-IN" dirty="0"/>
+              <a:t>/Other Cloud</a:t>
+            </a:r>
+          </a:p>
+        </p:txBody>
+      </p:sp>
+      <p:cxnSp>
+        <p:nvCxnSpPr>
+          <p:cNvPr id="11" name="Straight Arrow Connector 10">
+            <a:extLst>
+              <a:ext uri="{FF2B5EF4-FFF2-40B4-BE49-F238E27FC236}">
+                <a16:creationId xmlns:a16="http://schemas.microsoft.com/office/drawing/2014/main" id="{D380E804-028B-4ABF-88B4-697F6B9E515B}"/>
+              </a:ext>
+            </a:extLst>
+          </p:cNvPr>
+          <p:cNvCxnSpPr>
+            <a:cxnSpLocks/>
+            <a:stCxn id="21" idx="3"/>
+            <a:endCxn id="29" idx="1"/>
+          </p:cNvCxnSpPr>
+          <p:nvPr/>
+        </p:nvCxnSpPr>
+        <p:spPr>
+          <a:xfrm>
+            <a:off x="6257925" y="3786188"/>
+            <a:ext cx="3221832" cy="1388268"/>
           </a:xfrm>
           <a:prstGeom prst="straightConnector1">
             <a:avLst/>
@@ -6243,498 +7036,21 @@
           <p:cNvPr id="14" name="Straight Arrow Connector 13">
             <a:extLst>
               <a:ext uri="{FF2B5EF4-FFF2-40B4-BE49-F238E27FC236}">
-                <a16:creationId xmlns:a16="http://schemas.microsoft.com/office/drawing/2014/main" id="{A4F72412-DEEC-4ADE-BCFE-07D681FCDD69}"/>
+                <a16:creationId xmlns:a16="http://schemas.microsoft.com/office/drawing/2014/main" id="{40F1BD54-B405-4576-9CFA-279353754301}"/>
               </a:ext>
             </a:extLst>
           </p:cNvPr>
           <p:cNvCxnSpPr>
             <a:cxnSpLocks/>
-            <a:stCxn id="18" idx="3"/>
-            <a:endCxn id="4" idx="1"/>
+            <a:stCxn id="21" idx="3"/>
+            <a:endCxn id="30" idx="1"/>
           </p:cNvCxnSpPr>
           <p:nvPr/>
         </p:nvCxnSpPr>
         <p:spPr>
-          <a:xfrm flipV="1">
-            <a:off x="6796087" y="3600450"/>
-            <a:ext cx="2100262" cy="535781"/>
-          </a:xfrm>
-          <a:prstGeom prst="straightConnector1">
-            <a:avLst/>
-          </a:prstGeom>
-          <a:ln>
-            <a:tailEnd type="triangle"/>
-          </a:ln>
-        </p:spPr>
-        <p:style>
-          <a:lnRef idx="1">
-            <a:schemeClr val="accent1"/>
-          </a:lnRef>
-          <a:fillRef idx="0">
-            <a:schemeClr val="accent1"/>
-          </a:fillRef>
-          <a:effectRef idx="0">
-            <a:schemeClr val="accent1"/>
-          </a:effectRef>
-          <a:fontRef idx="minor">
-            <a:schemeClr val="tx1"/>
-          </a:fontRef>
-        </p:style>
-      </p:cxnSp>
-      <p:sp>
-        <p:nvSpPr>
-          <p:cNvPr id="15" name="Rectangle: Rounded Corners 14">
-            <a:extLst>
-              <a:ext uri="{FF2B5EF4-FFF2-40B4-BE49-F238E27FC236}">
-                <a16:creationId xmlns:a16="http://schemas.microsoft.com/office/drawing/2014/main" id="{6D3C432A-1E1D-4A07-88B2-86C143B9C6BD}"/>
-              </a:ext>
-            </a:extLst>
-          </p:cNvPr>
-          <p:cNvSpPr/>
-          <p:nvPr/>
-        </p:nvSpPr>
-        <p:spPr>
-          <a:xfrm>
-            <a:off x="1095374" y="4853464"/>
-            <a:ext cx="2324101" cy="676275"/>
-          </a:xfrm>
-          <a:prstGeom prst="roundRect">
-            <a:avLst/>
-          </a:prstGeom>
-        </p:spPr>
-        <p:style>
-          <a:lnRef idx="2">
-            <a:schemeClr val="accent1">
-              <a:shade val="50000"/>
-            </a:schemeClr>
-          </a:lnRef>
-          <a:fillRef idx="1">
-            <a:schemeClr val="accent1"/>
-          </a:fillRef>
-          <a:effectRef idx="0">
-            <a:schemeClr val="accent1"/>
-          </a:effectRef>
-          <a:fontRef idx="minor">
-            <a:schemeClr val="lt1"/>
-          </a:fontRef>
-        </p:style>
-        <p:txBody>
-          <a:bodyPr rtlCol="0" anchor="ctr"/>
-          <a:lstStyle/>
-          <a:p>
-            <a:pPr algn="ctr"/>
-            <a:r>
-              <a:rPr lang="en-IN" b="1" dirty="0"/>
-              <a:t>IoT Sensor 2</a:t>
-            </a:r>
-          </a:p>
-        </p:txBody>
-      </p:sp>
-      <p:cxnSp>
-        <p:nvCxnSpPr>
-          <p:cNvPr id="16" name="Straight Arrow Connector 15">
-            <a:extLst>
-              <a:ext uri="{FF2B5EF4-FFF2-40B4-BE49-F238E27FC236}">
-                <a16:creationId xmlns:a16="http://schemas.microsoft.com/office/drawing/2014/main" id="{07081018-47EA-471C-AB25-5D7C7297C3C0}"/>
-              </a:ext>
-            </a:extLst>
-          </p:cNvPr>
-          <p:cNvCxnSpPr>
-            <a:cxnSpLocks/>
-            <a:stCxn id="15" idx="3"/>
-          </p:cNvCxnSpPr>
-          <p:nvPr/>
-        </p:nvCxnSpPr>
-        <p:spPr>
-          <a:xfrm flipV="1">
-            <a:off x="3419475" y="4307919"/>
-            <a:ext cx="1452562" cy="883683"/>
-          </a:xfrm>
-          <a:prstGeom prst="straightConnector1">
-            <a:avLst/>
-          </a:prstGeom>
-          <a:ln>
-            <a:tailEnd type="triangle"/>
-          </a:ln>
-        </p:spPr>
-        <p:style>
-          <a:lnRef idx="1">
-            <a:schemeClr val="accent1"/>
-          </a:lnRef>
-          <a:fillRef idx="0">
-            <a:schemeClr val="accent1"/>
-          </a:fillRef>
-          <a:effectRef idx="0">
-            <a:schemeClr val="accent1"/>
-          </a:effectRef>
-          <a:fontRef idx="minor">
-            <a:schemeClr val="tx1"/>
-          </a:fontRef>
-        </p:style>
-      </p:cxnSp>
-      <p:sp>
-        <p:nvSpPr>
-          <p:cNvPr id="18" name="Rectangle 17">
-            <a:extLst>
-              <a:ext uri="{FF2B5EF4-FFF2-40B4-BE49-F238E27FC236}">
-                <a16:creationId xmlns:a16="http://schemas.microsoft.com/office/drawing/2014/main" id="{192509BF-6921-400A-A8C3-450C21C4CD97}"/>
-              </a:ext>
-            </a:extLst>
-          </p:cNvPr>
-          <p:cNvSpPr/>
-          <p:nvPr/>
-        </p:nvSpPr>
-        <p:spPr>
-          <a:xfrm>
-            <a:off x="4872037" y="3262312"/>
-            <a:ext cx="1924050" cy="1747838"/>
-          </a:xfrm>
-          <a:prstGeom prst="rect">
-            <a:avLst/>
-          </a:prstGeom>
-          <a:solidFill>
-            <a:srgbClr val="92D050"/>
-          </a:solidFill>
-        </p:spPr>
-        <p:style>
-          <a:lnRef idx="2">
-            <a:schemeClr val="accent1">
-              <a:shade val="50000"/>
-            </a:schemeClr>
-          </a:lnRef>
-          <a:fillRef idx="1">
-            <a:schemeClr val="accent1"/>
-          </a:fillRef>
-          <a:effectRef idx="0">
-            <a:schemeClr val="accent1"/>
-          </a:effectRef>
-          <a:fontRef idx="minor">
-            <a:schemeClr val="lt1"/>
-          </a:fontRef>
-        </p:style>
-        <p:txBody>
-          <a:bodyPr rtlCol="0" anchor="ctr"/>
-          <a:lstStyle/>
-          <a:p>
-            <a:pPr algn="ctr"/>
-            <a:r>
-              <a:rPr lang="en-IN" dirty="0"/>
-              <a:t>Event Hub</a:t>
-            </a:r>
-          </a:p>
-        </p:txBody>
-      </p:sp>
-      <p:sp>
-        <p:nvSpPr>
-          <p:cNvPr id="19" name="Rectangle: Rounded Corners 18">
-            <a:extLst>
-              <a:ext uri="{FF2B5EF4-FFF2-40B4-BE49-F238E27FC236}">
-                <a16:creationId xmlns:a16="http://schemas.microsoft.com/office/drawing/2014/main" id="{6F77240B-F469-459C-A027-B695397D19FF}"/>
-              </a:ext>
-            </a:extLst>
-          </p:cNvPr>
-          <p:cNvSpPr/>
-          <p:nvPr/>
-        </p:nvSpPr>
-        <p:spPr>
-          <a:xfrm>
-            <a:off x="5091112" y="3429000"/>
-            <a:ext cx="1609726" cy="326228"/>
-          </a:xfrm>
-          <a:prstGeom prst="roundRect">
-            <a:avLst/>
-          </a:prstGeom>
-        </p:spPr>
-        <p:style>
-          <a:lnRef idx="2">
-            <a:schemeClr val="accent1">
-              <a:shade val="50000"/>
-            </a:schemeClr>
-          </a:lnRef>
-          <a:fillRef idx="1">
-            <a:schemeClr val="accent1"/>
-          </a:fillRef>
-          <a:effectRef idx="0">
-            <a:schemeClr val="accent1"/>
-          </a:effectRef>
-          <a:fontRef idx="minor">
-            <a:schemeClr val="lt1"/>
-          </a:fontRef>
-        </p:style>
-        <p:txBody>
-          <a:bodyPr rtlCol="0" anchor="ctr"/>
-          <a:lstStyle/>
-          <a:p>
-            <a:pPr algn="ctr"/>
-            <a:r>
-              <a:rPr lang="en-IN" dirty="0"/>
-              <a:t>P1</a:t>
-            </a:r>
-          </a:p>
-        </p:txBody>
-      </p:sp>
-      <p:sp>
-        <p:nvSpPr>
-          <p:cNvPr id="20" name="Rectangle: Rounded Corners 19">
-            <a:extLst>
-              <a:ext uri="{FF2B5EF4-FFF2-40B4-BE49-F238E27FC236}">
-                <a16:creationId xmlns:a16="http://schemas.microsoft.com/office/drawing/2014/main" id="{C482D42B-1EDA-48D7-8113-169E7A12D250}"/>
-              </a:ext>
-            </a:extLst>
-          </p:cNvPr>
-          <p:cNvSpPr/>
-          <p:nvPr/>
-        </p:nvSpPr>
-        <p:spPr>
-          <a:xfrm>
-            <a:off x="5091112" y="3947037"/>
-            <a:ext cx="1609726" cy="326228"/>
-          </a:xfrm>
-          <a:prstGeom prst="roundRect">
-            <a:avLst/>
-          </a:prstGeom>
-        </p:spPr>
-        <p:style>
-          <a:lnRef idx="2">
-            <a:schemeClr val="accent1">
-              <a:shade val="50000"/>
-            </a:schemeClr>
-          </a:lnRef>
-          <a:fillRef idx="1">
-            <a:schemeClr val="accent1"/>
-          </a:fillRef>
-          <a:effectRef idx="0">
-            <a:schemeClr val="accent1"/>
-          </a:effectRef>
-          <a:fontRef idx="minor">
-            <a:schemeClr val="lt1"/>
-          </a:fontRef>
-        </p:style>
-        <p:txBody>
-          <a:bodyPr rtlCol="0" anchor="ctr"/>
-          <a:lstStyle/>
-          <a:p>
-            <a:pPr algn="ctr"/>
-            <a:r>
-              <a:rPr lang="en-IN" dirty="0"/>
-              <a:t>P2</a:t>
-            </a:r>
-          </a:p>
-        </p:txBody>
-      </p:sp>
-      <p:sp>
-        <p:nvSpPr>
-          <p:cNvPr id="21" name="Rectangle: Rounded Corners 20">
-            <a:extLst>
-              <a:ext uri="{FF2B5EF4-FFF2-40B4-BE49-F238E27FC236}">
-                <a16:creationId xmlns:a16="http://schemas.microsoft.com/office/drawing/2014/main" id="{8FDCFD53-22D8-490B-B537-E95B20C6146B}"/>
-              </a:ext>
-            </a:extLst>
-          </p:cNvPr>
-          <p:cNvSpPr/>
-          <p:nvPr/>
-        </p:nvSpPr>
-        <p:spPr>
-          <a:xfrm>
-            <a:off x="5117305" y="4465074"/>
-            <a:ext cx="1609726" cy="326228"/>
-          </a:xfrm>
-          <a:prstGeom prst="roundRect">
-            <a:avLst/>
-          </a:prstGeom>
-        </p:spPr>
-        <p:style>
-          <a:lnRef idx="2">
-            <a:schemeClr val="accent1">
-              <a:shade val="50000"/>
-            </a:schemeClr>
-          </a:lnRef>
-          <a:fillRef idx="1">
-            <a:schemeClr val="accent1"/>
-          </a:fillRef>
-          <a:effectRef idx="0">
-            <a:schemeClr val="accent1"/>
-          </a:effectRef>
-          <a:fontRef idx="minor">
-            <a:schemeClr val="lt1"/>
-          </a:fontRef>
-        </p:style>
-        <p:txBody>
-          <a:bodyPr rtlCol="0" anchor="ctr"/>
-          <a:lstStyle/>
-          <a:p>
-            <a:pPr algn="ctr"/>
-            <a:r>
-              <a:rPr lang="en-IN" dirty="0"/>
-              <a:t>P3</a:t>
-            </a:r>
-          </a:p>
-        </p:txBody>
-      </p:sp>
-      <p:sp>
-        <p:nvSpPr>
-          <p:cNvPr id="22" name="Rectangle: Rounded Corners 21">
-            <a:extLst>
-              <a:ext uri="{FF2B5EF4-FFF2-40B4-BE49-F238E27FC236}">
-                <a16:creationId xmlns:a16="http://schemas.microsoft.com/office/drawing/2014/main" id="{97118968-B626-4726-B625-CF8EDAE2FD74}"/>
-              </a:ext>
-            </a:extLst>
-          </p:cNvPr>
-          <p:cNvSpPr/>
-          <p:nvPr/>
-        </p:nvSpPr>
-        <p:spPr>
-          <a:xfrm>
-            <a:off x="8991598" y="1885950"/>
-            <a:ext cx="1704975" cy="581025"/>
-          </a:xfrm>
-          <a:prstGeom prst="roundRect">
-            <a:avLst/>
-          </a:prstGeom>
-        </p:spPr>
-        <p:style>
-          <a:lnRef idx="2">
-            <a:schemeClr val="accent1">
-              <a:shade val="50000"/>
-            </a:schemeClr>
-          </a:lnRef>
-          <a:fillRef idx="1">
-            <a:schemeClr val="accent1"/>
-          </a:fillRef>
-          <a:effectRef idx="0">
-            <a:schemeClr val="accent1"/>
-          </a:effectRef>
-          <a:fontRef idx="minor">
-            <a:schemeClr val="lt1"/>
-          </a:fontRef>
-        </p:style>
-        <p:txBody>
-          <a:bodyPr rtlCol="0" anchor="ctr"/>
-          <a:lstStyle/>
-          <a:p>
-            <a:pPr algn="ctr"/>
-            <a:r>
-              <a:rPr lang="en-IN" dirty="0"/>
-              <a:t>Storage </a:t>
-            </a:r>
-            <a:r>
-              <a:rPr lang="en-IN" dirty="0" err="1"/>
-              <a:t>Acc</a:t>
-            </a:r>
-            <a:endParaRPr lang="en-IN" dirty="0"/>
-          </a:p>
-        </p:txBody>
-      </p:sp>
-      <p:cxnSp>
-        <p:nvCxnSpPr>
-          <p:cNvPr id="24" name="Straight Arrow Connector 23">
-            <a:extLst>
-              <a:ext uri="{FF2B5EF4-FFF2-40B4-BE49-F238E27FC236}">
-                <a16:creationId xmlns:a16="http://schemas.microsoft.com/office/drawing/2014/main" id="{F20A3277-0E85-4565-A38A-FC8F16B2F3BA}"/>
-              </a:ext>
-            </a:extLst>
-          </p:cNvPr>
-          <p:cNvCxnSpPr>
-            <a:stCxn id="18" idx="3"/>
-            <a:endCxn id="22" idx="1"/>
-          </p:cNvCxnSpPr>
-          <p:nvPr/>
-        </p:nvCxnSpPr>
-        <p:spPr>
-          <a:xfrm flipV="1">
-            <a:off x="6796087" y="2176463"/>
-            <a:ext cx="2195511" cy="1959768"/>
-          </a:xfrm>
-          <a:prstGeom prst="straightConnector1">
-            <a:avLst/>
-          </a:prstGeom>
-          <a:ln>
-            <a:tailEnd type="triangle"/>
-          </a:ln>
-        </p:spPr>
-        <p:style>
-          <a:lnRef idx="1">
-            <a:schemeClr val="accent1"/>
-          </a:lnRef>
-          <a:fillRef idx="0">
-            <a:schemeClr val="accent1"/>
-          </a:fillRef>
-          <a:effectRef idx="0">
-            <a:schemeClr val="accent1"/>
-          </a:effectRef>
-          <a:fontRef idx="minor">
-            <a:schemeClr val="tx1"/>
-          </a:fontRef>
-        </p:style>
-      </p:cxnSp>
-      <p:sp>
-        <p:nvSpPr>
-          <p:cNvPr id="25" name="Rectangle: Rounded Corners 24">
-            <a:extLst>
-              <a:ext uri="{FF2B5EF4-FFF2-40B4-BE49-F238E27FC236}">
-                <a16:creationId xmlns:a16="http://schemas.microsoft.com/office/drawing/2014/main" id="{625B0D9D-B227-4160-A3A8-4A1CE49DAA27}"/>
-              </a:ext>
-            </a:extLst>
-          </p:cNvPr>
-          <p:cNvSpPr/>
-          <p:nvPr/>
-        </p:nvSpPr>
-        <p:spPr>
-          <a:xfrm>
-            <a:off x="11525250" y="1995011"/>
-            <a:ext cx="781048" cy="471964"/>
-          </a:xfrm>
-          <a:prstGeom prst="roundRect">
-            <a:avLst/>
-          </a:prstGeom>
-        </p:spPr>
-        <p:style>
-          <a:lnRef idx="2">
-            <a:schemeClr val="accent1">
-              <a:shade val="50000"/>
-            </a:schemeClr>
-          </a:lnRef>
-          <a:fillRef idx="1">
-            <a:schemeClr val="accent1"/>
-          </a:fillRef>
-          <a:effectRef idx="0">
-            <a:schemeClr val="accent1"/>
-          </a:effectRef>
-          <a:fontRef idx="minor">
-            <a:schemeClr val="lt1"/>
-          </a:fontRef>
-        </p:style>
-        <p:txBody>
-          <a:bodyPr rtlCol="0" anchor="ctr"/>
-          <a:lstStyle/>
-          <a:p>
-            <a:pPr algn="ctr"/>
-            <a:r>
-              <a:rPr lang="en-IN" dirty="0"/>
-              <a:t>App</a:t>
-            </a:r>
-          </a:p>
-        </p:txBody>
-      </p:sp>
-      <p:cxnSp>
-        <p:nvCxnSpPr>
-          <p:cNvPr id="27" name="Straight Arrow Connector 26">
-            <a:extLst>
-              <a:ext uri="{FF2B5EF4-FFF2-40B4-BE49-F238E27FC236}">
-                <a16:creationId xmlns:a16="http://schemas.microsoft.com/office/drawing/2014/main" id="{967F7F15-3993-47F8-A103-7E40E73983CD}"/>
-              </a:ext>
-            </a:extLst>
-          </p:cNvPr>
-          <p:cNvCxnSpPr>
-            <a:stCxn id="22" idx="3"/>
-            <a:endCxn id="25" idx="1"/>
-          </p:cNvCxnSpPr>
-          <p:nvPr/>
-        </p:nvCxnSpPr>
-        <p:spPr>
-          <a:xfrm>
-            <a:off x="10696573" y="2176463"/>
-            <a:ext cx="828677" cy="54530"/>
+          <a:xfrm>
+            <a:off x="6257925" y="3786188"/>
+            <a:ext cx="3221832" cy="2543172"/>
           </a:xfrm>
           <a:prstGeom prst="straightConnector1">
             <a:avLst/>
@@ -6761,7 +7077,7 @@
     </p:spTree>
     <p:extLst>
       <p:ext uri="{BB962C8B-B14F-4D97-AF65-F5344CB8AC3E}">
-        <p14:creationId xmlns:p14="http://schemas.microsoft.com/office/powerpoint/2010/main" val="1592220960"/>
+        <p14:creationId xmlns:p14="http://schemas.microsoft.com/office/powerpoint/2010/main" val="2231987196"/>
       </p:ext>
     </p:extLst>
   </p:cSld>
@@ -6793,6 +7109,2970 @@
           <p:cNvPr id="2" name="Title 1">
             <a:extLst>
               <a:ext uri="{FF2B5EF4-FFF2-40B4-BE49-F238E27FC236}">
+                <a16:creationId xmlns:a16="http://schemas.microsoft.com/office/drawing/2014/main" id="{96D34847-CD0F-45DE-8A34-12B6B9C2C21F}"/>
+              </a:ext>
+            </a:extLst>
+          </p:cNvPr>
+          <p:cNvSpPr>
+            <a:spLocks noGrp="1"/>
+          </p:cNvSpPr>
+          <p:nvPr>
+            <p:ph type="title"/>
+          </p:nvPr>
+        </p:nvSpPr>
+        <p:spPr>
+          <a:xfrm>
+            <a:off x="838200" y="365126"/>
+            <a:ext cx="10515600" cy="501650"/>
+          </a:xfrm>
+        </p:spPr>
+        <p:txBody>
+          <a:bodyPr>
+            <a:normAutofit fontScale="90000"/>
+          </a:bodyPr>
+          <a:lstStyle/>
+          <a:p>
+            <a:r>
+              <a:rPr lang="en-IN" dirty="0"/>
+              <a:t>API Gateway</a:t>
+            </a:r>
+          </a:p>
+        </p:txBody>
+      </p:sp>
+      <p:sp>
+        <p:nvSpPr>
+          <p:cNvPr id="4" name="Rectangle 3">
+            <a:extLst>
+              <a:ext uri="{FF2B5EF4-FFF2-40B4-BE49-F238E27FC236}">
+                <a16:creationId xmlns:a16="http://schemas.microsoft.com/office/drawing/2014/main" id="{93CA683F-94FF-4952-984F-2B67800D467E}"/>
+              </a:ext>
+            </a:extLst>
+          </p:cNvPr>
+          <p:cNvSpPr/>
+          <p:nvPr/>
+        </p:nvSpPr>
+        <p:spPr>
+          <a:xfrm>
+            <a:off x="9479757" y="3409949"/>
+            <a:ext cx="1924050" cy="752475"/>
+          </a:xfrm>
+          <a:prstGeom prst="rect">
+            <a:avLst/>
+          </a:prstGeom>
+        </p:spPr>
+        <p:style>
+          <a:lnRef idx="2">
+            <a:schemeClr val="accent1">
+              <a:shade val="50000"/>
+            </a:schemeClr>
+          </a:lnRef>
+          <a:fillRef idx="1">
+            <a:schemeClr val="accent1"/>
+          </a:fillRef>
+          <a:effectRef idx="0">
+            <a:schemeClr val="accent1"/>
+          </a:effectRef>
+          <a:fontRef idx="minor">
+            <a:schemeClr val="lt1"/>
+          </a:fontRef>
+        </p:style>
+        <p:txBody>
+          <a:bodyPr rtlCol="0" anchor="ctr"/>
+          <a:lstStyle/>
+          <a:p>
+            <a:pPr algn="ctr"/>
+            <a:r>
+              <a:rPr lang="en-IN" dirty="0" err="1"/>
+              <a:t>Todo</a:t>
+            </a:r>
+            <a:r>
+              <a:rPr lang="en-IN" dirty="0"/>
+              <a:t> API</a:t>
+            </a:r>
+          </a:p>
+          <a:p>
+            <a:pPr algn="ctr"/>
+            <a:r>
+              <a:rPr lang="en-IN" dirty="0"/>
+              <a:t>REST- AppService</a:t>
+            </a:r>
+          </a:p>
+        </p:txBody>
+      </p:sp>
+      <p:sp>
+        <p:nvSpPr>
+          <p:cNvPr id="9" name="TextBox 8">
+            <a:extLst>
+              <a:ext uri="{FF2B5EF4-FFF2-40B4-BE49-F238E27FC236}">
+                <a16:creationId xmlns:a16="http://schemas.microsoft.com/office/drawing/2014/main" id="{FDFAEF74-A188-46B0-82E1-116E08658ED1}"/>
+              </a:ext>
+            </a:extLst>
+          </p:cNvPr>
+          <p:cNvSpPr txBox="1"/>
+          <p:nvPr/>
+        </p:nvSpPr>
+        <p:spPr>
+          <a:xfrm>
+            <a:off x="8058151" y="2965728"/>
+            <a:ext cx="4348162" cy="369332"/>
+          </a:xfrm>
+          <a:prstGeom prst="rect">
+            <a:avLst/>
+          </a:prstGeom>
+          <a:noFill/>
+        </p:spPr>
+        <p:txBody>
+          <a:bodyPr wrap="square" rtlCol="0">
+            <a:spAutoFit/>
+          </a:bodyPr>
+          <a:lstStyle/>
+          <a:p>
+            <a:r>
+              <a:rPr lang="en-IN" dirty="0"/>
+              <a:t>http://sonu-todo.azurewebsites.net</a:t>
+            </a:r>
+          </a:p>
+        </p:txBody>
+      </p:sp>
+      <p:sp>
+        <p:nvSpPr>
+          <p:cNvPr id="12" name="Rectangle: Rounded Corners 11">
+            <a:extLst>
+              <a:ext uri="{FF2B5EF4-FFF2-40B4-BE49-F238E27FC236}">
+                <a16:creationId xmlns:a16="http://schemas.microsoft.com/office/drawing/2014/main" id="{9DDB18C9-BA9C-4064-AF72-1E677C1BB959}"/>
+              </a:ext>
+            </a:extLst>
+          </p:cNvPr>
+          <p:cNvSpPr/>
+          <p:nvPr/>
+        </p:nvSpPr>
+        <p:spPr>
+          <a:xfrm>
+            <a:off x="133350" y="3219448"/>
+            <a:ext cx="1828800" cy="1133475"/>
+          </a:xfrm>
+          <a:prstGeom prst="roundRect">
+            <a:avLst/>
+          </a:prstGeom>
+        </p:spPr>
+        <p:style>
+          <a:lnRef idx="2">
+            <a:schemeClr val="accent1">
+              <a:shade val="50000"/>
+            </a:schemeClr>
+          </a:lnRef>
+          <a:fillRef idx="1">
+            <a:schemeClr val="accent1"/>
+          </a:fillRef>
+          <a:effectRef idx="0">
+            <a:schemeClr val="accent1"/>
+          </a:effectRef>
+          <a:fontRef idx="minor">
+            <a:schemeClr val="lt1"/>
+          </a:fontRef>
+        </p:style>
+        <p:txBody>
+          <a:bodyPr rtlCol="0" anchor="ctr"/>
+          <a:lstStyle/>
+          <a:p>
+            <a:pPr algn="ctr"/>
+            <a:r>
+              <a:rPr lang="en-IN" dirty="0"/>
+              <a:t>Client App</a:t>
+            </a:r>
+          </a:p>
+          <a:p>
+            <a:pPr algn="ctr"/>
+            <a:r>
+              <a:rPr lang="en-IN" dirty="0"/>
+              <a:t>POSTMAN</a:t>
+            </a:r>
+          </a:p>
+        </p:txBody>
+      </p:sp>
+      <p:cxnSp>
+        <p:nvCxnSpPr>
+          <p:cNvPr id="18" name="Straight Arrow Connector 17">
+            <a:extLst>
+              <a:ext uri="{FF2B5EF4-FFF2-40B4-BE49-F238E27FC236}">
+                <a16:creationId xmlns:a16="http://schemas.microsoft.com/office/drawing/2014/main" id="{2ECF075E-6F05-4E1A-965E-588810021298}"/>
+              </a:ext>
+            </a:extLst>
+          </p:cNvPr>
+          <p:cNvCxnSpPr>
+            <a:cxnSpLocks/>
+            <a:stCxn id="21" idx="3"/>
+            <a:endCxn id="4" idx="1"/>
+          </p:cNvCxnSpPr>
+          <p:nvPr/>
+        </p:nvCxnSpPr>
+        <p:spPr>
+          <a:xfrm flipV="1">
+            <a:off x="6257925" y="3786187"/>
+            <a:ext cx="3221832" cy="1"/>
+          </a:xfrm>
+          <a:prstGeom prst="straightConnector1">
+            <a:avLst/>
+          </a:prstGeom>
+          <a:ln>
+            <a:tailEnd type="triangle"/>
+          </a:ln>
+        </p:spPr>
+        <p:style>
+          <a:lnRef idx="1">
+            <a:schemeClr val="accent1"/>
+          </a:lnRef>
+          <a:fillRef idx="0">
+            <a:schemeClr val="accent1"/>
+          </a:fillRef>
+          <a:effectRef idx="0">
+            <a:schemeClr val="accent1"/>
+          </a:effectRef>
+          <a:fontRef idx="minor">
+            <a:schemeClr val="tx1"/>
+          </a:fontRef>
+        </p:style>
+      </p:cxnSp>
+      <p:sp>
+        <p:nvSpPr>
+          <p:cNvPr id="21" name="Rectangle: Rounded Corners 20">
+            <a:extLst>
+              <a:ext uri="{FF2B5EF4-FFF2-40B4-BE49-F238E27FC236}">
+                <a16:creationId xmlns:a16="http://schemas.microsoft.com/office/drawing/2014/main" id="{617C2D8D-3BD3-4673-A892-F685F75374C0}"/>
+              </a:ext>
+            </a:extLst>
+          </p:cNvPr>
+          <p:cNvSpPr/>
+          <p:nvPr/>
+        </p:nvSpPr>
+        <p:spPr>
+          <a:xfrm>
+            <a:off x="4210050" y="2514600"/>
+            <a:ext cx="2047875" cy="2543175"/>
+          </a:xfrm>
+          <a:prstGeom prst="roundRect">
+            <a:avLst/>
+          </a:prstGeom>
+        </p:spPr>
+        <p:style>
+          <a:lnRef idx="2">
+            <a:schemeClr val="accent1">
+              <a:shade val="50000"/>
+            </a:schemeClr>
+          </a:lnRef>
+          <a:fillRef idx="1">
+            <a:schemeClr val="accent1"/>
+          </a:fillRef>
+          <a:effectRef idx="0">
+            <a:schemeClr val="accent1"/>
+          </a:effectRef>
+          <a:fontRef idx="minor">
+            <a:schemeClr val="lt1"/>
+          </a:fontRef>
+        </p:style>
+        <p:txBody>
+          <a:bodyPr rtlCol="0" anchor="ctr"/>
+          <a:lstStyle/>
+          <a:p>
+            <a:pPr algn="ctr"/>
+            <a:r>
+              <a:rPr lang="en-IN" dirty="0"/>
+              <a:t>API Gateway</a:t>
+            </a:r>
+          </a:p>
+        </p:txBody>
+      </p:sp>
+      <p:cxnSp>
+        <p:nvCxnSpPr>
+          <p:cNvPr id="27" name="Straight Arrow Connector 26">
+            <a:extLst>
+              <a:ext uri="{FF2B5EF4-FFF2-40B4-BE49-F238E27FC236}">
+                <a16:creationId xmlns:a16="http://schemas.microsoft.com/office/drawing/2014/main" id="{220E02F9-CE85-4F40-9AA5-F56BFE136C9C}"/>
+              </a:ext>
+            </a:extLst>
+          </p:cNvPr>
+          <p:cNvCxnSpPr>
+            <a:stCxn id="12" idx="3"/>
+            <a:endCxn id="21" idx="1"/>
+          </p:cNvCxnSpPr>
+          <p:nvPr/>
+        </p:nvCxnSpPr>
+        <p:spPr>
+          <a:xfrm>
+            <a:off x="1962150" y="3786186"/>
+            <a:ext cx="2247900" cy="2"/>
+          </a:xfrm>
+          <a:prstGeom prst="straightConnector1">
+            <a:avLst/>
+          </a:prstGeom>
+          <a:ln>
+            <a:tailEnd type="triangle"/>
+          </a:ln>
+        </p:spPr>
+        <p:style>
+          <a:lnRef idx="1">
+            <a:schemeClr val="accent1"/>
+          </a:lnRef>
+          <a:fillRef idx="0">
+            <a:schemeClr val="accent1"/>
+          </a:fillRef>
+          <a:effectRef idx="0">
+            <a:schemeClr val="accent1"/>
+          </a:effectRef>
+          <a:fontRef idx="minor">
+            <a:schemeClr val="tx1"/>
+          </a:fontRef>
+        </p:style>
+      </p:cxnSp>
+      <p:sp>
+        <p:nvSpPr>
+          <p:cNvPr id="28" name="TextBox 27">
+            <a:extLst>
+              <a:ext uri="{FF2B5EF4-FFF2-40B4-BE49-F238E27FC236}">
+                <a16:creationId xmlns:a16="http://schemas.microsoft.com/office/drawing/2014/main" id="{FDE437A9-2492-4BE6-8E7E-C19ECC19C03F}"/>
+              </a:ext>
+            </a:extLst>
+          </p:cNvPr>
+          <p:cNvSpPr txBox="1"/>
+          <p:nvPr/>
+        </p:nvSpPr>
+        <p:spPr>
+          <a:xfrm>
+            <a:off x="1524000" y="4537116"/>
+            <a:ext cx="3895725" cy="369332"/>
+          </a:xfrm>
+          <a:prstGeom prst="rect">
+            <a:avLst/>
+          </a:prstGeom>
+          <a:noFill/>
+        </p:spPr>
+        <p:txBody>
+          <a:bodyPr wrap="square" rtlCol="0">
+            <a:spAutoFit/>
+          </a:bodyPr>
+          <a:lstStyle/>
+          <a:p>
+            <a:r>
+              <a:rPr lang="en-IN" dirty="0"/>
+              <a:t>http://sonugateway.azure-api.net/</a:t>
+            </a:r>
+          </a:p>
+        </p:txBody>
+      </p:sp>
+      <p:sp>
+        <p:nvSpPr>
+          <p:cNvPr id="31" name="Oval 30">
+            <a:extLst>
+              <a:ext uri="{FF2B5EF4-FFF2-40B4-BE49-F238E27FC236}">
+                <a16:creationId xmlns:a16="http://schemas.microsoft.com/office/drawing/2014/main" id="{09192CBC-9C46-4883-8314-5198962B541A}"/>
+              </a:ext>
+            </a:extLst>
+          </p:cNvPr>
+          <p:cNvSpPr/>
+          <p:nvPr/>
+        </p:nvSpPr>
+        <p:spPr>
+          <a:xfrm>
+            <a:off x="504825" y="5838825"/>
+            <a:ext cx="1085850" cy="476250"/>
+          </a:xfrm>
+          <a:prstGeom prst="ellipse">
+            <a:avLst/>
+          </a:prstGeom>
+        </p:spPr>
+        <p:style>
+          <a:lnRef idx="2">
+            <a:schemeClr val="accent1">
+              <a:shade val="50000"/>
+            </a:schemeClr>
+          </a:lnRef>
+          <a:fillRef idx="1">
+            <a:schemeClr val="accent1"/>
+          </a:fillRef>
+          <a:effectRef idx="0">
+            <a:schemeClr val="accent1"/>
+          </a:effectRef>
+          <a:fontRef idx="minor">
+            <a:schemeClr val="lt1"/>
+          </a:fontRef>
+        </p:style>
+        <p:txBody>
+          <a:bodyPr rtlCol="0" anchor="ctr"/>
+          <a:lstStyle/>
+          <a:p>
+            <a:pPr algn="ctr"/>
+            <a:r>
+              <a:rPr lang="en-IN" dirty="0"/>
+              <a:t>Dev</a:t>
+            </a:r>
+          </a:p>
+        </p:txBody>
+      </p:sp>
+      <p:sp>
+        <p:nvSpPr>
+          <p:cNvPr id="32" name="Rectangle 31">
+            <a:extLst>
+              <a:ext uri="{FF2B5EF4-FFF2-40B4-BE49-F238E27FC236}">
+                <a16:creationId xmlns:a16="http://schemas.microsoft.com/office/drawing/2014/main" id="{4812BA96-ACF4-47B3-96C3-4D9E82A8FE9F}"/>
+              </a:ext>
+            </a:extLst>
+          </p:cNvPr>
+          <p:cNvSpPr/>
+          <p:nvPr/>
+        </p:nvSpPr>
+        <p:spPr>
+          <a:xfrm>
+            <a:off x="3938588" y="5619750"/>
+            <a:ext cx="2590800" cy="914400"/>
+          </a:xfrm>
+          <a:prstGeom prst="rect">
+            <a:avLst/>
+          </a:prstGeom>
+        </p:spPr>
+        <p:style>
+          <a:lnRef idx="2">
+            <a:schemeClr val="accent1">
+              <a:shade val="50000"/>
+            </a:schemeClr>
+          </a:lnRef>
+          <a:fillRef idx="1">
+            <a:schemeClr val="accent1"/>
+          </a:fillRef>
+          <a:effectRef idx="0">
+            <a:schemeClr val="accent1"/>
+          </a:effectRef>
+          <a:fontRef idx="minor">
+            <a:schemeClr val="lt1"/>
+          </a:fontRef>
+        </p:style>
+        <p:txBody>
+          <a:bodyPr rtlCol="0" anchor="ctr"/>
+          <a:lstStyle/>
+          <a:p>
+            <a:pPr algn="ctr"/>
+            <a:r>
+              <a:rPr lang="en-IN" dirty="0"/>
+              <a:t>Dev Portal</a:t>
+            </a:r>
+          </a:p>
+        </p:txBody>
+      </p:sp>
+      <p:cxnSp>
+        <p:nvCxnSpPr>
+          <p:cNvPr id="34" name="Straight Arrow Connector 33">
+            <a:extLst>
+              <a:ext uri="{FF2B5EF4-FFF2-40B4-BE49-F238E27FC236}">
+                <a16:creationId xmlns:a16="http://schemas.microsoft.com/office/drawing/2014/main" id="{02DA697C-F9E1-4546-9C44-9B3B13E3A59C}"/>
+              </a:ext>
+            </a:extLst>
+          </p:cNvPr>
+          <p:cNvCxnSpPr>
+            <a:stCxn id="32" idx="0"/>
+            <a:endCxn id="21" idx="2"/>
+          </p:cNvCxnSpPr>
+          <p:nvPr/>
+        </p:nvCxnSpPr>
+        <p:spPr>
+          <a:xfrm flipV="1">
+            <a:off x="5233988" y="5057775"/>
+            <a:ext cx="0" cy="561975"/>
+          </a:xfrm>
+          <a:prstGeom prst="straightConnector1">
+            <a:avLst/>
+          </a:prstGeom>
+          <a:ln>
+            <a:tailEnd type="triangle"/>
+          </a:ln>
+        </p:spPr>
+        <p:style>
+          <a:lnRef idx="1">
+            <a:schemeClr val="accent1"/>
+          </a:lnRef>
+          <a:fillRef idx="0">
+            <a:schemeClr val="accent1"/>
+          </a:fillRef>
+          <a:effectRef idx="0">
+            <a:schemeClr val="accent1"/>
+          </a:effectRef>
+          <a:fontRef idx="minor">
+            <a:schemeClr val="tx1"/>
+          </a:fontRef>
+        </p:style>
+      </p:cxnSp>
+      <p:cxnSp>
+        <p:nvCxnSpPr>
+          <p:cNvPr id="36" name="Straight Arrow Connector 35">
+            <a:extLst>
+              <a:ext uri="{FF2B5EF4-FFF2-40B4-BE49-F238E27FC236}">
+                <a16:creationId xmlns:a16="http://schemas.microsoft.com/office/drawing/2014/main" id="{5354B2A0-E11A-4EE0-8CCE-1F0B0C0FCFC8}"/>
+              </a:ext>
+            </a:extLst>
+          </p:cNvPr>
+          <p:cNvCxnSpPr>
+            <a:stCxn id="31" idx="6"/>
+            <a:endCxn id="32" idx="1"/>
+          </p:cNvCxnSpPr>
+          <p:nvPr/>
+        </p:nvCxnSpPr>
+        <p:spPr>
+          <a:xfrm>
+            <a:off x="1590675" y="6076950"/>
+            <a:ext cx="2347913" cy="0"/>
+          </a:xfrm>
+          <a:prstGeom prst="straightConnector1">
+            <a:avLst/>
+          </a:prstGeom>
+          <a:ln>
+            <a:tailEnd type="triangle"/>
+          </a:ln>
+        </p:spPr>
+        <p:style>
+          <a:lnRef idx="1">
+            <a:schemeClr val="accent1"/>
+          </a:lnRef>
+          <a:fillRef idx="0">
+            <a:schemeClr val="accent1"/>
+          </a:fillRef>
+          <a:effectRef idx="0">
+            <a:schemeClr val="accent1"/>
+          </a:effectRef>
+          <a:fontRef idx="minor">
+            <a:schemeClr val="tx1"/>
+          </a:fontRef>
+        </p:style>
+      </p:cxnSp>
+      <p:cxnSp>
+        <p:nvCxnSpPr>
+          <p:cNvPr id="40" name="Straight Arrow Connector 39">
+            <a:extLst>
+              <a:ext uri="{FF2B5EF4-FFF2-40B4-BE49-F238E27FC236}">
+                <a16:creationId xmlns:a16="http://schemas.microsoft.com/office/drawing/2014/main" id="{53616F9B-BD2D-4E76-BBAA-E5DDE5CF261F}"/>
+              </a:ext>
+            </a:extLst>
+          </p:cNvPr>
+          <p:cNvCxnSpPr>
+            <a:stCxn id="31" idx="0"/>
+            <a:endCxn id="12" idx="2"/>
+          </p:cNvCxnSpPr>
+          <p:nvPr/>
+        </p:nvCxnSpPr>
+        <p:spPr>
+          <a:xfrm flipV="1">
+            <a:off x="1047750" y="4352923"/>
+            <a:ext cx="0" cy="1485902"/>
+          </a:xfrm>
+          <a:prstGeom prst="straightConnector1">
+            <a:avLst/>
+          </a:prstGeom>
+          <a:ln>
+            <a:tailEnd type="triangle"/>
+          </a:ln>
+        </p:spPr>
+        <p:style>
+          <a:lnRef idx="1">
+            <a:schemeClr val="accent1"/>
+          </a:lnRef>
+          <a:fillRef idx="0">
+            <a:schemeClr val="accent1"/>
+          </a:fillRef>
+          <a:effectRef idx="0">
+            <a:schemeClr val="accent1"/>
+          </a:effectRef>
+          <a:fontRef idx="minor">
+            <a:schemeClr val="tx1"/>
+          </a:fontRef>
+        </p:style>
+      </p:cxnSp>
+      <p:sp>
+        <p:nvSpPr>
+          <p:cNvPr id="41" name="Oval 40">
+            <a:extLst>
+              <a:ext uri="{FF2B5EF4-FFF2-40B4-BE49-F238E27FC236}">
+                <a16:creationId xmlns:a16="http://schemas.microsoft.com/office/drawing/2014/main" id="{656E635E-EC76-484C-AFE9-A36DD7F3129E}"/>
+              </a:ext>
+            </a:extLst>
+          </p:cNvPr>
+          <p:cNvSpPr/>
+          <p:nvPr/>
+        </p:nvSpPr>
+        <p:spPr>
+          <a:xfrm>
+            <a:off x="9830993" y="740054"/>
+            <a:ext cx="1216818" cy="701952"/>
+          </a:xfrm>
+          <a:prstGeom prst="ellipse">
+            <a:avLst/>
+          </a:prstGeom>
+        </p:spPr>
+        <p:style>
+          <a:lnRef idx="2">
+            <a:schemeClr val="accent1">
+              <a:shade val="50000"/>
+            </a:schemeClr>
+          </a:lnRef>
+          <a:fillRef idx="1">
+            <a:schemeClr val="accent1"/>
+          </a:fillRef>
+          <a:effectRef idx="0">
+            <a:schemeClr val="accent1"/>
+          </a:effectRef>
+          <a:fontRef idx="minor">
+            <a:schemeClr val="lt1"/>
+          </a:fontRef>
+        </p:style>
+        <p:txBody>
+          <a:bodyPr rtlCol="0" anchor="ctr"/>
+          <a:lstStyle/>
+          <a:p>
+            <a:pPr algn="ctr"/>
+            <a:r>
+              <a:rPr lang="en-IN" dirty="0"/>
+              <a:t>Pub</a:t>
+            </a:r>
+          </a:p>
+        </p:txBody>
+      </p:sp>
+      <p:cxnSp>
+        <p:nvCxnSpPr>
+          <p:cNvPr id="43" name="Straight Arrow Connector 42">
+            <a:extLst>
+              <a:ext uri="{FF2B5EF4-FFF2-40B4-BE49-F238E27FC236}">
+                <a16:creationId xmlns:a16="http://schemas.microsoft.com/office/drawing/2014/main" id="{A75E3148-FAC0-4797-A03B-58766723F3EB}"/>
+              </a:ext>
+            </a:extLst>
+          </p:cNvPr>
+          <p:cNvCxnSpPr>
+            <a:stCxn id="41" idx="4"/>
+            <a:endCxn id="4" idx="0"/>
+          </p:cNvCxnSpPr>
+          <p:nvPr/>
+        </p:nvCxnSpPr>
+        <p:spPr>
+          <a:xfrm>
+            <a:off x="10439402" y="1442006"/>
+            <a:ext cx="2380" cy="1967943"/>
+          </a:xfrm>
+          <a:prstGeom prst="straightConnector1">
+            <a:avLst/>
+          </a:prstGeom>
+          <a:ln>
+            <a:tailEnd type="triangle"/>
+          </a:ln>
+        </p:spPr>
+        <p:style>
+          <a:lnRef idx="1">
+            <a:schemeClr val="accent1"/>
+          </a:lnRef>
+          <a:fillRef idx="0">
+            <a:schemeClr val="accent1"/>
+          </a:fillRef>
+          <a:effectRef idx="0">
+            <a:schemeClr val="accent1"/>
+          </a:effectRef>
+          <a:fontRef idx="minor">
+            <a:schemeClr val="tx1"/>
+          </a:fontRef>
+        </p:style>
+      </p:cxnSp>
+      <p:sp>
+        <p:nvSpPr>
+          <p:cNvPr id="45" name="Rectangle 44">
+            <a:extLst>
+              <a:ext uri="{FF2B5EF4-FFF2-40B4-BE49-F238E27FC236}">
+                <a16:creationId xmlns:a16="http://schemas.microsoft.com/office/drawing/2014/main" id="{71C60988-AFC1-466C-9D9D-59BD00005B65}"/>
+              </a:ext>
+            </a:extLst>
+          </p:cNvPr>
+          <p:cNvSpPr/>
+          <p:nvPr/>
+        </p:nvSpPr>
+        <p:spPr>
+          <a:xfrm>
+            <a:off x="4105275" y="741364"/>
+            <a:ext cx="2257425" cy="722744"/>
+          </a:xfrm>
+          <a:prstGeom prst="rect">
+            <a:avLst/>
+          </a:prstGeom>
+        </p:spPr>
+        <p:style>
+          <a:lnRef idx="2">
+            <a:schemeClr val="accent1">
+              <a:shade val="50000"/>
+            </a:schemeClr>
+          </a:lnRef>
+          <a:fillRef idx="1">
+            <a:schemeClr val="accent1"/>
+          </a:fillRef>
+          <a:effectRef idx="0">
+            <a:schemeClr val="accent1"/>
+          </a:effectRef>
+          <a:fontRef idx="minor">
+            <a:schemeClr val="lt1"/>
+          </a:fontRef>
+        </p:style>
+        <p:txBody>
+          <a:bodyPr rtlCol="0" anchor="ctr"/>
+          <a:lstStyle/>
+          <a:p>
+            <a:pPr algn="ctr"/>
+            <a:r>
+              <a:rPr lang="en-IN" dirty="0"/>
+              <a:t>Publisher Portal</a:t>
+            </a:r>
+          </a:p>
+          <a:p>
+            <a:pPr algn="ctr"/>
+            <a:r>
+              <a:rPr lang="en-IN" dirty="0"/>
+              <a:t>(Azure Portal)</a:t>
+            </a:r>
+          </a:p>
+        </p:txBody>
+      </p:sp>
+      <p:cxnSp>
+        <p:nvCxnSpPr>
+          <p:cNvPr id="47" name="Straight Arrow Connector 46">
+            <a:extLst>
+              <a:ext uri="{FF2B5EF4-FFF2-40B4-BE49-F238E27FC236}">
+                <a16:creationId xmlns:a16="http://schemas.microsoft.com/office/drawing/2014/main" id="{FCCF37C1-1B37-48D1-9D80-DF2A049AD87E}"/>
+              </a:ext>
+            </a:extLst>
+          </p:cNvPr>
+          <p:cNvCxnSpPr>
+            <a:stCxn id="41" idx="2"/>
+            <a:endCxn id="45" idx="3"/>
+          </p:cNvCxnSpPr>
+          <p:nvPr/>
+        </p:nvCxnSpPr>
+        <p:spPr>
+          <a:xfrm flipH="1">
+            <a:off x="6362700" y="1091030"/>
+            <a:ext cx="3468293" cy="11706"/>
+          </a:xfrm>
+          <a:prstGeom prst="straightConnector1">
+            <a:avLst/>
+          </a:prstGeom>
+          <a:ln>
+            <a:tailEnd type="triangle"/>
+          </a:ln>
+        </p:spPr>
+        <p:style>
+          <a:lnRef idx="1">
+            <a:schemeClr val="accent1"/>
+          </a:lnRef>
+          <a:fillRef idx="0">
+            <a:schemeClr val="accent1"/>
+          </a:fillRef>
+          <a:effectRef idx="0">
+            <a:schemeClr val="accent1"/>
+          </a:effectRef>
+          <a:fontRef idx="minor">
+            <a:schemeClr val="tx1"/>
+          </a:fontRef>
+        </p:style>
+      </p:cxnSp>
+      <p:cxnSp>
+        <p:nvCxnSpPr>
+          <p:cNvPr id="49" name="Straight Arrow Connector 48">
+            <a:extLst>
+              <a:ext uri="{FF2B5EF4-FFF2-40B4-BE49-F238E27FC236}">
+                <a16:creationId xmlns:a16="http://schemas.microsoft.com/office/drawing/2014/main" id="{764936DB-EA38-4860-AAF5-AB365A7A7E92}"/>
+              </a:ext>
+            </a:extLst>
+          </p:cNvPr>
+          <p:cNvCxnSpPr>
+            <a:stCxn id="45" idx="2"/>
+            <a:endCxn id="21" idx="0"/>
+          </p:cNvCxnSpPr>
+          <p:nvPr/>
+        </p:nvCxnSpPr>
+        <p:spPr>
+          <a:xfrm>
+            <a:off x="5233988" y="1464108"/>
+            <a:ext cx="0" cy="1050492"/>
+          </a:xfrm>
+          <a:prstGeom prst="straightConnector1">
+            <a:avLst/>
+          </a:prstGeom>
+          <a:ln>
+            <a:tailEnd type="triangle"/>
+          </a:ln>
+        </p:spPr>
+        <p:style>
+          <a:lnRef idx="1">
+            <a:schemeClr val="accent1"/>
+          </a:lnRef>
+          <a:fillRef idx="0">
+            <a:schemeClr val="accent1"/>
+          </a:fillRef>
+          <a:effectRef idx="0">
+            <a:schemeClr val="accent1"/>
+          </a:effectRef>
+          <a:fontRef idx="minor">
+            <a:schemeClr val="tx1"/>
+          </a:fontRef>
+        </p:style>
+      </p:cxnSp>
+    </p:spTree>
+    <p:extLst>
+      <p:ext uri="{BB962C8B-B14F-4D97-AF65-F5344CB8AC3E}">
+        <p14:creationId xmlns:p14="http://schemas.microsoft.com/office/powerpoint/2010/main" val="1080982762"/>
+      </p:ext>
+    </p:extLst>
+  </p:cSld>
+  <p:clrMapOvr>
+    <a:masterClrMapping/>
+  </p:clrMapOvr>
+</p:sld>
+</file>
+
+<file path=ppt/slides/slide15.xml><?xml version="1.0" encoding="utf-8"?>
+<p:sld xmlns:a="http://schemas.openxmlformats.org/drawingml/2006/main" xmlns:r="http://schemas.openxmlformats.org/officeDocument/2006/relationships" xmlns:p="http://schemas.openxmlformats.org/presentationml/2006/main">
+  <p:cSld>
+    <p:spTree>
+      <p:nvGrpSpPr>
+        <p:cNvPr id="1" name=""/>
+        <p:cNvGrpSpPr/>
+        <p:nvPr/>
+      </p:nvGrpSpPr>
+      <p:grpSpPr>
+        <a:xfrm>
+          <a:off x="0" y="0"/>
+          <a:ext cx="0" cy="0"/>
+          <a:chOff x="0" y="0"/>
+          <a:chExt cx="0" cy="0"/>
+        </a:xfrm>
+      </p:grpSpPr>
+      <p:sp>
+        <p:nvSpPr>
+          <p:cNvPr id="2" name="Title 1">
+            <a:extLst>
+              <a:ext uri="{FF2B5EF4-FFF2-40B4-BE49-F238E27FC236}">
+                <a16:creationId xmlns:a16="http://schemas.microsoft.com/office/drawing/2014/main" id="{D6D26043-1E5B-4680-9836-9AB3E331F420}"/>
+              </a:ext>
+            </a:extLst>
+          </p:cNvPr>
+          <p:cNvSpPr>
+            <a:spLocks noGrp="1"/>
+          </p:cNvSpPr>
+          <p:nvPr>
+            <p:ph type="title"/>
+          </p:nvPr>
+        </p:nvSpPr>
+        <p:spPr>
+          <a:xfrm>
+            <a:off x="838200" y="365125"/>
+            <a:ext cx="10515600" cy="492125"/>
+          </a:xfrm>
+        </p:spPr>
+        <p:txBody>
+          <a:bodyPr>
+            <a:normAutofit fontScale="90000"/>
+          </a:bodyPr>
+          <a:lstStyle/>
+          <a:p>
+            <a:r>
+              <a:rPr lang="en-IN" dirty="0"/>
+              <a:t>Communication strategies- Modern apps</a:t>
+            </a:r>
+          </a:p>
+        </p:txBody>
+      </p:sp>
+      <p:sp>
+        <p:nvSpPr>
+          <p:cNvPr id="4" name="Rectangle: Rounded Corners 3">
+            <a:extLst>
+              <a:ext uri="{FF2B5EF4-FFF2-40B4-BE49-F238E27FC236}">
+                <a16:creationId xmlns:a16="http://schemas.microsoft.com/office/drawing/2014/main" id="{4B4E37DE-A8B8-4291-96FB-9A9BCBF55390}"/>
+              </a:ext>
+            </a:extLst>
+          </p:cNvPr>
+          <p:cNvSpPr/>
+          <p:nvPr/>
+        </p:nvSpPr>
+        <p:spPr>
+          <a:xfrm>
+            <a:off x="8896350" y="1552575"/>
+            <a:ext cx="1704975" cy="676275"/>
+          </a:xfrm>
+          <a:prstGeom prst="roundRect">
+            <a:avLst/>
+          </a:prstGeom>
+        </p:spPr>
+        <p:style>
+          <a:lnRef idx="2">
+            <a:schemeClr val="accent1">
+              <a:shade val="50000"/>
+            </a:schemeClr>
+          </a:lnRef>
+          <a:fillRef idx="1">
+            <a:schemeClr val="accent1"/>
+          </a:fillRef>
+          <a:effectRef idx="0">
+            <a:schemeClr val="accent1"/>
+          </a:effectRef>
+          <a:fontRef idx="minor">
+            <a:schemeClr val="lt1"/>
+          </a:fontRef>
+        </p:style>
+        <p:txBody>
+          <a:bodyPr rtlCol="0" anchor="ctr"/>
+          <a:lstStyle/>
+          <a:p>
+            <a:pPr algn="ctr"/>
+            <a:r>
+              <a:rPr lang="en-IN" dirty="0"/>
+              <a:t>REST Service</a:t>
+            </a:r>
+          </a:p>
+        </p:txBody>
+      </p:sp>
+      <p:sp>
+        <p:nvSpPr>
+          <p:cNvPr id="5" name="Rectangle: Rounded Corners 4">
+            <a:extLst>
+              <a:ext uri="{FF2B5EF4-FFF2-40B4-BE49-F238E27FC236}">
+                <a16:creationId xmlns:a16="http://schemas.microsoft.com/office/drawing/2014/main" id="{946DE291-A890-44C5-A363-03F795C68284}"/>
+              </a:ext>
+            </a:extLst>
+          </p:cNvPr>
+          <p:cNvSpPr/>
+          <p:nvPr/>
+        </p:nvSpPr>
+        <p:spPr>
+          <a:xfrm>
+            <a:off x="1676400" y="1552574"/>
+            <a:ext cx="1704975" cy="676275"/>
+          </a:xfrm>
+          <a:prstGeom prst="roundRect">
+            <a:avLst/>
+          </a:prstGeom>
+        </p:spPr>
+        <p:style>
+          <a:lnRef idx="2">
+            <a:schemeClr val="accent1">
+              <a:shade val="50000"/>
+            </a:schemeClr>
+          </a:lnRef>
+          <a:fillRef idx="1">
+            <a:schemeClr val="accent1"/>
+          </a:fillRef>
+          <a:effectRef idx="0">
+            <a:schemeClr val="accent1"/>
+          </a:effectRef>
+          <a:fontRef idx="minor">
+            <a:schemeClr val="lt1"/>
+          </a:fontRef>
+        </p:style>
+        <p:txBody>
+          <a:bodyPr rtlCol="0" anchor="ctr"/>
+          <a:lstStyle/>
+          <a:p>
+            <a:pPr algn="ctr"/>
+            <a:r>
+              <a:rPr lang="en-IN" dirty="0"/>
+              <a:t>Angular/React</a:t>
+            </a:r>
+          </a:p>
+        </p:txBody>
+      </p:sp>
+      <p:cxnSp>
+        <p:nvCxnSpPr>
+          <p:cNvPr id="7" name="Straight Arrow Connector 6">
+            <a:extLst>
+              <a:ext uri="{FF2B5EF4-FFF2-40B4-BE49-F238E27FC236}">
+                <a16:creationId xmlns:a16="http://schemas.microsoft.com/office/drawing/2014/main" id="{4A535C16-47E9-4BD8-9386-47CB22D96324}"/>
+              </a:ext>
+            </a:extLst>
+          </p:cNvPr>
+          <p:cNvCxnSpPr>
+            <a:stCxn id="5" idx="3"/>
+            <a:endCxn id="4" idx="1"/>
+          </p:cNvCxnSpPr>
+          <p:nvPr/>
+        </p:nvCxnSpPr>
+        <p:spPr>
+          <a:xfrm>
+            <a:off x="3381375" y="1890712"/>
+            <a:ext cx="5514975" cy="1"/>
+          </a:xfrm>
+          <a:prstGeom prst="straightConnector1">
+            <a:avLst/>
+          </a:prstGeom>
+          <a:ln>
+            <a:tailEnd type="triangle"/>
+          </a:ln>
+        </p:spPr>
+        <p:style>
+          <a:lnRef idx="1">
+            <a:schemeClr val="accent1"/>
+          </a:lnRef>
+          <a:fillRef idx="0">
+            <a:schemeClr val="accent1"/>
+          </a:fillRef>
+          <a:effectRef idx="0">
+            <a:schemeClr val="accent1"/>
+          </a:effectRef>
+          <a:fontRef idx="minor">
+            <a:schemeClr val="tx1"/>
+          </a:fontRef>
+        </p:style>
+      </p:cxnSp>
+      <p:sp>
+        <p:nvSpPr>
+          <p:cNvPr id="8" name="TextBox 7">
+            <a:extLst>
+              <a:ext uri="{FF2B5EF4-FFF2-40B4-BE49-F238E27FC236}">
+                <a16:creationId xmlns:a16="http://schemas.microsoft.com/office/drawing/2014/main" id="{6375463C-B897-46EA-BF1E-6312000329C8}"/>
+              </a:ext>
+            </a:extLst>
+          </p:cNvPr>
+          <p:cNvSpPr txBox="1"/>
+          <p:nvPr/>
+        </p:nvSpPr>
+        <p:spPr>
+          <a:xfrm>
+            <a:off x="4872037" y="2096572"/>
+            <a:ext cx="2533650" cy="369332"/>
+          </a:xfrm>
+          <a:prstGeom prst="rect">
+            <a:avLst/>
+          </a:prstGeom>
+          <a:noFill/>
+        </p:spPr>
+        <p:txBody>
+          <a:bodyPr wrap="square" rtlCol="0">
+            <a:spAutoFit/>
+          </a:bodyPr>
+          <a:lstStyle/>
+          <a:p>
+            <a:r>
+              <a:rPr lang="en-IN" dirty="0"/>
+              <a:t>Http Response</a:t>
+            </a:r>
+          </a:p>
+        </p:txBody>
+      </p:sp>
+      <p:sp>
+        <p:nvSpPr>
+          <p:cNvPr id="9" name="TextBox 8">
+            <a:extLst>
+              <a:ext uri="{FF2B5EF4-FFF2-40B4-BE49-F238E27FC236}">
+                <a16:creationId xmlns:a16="http://schemas.microsoft.com/office/drawing/2014/main" id="{8718BD02-C69A-44B5-9D6A-A4C0CD7A78F9}"/>
+              </a:ext>
+            </a:extLst>
+          </p:cNvPr>
+          <p:cNvSpPr txBox="1"/>
+          <p:nvPr/>
+        </p:nvSpPr>
+        <p:spPr>
+          <a:xfrm>
+            <a:off x="4914900" y="1600200"/>
+            <a:ext cx="2533650" cy="369332"/>
+          </a:xfrm>
+          <a:prstGeom prst="rect">
+            <a:avLst/>
+          </a:prstGeom>
+          <a:noFill/>
+        </p:spPr>
+        <p:txBody>
+          <a:bodyPr wrap="square" rtlCol="0">
+            <a:spAutoFit/>
+          </a:bodyPr>
+          <a:lstStyle/>
+          <a:p>
+            <a:r>
+              <a:rPr lang="en-IN" dirty="0"/>
+              <a:t>Http Request</a:t>
+            </a:r>
+          </a:p>
+        </p:txBody>
+      </p:sp>
+      <p:cxnSp>
+        <p:nvCxnSpPr>
+          <p:cNvPr id="11" name="Straight Arrow Connector 10">
+            <a:extLst>
+              <a:ext uri="{FF2B5EF4-FFF2-40B4-BE49-F238E27FC236}">
+                <a16:creationId xmlns:a16="http://schemas.microsoft.com/office/drawing/2014/main" id="{FF88EB00-BA50-48D2-BD75-A34206A33049}"/>
+              </a:ext>
+            </a:extLst>
+          </p:cNvPr>
+          <p:cNvCxnSpPr/>
+          <p:nvPr/>
+        </p:nvCxnSpPr>
+        <p:spPr>
+          <a:xfrm flipH="1">
+            <a:off x="3381375" y="2085975"/>
+            <a:ext cx="5514975" cy="0"/>
+          </a:xfrm>
+          <a:prstGeom prst="straightConnector1">
+            <a:avLst/>
+          </a:prstGeom>
+          <a:ln>
+            <a:tailEnd type="triangle"/>
+          </a:ln>
+        </p:spPr>
+        <p:style>
+          <a:lnRef idx="1">
+            <a:schemeClr val="accent1"/>
+          </a:lnRef>
+          <a:fillRef idx="0">
+            <a:schemeClr val="accent1"/>
+          </a:fillRef>
+          <a:effectRef idx="0">
+            <a:schemeClr val="accent1"/>
+          </a:effectRef>
+          <a:fontRef idx="minor">
+            <a:schemeClr val="tx1"/>
+          </a:fontRef>
+        </p:style>
+      </p:cxnSp>
+      <p:sp>
+        <p:nvSpPr>
+          <p:cNvPr id="12" name="TextBox 11">
+            <a:extLst>
+              <a:ext uri="{FF2B5EF4-FFF2-40B4-BE49-F238E27FC236}">
+                <a16:creationId xmlns:a16="http://schemas.microsoft.com/office/drawing/2014/main" id="{1B406179-E62D-4696-863E-165B37DAB186}"/>
+              </a:ext>
+            </a:extLst>
+          </p:cNvPr>
+          <p:cNvSpPr txBox="1"/>
+          <p:nvPr/>
+        </p:nvSpPr>
+        <p:spPr>
+          <a:xfrm>
+            <a:off x="4171950" y="1035606"/>
+            <a:ext cx="3848100" cy="369332"/>
+          </a:xfrm>
+          <a:prstGeom prst="rect">
+            <a:avLst/>
+          </a:prstGeom>
+          <a:noFill/>
+        </p:spPr>
+        <p:txBody>
+          <a:bodyPr wrap="square" rtlCol="0">
+            <a:spAutoFit/>
+          </a:bodyPr>
+          <a:lstStyle/>
+          <a:p>
+            <a:r>
+              <a:rPr lang="en-IN" dirty="0"/>
+              <a:t>Http Request/Response pattern</a:t>
+            </a:r>
+          </a:p>
+        </p:txBody>
+      </p:sp>
+      <p:sp>
+        <p:nvSpPr>
+          <p:cNvPr id="13" name="Rectangle: Rounded Corners 12">
+            <a:extLst>
+              <a:ext uri="{FF2B5EF4-FFF2-40B4-BE49-F238E27FC236}">
+                <a16:creationId xmlns:a16="http://schemas.microsoft.com/office/drawing/2014/main" id="{C09A413E-F751-4CAC-90CB-27381151A0EF}"/>
+              </a:ext>
+            </a:extLst>
+          </p:cNvPr>
+          <p:cNvSpPr/>
+          <p:nvPr/>
+        </p:nvSpPr>
+        <p:spPr>
+          <a:xfrm>
+            <a:off x="8896349" y="3262312"/>
+            <a:ext cx="1704975" cy="676275"/>
+          </a:xfrm>
+          <a:prstGeom prst="roundRect">
+            <a:avLst/>
+          </a:prstGeom>
+        </p:spPr>
+        <p:style>
+          <a:lnRef idx="2">
+            <a:schemeClr val="accent1">
+              <a:shade val="50000"/>
+            </a:schemeClr>
+          </a:lnRef>
+          <a:fillRef idx="1">
+            <a:schemeClr val="accent1"/>
+          </a:fillRef>
+          <a:effectRef idx="0">
+            <a:schemeClr val="accent1"/>
+          </a:effectRef>
+          <a:fontRef idx="minor">
+            <a:schemeClr val="lt1"/>
+          </a:fontRef>
+        </p:style>
+        <p:txBody>
+          <a:bodyPr rtlCol="0" anchor="ctr"/>
+          <a:lstStyle/>
+          <a:p>
+            <a:pPr algn="ctr"/>
+            <a:r>
+              <a:rPr lang="en-IN" b="1" dirty="0"/>
+              <a:t>Function App</a:t>
+            </a:r>
+          </a:p>
+          <a:p>
+            <a:pPr algn="ctr"/>
+            <a:r>
+              <a:rPr lang="en-IN" b="1" dirty="0"/>
+              <a:t>Subscriber</a:t>
+            </a:r>
+          </a:p>
+        </p:txBody>
+      </p:sp>
+      <p:sp>
+        <p:nvSpPr>
+          <p:cNvPr id="14" name="Rectangle: Rounded Corners 13">
+            <a:extLst>
+              <a:ext uri="{FF2B5EF4-FFF2-40B4-BE49-F238E27FC236}">
+                <a16:creationId xmlns:a16="http://schemas.microsoft.com/office/drawing/2014/main" id="{1E07834D-1F75-43AE-9099-79ECF0692190}"/>
+              </a:ext>
+            </a:extLst>
+          </p:cNvPr>
+          <p:cNvSpPr/>
+          <p:nvPr/>
+        </p:nvSpPr>
+        <p:spPr>
+          <a:xfrm>
+            <a:off x="1157286" y="3078953"/>
+            <a:ext cx="2324101" cy="676275"/>
+          </a:xfrm>
+          <a:prstGeom prst="roundRect">
+            <a:avLst/>
+          </a:prstGeom>
+        </p:spPr>
+        <p:style>
+          <a:lnRef idx="2">
+            <a:schemeClr val="accent1">
+              <a:shade val="50000"/>
+            </a:schemeClr>
+          </a:lnRef>
+          <a:fillRef idx="1">
+            <a:schemeClr val="accent1"/>
+          </a:fillRef>
+          <a:effectRef idx="0">
+            <a:schemeClr val="accent1"/>
+          </a:effectRef>
+          <a:fontRef idx="minor">
+            <a:schemeClr val="lt1"/>
+          </a:fontRef>
+        </p:style>
+        <p:txBody>
+          <a:bodyPr rtlCol="0" anchor="ctr"/>
+          <a:lstStyle/>
+          <a:p>
+            <a:pPr algn="ctr"/>
+            <a:r>
+              <a:rPr lang="en-IN" b="1" dirty="0"/>
+              <a:t>Storage Account</a:t>
+            </a:r>
+          </a:p>
+          <a:p>
+            <a:pPr algn="ctr"/>
+            <a:r>
+              <a:rPr lang="en-IN" b="1" dirty="0"/>
+              <a:t>Publisher</a:t>
+            </a:r>
+          </a:p>
+        </p:txBody>
+      </p:sp>
+      <p:sp>
+        <p:nvSpPr>
+          <p:cNvPr id="15" name="TextBox 14">
+            <a:extLst>
+              <a:ext uri="{FF2B5EF4-FFF2-40B4-BE49-F238E27FC236}">
+                <a16:creationId xmlns:a16="http://schemas.microsoft.com/office/drawing/2014/main" id="{4C560C25-61DD-43BF-857E-48DA8715CA6B}"/>
+              </a:ext>
+            </a:extLst>
+          </p:cNvPr>
+          <p:cNvSpPr txBox="1"/>
+          <p:nvPr/>
+        </p:nvSpPr>
+        <p:spPr>
+          <a:xfrm>
+            <a:off x="4752975" y="3257550"/>
+            <a:ext cx="3848100" cy="369332"/>
+          </a:xfrm>
+          <a:prstGeom prst="rect">
+            <a:avLst/>
+          </a:prstGeom>
+          <a:noFill/>
+        </p:spPr>
+        <p:txBody>
+          <a:bodyPr wrap="square" rtlCol="0">
+            <a:spAutoFit/>
+          </a:bodyPr>
+          <a:lstStyle/>
+          <a:p>
+            <a:r>
+              <a:rPr lang="en-IN" dirty="0"/>
+              <a:t>Event driven pattern</a:t>
+            </a:r>
+          </a:p>
+        </p:txBody>
+      </p:sp>
+      <p:sp>
+        <p:nvSpPr>
+          <p:cNvPr id="16" name="Rectangle: Rounded Corners 15">
+            <a:extLst>
+              <a:ext uri="{FF2B5EF4-FFF2-40B4-BE49-F238E27FC236}">
+                <a16:creationId xmlns:a16="http://schemas.microsoft.com/office/drawing/2014/main" id="{7B692458-1337-45C0-8DCB-F9FCC4F08662}"/>
+              </a:ext>
+            </a:extLst>
+          </p:cNvPr>
+          <p:cNvSpPr/>
+          <p:nvPr/>
+        </p:nvSpPr>
+        <p:spPr>
+          <a:xfrm>
+            <a:off x="8991598" y="4800838"/>
+            <a:ext cx="1704975" cy="676275"/>
+          </a:xfrm>
+          <a:prstGeom prst="roundRect">
+            <a:avLst/>
+          </a:prstGeom>
+        </p:spPr>
+        <p:style>
+          <a:lnRef idx="2">
+            <a:schemeClr val="accent1">
+              <a:shade val="50000"/>
+            </a:schemeClr>
+          </a:lnRef>
+          <a:fillRef idx="1">
+            <a:schemeClr val="accent1"/>
+          </a:fillRef>
+          <a:effectRef idx="0">
+            <a:schemeClr val="accent1"/>
+          </a:effectRef>
+          <a:fontRef idx="minor">
+            <a:schemeClr val="lt1"/>
+          </a:fontRef>
+        </p:style>
+        <p:txBody>
+          <a:bodyPr rtlCol="0" anchor="ctr"/>
+          <a:lstStyle/>
+          <a:p>
+            <a:pPr algn="ctr"/>
+            <a:r>
+              <a:rPr lang="en-IN" b="1" dirty="0"/>
+              <a:t>Custom Web  App</a:t>
+            </a:r>
+          </a:p>
+        </p:txBody>
+      </p:sp>
+      <p:sp>
+        <p:nvSpPr>
+          <p:cNvPr id="17" name="Oval 16">
+            <a:extLst>
+              <a:ext uri="{FF2B5EF4-FFF2-40B4-BE49-F238E27FC236}">
+                <a16:creationId xmlns:a16="http://schemas.microsoft.com/office/drawing/2014/main" id="{A4F70B40-13A9-4365-A26F-54E20F55D651}"/>
+              </a:ext>
+            </a:extLst>
+          </p:cNvPr>
+          <p:cNvSpPr/>
+          <p:nvPr/>
+        </p:nvSpPr>
+        <p:spPr>
+          <a:xfrm>
+            <a:off x="4872037" y="3815000"/>
+            <a:ext cx="1924050" cy="985838"/>
+          </a:xfrm>
+          <a:prstGeom prst="ellipse">
+            <a:avLst/>
+          </a:prstGeom>
+        </p:spPr>
+        <p:style>
+          <a:lnRef idx="2">
+            <a:schemeClr val="accent1">
+              <a:shade val="50000"/>
+            </a:schemeClr>
+          </a:lnRef>
+          <a:fillRef idx="1">
+            <a:schemeClr val="accent1"/>
+          </a:fillRef>
+          <a:effectRef idx="0">
+            <a:schemeClr val="accent1"/>
+          </a:effectRef>
+          <a:fontRef idx="minor">
+            <a:schemeClr val="lt1"/>
+          </a:fontRef>
+        </p:style>
+        <p:txBody>
+          <a:bodyPr rtlCol="0" anchor="ctr"/>
+          <a:lstStyle/>
+          <a:p>
+            <a:pPr algn="ctr"/>
+            <a:r>
+              <a:rPr lang="en-IN" dirty="0"/>
+              <a:t>Event Grid</a:t>
+            </a:r>
+          </a:p>
+        </p:txBody>
+      </p:sp>
+      <p:cxnSp>
+        <p:nvCxnSpPr>
+          <p:cNvPr id="19" name="Straight Arrow Connector 18">
+            <a:extLst>
+              <a:ext uri="{FF2B5EF4-FFF2-40B4-BE49-F238E27FC236}">
+                <a16:creationId xmlns:a16="http://schemas.microsoft.com/office/drawing/2014/main" id="{253ED4CD-0A8A-4B7A-AAAB-FE8704875434}"/>
+              </a:ext>
+            </a:extLst>
+          </p:cNvPr>
+          <p:cNvCxnSpPr>
+            <a:cxnSpLocks/>
+            <a:stCxn id="14" idx="3"/>
+            <a:endCxn id="17" idx="2"/>
+          </p:cNvCxnSpPr>
+          <p:nvPr/>
+        </p:nvCxnSpPr>
+        <p:spPr>
+          <a:xfrm>
+            <a:off x="3481387" y="3417091"/>
+            <a:ext cx="1390650" cy="890828"/>
+          </a:xfrm>
+          <a:prstGeom prst="straightConnector1">
+            <a:avLst/>
+          </a:prstGeom>
+          <a:ln>
+            <a:tailEnd type="triangle"/>
+          </a:ln>
+        </p:spPr>
+        <p:style>
+          <a:lnRef idx="1">
+            <a:schemeClr val="accent1"/>
+          </a:lnRef>
+          <a:fillRef idx="0">
+            <a:schemeClr val="accent1"/>
+          </a:fillRef>
+          <a:effectRef idx="0">
+            <a:schemeClr val="accent1"/>
+          </a:effectRef>
+          <a:fontRef idx="minor">
+            <a:schemeClr val="tx1"/>
+          </a:fontRef>
+        </p:style>
+      </p:cxnSp>
+      <p:cxnSp>
+        <p:nvCxnSpPr>
+          <p:cNvPr id="23" name="Straight Arrow Connector 22">
+            <a:extLst>
+              <a:ext uri="{FF2B5EF4-FFF2-40B4-BE49-F238E27FC236}">
+                <a16:creationId xmlns:a16="http://schemas.microsoft.com/office/drawing/2014/main" id="{39F66585-1451-482A-A417-797C8AD5A30A}"/>
+              </a:ext>
+            </a:extLst>
+          </p:cNvPr>
+          <p:cNvCxnSpPr>
+            <a:cxnSpLocks/>
+            <a:stCxn id="17" idx="6"/>
+            <a:endCxn id="16" idx="1"/>
+          </p:cNvCxnSpPr>
+          <p:nvPr/>
+        </p:nvCxnSpPr>
+        <p:spPr>
+          <a:xfrm>
+            <a:off x="6796087" y="4307919"/>
+            <a:ext cx="2195511" cy="831057"/>
+          </a:xfrm>
+          <a:prstGeom prst="straightConnector1">
+            <a:avLst/>
+          </a:prstGeom>
+          <a:ln>
+            <a:tailEnd type="triangle"/>
+          </a:ln>
+        </p:spPr>
+        <p:style>
+          <a:lnRef idx="1">
+            <a:schemeClr val="accent1"/>
+          </a:lnRef>
+          <a:fillRef idx="0">
+            <a:schemeClr val="accent1"/>
+          </a:fillRef>
+          <a:effectRef idx="0">
+            <a:schemeClr val="accent1"/>
+          </a:effectRef>
+          <a:fontRef idx="minor">
+            <a:schemeClr val="tx1"/>
+          </a:fontRef>
+        </p:style>
+      </p:cxnSp>
+      <p:sp>
+        <p:nvSpPr>
+          <p:cNvPr id="39" name="TextBox 38">
+            <a:extLst>
+              <a:ext uri="{FF2B5EF4-FFF2-40B4-BE49-F238E27FC236}">
+                <a16:creationId xmlns:a16="http://schemas.microsoft.com/office/drawing/2014/main" id="{E0A013A4-D3BE-45DF-942E-2664A3A0D898}"/>
+              </a:ext>
+            </a:extLst>
+          </p:cNvPr>
+          <p:cNvSpPr txBox="1"/>
+          <p:nvPr/>
+        </p:nvSpPr>
+        <p:spPr>
+          <a:xfrm>
+            <a:off x="3443291" y="3669740"/>
+            <a:ext cx="2100262" cy="369332"/>
+          </a:xfrm>
+          <a:prstGeom prst="rect">
+            <a:avLst/>
+          </a:prstGeom>
+          <a:noFill/>
+        </p:spPr>
+        <p:txBody>
+          <a:bodyPr wrap="square" rtlCol="0">
+            <a:spAutoFit/>
+          </a:bodyPr>
+          <a:lstStyle/>
+          <a:p>
+            <a:r>
+              <a:rPr lang="en-IN" dirty="0"/>
+              <a:t>Built-in Topic</a:t>
+            </a:r>
+          </a:p>
+        </p:txBody>
+      </p:sp>
+      <p:sp>
+        <p:nvSpPr>
+          <p:cNvPr id="40" name="TextBox 39">
+            <a:extLst>
+              <a:ext uri="{FF2B5EF4-FFF2-40B4-BE49-F238E27FC236}">
+                <a16:creationId xmlns:a16="http://schemas.microsoft.com/office/drawing/2014/main" id="{C63031A1-D1B4-48F7-8A2F-3A9EF8CF3AF9}"/>
+              </a:ext>
+            </a:extLst>
+          </p:cNvPr>
+          <p:cNvSpPr txBox="1"/>
+          <p:nvPr/>
+        </p:nvSpPr>
+        <p:spPr>
+          <a:xfrm>
+            <a:off x="7334250" y="3618429"/>
+            <a:ext cx="1371600" cy="369332"/>
+          </a:xfrm>
+          <a:prstGeom prst="rect">
+            <a:avLst/>
+          </a:prstGeom>
+          <a:noFill/>
+        </p:spPr>
+        <p:txBody>
+          <a:bodyPr wrap="square" rtlCol="0">
+            <a:spAutoFit/>
+          </a:bodyPr>
+          <a:lstStyle/>
+          <a:p>
+            <a:r>
+              <a:rPr lang="en-IN" dirty="0"/>
+              <a:t>Subscription</a:t>
+            </a:r>
+          </a:p>
+        </p:txBody>
+      </p:sp>
+      <p:sp>
+        <p:nvSpPr>
+          <p:cNvPr id="41" name="TextBox 40">
+            <a:extLst>
+              <a:ext uri="{FF2B5EF4-FFF2-40B4-BE49-F238E27FC236}">
+                <a16:creationId xmlns:a16="http://schemas.microsoft.com/office/drawing/2014/main" id="{119AE876-013B-4B9D-A823-EF1B084202EF}"/>
+              </a:ext>
+            </a:extLst>
+          </p:cNvPr>
+          <p:cNvSpPr txBox="1"/>
+          <p:nvPr/>
+        </p:nvSpPr>
+        <p:spPr>
+          <a:xfrm>
+            <a:off x="7091358" y="4484132"/>
+            <a:ext cx="1371600" cy="369332"/>
+          </a:xfrm>
+          <a:prstGeom prst="rect">
+            <a:avLst/>
+          </a:prstGeom>
+          <a:noFill/>
+        </p:spPr>
+        <p:txBody>
+          <a:bodyPr wrap="square" rtlCol="0">
+            <a:spAutoFit/>
+          </a:bodyPr>
+          <a:lstStyle/>
+          <a:p>
+            <a:r>
+              <a:rPr lang="en-IN" dirty="0"/>
+              <a:t>Subscription</a:t>
+            </a:r>
+          </a:p>
+        </p:txBody>
+      </p:sp>
+      <p:cxnSp>
+        <p:nvCxnSpPr>
+          <p:cNvPr id="43" name="Straight Arrow Connector 42">
+            <a:extLst>
+              <a:ext uri="{FF2B5EF4-FFF2-40B4-BE49-F238E27FC236}">
+                <a16:creationId xmlns:a16="http://schemas.microsoft.com/office/drawing/2014/main" id="{525D9BF8-633A-4FEF-A2EF-7968792B878A}"/>
+              </a:ext>
+            </a:extLst>
+          </p:cNvPr>
+          <p:cNvCxnSpPr>
+            <a:stCxn id="17" idx="6"/>
+            <a:endCxn id="13" idx="1"/>
+          </p:cNvCxnSpPr>
+          <p:nvPr/>
+        </p:nvCxnSpPr>
+        <p:spPr>
+          <a:xfrm flipV="1">
+            <a:off x="6796087" y="3600450"/>
+            <a:ext cx="2100262" cy="707469"/>
+          </a:xfrm>
+          <a:prstGeom prst="straightConnector1">
+            <a:avLst/>
+          </a:prstGeom>
+          <a:ln>
+            <a:tailEnd type="triangle"/>
+          </a:ln>
+        </p:spPr>
+        <p:style>
+          <a:lnRef idx="1">
+            <a:schemeClr val="accent1"/>
+          </a:lnRef>
+          <a:fillRef idx="0">
+            <a:schemeClr val="accent1"/>
+          </a:fillRef>
+          <a:effectRef idx="0">
+            <a:schemeClr val="accent1"/>
+          </a:effectRef>
+          <a:fontRef idx="minor">
+            <a:schemeClr val="tx1"/>
+          </a:fontRef>
+        </p:style>
+      </p:cxnSp>
+      <p:sp>
+        <p:nvSpPr>
+          <p:cNvPr id="45" name="Rectangle: Rounded Corners 44">
+            <a:extLst>
+              <a:ext uri="{FF2B5EF4-FFF2-40B4-BE49-F238E27FC236}">
+                <a16:creationId xmlns:a16="http://schemas.microsoft.com/office/drawing/2014/main" id="{2825462B-D487-487C-83F4-74B1B0A6FE33}"/>
+              </a:ext>
+            </a:extLst>
+          </p:cNvPr>
+          <p:cNvSpPr/>
+          <p:nvPr/>
+        </p:nvSpPr>
+        <p:spPr>
+          <a:xfrm>
+            <a:off x="1095374" y="4853464"/>
+            <a:ext cx="2324101" cy="676275"/>
+          </a:xfrm>
+          <a:prstGeom prst="roundRect">
+            <a:avLst/>
+          </a:prstGeom>
+        </p:spPr>
+        <p:style>
+          <a:lnRef idx="2">
+            <a:schemeClr val="accent1">
+              <a:shade val="50000"/>
+            </a:schemeClr>
+          </a:lnRef>
+          <a:fillRef idx="1">
+            <a:schemeClr val="accent1"/>
+          </a:fillRef>
+          <a:effectRef idx="0">
+            <a:schemeClr val="accent1"/>
+          </a:effectRef>
+          <a:fontRef idx="minor">
+            <a:schemeClr val="lt1"/>
+          </a:fontRef>
+        </p:style>
+        <p:txBody>
+          <a:bodyPr rtlCol="0" anchor="ctr"/>
+          <a:lstStyle/>
+          <a:p>
+            <a:pPr algn="ctr"/>
+            <a:r>
+              <a:rPr lang="en-IN" b="1" dirty="0"/>
+              <a:t>Custom Web App</a:t>
+            </a:r>
+          </a:p>
+          <a:p>
+            <a:pPr algn="ctr"/>
+            <a:r>
+              <a:rPr lang="en-IN" b="1" dirty="0"/>
+              <a:t>Publisher</a:t>
+            </a:r>
+          </a:p>
+        </p:txBody>
+      </p:sp>
+      <p:cxnSp>
+        <p:nvCxnSpPr>
+          <p:cNvPr id="47" name="Straight Arrow Connector 46">
+            <a:extLst>
+              <a:ext uri="{FF2B5EF4-FFF2-40B4-BE49-F238E27FC236}">
+                <a16:creationId xmlns:a16="http://schemas.microsoft.com/office/drawing/2014/main" id="{26BDDDC2-42A1-44EA-B1A8-A566DE7EEAEF}"/>
+              </a:ext>
+            </a:extLst>
+          </p:cNvPr>
+          <p:cNvCxnSpPr>
+            <a:cxnSpLocks/>
+            <a:stCxn id="45" idx="3"/>
+            <a:endCxn id="17" idx="2"/>
+          </p:cNvCxnSpPr>
+          <p:nvPr/>
+        </p:nvCxnSpPr>
+        <p:spPr>
+          <a:xfrm flipV="1">
+            <a:off x="3419475" y="4307919"/>
+            <a:ext cx="1452562" cy="883683"/>
+          </a:xfrm>
+          <a:prstGeom prst="straightConnector1">
+            <a:avLst/>
+          </a:prstGeom>
+          <a:ln>
+            <a:tailEnd type="triangle"/>
+          </a:ln>
+        </p:spPr>
+        <p:style>
+          <a:lnRef idx="1">
+            <a:schemeClr val="accent1"/>
+          </a:lnRef>
+          <a:fillRef idx="0">
+            <a:schemeClr val="accent1"/>
+          </a:fillRef>
+          <a:effectRef idx="0">
+            <a:schemeClr val="accent1"/>
+          </a:effectRef>
+          <a:fontRef idx="minor">
+            <a:schemeClr val="tx1"/>
+          </a:fontRef>
+        </p:style>
+      </p:cxnSp>
+      <p:sp>
+        <p:nvSpPr>
+          <p:cNvPr id="52" name="TextBox 51">
+            <a:extLst>
+              <a:ext uri="{FF2B5EF4-FFF2-40B4-BE49-F238E27FC236}">
+                <a16:creationId xmlns:a16="http://schemas.microsoft.com/office/drawing/2014/main" id="{32BEFDC7-5666-41DA-A0E9-292B4F6FCBAD}"/>
+              </a:ext>
+            </a:extLst>
+          </p:cNvPr>
+          <p:cNvSpPr txBox="1"/>
+          <p:nvPr/>
+        </p:nvSpPr>
+        <p:spPr>
+          <a:xfrm>
+            <a:off x="3469483" y="4687607"/>
+            <a:ext cx="2100262" cy="369332"/>
+          </a:xfrm>
+          <a:prstGeom prst="rect">
+            <a:avLst/>
+          </a:prstGeom>
+          <a:noFill/>
+        </p:spPr>
+        <p:txBody>
+          <a:bodyPr wrap="square" rtlCol="0">
+            <a:spAutoFit/>
+          </a:bodyPr>
+          <a:lstStyle/>
+          <a:p>
+            <a:r>
+              <a:rPr lang="en-IN" dirty="0"/>
+              <a:t>Custom Topic</a:t>
+            </a:r>
+          </a:p>
+        </p:txBody>
+      </p:sp>
+    </p:spTree>
+    <p:extLst>
+      <p:ext uri="{BB962C8B-B14F-4D97-AF65-F5344CB8AC3E}">
+        <p14:creationId xmlns:p14="http://schemas.microsoft.com/office/powerpoint/2010/main" val="2042113289"/>
+      </p:ext>
+    </p:extLst>
+  </p:cSld>
+  <p:clrMapOvr>
+    <a:masterClrMapping/>
+  </p:clrMapOvr>
+</p:sld>
+</file>
+
+<file path=ppt/slides/slide16.xml><?xml version="1.0" encoding="utf-8"?>
+<p:sld xmlns:a="http://schemas.openxmlformats.org/drawingml/2006/main" xmlns:r="http://schemas.openxmlformats.org/officeDocument/2006/relationships" xmlns:p="http://schemas.openxmlformats.org/presentationml/2006/main">
+  <p:cSld>
+    <p:spTree>
+      <p:nvGrpSpPr>
+        <p:cNvPr id="1" name=""/>
+        <p:cNvGrpSpPr/>
+        <p:nvPr/>
+      </p:nvGrpSpPr>
+      <p:grpSpPr>
+        <a:xfrm>
+          <a:off x="0" y="0"/>
+          <a:ext cx="0" cy="0"/>
+          <a:chOff x="0" y="0"/>
+          <a:chExt cx="0" cy="0"/>
+        </a:xfrm>
+      </p:grpSpPr>
+      <p:sp>
+        <p:nvSpPr>
+          <p:cNvPr id="2" name="Title 1">
+            <a:extLst>
+              <a:ext uri="{FF2B5EF4-FFF2-40B4-BE49-F238E27FC236}">
+                <a16:creationId xmlns:a16="http://schemas.microsoft.com/office/drawing/2014/main" id="{45261430-E48D-42BA-AB67-2D3EB13BC0D3}"/>
+              </a:ext>
+            </a:extLst>
+          </p:cNvPr>
+          <p:cNvSpPr>
+            <a:spLocks noGrp="1"/>
+          </p:cNvSpPr>
+          <p:nvPr>
+            <p:ph type="title"/>
+          </p:nvPr>
+        </p:nvSpPr>
+        <p:spPr/>
+        <p:txBody>
+          <a:bodyPr/>
+          <a:lstStyle/>
+          <a:p>
+            <a:r>
+              <a:rPr lang="en-IN" dirty="0"/>
+              <a:t>Message driven communication</a:t>
+            </a:r>
+          </a:p>
+        </p:txBody>
+      </p:sp>
+      <p:sp>
+        <p:nvSpPr>
+          <p:cNvPr id="5" name="Rectangle: Rounded Corners 4">
+            <a:extLst>
+              <a:ext uri="{FF2B5EF4-FFF2-40B4-BE49-F238E27FC236}">
+                <a16:creationId xmlns:a16="http://schemas.microsoft.com/office/drawing/2014/main" id="{5723EC08-05FC-4DD2-82C3-2BC78E7C92D4}"/>
+              </a:ext>
+            </a:extLst>
+          </p:cNvPr>
+          <p:cNvSpPr/>
+          <p:nvPr/>
+        </p:nvSpPr>
+        <p:spPr>
+          <a:xfrm>
+            <a:off x="1323975" y="3918228"/>
+            <a:ext cx="1704975" cy="676275"/>
+          </a:xfrm>
+          <a:prstGeom prst="roundRect">
+            <a:avLst/>
+          </a:prstGeom>
+        </p:spPr>
+        <p:style>
+          <a:lnRef idx="2">
+            <a:schemeClr val="accent1">
+              <a:shade val="50000"/>
+            </a:schemeClr>
+          </a:lnRef>
+          <a:fillRef idx="1">
+            <a:schemeClr val="accent1"/>
+          </a:fillRef>
+          <a:effectRef idx="0">
+            <a:schemeClr val="accent1"/>
+          </a:effectRef>
+          <a:fontRef idx="minor">
+            <a:schemeClr val="lt1"/>
+          </a:fontRef>
+        </p:style>
+        <p:txBody>
+          <a:bodyPr rtlCol="0" anchor="ctr"/>
+          <a:lstStyle/>
+          <a:p>
+            <a:pPr algn="ctr"/>
+            <a:r>
+              <a:rPr lang="en-IN" b="1" dirty="0"/>
+              <a:t>Publisher App</a:t>
+            </a:r>
+          </a:p>
+        </p:txBody>
+      </p:sp>
+      <p:sp>
+        <p:nvSpPr>
+          <p:cNvPr id="7" name="Oval 6">
+            <a:extLst>
+              <a:ext uri="{FF2B5EF4-FFF2-40B4-BE49-F238E27FC236}">
+                <a16:creationId xmlns:a16="http://schemas.microsoft.com/office/drawing/2014/main" id="{99663E91-5109-4848-B268-28841F5928F4}"/>
+              </a:ext>
+            </a:extLst>
+          </p:cNvPr>
+          <p:cNvSpPr/>
+          <p:nvPr/>
+        </p:nvSpPr>
+        <p:spPr>
+          <a:xfrm>
+            <a:off x="4605336" y="3794641"/>
+            <a:ext cx="1924050" cy="985838"/>
+          </a:xfrm>
+          <a:prstGeom prst="ellipse">
+            <a:avLst/>
+          </a:prstGeom>
+        </p:spPr>
+        <p:style>
+          <a:lnRef idx="2">
+            <a:schemeClr val="accent1">
+              <a:shade val="50000"/>
+            </a:schemeClr>
+          </a:lnRef>
+          <a:fillRef idx="1">
+            <a:schemeClr val="accent1"/>
+          </a:fillRef>
+          <a:effectRef idx="0">
+            <a:schemeClr val="accent1"/>
+          </a:effectRef>
+          <a:fontRef idx="minor">
+            <a:schemeClr val="lt1"/>
+          </a:fontRef>
+        </p:style>
+        <p:txBody>
+          <a:bodyPr rtlCol="0" anchor="ctr"/>
+          <a:lstStyle/>
+          <a:p>
+            <a:pPr algn="ctr"/>
+            <a:r>
+              <a:rPr lang="en-IN" dirty="0"/>
+              <a:t>Queue</a:t>
+            </a:r>
+          </a:p>
+        </p:txBody>
+      </p:sp>
+      <p:cxnSp>
+        <p:nvCxnSpPr>
+          <p:cNvPr id="8" name="Straight Arrow Connector 7">
+            <a:extLst>
+              <a:ext uri="{FF2B5EF4-FFF2-40B4-BE49-F238E27FC236}">
+                <a16:creationId xmlns:a16="http://schemas.microsoft.com/office/drawing/2014/main" id="{68E7F224-A1AE-49F1-BF18-ABD910A26AAE}"/>
+              </a:ext>
+            </a:extLst>
+          </p:cNvPr>
+          <p:cNvCxnSpPr>
+            <a:cxnSpLocks/>
+            <a:stCxn id="5" idx="3"/>
+            <a:endCxn id="7" idx="2"/>
+          </p:cNvCxnSpPr>
+          <p:nvPr/>
+        </p:nvCxnSpPr>
+        <p:spPr>
+          <a:xfrm>
+            <a:off x="3028950" y="4256366"/>
+            <a:ext cx="1576386" cy="31194"/>
+          </a:xfrm>
+          <a:prstGeom prst="straightConnector1">
+            <a:avLst/>
+          </a:prstGeom>
+          <a:ln>
+            <a:tailEnd type="triangle"/>
+          </a:ln>
+        </p:spPr>
+        <p:style>
+          <a:lnRef idx="1">
+            <a:schemeClr val="accent1"/>
+          </a:lnRef>
+          <a:fillRef idx="0">
+            <a:schemeClr val="accent1"/>
+          </a:fillRef>
+          <a:effectRef idx="0">
+            <a:schemeClr val="accent1"/>
+          </a:effectRef>
+          <a:fontRef idx="minor">
+            <a:schemeClr val="tx1"/>
+          </a:fontRef>
+        </p:style>
+      </p:cxnSp>
+      <p:cxnSp>
+        <p:nvCxnSpPr>
+          <p:cNvPr id="10" name="Straight Arrow Connector 9">
+            <a:extLst>
+              <a:ext uri="{FF2B5EF4-FFF2-40B4-BE49-F238E27FC236}">
+                <a16:creationId xmlns:a16="http://schemas.microsoft.com/office/drawing/2014/main" id="{671C550B-DAE0-4E91-A9D0-DAF14BE898E4}"/>
+              </a:ext>
+            </a:extLst>
+          </p:cNvPr>
+          <p:cNvCxnSpPr>
+            <a:cxnSpLocks/>
+            <a:stCxn id="7" idx="6"/>
+          </p:cNvCxnSpPr>
+          <p:nvPr/>
+        </p:nvCxnSpPr>
+        <p:spPr>
+          <a:xfrm>
+            <a:off x="6529386" y="4287560"/>
+            <a:ext cx="2100261" cy="422316"/>
+          </a:xfrm>
+          <a:prstGeom prst="straightConnector1">
+            <a:avLst/>
+          </a:prstGeom>
+          <a:ln>
+            <a:tailEnd type="triangle"/>
+          </a:ln>
+        </p:spPr>
+        <p:style>
+          <a:lnRef idx="1">
+            <a:schemeClr val="accent1"/>
+          </a:lnRef>
+          <a:fillRef idx="0">
+            <a:schemeClr val="accent1"/>
+          </a:fillRef>
+          <a:effectRef idx="0">
+            <a:schemeClr val="accent1"/>
+          </a:effectRef>
+          <a:fontRef idx="minor">
+            <a:schemeClr val="tx1"/>
+          </a:fontRef>
+        </p:style>
+      </p:cxnSp>
+      <p:sp>
+        <p:nvSpPr>
+          <p:cNvPr id="11" name="Rectangle: Rounded Corners 10">
+            <a:extLst>
+              <a:ext uri="{FF2B5EF4-FFF2-40B4-BE49-F238E27FC236}">
+                <a16:creationId xmlns:a16="http://schemas.microsoft.com/office/drawing/2014/main" id="{9498AC65-5180-4463-AD0E-D97151F2FD75}"/>
+              </a:ext>
+            </a:extLst>
+          </p:cNvPr>
+          <p:cNvSpPr/>
+          <p:nvPr/>
+        </p:nvSpPr>
+        <p:spPr>
+          <a:xfrm>
+            <a:off x="8629647" y="4371738"/>
+            <a:ext cx="1704975" cy="676275"/>
+          </a:xfrm>
+          <a:prstGeom prst="roundRect">
+            <a:avLst/>
+          </a:prstGeom>
+        </p:spPr>
+        <p:style>
+          <a:lnRef idx="2">
+            <a:schemeClr val="accent1">
+              <a:shade val="50000"/>
+            </a:schemeClr>
+          </a:lnRef>
+          <a:fillRef idx="1">
+            <a:schemeClr val="accent1"/>
+          </a:fillRef>
+          <a:effectRef idx="0">
+            <a:schemeClr val="accent1"/>
+          </a:effectRef>
+          <a:fontRef idx="minor">
+            <a:schemeClr val="lt1"/>
+          </a:fontRef>
+        </p:style>
+        <p:txBody>
+          <a:bodyPr rtlCol="0" anchor="ctr"/>
+          <a:lstStyle/>
+          <a:p>
+            <a:pPr algn="ctr"/>
+            <a:r>
+              <a:rPr lang="en-IN" b="1" dirty="0"/>
+              <a:t>Subscriber App</a:t>
+            </a:r>
+          </a:p>
+        </p:txBody>
+      </p:sp>
+      <p:sp>
+        <p:nvSpPr>
+          <p:cNvPr id="12" name="Rectangle: Rounded Corners 11">
+            <a:extLst>
+              <a:ext uri="{FF2B5EF4-FFF2-40B4-BE49-F238E27FC236}">
+                <a16:creationId xmlns:a16="http://schemas.microsoft.com/office/drawing/2014/main" id="{09F98497-A151-4C27-AED7-433A8835ED5B}"/>
+              </a:ext>
+            </a:extLst>
+          </p:cNvPr>
+          <p:cNvSpPr/>
+          <p:nvPr/>
+        </p:nvSpPr>
+        <p:spPr>
+          <a:xfrm>
+            <a:off x="8629647" y="2752725"/>
+            <a:ext cx="1704975" cy="676275"/>
+          </a:xfrm>
+          <a:prstGeom prst="roundRect">
+            <a:avLst/>
+          </a:prstGeom>
+        </p:spPr>
+        <p:style>
+          <a:lnRef idx="2">
+            <a:schemeClr val="accent1">
+              <a:shade val="50000"/>
+            </a:schemeClr>
+          </a:lnRef>
+          <a:fillRef idx="1">
+            <a:schemeClr val="accent1"/>
+          </a:fillRef>
+          <a:effectRef idx="0">
+            <a:schemeClr val="accent1"/>
+          </a:effectRef>
+          <a:fontRef idx="minor">
+            <a:schemeClr val="lt1"/>
+          </a:fontRef>
+        </p:style>
+        <p:txBody>
+          <a:bodyPr rtlCol="0" anchor="ctr"/>
+          <a:lstStyle/>
+          <a:p>
+            <a:pPr algn="ctr"/>
+            <a:r>
+              <a:rPr lang="en-IN" b="1" dirty="0"/>
+              <a:t>Subscriber App</a:t>
+            </a:r>
+          </a:p>
+        </p:txBody>
+      </p:sp>
+      <p:cxnSp>
+        <p:nvCxnSpPr>
+          <p:cNvPr id="14" name="Straight Arrow Connector 13">
+            <a:extLst>
+              <a:ext uri="{FF2B5EF4-FFF2-40B4-BE49-F238E27FC236}">
+                <a16:creationId xmlns:a16="http://schemas.microsoft.com/office/drawing/2014/main" id="{550CA084-F3F2-478E-B7B6-C17EDB8A6909}"/>
+              </a:ext>
+            </a:extLst>
+          </p:cNvPr>
+          <p:cNvCxnSpPr>
+            <a:stCxn id="7" idx="6"/>
+            <a:endCxn id="12" idx="1"/>
+          </p:cNvCxnSpPr>
+          <p:nvPr/>
+        </p:nvCxnSpPr>
+        <p:spPr>
+          <a:xfrm flipV="1">
+            <a:off x="6529386" y="3090863"/>
+            <a:ext cx="2100261" cy="1196697"/>
+          </a:xfrm>
+          <a:prstGeom prst="straightConnector1">
+            <a:avLst/>
+          </a:prstGeom>
+          <a:ln>
+            <a:tailEnd type="triangle"/>
+          </a:ln>
+        </p:spPr>
+        <p:style>
+          <a:lnRef idx="1">
+            <a:schemeClr val="accent1"/>
+          </a:lnRef>
+          <a:fillRef idx="0">
+            <a:schemeClr val="accent1"/>
+          </a:fillRef>
+          <a:effectRef idx="0">
+            <a:schemeClr val="accent1"/>
+          </a:effectRef>
+          <a:fontRef idx="minor">
+            <a:schemeClr val="tx1"/>
+          </a:fontRef>
+        </p:style>
+      </p:cxnSp>
+    </p:spTree>
+    <p:extLst>
+      <p:ext uri="{BB962C8B-B14F-4D97-AF65-F5344CB8AC3E}">
+        <p14:creationId xmlns:p14="http://schemas.microsoft.com/office/powerpoint/2010/main" val="934626138"/>
+      </p:ext>
+    </p:extLst>
+  </p:cSld>
+  <p:clrMapOvr>
+    <a:masterClrMapping/>
+  </p:clrMapOvr>
+</p:sld>
+</file>
+
+<file path=ppt/slides/slide17.xml><?xml version="1.0" encoding="utf-8"?>
+<p:sld xmlns:a="http://schemas.openxmlformats.org/drawingml/2006/main" xmlns:r="http://schemas.openxmlformats.org/officeDocument/2006/relationships" xmlns:p="http://schemas.openxmlformats.org/presentationml/2006/main">
+  <p:cSld>
+    <p:spTree>
+      <p:nvGrpSpPr>
+        <p:cNvPr id="1" name=""/>
+        <p:cNvGrpSpPr/>
+        <p:nvPr/>
+      </p:nvGrpSpPr>
+      <p:grpSpPr>
+        <a:xfrm>
+          <a:off x="0" y="0"/>
+          <a:ext cx="0" cy="0"/>
+          <a:chOff x="0" y="0"/>
+          <a:chExt cx="0" cy="0"/>
+        </a:xfrm>
+      </p:grpSpPr>
+      <p:sp>
+        <p:nvSpPr>
+          <p:cNvPr id="4" name="Rectangle: Rounded Corners 3">
+            <a:extLst>
+              <a:ext uri="{FF2B5EF4-FFF2-40B4-BE49-F238E27FC236}">
+                <a16:creationId xmlns:a16="http://schemas.microsoft.com/office/drawing/2014/main" id="{18F16190-D1A3-43D4-8D7C-549677267F82}"/>
+              </a:ext>
+            </a:extLst>
+          </p:cNvPr>
+          <p:cNvSpPr/>
+          <p:nvPr/>
+        </p:nvSpPr>
+        <p:spPr>
+          <a:xfrm>
+            <a:off x="8896349" y="3262312"/>
+            <a:ext cx="1704975" cy="676275"/>
+          </a:xfrm>
+          <a:prstGeom prst="roundRect">
+            <a:avLst/>
+          </a:prstGeom>
+        </p:spPr>
+        <p:style>
+          <a:lnRef idx="2">
+            <a:schemeClr val="accent1">
+              <a:shade val="50000"/>
+            </a:schemeClr>
+          </a:lnRef>
+          <a:fillRef idx="1">
+            <a:schemeClr val="accent1"/>
+          </a:fillRef>
+          <a:effectRef idx="0">
+            <a:schemeClr val="accent1"/>
+          </a:effectRef>
+          <a:fontRef idx="minor">
+            <a:schemeClr val="lt1"/>
+          </a:fontRef>
+        </p:style>
+        <p:txBody>
+          <a:bodyPr rtlCol="0" anchor="ctr"/>
+          <a:lstStyle/>
+          <a:p>
+            <a:pPr algn="ctr"/>
+            <a:r>
+              <a:rPr lang="en-IN" b="1" dirty="0"/>
+              <a:t>Big Data App</a:t>
+            </a:r>
+          </a:p>
+        </p:txBody>
+      </p:sp>
+      <p:sp>
+        <p:nvSpPr>
+          <p:cNvPr id="5" name="Rectangle: Rounded Corners 4">
+            <a:extLst>
+              <a:ext uri="{FF2B5EF4-FFF2-40B4-BE49-F238E27FC236}">
+                <a16:creationId xmlns:a16="http://schemas.microsoft.com/office/drawing/2014/main" id="{897464D8-65E0-48FF-8AAE-90EE5AFDD15B}"/>
+              </a:ext>
+            </a:extLst>
+          </p:cNvPr>
+          <p:cNvSpPr/>
+          <p:nvPr/>
+        </p:nvSpPr>
+        <p:spPr>
+          <a:xfrm>
+            <a:off x="1157286" y="3078953"/>
+            <a:ext cx="2324101" cy="676275"/>
+          </a:xfrm>
+          <a:prstGeom prst="roundRect">
+            <a:avLst/>
+          </a:prstGeom>
+        </p:spPr>
+        <p:style>
+          <a:lnRef idx="2">
+            <a:schemeClr val="accent1">
+              <a:shade val="50000"/>
+            </a:schemeClr>
+          </a:lnRef>
+          <a:fillRef idx="1">
+            <a:schemeClr val="accent1"/>
+          </a:fillRef>
+          <a:effectRef idx="0">
+            <a:schemeClr val="accent1"/>
+          </a:effectRef>
+          <a:fontRef idx="minor">
+            <a:schemeClr val="lt1"/>
+          </a:fontRef>
+        </p:style>
+        <p:txBody>
+          <a:bodyPr rtlCol="0" anchor="ctr"/>
+          <a:lstStyle/>
+          <a:p>
+            <a:pPr algn="ctr"/>
+            <a:r>
+              <a:rPr lang="en-IN" b="1" dirty="0"/>
+              <a:t>IoT Sensor 1</a:t>
+            </a:r>
+          </a:p>
+        </p:txBody>
+      </p:sp>
+      <p:sp>
+        <p:nvSpPr>
+          <p:cNvPr id="7" name="Rectangle: Rounded Corners 6">
+            <a:extLst>
+              <a:ext uri="{FF2B5EF4-FFF2-40B4-BE49-F238E27FC236}">
+                <a16:creationId xmlns:a16="http://schemas.microsoft.com/office/drawing/2014/main" id="{2928371A-CABE-47D2-A54C-069AAB031FAF}"/>
+              </a:ext>
+            </a:extLst>
+          </p:cNvPr>
+          <p:cNvSpPr/>
+          <p:nvPr/>
+        </p:nvSpPr>
+        <p:spPr>
+          <a:xfrm>
+            <a:off x="8991598" y="4800838"/>
+            <a:ext cx="1704975" cy="676275"/>
+          </a:xfrm>
+          <a:prstGeom prst="roundRect">
+            <a:avLst/>
+          </a:prstGeom>
+        </p:spPr>
+        <p:style>
+          <a:lnRef idx="2">
+            <a:schemeClr val="accent1">
+              <a:shade val="50000"/>
+            </a:schemeClr>
+          </a:lnRef>
+          <a:fillRef idx="1">
+            <a:schemeClr val="accent1"/>
+          </a:fillRef>
+          <a:effectRef idx="0">
+            <a:schemeClr val="accent1"/>
+          </a:effectRef>
+          <a:fontRef idx="minor">
+            <a:schemeClr val="lt1"/>
+          </a:fontRef>
+        </p:style>
+        <p:txBody>
+          <a:bodyPr rtlCol="0" anchor="ctr"/>
+          <a:lstStyle/>
+          <a:p>
+            <a:pPr algn="ctr"/>
+            <a:r>
+              <a:rPr lang="en-IN" b="1" dirty="0"/>
+              <a:t>HDInsight</a:t>
+            </a:r>
+          </a:p>
+        </p:txBody>
+      </p:sp>
+      <p:cxnSp>
+        <p:nvCxnSpPr>
+          <p:cNvPr id="9" name="Straight Arrow Connector 8">
+            <a:extLst>
+              <a:ext uri="{FF2B5EF4-FFF2-40B4-BE49-F238E27FC236}">
+                <a16:creationId xmlns:a16="http://schemas.microsoft.com/office/drawing/2014/main" id="{FE24FAF6-6DEB-44E3-97B4-44BE2D1F38EF}"/>
+              </a:ext>
+            </a:extLst>
+          </p:cNvPr>
+          <p:cNvCxnSpPr>
+            <a:cxnSpLocks/>
+            <a:stCxn id="5" idx="3"/>
+          </p:cNvCxnSpPr>
+          <p:nvPr/>
+        </p:nvCxnSpPr>
+        <p:spPr>
+          <a:xfrm>
+            <a:off x="3481387" y="3417091"/>
+            <a:ext cx="1390650" cy="890828"/>
+          </a:xfrm>
+          <a:prstGeom prst="straightConnector1">
+            <a:avLst/>
+          </a:prstGeom>
+          <a:ln>
+            <a:tailEnd type="triangle"/>
+          </a:ln>
+        </p:spPr>
+        <p:style>
+          <a:lnRef idx="1">
+            <a:schemeClr val="accent1"/>
+          </a:lnRef>
+          <a:fillRef idx="0">
+            <a:schemeClr val="accent1"/>
+          </a:fillRef>
+          <a:effectRef idx="0">
+            <a:schemeClr val="accent1"/>
+          </a:effectRef>
+          <a:fontRef idx="minor">
+            <a:schemeClr val="tx1"/>
+          </a:fontRef>
+        </p:style>
+      </p:cxnSp>
+      <p:cxnSp>
+        <p:nvCxnSpPr>
+          <p:cNvPr id="10" name="Straight Arrow Connector 9">
+            <a:extLst>
+              <a:ext uri="{FF2B5EF4-FFF2-40B4-BE49-F238E27FC236}">
+                <a16:creationId xmlns:a16="http://schemas.microsoft.com/office/drawing/2014/main" id="{A4BCD925-8AE0-42FF-890D-249814CB46C2}"/>
+              </a:ext>
+            </a:extLst>
+          </p:cNvPr>
+          <p:cNvCxnSpPr>
+            <a:cxnSpLocks/>
+            <a:stCxn id="18" idx="3"/>
+            <a:endCxn id="7" idx="1"/>
+          </p:cNvCxnSpPr>
+          <p:nvPr/>
+        </p:nvCxnSpPr>
+        <p:spPr>
+          <a:xfrm>
+            <a:off x="6796087" y="4136231"/>
+            <a:ext cx="2195511" cy="1002745"/>
+          </a:xfrm>
+          <a:prstGeom prst="straightConnector1">
+            <a:avLst/>
+          </a:prstGeom>
+          <a:ln>
+            <a:tailEnd type="triangle"/>
+          </a:ln>
+        </p:spPr>
+        <p:style>
+          <a:lnRef idx="1">
+            <a:schemeClr val="accent1"/>
+          </a:lnRef>
+          <a:fillRef idx="0">
+            <a:schemeClr val="accent1"/>
+          </a:fillRef>
+          <a:effectRef idx="0">
+            <a:schemeClr val="accent1"/>
+          </a:effectRef>
+          <a:fontRef idx="minor">
+            <a:schemeClr val="tx1"/>
+          </a:fontRef>
+        </p:style>
+      </p:cxnSp>
+      <p:cxnSp>
+        <p:nvCxnSpPr>
+          <p:cNvPr id="14" name="Straight Arrow Connector 13">
+            <a:extLst>
+              <a:ext uri="{FF2B5EF4-FFF2-40B4-BE49-F238E27FC236}">
+                <a16:creationId xmlns:a16="http://schemas.microsoft.com/office/drawing/2014/main" id="{A4F72412-DEEC-4ADE-BCFE-07D681FCDD69}"/>
+              </a:ext>
+            </a:extLst>
+          </p:cNvPr>
+          <p:cNvCxnSpPr>
+            <a:cxnSpLocks/>
+            <a:stCxn id="18" idx="3"/>
+            <a:endCxn id="4" idx="1"/>
+          </p:cNvCxnSpPr>
+          <p:nvPr/>
+        </p:nvCxnSpPr>
+        <p:spPr>
+          <a:xfrm flipV="1">
+            <a:off x="6796087" y="3600450"/>
+            <a:ext cx="2100262" cy="535781"/>
+          </a:xfrm>
+          <a:prstGeom prst="straightConnector1">
+            <a:avLst/>
+          </a:prstGeom>
+          <a:ln>
+            <a:tailEnd type="triangle"/>
+          </a:ln>
+        </p:spPr>
+        <p:style>
+          <a:lnRef idx="1">
+            <a:schemeClr val="accent1"/>
+          </a:lnRef>
+          <a:fillRef idx="0">
+            <a:schemeClr val="accent1"/>
+          </a:fillRef>
+          <a:effectRef idx="0">
+            <a:schemeClr val="accent1"/>
+          </a:effectRef>
+          <a:fontRef idx="minor">
+            <a:schemeClr val="tx1"/>
+          </a:fontRef>
+        </p:style>
+      </p:cxnSp>
+      <p:sp>
+        <p:nvSpPr>
+          <p:cNvPr id="15" name="Rectangle: Rounded Corners 14">
+            <a:extLst>
+              <a:ext uri="{FF2B5EF4-FFF2-40B4-BE49-F238E27FC236}">
+                <a16:creationId xmlns:a16="http://schemas.microsoft.com/office/drawing/2014/main" id="{6D3C432A-1E1D-4A07-88B2-86C143B9C6BD}"/>
+              </a:ext>
+            </a:extLst>
+          </p:cNvPr>
+          <p:cNvSpPr/>
+          <p:nvPr/>
+        </p:nvSpPr>
+        <p:spPr>
+          <a:xfrm>
+            <a:off x="1095374" y="4853464"/>
+            <a:ext cx="2324101" cy="676275"/>
+          </a:xfrm>
+          <a:prstGeom prst="roundRect">
+            <a:avLst/>
+          </a:prstGeom>
+        </p:spPr>
+        <p:style>
+          <a:lnRef idx="2">
+            <a:schemeClr val="accent1">
+              <a:shade val="50000"/>
+            </a:schemeClr>
+          </a:lnRef>
+          <a:fillRef idx="1">
+            <a:schemeClr val="accent1"/>
+          </a:fillRef>
+          <a:effectRef idx="0">
+            <a:schemeClr val="accent1"/>
+          </a:effectRef>
+          <a:fontRef idx="minor">
+            <a:schemeClr val="lt1"/>
+          </a:fontRef>
+        </p:style>
+        <p:txBody>
+          <a:bodyPr rtlCol="0" anchor="ctr"/>
+          <a:lstStyle/>
+          <a:p>
+            <a:pPr algn="ctr"/>
+            <a:r>
+              <a:rPr lang="en-IN" b="1" dirty="0"/>
+              <a:t>IoT Sensor 2</a:t>
+            </a:r>
+          </a:p>
+        </p:txBody>
+      </p:sp>
+      <p:cxnSp>
+        <p:nvCxnSpPr>
+          <p:cNvPr id="16" name="Straight Arrow Connector 15">
+            <a:extLst>
+              <a:ext uri="{FF2B5EF4-FFF2-40B4-BE49-F238E27FC236}">
+                <a16:creationId xmlns:a16="http://schemas.microsoft.com/office/drawing/2014/main" id="{07081018-47EA-471C-AB25-5D7C7297C3C0}"/>
+              </a:ext>
+            </a:extLst>
+          </p:cNvPr>
+          <p:cNvCxnSpPr>
+            <a:cxnSpLocks/>
+            <a:stCxn id="15" idx="3"/>
+          </p:cNvCxnSpPr>
+          <p:nvPr/>
+        </p:nvCxnSpPr>
+        <p:spPr>
+          <a:xfrm flipV="1">
+            <a:off x="3419475" y="4307919"/>
+            <a:ext cx="1452562" cy="883683"/>
+          </a:xfrm>
+          <a:prstGeom prst="straightConnector1">
+            <a:avLst/>
+          </a:prstGeom>
+          <a:ln>
+            <a:tailEnd type="triangle"/>
+          </a:ln>
+        </p:spPr>
+        <p:style>
+          <a:lnRef idx="1">
+            <a:schemeClr val="accent1"/>
+          </a:lnRef>
+          <a:fillRef idx="0">
+            <a:schemeClr val="accent1"/>
+          </a:fillRef>
+          <a:effectRef idx="0">
+            <a:schemeClr val="accent1"/>
+          </a:effectRef>
+          <a:fontRef idx="minor">
+            <a:schemeClr val="tx1"/>
+          </a:fontRef>
+        </p:style>
+      </p:cxnSp>
+      <p:sp>
+        <p:nvSpPr>
+          <p:cNvPr id="18" name="Rectangle 17">
+            <a:extLst>
+              <a:ext uri="{FF2B5EF4-FFF2-40B4-BE49-F238E27FC236}">
+                <a16:creationId xmlns:a16="http://schemas.microsoft.com/office/drawing/2014/main" id="{192509BF-6921-400A-A8C3-450C21C4CD97}"/>
+              </a:ext>
+            </a:extLst>
+          </p:cNvPr>
+          <p:cNvSpPr/>
+          <p:nvPr/>
+        </p:nvSpPr>
+        <p:spPr>
+          <a:xfrm>
+            <a:off x="4872037" y="3262312"/>
+            <a:ext cx="1924050" cy="1747838"/>
+          </a:xfrm>
+          <a:prstGeom prst="rect">
+            <a:avLst/>
+          </a:prstGeom>
+          <a:solidFill>
+            <a:srgbClr val="92D050"/>
+          </a:solidFill>
+        </p:spPr>
+        <p:style>
+          <a:lnRef idx="2">
+            <a:schemeClr val="accent1">
+              <a:shade val="50000"/>
+            </a:schemeClr>
+          </a:lnRef>
+          <a:fillRef idx="1">
+            <a:schemeClr val="accent1"/>
+          </a:fillRef>
+          <a:effectRef idx="0">
+            <a:schemeClr val="accent1"/>
+          </a:effectRef>
+          <a:fontRef idx="minor">
+            <a:schemeClr val="lt1"/>
+          </a:fontRef>
+        </p:style>
+        <p:txBody>
+          <a:bodyPr rtlCol="0" anchor="ctr"/>
+          <a:lstStyle/>
+          <a:p>
+            <a:pPr algn="ctr"/>
+            <a:r>
+              <a:rPr lang="en-IN" dirty="0"/>
+              <a:t>Event Hub</a:t>
+            </a:r>
+          </a:p>
+        </p:txBody>
+      </p:sp>
+      <p:sp>
+        <p:nvSpPr>
+          <p:cNvPr id="19" name="Rectangle: Rounded Corners 18">
+            <a:extLst>
+              <a:ext uri="{FF2B5EF4-FFF2-40B4-BE49-F238E27FC236}">
+                <a16:creationId xmlns:a16="http://schemas.microsoft.com/office/drawing/2014/main" id="{6F77240B-F469-459C-A027-B695397D19FF}"/>
+              </a:ext>
+            </a:extLst>
+          </p:cNvPr>
+          <p:cNvSpPr/>
+          <p:nvPr/>
+        </p:nvSpPr>
+        <p:spPr>
+          <a:xfrm>
+            <a:off x="5091112" y="3429000"/>
+            <a:ext cx="1609726" cy="326228"/>
+          </a:xfrm>
+          <a:prstGeom prst="roundRect">
+            <a:avLst/>
+          </a:prstGeom>
+        </p:spPr>
+        <p:style>
+          <a:lnRef idx="2">
+            <a:schemeClr val="accent1">
+              <a:shade val="50000"/>
+            </a:schemeClr>
+          </a:lnRef>
+          <a:fillRef idx="1">
+            <a:schemeClr val="accent1"/>
+          </a:fillRef>
+          <a:effectRef idx="0">
+            <a:schemeClr val="accent1"/>
+          </a:effectRef>
+          <a:fontRef idx="minor">
+            <a:schemeClr val="lt1"/>
+          </a:fontRef>
+        </p:style>
+        <p:txBody>
+          <a:bodyPr rtlCol="0" anchor="ctr"/>
+          <a:lstStyle/>
+          <a:p>
+            <a:pPr algn="ctr"/>
+            <a:r>
+              <a:rPr lang="en-IN" dirty="0"/>
+              <a:t>P1</a:t>
+            </a:r>
+          </a:p>
+        </p:txBody>
+      </p:sp>
+      <p:sp>
+        <p:nvSpPr>
+          <p:cNvPr id="20" name="Rectangle: Rounded Corners 19">
+            <a:extLst>
+              <a:ext uri="{FF2B5EF4-FFF2-40B4-BE49-F238E27FC236}">
+                <a16:creationId xmlns:a16="http://schemas.microsoft.com/office/drawing/2014/main" id="{C482D42B-1EDA-48D7-8113-169E7A12D250}"/>
+              </a:ext>
+            </a:extLst>
+          </p:cNvPr>
+          <p:cNvSpPr/>
+          <p:nvPr/>
+        </p:nvSpPr>
+        <p:spPr>
+          <a:xfrm>
+            <a:off x="5091112" y="3947037"/>
+            <a:ext cx="1609726" cy="326228"/>
+          </a:xfrm>
+          <a:prstGeom prst="roundRect">
+            <a:avLst/>
+          </a:prstGeom>
+        </p:spPr>
+        <p:style>
+          <a:lnRef idx="2">
+            <a:schemeClr val="accent1">
+              <a:shade val="50000"/>
+            </a:schemeClr>
+          </a:lnRef>
+          <a:fillRef idx="1">
+            <a:schemeClr val="accent1"/>
+          </a:fillRef>
+          <a:effectRef idx="0">
+            <a:schemeClr val="accent1"/>
+          </a:effectRef>
+          <a:fontRef idx="minor">
+            <a:schemeClr val="lt1"/>
+          </a:fontRef>
+        </p:style>
+        <p:txBody>
+          <a:bodyPr rtlCol="0" anchor="ctr"/>
+          <a:lstStyle/>
+          <a:p>
+            <a:pPr algn="ctr"/>
+            <a:r>
+              <a:rPr lang="en-IN" dirty="0"/>
+              <a:t>P2</a:t>
+            </a:r>
+          </a:p>
+        </p:txBody>
+      </p:sp>
+      <p:sp>
+        <p:nvSpPr>
+          <p:cNvPr id="21" name="Rectangle: Rounded Corners 20">
+            <a:extLst>
+              <a:ext uri="{FF2B5EF4-FFF2-40B4-BE49-F238E27FC236}">
+                <a16:creationId xmlns:a16="http://schemas.microsoft.com/office/drawing/2014/main" id="{8FDCFD53-22D8-490B-B537-E95B20C6146B}"/>
+              </a:ext>
+            </a:extLst>
+          </p:cNvPr>
+          <p:cNvSpPr/>
+          <p:nvPr/>
+        </p:nvSpPr>
+        <p:spPr>
+          <a:xfrm>
+            <a:off x="5117305" y="4465074"/>
+            <a:ext cx="1609726" cy="326228"/>
+          </a:xfrm>
+          <a:prstGeom prst="roundRect">
+            <a:avLst/>
+          </a:prstGeom>
+        </p:spPr>
+        <p:style>
+          <a:lnRef idx="2">
+            <a:schemeClr val="accent1">
+              <a:shade val="50000"/>
+            </a:schemeClr>
+          </a:lnRef>
+          <a:fillRef idx="1">
+            <a:schemeClr val="accent1"/>
+          </a:fillRef>
+          <a:effectRef idx="0">
+            <a:schemeClr val="accent1"/>
+          </a:effectRef>
+          <a:fontRef idx="minor">
+            <a:schemeClr val="lt1"/>
+          </a:fontRef>
+        </p:style>
+        <p:txBody>
+          <a:bodyPr rtlCol="0" anchor="ctr"/>
+          <a:lstStyle/>
+          <a:p>
+            <a:pPr algn="ctr"/>
+            <a:r>
+              <a:rPr lang="en-IN" dirty="0"/>
+              <a:t>P3</a:t>
+            </a:r>
+          </a:p>
+        </p:txBody>
+      </p:sp>
+      <p:sp>
+        <p:nvSpPr>
+          <p:cNvPr id="22" name="Rectangle: Rounded Corners 21">
+            <a:extLst>
+              <a:ext uri="{FF2B5EF4-FFF2-40B4-BE49-F238E27FC236}">
+                <a16:creationId xmlns:a16="http://schemas.microsoft.com/office/drawing/2014/main" id="{97118968-B626-4726-B625-CF8EDAE2FD74}"/>
+              </a:ext>
+            </a:extLst>
+          </p:cNvPr>
+          <p:cNvSpPr/>
+          <p:nvPr/>
+        </p:nvSpPr>
+        <p:spPr>
+          <a:xfrm>
+            <a:off x="8991598" y="1885950"/>
+            <a:ext cx="1704975" cy="581025"/>
+          </a:xfrm>
+          <a:prstGeom prst="roundRect">
+            <a:avLst/>
+          </a:prstGeom>
+        </p:spPr>
+        <p:style>
+          <a:lnRef idx="2">
+            <a:schemeClr val="accent1">
+              <a:shade val="50000"/>
+            </a:schemeClr>
+          </a:lnRef>
+          <a:fillRef idx="1">
+            <a:schemeClr val="accent1"/>
+          </a:fillRef>
+          <a:effectRef idx="0">
+            <a:schemeClr val="accent1"/>
+          </a:effectRef>
+          <a:fontRef idx="minor">
+            <a:schemeClr val="lt1"/>
+          </a:fontRef>
+        </p:style>
+        <p:txBody>
+          <a:bodyPr rtlCol="0" anchor="ctr"/>
+          <a:lstStyle/>
+          <a:p>
+            <a:pPr algn="ctr"/>
+            <a:r>
+              <a:rPr lang="en-IN" dirty="0"/>
+              <a:t>Storage </a:t>
+            </a:r>
+            <a:r>
+              <a:rPr lang="en-IN" dirty="0" err="1"/>
+              <a:t>Acc</a:t>
+            </a:r>
+            <a:endParaRPr lang="en-IN" dirty="0"/>
+          </a:p>
+        </p:txBody>
+      </p:sp>
+      <p:cxnSp>
+        <p:nvCxnSpPr>
+          <p:cNvPr id="24" name="Straight Arrow Connector 23">
+            <a:extLst>
+              <a:ext uri="{FF2B5EF4-FFF2-40B4-BE49-F238E27FC236}">
+                <a16:creationId xmlns:a16="http://schemas.microsoft.com/office/drawing/2014/main" id="{F20A3277-0E85-4565-A38A-FC8F16B2F3BA}"/>
+              </a:ext>
+            </a:extLst>
+          </p:cNvPr>
+          <p:cNvCxnSpPr>
+            <a:stCxn id="18" idx="3"/>
+            <a:endCxn id="22" idx="1"/>
+          </p:cNvCxnSpPr>
+          <p:nvPr/>
+        </p:nvCxnSpPr>
+        <p:spPr>
+          <a:xfrm flipV="1">
+            <a:off x="6796087" y="2176463"/>
+            <a:ext cx="2195511" cy="1959768"/>
+          </a:xfrm>
+          <a:prstGeom prst="straightConnector1">
+            <a:avLst/>
+          </a:prstGeom>
+          <a:ln>
+            <a:tailEnd type="triangle"/>
+          </a:ln>
+        </p:spPr>
+        <p:style>
+          <a:lnRef idx="1">
+            <a:schemeClr val="accent1"/>
+          </a:lnRef>
+          <a:fillRef idx="0">
+            <a:schemeClr val="accent1"/>
+          </a:fillRef>
+          <a:effectRef idx="0">
+            <a:schemeClr val="accent1"/>
+          </a:effectRef>
+          <a:fontRef idx="minor">
+            <a:schemeClr val="tx1"/>
+          </a:fontRef>
+        </p:style>
+      </p:cxnSp>
+      <p:sp>
+        <p:nvSpPr>
+          <p:cNvPr id="25" name="Rectangle: Rounded Corners 24">
+            <a:extLst>
+              <a:ext uri="{FF2B5EF4-FFF2-40B4-BE49-F238E27FC236}">
+                <a16:creationId xmlns:a16="http://schemas.microsoft.com/office/drawing/2014/main" id="{625B0D9D-B227-4160-A3A8-4A1CE49DAA27}"/>
+              </a:ext>
+            </a:extLst>
+          </p:cNvPr>
+          <p:cNvSpPr/>
+          <p:nvPr/>
+        </p:nvSpPr>
+        <p:spPr>
+          <a:xfrm>
+            <a:off x="11525250" y="1995011"/>
+            <a:ext cx="781048" cy="471964"/>
+          </a:xfrm>
+          <a:prstGeom prst="roundRect">
+            <a:avLst/>
+          </a:prstGeom>
+        </p:spPr>
+        <p:style>
+          <a:lnRef idx="2">
+            <a:schemeClr val="accent1">
+              <a:shade val="50000"/>
+            </a:schemeClr>
+          </a:lnRef>
+          <a:fillRef idx="1">
+            <a:schemeClr val="accent1"/>
+          </a:fillRef>
+          <a:effectRef idx="0">
+            <a:schemeClr val="accent1"/>
+          </a:effectRef>
+          <a:fontRef idx="minor">
+            <a:schemeClr val="lt1"/>
+          </a:fontRef>
+        </p:style>
+        <p:txBody>
+          <a:bodyPr rtlCol="0" anchor="ctr"/>
+          <a:lstStyle/>
+          <a:p>
+            <a:pPr algn="ctr"/>
+            <a:r>
+              <a:rPr lang="en-IN" dirty="0"/>
+              <a:t>App</a:t>
+            </a:r>
+          </a:p>
+        </p:txBody>
+      </p:sp>
+      <p:cxnSp>
+        <p:nvCxnSpPr>
+          <p:cNvPr id="27" name="Straight Arrow Connector 26">
+            <a:extLst>
+              <a:ext uri="{FF2B5EF4-FFF2-40B4-BE49-F238E27FC236}">
+                <a16:creationId xmlns:a16="http://schemas.microsoft.com/office/drawing/2014/main" id="{967F7F15-3993-47F8-A103-7E40E73983CD}"/>
+              </a:ext>
+            </a:extLst>
+          </p:cNvPr>
+          <p:cNvCxnSpPr>
+            <a:stCxn id="22" idx="3"/>
+            <a:endCxn id="25" idx="1"/>
+          </p:cNvCxnSpPr>
+          <p:nvPr/>
+        </p:nvCxnSpPr>
+        <p:spPr>
+          <a:xfrm>
+            <a:off x="10696573" y="2176463"/>
+            <a:ext cx="828677" cy="54530"/>
+          </a:xfrm>
+          <a:prstGeom prst="straightConnector1">
+            <a:avLst/>
+          </a:prstGeom>
+          <a:ln>
+            <a:tailEnd type="triangle"/>
+          </a:ln>
+        </p:spPr>
+        <p:style>
+          <a:lnRef idx="1">
+            <a:schemeClr val="accent1"/>
+          </a:lnRef>
+          <a:fillRef idx="0">
+            <a:schemeClr val="accent1"/>
+          </a:fillRef>
+          <a:effectRef idx="0">
+            <a:schemeClr val="accent1"/>
+          </a:effectRef>
+          <a:fontRef idx="minor">
+            <a:schemeClr val="tx1"/>
+          </a:fontRef>
+        </p:style>
+      </p:cxnSp>
+    </p:spTree>
+    <p:extLst>
+      <p:ext uri="{BB962C8B-B14F-4D97-AF65-F5344CB8AC3E}">
+        <p14:creationId xmlns:p14="http://schemas.microsoft.com/office/powerpoint/2010/main" val="1592220960"/>
+      </p:ext>
+    </p:extLst>
+  </p:cSld>
+  <p:clrMapOvr>
+    <a:masterClrMapping/>
+  </p:clrMapOvr>
+</p:sld>
+</file>
+
+<file path=ppt/slides/slide18.xml><?xml version="1.0" encoding="utf-8"?>
+<p:sld xmlns:a="http://schemas.openxmlformats.org/drawingml/2006/main" xmlns:r="http://schemas.openxmlformats.org/officeDocument/2006/relationships" xmlns:p="http://schemas.openxmlformats.org/presentationml/2006/main">
+  <p:cSld>
+    <p:spTree>
+      <p:nvGrpSpPr>
+        <p:cNvPr id="1" name=""/>
+        <p:cNvGrpSpPr/>
+        <p:nvPr/>
+      </p:nvGrpSpPr>
+      <p:grpSpPr>
+        <a:xfrm>
+          <a:off x="0" y="0"/>
+          <a:ext cx="0" cy="0"/>
+          <a:chOff x="0" y="0"/>
+          <a:chExt cx="0" cy="0"/>
+        </a:xfrm>
+      </p:grpSpPr>
+      <p:sp>
+        <p:nvSpPr>
+          <p:cNvPr id="2" name="Title 1">
+            <a:extLst>
+              <a:ext uri="{FF2B5EF4-FFF2-40B4-BE49-F238E27FC236}">
                 <a16:creationId xmlns:a16="http://schemas.microsoft.com/office/drawing/2014/main" id="{DBD46237-7395-40C3-BA9C-FD7A336F509A}"/>
               </a:ext>
             </a:extLst>
@@ -7802,7 +11082,7 @@
 </p:sld>
 </file>
 
-<file path=ppt/slides/slide15.xml><?xml version="1.0" encoding="utf-8"?>
+<file path=ppt/slides/slide19.xml><?xml version="1.0" encoding="utf-8"?>
 <p:sld xmlns:a="http://schemas.openxmlformats.org/drawingml/2006/main" xmlns:r="http://schemas.openxmlformats.org/officeDocument/2006/relationships" xmlns:p="http://schemas.openxmlformats.org/presentationml/2006/main">
   <p:cSld>
     <p:spTree>
@@ -9248,8 +12528,13 @@
             <a:pPr algn="ctr"/>
             <a:r>
               <a:rPr lang="en-IN" dirty="0"/>
+              <a:t>P </a:t>
+            </a:r>
+            <a:r>
+              <a:rPr lang="en-IN" dirty="0" err="1"/>
               <a:t>P</a:t>
             </a:r>
+            <a:endParaRPr lang="en-IN" dirty="0"/>
           </a:p>
         </p:txBody>
       </p:sp>
@@ -9283,7 +12568,7 @@
           <a:p>
             <a:r>
               <a:rPr lang="en-IN" sz="2800" dirty="0"/>
-              <a:t>Geo-replication S</a:t>
+              <a:t>Geo-replication </a:t>
             </a:r>
           </a:p>
         </p:txBody>
@@ -9335,7 +12620,7 @@
             <a:pPr algn="ctr"/>
             <a:r>
               <a:rPr lang="en-IN" dirty="0"/>
-              <a:t>S</a:t>
+              <a:t>P S</a:t>
             </a:r>
           </a:p>
         </p:txBody>
@@ -9387,7 +12672,7 @@
             <a:pPr algn="ctr"/>
             <a:r>
               <a:rPr lang="en-IN" dirty="0"/>
-              <a:t>S</a:t>
+              <a:t>P S</a:t>
             </a:r>
           </a:p>
         </p:txBody>
@@ -9688,7 +12973,7 @@
             <a:pPr algn="ctr"/>
             <a:r>
               <a:rPr lang="en-IN" dirty="0"/>
-              <a:t>P</a:t>
+              <a:t>S(P)</a:t>
             </a:r>
           </a:p>
         </p:txBody>
@@ -9740,8 +13025,13 @@
             <a:pPr algn="ctr"/>
             <a:r>
               <a:rPr lang="en-IN" dirty="0"/>
+              <a:t>S </a:t>
+            </a:r>
+            <a:r>
+              <a:rPr lang="en-IN" dirty="0" err="1"/>
               <a:t>S</a:t>
             </a:r>
+            <a:endParaRPr lang="en-IN" dirty="0"/>
           </a:p>
         </p:txBody>
       </p:sp>
@@ -9792,8 +13082,13 @@
             <a:pPr algn="ctr"/>
             <a:r>
               <a:rPr lang="en-IN" dirty="0"/>
+              <a:t>S </a:t>
+            </a:r>
+            <a:r>
+              <a:rPr lang="en-IN" dirty="0" err="1"/>
               <a:t>S</a:t>
             </a:r>
+            <a:endParaRPr lang="en-IN" dirty="0"/>
           </a:p>
         </p:txBody>
       </p:sp>
@@ -9888,6 +13183,7 @@
             </a:extLst>
           </p:cNvPr>
           <p:cNvCxnSpPr>
+            <a:cxnSpLocks/>
             <a:stCxn id="6" idx="4"/>
             <a:endCxn id="17" idx="2"/>
           </p:cNvCxnSpPr>
@@ -12407,7 +15703,10 @@
           <a:lstStyle/>
           <a:p>
             <a:pPr algn="ctr"/>
-            <a:endParaRPr lang="en-IN"/>
+            <a:r>
+              <a:rPr lang="en-IN"/>
+              <a:t>10.0.1.0/24</a:t>
+            </a:r>
           </a:p>
         </p:txBody>
       </p:sp>
@@ -12967,6 +16266,7 @@
             </a:extLst>
           </p:cNvPr>
           <p:cNvCxnSpPr>
+            <a:cxnSpLocks/>
             <a:endCxn id="10" idx="1"/>
           </p:cNvCxnSpPr>
           <p:nvPr/>
@@ -13175,6 +16475,7 @@
             </a:extLst>
           </p:cNvPr>
           <p:cNvCxnSpPr>
+            <a:cxnSpLocks/>
             <a:stCxn id="10" idx="3"/>
             <a:endCxn id="39" idx="2"/>
           </p:cNvCxnSpPr>
@@ -13297,10 +16598,10 @@
       </p:cxnSp>
       <p:cxnSp>
         <p:nvCxnSpPr>
-          <p:cNvPr id="47" name="Straight Arrow Connector 46">
-            <a:extLst>
-              <a:ext uri="{FF2B5EF4-FFF2-40B4-BE49-F238E27FC236}">
-                <a16:creationId xmlns:a16="http://schemas.microsoft.com/office/drawing/2014/main" id="{5A6FFE9D-0780-41CC-821A-92F3BFE3200B}"/>
+          <p:cNvPr id="3" name="Straight Arrow Connector 2">
+            <a:extLst>
+              <a:ext uri="{FF2B5EF4-FFF2-40B4-BE49-F238E27FC236}">
+                <a16:creationId xmlns:a16="http://schemas.microsoft.com/office/drawing/2014/main" id="{F8331CFE-265D-4111-8E55-2FB020EEF8ED}"/>
               </a:ext>
             </a:extLst>
           </p:cNvPr>
@@ -13311,8 +16612,49 @@
         </p:nvCxnSpPr>
         <p:spPr>
           <a:xfrm>
-            <a:off x="1414462" y="2630866"/>
-            <a:ext cx="2747963" cy="212347"/>
+            <a:off x="923925" y="2536269"/>
+            <a:ext cx="3238500" cy="306944"/>
+          </a:xfrm>
+          <a:prstGeom prst="straightConnector1">
+            <a:avLst/>
+          </a:prstGeom>
+          <a:ln>
+            <a:tailEnd type="triangle"/>
+          </a:ln>
+        </p:spPr>
+        <p:style>
+          <a:lnRef idx="1">
+            <a:schemeClr val="accent1"/>
+          </a:lnRef>
+          <a:fillRef idx="0">
+            <a:schemeClr val="accent1"/>
+          </a:fillRef>
+          <a:effectRef idx="0">
+            <a:schemeClr val="accent1"/>
+          </a:effectRef>
+          <a:fontRef idx="minor">
+            <a:schemeClr val="tx1"/>
+          </a:fontRef>
+        </p:style>
+      </p:cxnSp>
+      <p:cxnSp>
+        <p:nvCxnSpPr>
+          <p:cNvPr id="13" name="Straight Arrow Connector 12">
+            <a:extLst>
+              <a:ext uri="{FF2B5EF4-FFF2-40B4-BE49-F238E27FC236}">
+                <a16:creationId xmlns:a16="http://schemas.microsoft.com/office/drawing/2014/main" id="{C66D9C31-8184-4E1E-B0F1-9EC2E35DFA25}"/>
+              </a:ext>
+            </a:extLst>
+          </p:cNvPr>
+          <p:cNvCxnSpPr>
+            <a:endCxn id="22" idx="1"/>
+          </p:cNvCxnSpPr>
+          <p:nvPr/>
+        </p:nvCxnSpPr>
+        <p:spPr>
+          <a:xfrm flipV="1">
+            <a:off x="895350" y="4743450"/>
+            <a:ext cx="3276600" cy="400050"/>
           </a:xfrm>
           <a:prstGeom prst="straightConnector1">
             <a:avLst/>
@@ -13713,10 +17055,10 @@
       </p:sp>
       <p:sp>
         <p:nvSpPr>
-          <p:cNvPr id="17" name="Oval 16">
-            <a:extLst>
-              <a:ext uri="{FF2B5EF4-FFF2-40B4-BE49-F238E27FC236}">
-                <a16:creationId xmlns:a16="http://schemas.microsoft.com/office/drawing/2014/main" id="{C65490FB-81CE-426E-9517-6EF3B4D86A9D}"/>
+          <p:cNvPr id="19" name="Rectangle 18">
+            <a:extLst>
+              <a:ext uri="{FF2B5EF4-FFF2-40B4-BE49-F238E27FC236}">
+                <a16:creationId xmlns:a16="http://schemas.microsoft.com/office/drawing/2014/main" id="{D56AAC5A-158B-4C57-9AFD-C6226173AB6B}"/>
               </a:ext>
             </a:extLst>
           </p:cNvPr>
@@ -13725,7 +17067,58 @@
         </p:nvSpPr>
         <p:spPr>
           <a:xfrm>
-            <a:off x="4857750" y="3245644"/>
+            <a:off x="1481136" y="1528762"/>
+            <a:ext cx="7553325" cy="1138238"/>
+          </a:xfrm>
+          <a:prstGeom prst="rect">
+            <a:avLst/>
+          </a:prstGeom>
+          <a:solidFill>
+            <a:schemeClr val="accent2">
+              <a:lumMod val="75000"/>
+            </a:schemeClr>
+          </a:solidFill>
+        </p:spPr>
+        <p:style>
+          <a:lnRef idx="2">
+            <a:schemeClr val="accent1">
+              <a:shade val="50000"/>
+            </a:schemeClr>
+          </a:lnRef>
+          <a:fillRef idx="1">
+            <a:schemeClr val="accent1"/>
+          </a:fillRef>
+          <a:effectRef idx="0">
+            <a:schemeClr val="accent1"/>
+          </a:effectRef>
+          <a:fontRef idx="minor">
+            <a:schemeClr val="lt1"/>
+          </a:fontRef>
+        </p:style>
+        <p:txBody>
+          <a:bodyPr rtlCol="0" anchor="ctr"/>
+          <a:lstStyle/>
+          <a:p>
+            <a:pPr algn="ctr"/>
+            <a:endParaRPr lang="en-IN"/>
+          </a:p>
+        </p:txBody>
+      </p:sp>
+      <p:sp>
+        <p:nvSpPr>
+          <p:cNvPr id="20" name="Oval 19">
+            <a:extLst>
+              <a:ext uri="{FF2B5EF4-FFF2-40B4-BE49-F238E27FC236}">
+                <a16:creationId xmlns:a16="http://schemas.microsoft.com/office/drawing/2014/main" id="{95E199BC-F658-4354-A8F7-5763487242A6}"/>
+              </a:ext>
+            </a:extLst>
+          </p:cNvPr>
+          <p:cNvSpPr/>
+          <p:nvPr/>
+        </p:nvSpPr>
+        <p:spPr>
+          <a:xfrm>
+            <a:off x="7310437" y="4771789"/>
             <a:ext cx="962025" cy="733425"/>
           </a:xfrm>
           <a:prstGeom prst="ellipse">
@@ -13758,17 +17151,17 @@
             <a:pPr algn="ctr"/>
             <a:r>
               <a:rPr lang="en-IN" dirty="0"/>
-              <a:t>VM 2</a:t>
-            </a:r>
-          </a:p>
-        </p:txBody>
-      </p:sp>
-      <p:sp>
-        <p:nvSpPr>
-          <p:cNvPr id="19" name="Rectangle 18">
-            <a:extLst>
-              <a:ext uri="{FF2B5EF4-FFF2-40B4-BE49-F238E27FC236}">
-                <a16:creationId xmlns:a16="http://schemas.microsoft.com/office/drawing/2014/main" id="{D56AAC5A-158B-4C57-9AFD-C6226173AB6B}"/>
+              <a:t>VM 3</a:t>
+            </a:r>
+          </a:p>
+        </p:txBody>
+      </p:sp>
+      <p:sp>
+        <p:nvSpPr>
+          <p:cNvPr id="21" name="Oval 20">
+            <a:extLst>
+              <a:ext uri="{FF2B5EF4-FFF2-40B4-BE49-F238E27FC236}">
+                <a16:creationId xmlns:a16="http://schemas.microsoft.com/office/drawing/2014/main" id="{A5863233-816A-44CF-8391-B2DB514AB65A}"/>
               </a:ext>
             </a:extLst>
           </p:cNvPr>
@@ -13777,16 +17170,14 @@
         </p:nvSpPr>
         <p:spPr>
           <a:xfrm>
-            <a:off x="1481136" y="1528762"/>
-            <a:ext cx="7553325" cy="1138238"/>
-          </a:xfrm>
-          <a:prstGeom prst="rect">
+            <a:off x="2295525" y="1731168"/>
+            <a:ext cx="962025" cy="733425"/>
+          </a:xfrm>
+          <a:prstGeom prst="ellipse">
             <a:avLst/>
           </a:prstGeom>
           <a:solidFill>
-            <a:schemeClr val="accent2">
-              <a:lumMod val="75000"/>
-            </a:schemeClr>
+            <a:srgbClr val="92D050"/>
           </a:solidFill>
         </p:spPr>
         <p:style>
@@ -13810,16 +17201,159 @@
           <a:lstStyle/>
           <a:p>
             <a:pPr algn="ctr"/>
-            <a:endParaRPr lang="en-IN"/>
-          </a:p>
-        </p:txBody>
-      </p:sp>
-      <p:sp>
-        <p:nvSpPr>
-          <p:cNvPr id="20" name="Oval 19">
-            <a:extLst>
-              <a:ext uri="{FF2B5EF4-FFF2-40B4-BE49-F238E27FC236}">
-                <a16:creationId xmlns:a16="http://schemas.microsoft.com/office/drawing/2014/main" id="{95E199BC-F658-4354-A8F7-5763487242A6}"/>
+            <a:r>
+              <a:rPr lang="en-IN" dirty="0"/>
+              <a:t>VM 1</a:t>
+            </a:r>
+          </a:p>
+        </p:txBody>
+      </p:sp>
+      <p:sp>
+        <p:nvSpPr>
+          <p:cNvPr id="22" name="TextBox 21">
+            <a:extLst>
+              <a:ext uri="{FF2B5EF4-FFF2-40B4-BE49-F238E27FC236}">
+                <a16:creationId xmlns:a16="http://schemas.microsoft.com/office/drawing/2014/main" id="{4B828DC8-ED30-47AC-A160-9DD12AC5279E}"/>
+              </a:ext>
+            </a:extLst>
+          </p:cNvPr>
+          <p:cNvSpPr txBox="1"/>
+          <p:nvPr/>
+        </p:nvSpPr>
+        <p:spPr>
+          <a:xfrm>
+            <a:off x="681036" y="1913214"/>
+            <a:ext cx="800100" cy="369332"/>
+          </a:xfrm>
+          <a:prstGeom prst="rect">
+            <a:avLst/>
+          </a:prstGeom>
+          <a:noFill/>
+        </p:spPr>
+        <p:txBody>
+          <a:bodyPr wrap="square" rtlCol="0">
+            <a:spAutoFit/>
+          </a:bodyPr>
+          <a:lstStyle/>
+          <a:p>
+            <a:r>
+              <a:rPr lang="en-IN" dirty="0"/>
+              <a:t>UD0</a:t>
+            </a:r>
+          </a:p>
+        </p:txBody>
+      </p:sp>
+      <p:sp>
+        <p:nvSpPr>
+          <p:cNvPr id="23" name="TextBox 22">
+            <a:extLst>
+              <a:ext uri="{FF2B5EF4-FFF2-40B4-BE49-F238E27FC236}">
+                <a16:creationId xmlns:a16="http://schemas.microsoft.com/office/drawing/2014/main" id="{3B49F1C7-61E6-4D78-A7B3-F5051F01FF30}"/>
+              </a:ext>
+            </a:extLst>
+          </p:cNvPr>
+          <p:cNvSpPr txBox="1"/>
+          <p:nvPr/>
+        </p:nvSpPr>
+        <p:spPr>
+          <a:xfrm>
+            <a:off x="626269" y="3285886"/>
+            <a:ext cx="800100" cy="369332"/>
+          </a:xfrm>
+          <a:prstGeom prst="rect">
+            <a:avLst/>
+          </a:prstGeom>
+          <a:noFill/>
+        </p:spPr>
+        <p:txBody>
+          <a:bodyPr wrap="square" rtlCol="0">
+            <a:spAutoFit/>
+          </a:bodyPr>
+          <a:lstStyle/>
+          <a:p>
+            <a:r>
+              <a:rPr lang="en-IN" dirty="0"/>
+              <a:t>UD1</a:t>
+            </a:r>
+          </a:p>
+        </p:txBody>
+      </p:sp>
+      <p:sp>
+        <p:nvSpPr>
+          <p:cNvPr id="24" name="TextBox 23">
+            <a:extLst>
+              <a:ext uri="{FF2B5EF4-FFF2-40B4-BE49-F238E27FC236}">
+                <a16:creationId xmlns:a16="http://schemas.microsoft.com/office/drawing/2014/main" id="{67007254-5342-4278-B103-259CB615CB8E}"/>
+              </a:ext>
+            </a:extLst>
+          </p:cNvPr>
+          <p:cNvSpPr txBox="1"/>
+          <p:nvPr/>
+        </p:nvSpPr>
+        <p:spPr>
+          <a:xfrm>
+            <a:off x="690563" y="4905135"/>
+            <a:ext cx="800100" cy="369332"/>
+          </a:xfrm>
+          <a:prstGeom prst="rect">
+            <a:avLst/>
+          </a:prstGeom>
+          <a:noFill/>
+        </p:spPr>
+        <p:txBody>
+          <a:bodyPr wrap="square" rtlCol="0">
+            <a:spAutoFit/>
+          </a:bodyPr>
+          <a:lstStyle/>
+          <a:p>
+            <a:r>
+              <a:rPr lang="en-IN" dirty="0"/>
+              <a:t>UD2</a:t>
+            </a:r>
+          </a:p>
+        </p:txBody>
+      </p:sp>
+      <p:sp>
+        <p:nvSpPr>
+          <p:cNvPr id="25" name="TextBox 24">
+            <a:extLst>
+              <a:ext uri="{FF2B5EF4-FFF2-40B4-BE49-F238E27FC236}">
+                <a16:creationId xmlns:a16="http://schemas.microsoft.com/office/drawing/2014/main" id="{848FBB03-5E65-4760-9256-3525F6B48C9B}"/>
+              </a:ext>
+            </a:extLst>
+          </p:cNvPr>
+          <p:cNvSpPr txBox="1"/>
+          <p:nvPr/>
+        </p:nvSpPr>
+        <p:spPr>
+          <a:xfrm>
+            <a:off x="4181475" y="140491"/>
+            <a:ext cx="3505200" cy="369332"/>
+          </a:xfrm>
+          <a:prstGeom prst="rect">
+            <a:avLst/>
+          </a:prstGeom>
+          <a:noFill/>
+        </p:spPr>
+        <p:txBody>
+          <a:bodyPr wrap="square" rtlCol="0">
+            <a:spAutoFit/>
+          </a:bodyPr>
+          <a:lstStyle/>
+          <a:p>
+            <a:r>
+              <a:rPr lang="en-IN" dirty="0"/>
+              <a:t>Availability Set</a:t>
+            </a:r>
+          </a:p>
+        </p:txBody>
+      </p:sp>
+      <p:sp>
+        <p:nvSpPr>
+          <p:cNvPr id="18" name="Oval 17">
+            <a:extLst>
+              <a:ext uri="{FF2B5EF4-FFF2-40B4-BE49-F238E27FC236}">
+                <a16:creationId xmlns:a16="http://schemas.microsoft.com/office/drawing/2014/main" id="{868E630F-D785-4EDB-9347-459FF058B210}"/>
               </a:ext>
             </a:extLst>
           </p:cNvPr>
@@ -13828,7 +17362,7 @@
         </p:nvSpPr>
         <p:spPr>
           <a:xfrm>
-            <a:off x="7462837" y="4760118"/>
+            <a:off x="4795837" y="3162716"/>
             <a:ext cx="962025" cy="733425"/>
           </a:xfrm>
           <a:prstGeom prst="ellipse">
@@ -13861,199 +17395,7 @@
             <a:pPr algn="ctr"/>
             <a:r>
               <a:rPr lang="en-IN" dirty="0"/>
-              <a:t>VM 3</a:t>
-            </a:r>
-          </a:p>
-        </p:txBody>
-      </p:sp>
-      <p:sp>
-        <p:nvSpPr>
-          <p:cNvPr id="21" name="Oval 20">
-            <a:extLst>
-              <a:ext uri="{FF2B5EF4-FFF2-40B4-BE49-F238E27FC236}">
-                <a16:creationId xmlns:a16="http://schemas.microsoft.com/office/drawing/2014/main" id="{A5863233-816A-44CF-8391-B2DB514AB65A}"/>
-              </a:ext>
-            </a:extLst>
-          </p:cNvPr>
-          <p:cNvSpPr/>
-          <p:nvPr/>
-        </p:nvSpPr>
-        <p:spPr>
-          <a:xfrm>
-            <a:off x="2295525" y="1731168"/>
-            <a:ext cx="962025" cy="733425"/>
-          </a:xfrm>
-          <a:prstGeom prst="ellipse">
-            <a:avLst/>
-          </a:prstGeom>
-          <a:solidFill>
-            <a:srgbClr val="92D050"/>
-          </a:solidFill>
-        </p:spPr>
-        <p:style>
-          <a:lnRef idx="2">
-            <a:schemeClr val="accent1">
-              <a:shade val="50000"/>
-            </a:schemeClr>
-          </a:lnRef>
-          <a:fillRef idx="1">
-            <a:schemeClr val="accent1"/>
-          </a:fillRef>
-          <a:effectRef idx="0">
-            <a:schemeClr val="accent1"/>
-          </a:effectRef>
-          <a:fontRef idx="minor">
-            <a:schemeClr val="lt1"/>
-          </a:fontRef>
-        </p:style>
-        <p:txBody>
-          <a:bodyPr rtlCol="0" anchor="ctr"/>
-          <a:lstStyle/>
-          <a:p>
-            <a:pPr algn="ctr"/>
-            <a:r>
-              <a:rPr lang="en-IN" dirty="0"/>
-              <a:t>VM 1</a:t>
-            </a:r>
-          </a:p>
-        </p:txBody>
-      </p:sp>
-      <p:sp>
-        <p:nvSpPr>
-          <p:cNvPr id="22" name="TextBox 21">
-            <a:extLst>
-              <a:ext uri="{FF2B5EF4-FFF2-40B4-BE49-F238E27FC236}">
-                <a16:creationId xmlns:a16="http://schemas.microsoft.com/office/drawing/2014/main" id="{4B828DC8-ED30-47AC-A160-9DD12AC5279E}"/>
-              </a:ext>
-            </a:extLst>
-          </p:cNvPr>
-          <p:cNvSpPr txBox="1"/>
-          <p:nvPr/>
-        </p:nvSpPr>
-        <p:spPr>
-          <a:xfrm>
-            <a:off x="681036" y="1913214"/>
-            <a:ext cx="800100" cy="369332"/>
-          </a:xfrm>
-          <a:prstGeom prst="rect">
-            <a:avLst/>
-          </a:prstGeom>
-          <a:noFill/>
-        </p:spPr>
-        <p:txBody>
-          <a:bodyPr wrap="square" rtlCol="0">
-            <a:spAutoFit/>
-          </a:bodyPr>
-          <a:lstStyle/>
-          <a:p>
-            <a:r>
-              <a:rPr lang="en-IN" dirty="0"/>
-              <a:t>UD0</a:t>
-            </a:r>
-          </a:p>
-        </p:txBody>
-      </p:sp>
-      <p:sp>
-        <p:nvSpPr>
-          <p:cNvPr id="23" name="TextBox 22">
-            <a:extLst>
-              <a:ext uri="{FF2B5EF4-FFF2-40B4-BE49-F238E27FC236}">
-                <a16:creationId xmlns:a16="http://schemas.microsoft.com/office/drawing/2014/main" id="{3B49F1C7-61E6-4D78-A7B3-F5051F01FF30}"/>
-              </a:ext>
-            </a:extLst>
-          </p:cNvPr>
-          <p:cNvSpPr txBox="1"/>
-          <p:nvPr/>
-        </p:nvSpPr>
-        <p:spPr>
-          <a:xfrm>
-            <a:off x="626269" y="3285886"/>
-            <a:ext cx="800100" cy="369332"/>
-          </a:xfrm>
-          <a:prstGeom prst="rect">
-            <a:avLst/>
-          </a:prstGeom>
-          <a:noFill/>
-        </p:spPr>
-        <p:txBody>
-          <a:bodyPr wrap="square" rtlCol="0">
-            <a:spAutoFit/>
-          </a:bodyPr>
-          <a:lstStyle/>
-          <a:p>
-            <a:r>
-              <a:rPr lang="en-IN" dirty="0"/>
-              <a:t>UD1</a:t>
-            </a:r>
-          </a:p>
-        </p:txBody>
-      </p:sp>
-      <p:sp>
-        <p:nvSpPr>
-          <p:cNvPr id="24" name="TextBox 23">
-            <a:extLst>
-              <a:ext uri="{FF2B5EF4-FFF2-40B4-BE49-F238E27FC236}">
-                <a16:creationId xmlns:a16="http://schemas.microsoft.com/office/drawing/2014/main" id="{67007254-5342-4278-B103-259CB615CB8E}"/>
-              </a:ext>
-            </a:extLst>
-          </p:cNvPr>
-          <p:cNvSpPr txBox="1"/>
-          <p:nvPr/>
-        </p:nvSpPr>
-        <p:spPr>
-          <a:xfrm>
-            <a:off x="690563" y="4905135"/>
-            <a:ext cx="800100" cy="369332"/>
-          </a:xfrm>
-          <a:prstGeom prst="rect">
-            <a:avLst/>
-          </a:prstGeom>
-          <a:noFill/>
-        </p:spPr>
-        <p:txBody>
-          <a:bodyPr wrap="square" rtlCol="0">
-            <a:spAutoFit/>
-          </a:bodyPr>
-          <a:lstStyle/>
-          <a:p>
-            <a:r>
-              <a:rPr lang="en-IN" dirty="0"/>
-              <a:t>UD3</a:t>
-            </a:r>
-          </a:p>
-        </p:txBody>
-      </p:sp>
-      <p:sp>
-        <p:nvSpPr>
-          <p:cNvPr id="25" name="TextBox 24">
-            <a:extLst>
-              <a:ext uri="{FF2B5EF4-FFF2-40B4-BE49-F238E27FC236}">
-                <a16:creationId xmlns:a16="http://schemas.microsoft.com/office/drawing/2014/main" id="{848FBB03-5E65-4760-9256-3525F6B48C9B}"/>
-              </a:ext>
-            </a:extLst>
-          </p:cNvPr>
-          <p:cNvSpPr txBox="1"/>
-          <p:nvPr/>
-        </p:nvSpPr>
-        <p:spPr>
-          <a:xfrm>
-            <a:off x="4181475" y="140491"/>
-            <a:ext cx="3505200" cy="369332"/>
-          </a:xfrm>
-          <a:prstGeom prst="rect">
-            <a:avLst/>
-          </a:prstGeom>
-          <a:noFill/>
-        </p:spPr>
-        <p:txBody>
-          <a:bodyPr wrap="square" rtlCol="0">
-            <a:spAutoFit/>
-          </a:bodyPr>
-          <a:lstStyle/>
-          <a:p>
-            <a:r>
-              <a:rPr lang="en-IN" dirty="0"/>
-              <a:t>Availability Set</a:t>
+              <a:t>VM 2</a:t>
             </a:r>
           </a:p>
         </p:txBody>
@@ -14182,7 +17524,30 @@
           <a:lstStyle/>
           <a:p>
             <a:pPr algn="ctr"/>
-            <a:endParaRPr lang="en-IN"/>
+            <a:r>
+              <a:rPr lang="en-IN" dirty="0"/>
+              <a:t>Zone 1</a:t>
+            </a:r>
+          </a:p>
+          <a:p>
+            <a:pPr algn="ctr"/>
+            <a:endParaRPr lang="en-IN" dirty="0"/>
+          </a:p>
+          <a:p>
+            <a:pPr algn="ctr"/>
+            <a:endParaRPr lang="en-IN" dirty="0"/>
+          </a:p>
+          <a:p>
+            <a:pPr algn="ctr"/>
+            <a:endParaRPr lang="en-IN" dirty="0"/>
+          </a:p>
+          <a:p>
+            <a:pPr algn="ctr"/>
+            <a:endParaRPr lang="en-IN" dirty="0"/>
+          </a:p>
+          <a:p>
+            <a:pPr algn="ctr"/>
+            <a:endParaRPr lang="en-IN" dirty="0"/>
           </a:p>
         </p:txBody>
       </p:sp>
@@ -14228,7 +17593,30 @@
           <a:lstStyle/>
           <a:p>
             <a:pPr algn="ctr"/>
-            <a:endParaRPr lang="en-IN"/>
+            <a:r>
+              <a:rPr lang="en-IN" dirty="0"/>
+              <a:t>Zone 2</a:t>
+            </a:r>
+          </a:p>
+          <a:p>
+            <a:pPr algn="ctr"/>
+            <a:endParaRPr lang="en-IN" dirty="0"/>
+          </a:p>
+          <a:p>
+            <a:pPr algn="ctr"/>
+            <a:endParaRPr lang="en-IN" dirty="0"/>
+          </a:p>
+          <a:p>
+            <a:pPr algn="ctr"/>
+            <a:endParaRPr lang="en-IN" dirty="0"/>
+          </a:p>
+          <a:p>
+            <a:pPr algn="ctr"/>
+            <a:endParaRPr lang="en-IN" dirty="0"/>
+          </a:p>
+          <a:p>
+            <a:pPr algn="ctr"/>
+            <a:endParaRPr lang="en-IN" dirty="0"/>
           </a:p>
         </p:txBody>
       </p:sp>
@@ -14274,7 +17662,30 @@
           <a:lstStyle/>
           <a:p>
             <a:pPr algn="ctr"/>
-            <a:endParaRPr lang="en-IN"/>
+            <a:r>
+              <a:rPr lang="en-IN" dirty="0"/>
+              <a:t>Zone 3</a:t>
+            </a:r>
+          </a:p>
+          <a:p>
+            <a:pPr algn="ctr"/>
+            <a:endParaRPr lang="en-IN" dirty="0"/>
+          </a:p>
+          <a:p>
+            <a:pPr algn="ctr"/>
+            <a:endParaRPr lang="en-IN" dirty="0"/>
+          </a:p>
+          <a:p>
+            <a:pPr algn="ctr"/>
+            <a:endParaRPr lang="en-IN" dirty="0"/>
+          </a:p>
+          <a:p>
+            <a:pPr algn="ctr"/>
+            <a:endParaRPr lang="en-IN" dirty="0"/>
+          </a:p>
+          <a:p>
+            <a:pPr algn="ctr"/>
+            <a:endParaRPr lang="en-IN" dirty="0"/>
           </a:p>
         </p:txBody>
       </p:sp>
@@ -15223,7 +18634,7 @@
           <a:p>
             <a:r>
               <a:rPr lang="en-IN" dirty="0"/>
-              <a:t>Azure Site Recovery</a:t>
+              <a:t>Azure Site Recovery (ASR)</a:t>
             </a:r>
           </a:p>
         </p:txBody>
